--- a/orga/SCC_TimeTracker_final_presentation.pptx
+++ b/orga/SCC_TimeTracker_final_presentation.pptx
@@ -5,24 +5,20 @@
     <p:sldMasterId id="2147483648" r:id="rId1"/>
   </p:sldMasterIdLst>
   <p:notesMasterIdLst>
-    <p:notesMasterId r:id="rId17"/>
+    <p:notesMasterId r:id="rId13"/>
   </p:notesMasterIdLst>
   <p:sldIdLst>
     <p:sldId id="256" r:id="rId2"/>
     <p:sldId id="272" r:id="rId3"/>
-    <p:sldId id="263" r:id="rId4"/>
-    <p:sldId id="265" r:id="rId5"/>
-    <p:sldId id="274" r:id="rId6"/>
-    <p:sldId id="258" r:id="rId7"/>
-    <p:sldId id="264" r:id="rId8"/>
-    <p:sldId id="259" r:id="rId9"/>
-    <p:sldId id="275" r:id="rId10"/>
-    <p:sldId id="277" r:id="rId11"/>
-    <p:sldId id="279" r:id="rId12"/>
-    <p:sldId id="280" r:id="rId13"/>
-    <p:sldId id="278" r:id="rId14"/>
-    <p:sldId id="276" r:id="rId15"/>
-    <p:sldId id="268" r:id="rId16"/>
+    <p:sldId id="274" r:id="rId4"/>
+    <p:sldId id="258" r:id="rId5"/>
+    <p:sldId id="264" r:id="rId6"/>
+    <p:sldId id="259" r:id="rId7"/>
+    <p:sldId id="275" r:id="rId8"/>
+    <p:sldId id="280" r:id="rId9"/>
+    <p:sldId id="278" r:id="rId10"/>
+    <p:sldId id="281" r:id="rId11"/>
+    <p:sldId id="276" r:id="rId12"/>
   </p:sldIdLst>
   <p:sldSz cx="12192000" cy="6858000"/>
   <p:notesSz cx="6858000" cy="9144000"/>
@@ -130,755 +126,6 @@
 </file>
 
 <file path=ppt/diagrams/colors1.xml><?xml version="1.0" encoding="utf-8"?>
-<dgm:colorsDef xmlns:dgm="http://schemas.openxmlformats.org/drawingml/2006/diagram" xmlns:a="http://schemas.openxmlformats.org/drawingml/2006/main" uniqueId="urn:microsoft.com/office/officeart/2018/5/colors/Iconchunking_neutralbg_accent1_2">
-  <dgm:title val=""/>
-  <dgm:desc val=""/>
-  <dgm:catLst>
-    <dgm:cat type="accent1" pri="11200"/>
-  </dgm:catLst>
-  <dgm:styleLbl name="node0">
-    <dgm:fillClrLst meth="repeat">
-      <a:schemeClr val="accent1"/>
-    </dgm:fillClrLst>
-    <dgm:linClrLst meth="repeat">
-      <a:schemeClr val="lt1"/>
-    </dgm:linClrLst>
-    <dgm:effectClrLst/>
-    <dgm:txLinClrLst/>
-    <dgm:txFillClrLst/>
-    <dgm:txEffectClrLst/>
-  </dgm:styleLbl>
-  <dgm:styleLbl name="alignNode1">
-    <dgm:fillClrLst meth="repeat">
-      <a:schemeClr val="accent1"/>
-    </dgm:fillClrLst>
-    <dgm:linClrLst meth="repeat">
-      <a:schemeClr val="accent1"/>
-    </dgm:linClrLst>
-    <dgm:effectClrLst/>
-    <dgm:txLinClrLst/>
-    <dgm:txFillClrLst/>
-    <dgm:txEffectClrLst/>
-  </dgm:styleLbl>
-  <dgm:styleLbl name="node1">
-    <dgm:fillClrLst meth="repeat">
-      <a:schemeClr val="accent1"/>
-    </dgm:fillClrLst>
-    <dgm:linClrLst meth="repeat">
-      <a:schemeClr val="lt1">
-        <a:alpha val="0"/>
-      </a:schemeClr>
-    </dgm:linClrLst>
-    <dgm:effectClrLst/>
-    <dgm:txLinClrLst/>
-    <dgm:txFillClrLst/>
-    <dgm:txEffectClrLst/>
-  </dgm:styleLbl>
-  <dgm:styleLbl name="lnNode1">
-    <dgm:fillClrLst meth="repeat">
-      <a:schemeClr val="accent1"/>
-    </dgm:fillClrLst>
-    <dgm:linClrLst meth="repeat">
-      <a:schemeClr val="lt1"/>
-    </dgm:linClrLst>
-    <dgm:effectClrLst/>
-    <dgm:txLinClrLst/>
-    <dgm:txFillClrLst/>
-    <dgm:txEffectClrLst/>
-  </dgm:styleLbl>
-  <dgm:styleLbl name="vennNode1">
-    <dgm:fillClrLst meth="repeat">
-      <a:schemeClr val="accent1">
-        <a:alpha val="50000"/>
-      </a:schemeClr>
-    </dgm:fillClrLst>
-    <dgm:linClrLst meth="repeat">
-      <a:schemeClr val="lt1"/>
-    </dgm:linClrLst>
-    <dgm:effectClrLst/>
-    <dgm:txLinClrLst/>
-    <dgm:txFillClrLst/>
-    <dgm:txEffectClrLst/>
-  </dgm:styleLbl>
-  <dgm:styleLbl name="node2">
-    <dgm:fillClrLst meth="repeat">
-      <a:schemeClr val="accent1"/>
-    </dgm:fillClrLst>
-    <dgm:linClrLst meth="repeat">
-      <a:schemeClr val="lt1"/>
-    </dgm:linClrLst>
-    <dgm:effectClrLst/>
-    <dgm:txLinClrLst/>
-    <dgm:txFillClrLst/>
-    <dgm:txEffectClrLst/>
-  </dgm:styleLbl>
-  <dgm:styleLbl name="node3">
-    <dgm:fillClrLst meth="repeat">
-      <a:schemeClr val="accent1"/>
-    </dgm:fillClrLst>
-    <dgm:linClrLst meth="repeat">
-      <a:schemeClr val="lt1"/>
-    </dgm:linClrLst>
-    <dgm:effectClrLst/>
-    <dgm:txLinClrLst/>
-    <dgm:txFillClrLst/>
-    <dgm:txEffectClrLst/>
-  </dgm:styleLbl>
-  <dgm:styleLbl name="node4">
-    <dgm:fillClrLst meth="repeat">
-      <a:schemeClr val="accent1"/>
-    </dgm:fillClrLst>
-    <dgm:linClrLst meth="repeat">
-      <a:schemeClr val="lt1"/>
-    </dgm:linClrLst>
-    <dgm:effectClrLst/>
-    <dgm:txLinClrLst/>
-    <dgm:txFillClrLst/>
-    <dgm:txEffectClrLst/>
-  </dgm:styleLbl>
-  <dgm:styleLbl name="fgImgPlace1">
-    <dgm:fillClrLst meth="repeat">
-      <a:schemeClr val="accent1">
-        <a:tint val="50000"/>
-      </a:schemeClr>
-    </dgm:fillClrLst>
-    <dgm:linClrLst meth="repeat">
-      <a:schemeClr val="lt1"/>
-    </dgm:linClrLst>
-    <dgm:effectClrLst/>
-    <dgm:txLinClrLst/>
-    <dgm:txFillClrLst meth="repeat">
-      <a:schemeClr val="lt1"/>
-    </dgm:txFillClrLst>
-    <dgm:txEffectClrLst/>
-  </dgm:styleLbl>
-  <dgm:styleLbl name="alignImgPlace1">
-    <dgm:fillClrLst meth="repeat">
-      <a:schemeClr val="accent1">
-        <a:tint val="50000"/>
-      </a:schemeClr>
-    </dgm:fillClrLst>
-    <dgm:linClrLst meth="repeat">
-      <a:schemeClr val="lt1"/>
-    </dgm:linClrLst>
-    <dgm:effectClrLst/>
-    <dgm:txLinClrLst/>
-    <dgm:txFillClrLst meth="repeat">
-      <a:schemeClr val="lt1"/>
-    </dgm:txFillClrLst>
-    <dgm:txEffectClrLst/>
-  </dgm:styleLbl>
-  <dgm:styleLbl name="bgImgPlace1">
-    <dgm:fillClrLst meth="repeat">
-      <a:schemeClr val="accent1">
-        <a:tint val="50000"/>
-      </a:schemeClr>
-    </dgm:fillClrLst>
-    <dgm:linClrLst meth="repeat">
-      <a:schemeClr val="lt1"/>
-    </dgm:linClrLst>
-    <dgm:effectClrLst/>
-    <dgm:txLinClrLst/>
-    <dgm:txFillClrLst meth="repeat">
-      <a:schemeClr val="lt1"/>
-    </dgm:txFillClrLst>
-    <dgm:txEffectClrLst/>
-  </dgm:styleLbl>
-  <dgm:styleLbl name="sibTrans2D1">
-    <dgm:fillClrLst meth="repeat">
-      <a:schemeClr val="accent1">
-        <a:tint val="60000"/>
-      </a:schemeClr>
-    </dgm:fillClrLst>
-    <dgm:linClrLst meth="repeat">
-      <a:schemeClr val="accent1">
-        <a:tint val="60000"/>
-      </a:schemeClr>
-    </dgm:linClrLst>
-    <dgm:effectClrLst/>
-    <dgm:txLinClrLst/>
-    <dgm:txFillClrLst/>
-    <dgm:txEffectClrLst/>
-  </dgm:styleLbl>
-  <dgm:styleLbl name="fgSibTrans2D1">
-    <dgm:fillClrLst meth="repeat">
-      <a:schemeClr val="accent1">
-        <a:tint val="60000"/>
-      </a:schemeClr>
-    </dgm:fillClrLst>
-    <dgm:linClrLst meth="repeat">
-      <a:schemeClr val="accent1">
-        <a:tint val="60000"/>
-      </a:schemeClr>
-    </dgm:linClrLst>
-    <dgm:effectClrLst/>
-    <dgm:txLinClrLst/>
-    <dgm:txFillClrLst/>
-    <dgm:txEffectClrLst/>
-  </dgm:styleLbl>
-  <dgm:styleLbl name="bgSibTrans2D1">
-    <dgm:fillClrLst meth="repeat">
-      <a:schemeClr val="accent1">
-        <a:tint val="60000"/>
-      </a:schemeClr>
-    </dgm:fillClrLst>
-    <dgm:linClrLst meth="repeat">
-      <a:schemeClr val="accent1">
-        <a:tint val="60000"/>
-      </a:schemeClr>
-    </dgm:linClrLst>
-    <dgm:effectClrLst/>
-    <dgm:txLinClrLst/>
-    <dgm:txFillClrLst/>
-    <dgm:txEffectClrLst/>
-  </dgm:styleLbl>
-  <dgm:styleLbl name="sibTrans1D1">
-    <dgm:fillClrLst meth="repeat">
-      <a:schemeClr val="accent1"/>
-    </dgm:fillClrLst>
-    <dgm:linClrLst meth="repeat">
-      <a:schemeClr val="accent1"/>
-    </dgm:linClrLst>
-    <dgm:effectClrLst/>
-    <dgm:txLinClrLst/>
-    <dgm:txFillClrLst meth="repeat">
-      <a:schemeClr val="tx1"/>
-    </dgm:txFillClrLst>
-    <dgm:txEffectClrLst/>
-  </dgm:styleLbl>
-  <dgm:styleLbl name="callout">
-    <dgm:fillClrLst meth="repeat">
-      <a:schemeClr val="accent1"/>
-    </dgm:fillClrLst>
-    <dgm:linClrLst meth="repeat">
-      <a:schemeClr val="accent1">
-        <a:tint val="50000"/>
-      </a:schemeClr>
-    </dgm:linClrLst>
-    <dgm:effectClrLst/>
-    <dgm:txLinClrLst/>
-    <dgm:txFillClrLst meth="repeat">
-      <a:schemeClr val="tx1"/>
-    </dgm:txFillClrLst>
-    <dgm:txEffectClrLst/>
-  </dgm:styleLbl>
-  <dgm:styleLbl name="asst0">
-    <dgm:fillClrLst meth="repeat">
-      <a:schemeClr val="accent1"/>
-    </dgm:fillClrLst>
-    <dgm:linClrLst meth="repeat">
-      <a:schemeClr val="lt1"/>
-    </dgm:linClrLst>
-    <dgm:effectClrLst/>
-    <dgm:txLinClrLst/>
-    <dgm:txFillClrLst/>
-    <dgm:txEffectClrLst/>
-  </dgm:styleLbl>
-  <dgm:styleLbl name="asst1">
-    <dgm:fillClrLst meth="repeat">
-      <a:schemeClr val="accent1"/>
-    </dgm:fillClrLst>
-    <dgm:linClrLst meth="repeat">
-      <a:schemeClr val="lt1"/>
-    </dgm:linClrLst>
-    <dgm:effectClrLst/>
-    <dgm:txLinClrLst/>
-    <dgm:txFillClrLst/>
-    <dgm:txEffectClrLst/>
-  </dgm:styleLbl>
-  <dgm:styleLbl name="asst2">
-    <dgm:fillClrLst meth="repeat">
-      <a:schemeClr val="accent1"/>
-    </dgm:fillClrLst>
-    <dgm:linClrLst meth="repeat">
-      <a:schemeClr val="lt1"/>
-    </dgm:linClrLst>
-    <dgm:effectClrLst/>
-    <dgm:txLinClrLst/>
-    <dgm:txFillClrLst/>
-    <dgm:txEffectClrLst/>
-  </dgm:styleLbl>
-  <dgm:styleLbl name="asst3">
-    <dgm:fillClrLst meth="repeat">
-      <a:schemeClr val="accent1"/>
-    </dgm:fillClrLst>
-    <dgm:linClrLst meth="repeat">
-      <a:schemeClr val="lt1"/>
-    </dgm:linClrLst>
-    <dgm:effectClrLst/>
-    <dgm:txLinClrLst/>
-    <dgm:txFillClrLst/>
-    <dgm:txEffectClrLst/>
-  </dgm:styleLbl>
-  <dgm:styleLbl name="asst4">
-    <dgm:fillClrLst meth="repeat">
-      <a:schemeClr val="accent1"/>
-    </dgm:fillClrLst>
-    <dgm:linClrLst meth="repeat">
-      <a:schemeClr val="lt1"/>
-    </dgm:linClrLst>
-    <dgm:effectClrLst/>
-    <dgm:txLinClrLst/>
-    <dgm:txFillClrLst/>
-    <dgm:txEffectClrLst/>
-  </dgm:styleLbl>
-  <dgm:styleLbl name="parChTrans2D1">
-    <dgm:fillClrLst meth="repeat">
-      <a:schemeClr val="accent1">
-        <a:tint val="60000"/>
-      </a:schemeClr>
-    </dgm:fillClrLst>
-    <dgm:linClrLst meth="repeat">
-      <a:schemeClr val="accent1">
-        <a:tint val="60000"/>
-      </a:schemeClr>
-    </dgm:linClrLst>
-    <dgm:effectClrLst/>
-    <dgm:txLinClrLst/>
-    <dgm:txFillClrLst meth="repeat">
-      <a:schemeClr val="lt1"/>
-    </dgm:txFillClrLst>
-    <dgm:txEffectClrLst/>
-  </dgm:styleLbl>
-  <dgm:styleLbl name="parChTrans2D2">
-    <dgm:fillClrLst meth="repeat">
-      <a:schemeClr val="accent1"/>
-    </dgm:fillClrLst>
-    <dgm:linClrLst meth="repeat">
-      <a:schemeClr val="accent1"/>
-    </dgm:linClrLst>
-    <dgm:effectClrLst/>
-    <dgm:txLinClrLst/>
-    <dgm:txFillClrLst meth="repeat">
-      <a:schemeClr val="lt1"/>
-    </dgm:txFillClrLst>
-    <dgm:txEffectClrLst/>
-  </dgm:styleLbl>
-  <dgm:styleLbl name="parChTrans2D3">
-    <dgm:fillClrLst meth="repeat">
-      <a:schemeClr val="accent1"/>
-    </dgm:fillClrLst>
-    <dgm:linClrLst meth="repeat">
-      <a:schemeClr val="accent1"/>
-    </dgm:linClrLst>
-    <dgm:effectClrLst/>
-    <dgm:txLinClrLst/>
-    <dgm:txFillClrLst meth="repeat">
-      <a:schemeClr val="lt1"/>
-    </dgm:txFillClrLst>
-    <dgm:txEffectClrLst/>
-  </dgm:styleLbl>
-  <dgm:styleLbl name="parChTrans2D4">
-    <dgm:fillClrLst meth="repeat">
-      <a:schemeClr val="accent1"/>
-    </dgm:fillClrLst>
-    <dgm:linClrLst meth="repeat">
-      <a:schemeClr val="accent1"/>
-    </dgm:linClrLst>
-    <dgm:effectClrLst/>
-    <dgm:txLinClrLst/>
-    <dgm:txFillClrLst meth="repeat">
-      <a:schemeClr val="lt1"/>
-    </dgm:txFillClrLst>
-    <dgm:txEffectClrLst/>
-  </dgm:styleLbl>
-  <dgm:styleLbl name="parChTrans1D1">
-    <dgm:fillClrLst meth="repeat">
-      <a:schemeClr val="accent1"/>
-    </dgm:fillClrLst>
-    <dgm:linClrLst meth="repeat">
-      <a:schemeClr val="accent1">
-        <a:shade val="60000"/>
-      </a:schemeClr>
-    </dgm:linClrLst>
-    <dgm:effectClrLst/>
-    <dgm:txLinClrLst/>
-    <dgm:txFillClrLst meth="repeat">
-      <a:schemeClr val="tx1"/>
-    </dgm:txFillClrLst>
-    <dgm:txEffectClrLst/>
-  </dgm:styleLbl>
-  <dgm:styleLbl name="parChTrans1D2">
-    <dgm:fillClrLst meth="repeat">
-      <a:schemeClr val="accent1"/>
-    </dgm:fillClrLst>
-    <dgm:linClrLst meth="repeat">
-      <a:schemeClr val="accent1">
-        <a:shade val="60000"/>
-      </a:schemeClr>
-    </dgm:linClrLst>
-    <dgm:effectClrLst/>
-    <dgm:txLinClrLst/>
-    <dgm:txFillClrLst meth="repeat">
-      <a:schemeClr val="tx1"/>
-    </dgm:txFillClrLst>
-    <dgm:txEffectClrLst/>
-  </dgm:styleLbl>
-  <dgm:styleLbl name="parChTrans1D3">
-    <dgm:fillClrLst meth="repeat">
-      <a:schemeClr val="accent1"/>
-    </dgm:fillClrLst>
-    <dgm:linClrLst meth="repeat">
-      <a:schemeClr val="accent1">
-        <a:shade val="80000"/>
-      </a:schemeClr>
-    </dgm:linClrLst>
-    <dgm:effectClrLst/>
-    <dgm:txLinClrLst/>
-    <dgm:txFillClrLst meth="repeat">
-      <a:schemeClr val="tx1"/>
-    </dgm:txFillClrLst>
-    <dgm:txEffectClrLst/>
-  </dgm:styleLbl>
-  <dgm:styleLbl name="parChTrans1D4">
-    <dgm:fillClrLst meth="repeat">
-      <a:schemeClr val="accent1"/>
-    </dgm:fillClrLst>
-    <dgm:linClrLst meth="repeat">
-      <a:schemeClr val="accent1">
-        <a:shade val="80000"/>
-      </a:schemeClr>
-    </dgm:linClrLst>
-    <dgm:effectClrLst/>
-    <dgm:txLinClrLst/>
-    <dgm:txFillClrLst meth="repeat">
-      <a:schemeClr val="tx1"/>
-    </dgm:txFillClrLst>
-    <dgm:txEffectClrLst/>
-  </dgm:styleLbl>
-  <dgm:styleLbl name="fgAcc1">
-    <dgm:fillClrLst meth="repeat">
-      <a:schemeClr val="lt1">
-        <a:alpha val="90000"/>
-      </a:schemeClr>
-    </dgm:fillClrLst>
-    <dgm:linClrLst meth="repeat">
-      <a:schemeClr val="accent1"/>
-    </dgm:linClrLst>
-    <dgm:effectClrLst/>
-    <dgm:txLinClrLst/>
-    <dgm:txFillClrLst meth="repeat">
-      <a:schemeClr val="dk1"/>
-    </dgm:txFillClrLst>
-    <dgm:txEffectClrLst/>
-  </dgm:styleLbl>
-  <dgm:styleLbl name="conFgAcc1">
-    <dgm:fillClrLst meth="repeat">
-      <a:schemeClr val="lt1">
-        <a:alpha val="90000"/>
-      </a:schemeClr>
-    </dgm:fillClrLst>
-    <dgm:linClrLst meth="repeat">
-      <a:schemeClr val="accent1"/>
-    </dgm:linClrLst>
-    <dgm:effectClrLst/>
-    <dgm:txLinClrLst/>
-    <dgm:txFillClrLst meth="repeat">
-      <a:schemeClr val="dk1"/>
-    </dgm:txFillClrLst>
-    <dgm:txEffectClrLst/>
-  </dgm:styleLbl>
-  <dgm:styleLbl name="alignAcc1">
-    <dgm:fillClrLst meth="repeat">
-      <a:schemeClr val="lt1">
-        <a:alpha val="90000"/>
-      </a:schemeClr>
-    </dgm:fillClrLst>
-    <dgm:linClrLst meth="repeat">
-      <a:schemeClr val="accent1"/>
-    </dgm:linClrLst>
-    <dgm:effectClrLst/>
-    <dgm:txLinClrLst/>
-    <dgm:txFillClrLst meth="repeat">
-      <a:schemeClr val="dk1"/>
-    </dgm:txFillClrLst>
-    <dgm:txEffectClrLst/>
-  </dgm:styleLbl>
-  <dgm:styleLbl name="trAlignAcc1">
-    <dgm:fillClrLst meth="repeat">
-      <a:schemeClr val="lt1">
-        <a:alpha val="40000"/>
-      </a:schemeClr>
-    </dgm:fillClrLst>
-    <dgm:linClrLst meth="repeat">
-      <a:schemeClr val="accent1"/>
-    </dgm:linClrLst>
-    <dgm:effectClrLst/>
-    <dgm:txLinClrLst/>
-    <dgm:txFillClrLst meth="repeat">
-      <a:schemeClr val="dk1"/>
-    </dgm:txFillClrLst>
-    <dgm:txEffectClrLst/>
-  </dgm:styleLbl>
-  <dgm:styleLbl name="bgAcc1">
-    <dgm:fillClrLst meth="repeat">
-      <a:schemeClr val="lt1">
-        <a:alpha val="90000"/>
-      </a:schemeClr>
-    </dgm:fillClrLst>
-    <dgm:linClrLst meth="repeat">
-      <a:schemeClr val="accent1"/>
-    </dgm:linClrLst>
-    <dgm:effectClrLst/>
-    <dgm:txLinClrLst/>
-    <dgm:txFillClrLst meth="repeat">
-      <a:schemeClr val="dk1"/>
-    </dgm:txFillClrLst>
-    <dgm:txEffectClrLst/>
-  </dgm:styleLbl>
-  <dgm:styleLbl name="solidFgAcc1">
-    <dgm:fillClrLst meth="repeat">
-      <a:schemeClr val="lt1"/>
-    </dgm:fillClrLst>
-    <dgm:linClrLst meth="repeat">
-      <a:schemeClr val="accent1"/>
-    </dgm:linClrLst>
-    <dgm:effectClrLst/>
-    <dgm:txLinClrLst/>
-    <dgm:txFillClrLst meth="repeat">
-      <a:schemeClr val="dk1"/>
-    </dgm:txFillClrLst>
-    <dgm:txEffectClrLst/>
-  </dgm:styleLbl>
-  <dgm:styleLbl name="solidAlignAcc1">
-    <dgm:fillClrLst meth="repeat">
-      <a:schemeClr val="lt1"/>
-    </dgm:fillClrLst>
-    <dgm:linClrLst meth="repeat">
-      <a:schemeClr val="accent1"/>
-    </dgm:linClrLst>
-    <dgm:effectClrLst/>
-    <dgm:txLinClrLst/>
-    <dgm:txFillClrLst meth="repeat">
-      <a:schemeClr val="dk1"/>
-    </dgm:txFillClrLst>
-    <dgm:txEffectClrLst/>
-  </dgm:styleLbl>
-  <dgm:styleLbl name="solidBgAcc1">
-    <dgm:fillClrLst meth="repeat">
-      <a:schemeClr val="lt1"/>
-    </dgm:fillClrLst>
-    <dgm:linClrLst meth="repeat">
-      <a:schemeClr val="accent1"/>
-    </dgm:linClrLst>
-    <dgm:effectClrLst/>
-    <dgm:txLinClrLst/>
-    <dgm:txFillClrLst meth="repeat">
-      <a:schemeClr val="dk1"/>
-    </dgm:txFillClrLst>
-    <dgm:txEffectClrLst/>
-  </dgm:styleLbl>
-  <dgm:styleLbl name="fgAccFollowNode1">
-    <dgm:fillClrLst meth="repeat">
-      <a:schemeClr val="accent1">
-        <a:alpha val="90000"/>
-        <a:tint val="40000"/>
-      </a:schemeClr>
-    </dgm:fillClrLst>
-    <dgm:linClrLst meth="repeat">
-      <a:schemeClr val="accent1">
-        <a:alpha val="90000"/>
-        <a:tint val="40000"/>
-      </a:schemeClr>
-    </dgm:linClrLst>
-    <dgm:effectClrLst/>
-    <dgm:txLinClrLst/>
-    <dgm:txFillClrLst meth="repeat">
-      <a:schemeClr val="dk1"/>
-    </dgm:txFillClrLst>
-    <dgm:txEffectClrLst/>
-  </dgm:styleLbl>
-  <dgm:styleLbl name="alignAccFollowNode1">
-    <dgm:fillClrLst meth="repeat">
-      <a:schemeClr val="accent1">
-        <a:alpha val="90000"/>
-        <a:tint val="40000"/>
-      </a:schemeClr>
-    </dgm:fillClrLst>
-    <dgm:linClrLst meth="repeat">
-      <a:schemeClr val="accent1">
-        <a:alpha val="90000"/>
-        <a:tint val="40000"/>
-      </a:schemeClr>
-    </dgm:linClrLst>
-    <dgm:effectClrLst/>
-    <dgm:txLinClrLst/>
-    <dgm:txFillClrLst meth="repeat">
-      <a:schemeClr val="dk1"/>
-    </dgm:txFillClrLst>
-    <dgm:txEffectClrLst/>
-  </dgm:styleLbl>
-  <dgm:styleLbl name="bgAccFollowNode1">
-    <dgm:fillClrLst meth="repeat">
-      <a:schemeClr val="accent1">
-        <a:alpha val="90000"/>
-        <a:tint val="40000"/>
-      </a:schemeClr>
-    </dgm:fillClrLst>
-    <dgm:linClrLst meth="repeat">
-      <a:schemeClr val="accent1">
-        <a:alpha val="90000"/>
-        <a:tint val="40000"/>
-      </a:schemeClr>
-    </dgm:linClrLst>
-    <dgm:effectClrLst/>
-    <dgm:txLinClrLst/>
-    <dgm:txFillClrLst meth="repeat">
-      <a:schemeClr val="dk1"/>
-    </dgm:txFillClrLst>
-    <dgm:txEffectClrLst/>
-  </dgm:styleLbl>
-  <dgm:styleLbl name="fgAcc0">
-    <dgm:fillClrLst meth="repeat">
-      <a:schemeClr val="lt1">
-        <a:alpha val="90000"/>
-      </a:schemeClr>
-    </dgm:fillClrLst>
-    <dgm:linClrLst meth="repeat">
-      <a:schemeClr val="accent1"/>
-    </dgm:linClrLst>
-    <dgm:effectClrLst/>
-    <dgm:txLinClrLst/>
-    <dgm:txFillClrLst meth="repeat">
-      <a:schemeClr val="dk1"/>
-    </dgm:txFillClrLst>
-    <dgm:txEffectClrLst/>
-  </dgm:styleLbl>
-  <dgm:styleLbl name="fgAcc2">
-    <dgm:fillClrLst meth="repeat">
-      <a:schemeClr val="lt1">
-        <a:alpha val="90000"/>
-      </a:schemeClr>
-    </dgm:fillClrLst>
-    <dgm:linClrLst meth="repeat">
-      <a:schemeClr val="accent1"/>
-    </dgm:linClrLst>
-    <dgm:effectClrLst/>
-    <dgm:txLinClrLst/>
-    <dgm:txFillClrLst meth="repeat">
-      <a:schemeClr val="dk1"/>
-    </dgm:txFillClrLst>
-    <dgm:txEffectClrLst/>
-  </dgm:styleLbl>
-  <dgm:styleLbl name="fgAcc3">
-    <dgm:fillClrLst meth="repeat">
-      <a:schemeClr val="lt1">
-        <a:alpha val="90000"/>
-      </a:schemeClr>
-    </dgm:fillClrLst>
-    <dgm:linClrLst meth="repeat">
-      <a:schemeClr val="accent1"/>
-    </dgm:linClrLst>
-    <dgm:effectClrLst/>
-    <dgm:txLinClrLst/>
-    <dgm:txFillClrLst meth="repeat">
-      <a:schemeClr val="dk1"/>
-    </dgm:txFillClrLst>
-    <dgm:txEffectClrLst/>
-  </dgm:styleLbl>
-  <dgm:styleLbl name="fgAcc4">
-    <dgm:fillClrLst meth="repeat">
-      <a:schemeClr val="lt1">
-        <a:alpha val="90000"/>
-      </a:schemeClr>
-    </dgm:fillClrLst>
-    <dgm:linClrLst meth="repeat">
-      <a:schemeClr val="accent1"/>
-    </dgm:linClrLst>
-    <dgm:effectClrLst/>
-    <dgm:txLinClrLst/>
-    <dgm:txFillClrLst meth="repeat">
-      <a:schemeClr val="dk1"/>
-    </dgm:txFillClrLst>
-    <dgm:txEffectClrLst/>
-  </dgm:styleLbl>
-  <dgm:styleLbl name="bgShp">
-    <dgm:fillClrLst meth="repeat">
-      <a:schemeClr val="bg1">
-        <a:lumMod val="95000"/>
-      </a:schemeClr>
-    </dgm:fillClrLst>
-    <dgm:linClrLst meth="repeat">
-      <a:schemeClr val="accent1"/>
-    </dgm:linClrLst>
-    <dgm:effectClrLst/>
-    <dgm:txLinClrLst/>
-    <dgm:txFillClrLst meth="repeat">
-      <a:schemeClr val="dk1"/>
-    </dgm:txFillClrLst>
-    <dgm:txEffectClrLst/>
-  </dgm:styleLbl>
-  <dgm:styleLbl name="dkBgShp">
-    <dgm:fillClrLst meth="repeat">
-      <a:schemeClr val="accent1">
-        <a:shade val="80000"/>
-      </a:schemeClr>
-    </dgm:fillClrLst>
-    <dgm:linClrLst meth="repeat">
-      <a:schemeClr val="accent1"/>
-    </dgm:linClrLst>
-    <dgm:effectClrLst/>
-    <dgm:txLinClrLst/>
-    <dgm:txFillClrLst meth="repeat">
-      <a:schemeClr val="lt1"/>
-    </dgm:txFillClrLst>
-    <dgm:txEffectClrLst/>
-  </dgm:styleLbl>
-  <dgm:styleLbl name="trBgShp">
-    <dgm:fillClrLst meth="repeat">
-      <a:schemeClr val="accent1">
-        <a:tint val="50000"/>
-        <a:alpha val="40000"/>
-      </a:schemeClr>
-    </dgm:fillClrLst>
-    <dgm:linClrLst meth="repeat">
-      <a:schemeClr val="accent1"/>
-    </dgm:linClrLst>
-    <dgm:effectClrLst/>
-    <dgm:txLinClrLst/>
-    <dgm:txFillClrLst meth="repeat">
-      <a:schemeClr val="lt1"/>
-    </dgm:txFillClrLst>
-    <dgm:txEffectClrLst/>
-  </dgm:styleLbl>
-  <dgm:styleLbl name="fgShp">
-    <dgm:fillClrLst meth="repeat">
-      <a:schemeClr val="accent1">
-        <a:tint val="60000"/>
-      </a:schemeClr>
-    </dgm:fillClrLst>
-    <dgm:linClrLst meth="repeat">
-      <a:schemeClr val="lt1"/>
-    </dgm:linClrLst>
-    <dgm:effectClrLst/>
-    <dgm:txLinClrLst/>
-    <dgm:txFillClrLst meth="repeat">
-      <a:schemeClr val="dk1"/>
-    </dgm:txFillClrLst>
-    <dgm:txEffectClrLst/>
-  </dgm:styleLbl>
-  <dgm:styleLbl name="revTx">
-    <dgm:fillClrLst meth="repeat">
-      <a:schemeClr val="lt1">
-        <a:alpha val="0"/>
-      </a:schemeClr>
-    </dgm:fillClrLst>
-    <dgm:linClrLst meth="repeat">
-      <a:schemeClr val="dk1">
-        <a:alpha val="0"/>
-      </a:schemeClr>
-    </dgm:linClrLst>
-    <dgm:effectClrLst/>
-    <dgm:txLinClrLst/>
-    <dgm:txFillClrLst meth="repeat">
-      <a:schemeClr val="tx1"/>
-    </dgm:txFillClrLst>
-    <dgm:txEffectClrLst/>
-  </dgm:styleLbl>
-</dgm:colorsDef>
-</file>
-
-<file path=ppt/diagrams/colors2.xml><?xml version="1.0" encoding="utf-8"?>
 <dgm:colorsDef xmlns:dgm="http://schemas.openxmlformats.org/drawingml/2006/diagram" xmlns:a="http://schemas.openxmlformats.org/drawingml/2006/main" uniqueId="urn:microsoft.com/office/officeart/2018/5/colors/Iconchunking_neutralbg_colorful5">
   <dgm:title val=""/>
   <dgm:desc val=""/>
@@ -1662,7 +909,7 @@
 </dgm:colorsDef>
 </file>
 
-<file path=ppt/diagrams/colors3.xml><?xml version="1.0" encoding="utf-8"?>
+<file path=ppt/diagrams/colors2.xml><?xml version="1.0" encoding="utf-8"?>
 <dgm:colorsDef xmlns:dgm="http://schemas.openxmlformats.org/drawingml/2006/diagram" xmlns:a="http://schemas.openxmlformats.org/drawingml/2006/main" uniqueId="urn:microsoft.com/office/officeart/2005/8/colors/accent1_2">
   <dgm:title val=""/>
   <dgm:desc val=""/>
@@ -2409,1190 +1656,7 @@
 </dgm:colorsDef>
 </file>
 
-<file path=ppt/diagrams/colors4.xml><?xml version="1.0" encoding="utf-8"?>
-<dgm:colorsDef xmlns:dgm="http://schemas.openxmlformats.org/drawingml/2006/diagram" xmlns:a="http://schemas.openxmlformats.org/drawingml/2006/main" uniqueId="urn:microsoft.com/office/officeart/2005/8/colors/accent1_2">
-  <dgm:title val=""/>
-  <dgm:desc val=""/>
-  <dgm:catLst>
-    <dgm:cat type="accent1" pri="11200"/>
-  </dgm:catLst>
-  <dgm:styleLbl name="node0">
-    <dgm:fillClrLst meth="repeat">
-      <a:schemeClr val="accent1"/>
-    </dgm:fillClrLst>
-    <dgm:linClrLst meth="repeat">
-      <a:schemeClr val="lt1"/>
-    </dgm:linClrLst>
-    <dgm:effectClrLst/>
-    <dgm:txLinClrLst/>
-    <dgm:txFillClrLst/>
-    <dgm:txEffectClrLst/>
-  </dgm:styleLbl>
-  <dgm:styleLbl name="alignNode1">
-    <dgm:fillClrLst meth="repeat">
-      <a:schemeClr val="accent1"/>
-    </dgm:fillClrLst>
-    <dgm:linClrLst meth="repeat">
-      <a:schemeClr val="accent1"/>
-    </dgm:linClrLst>
-    <dgm:effectClrLst/>
-    <dgm:txLinClrLst/>
-    <dgm:txFillClrLst/>
-    <dgm:txEffectClrLst/>
-  </dgm:styleLbl>
-  <dgm:styleLbl name="node1">
-    <dgm:fillClrLst meth="repeat">
-      <a:schemeClr val="accent1"/>
-    </dgm:fillClrLst>
-    <dgm:linClrLst meth="repeat">
-      <a:schemeClr val="lt1"/>
-    </dgm:linClrLst>
-    <dgm:effectClrLst/>
-    <dgm:txLinClrLst/>
-    <dgm:txFillClrLst/>
-    <dgm:txEffectClrLst/>
-  </dgm:styleLbl>
-  <dgm:styleLbl name="lnNode1">
-    <dgm:fillClrLst meth="repeat">
-      <a:schemeClr val="accent1"/>
-    </dgm:fillClrLst>
-    <dgm:linClrLst meth="repeat">
-      <a:schemeClr val="lt1"/>
-    </dgm:linClrLst>
-    <dgm:effectClrLst/>
-    <dgm:txLinClrLst/>
-    <dgm:txFillClrLst/>
-    <dgm:txEffectClrLst/>
-  </dgm:styleLbl>
-  <dgm:styleLbl name="vennNode1">
-    <dgm:fillClrLst meth="repeat">
-      <a:schemeClr val="accent1">
-        <a:alpha val="50000"/>
-      </a:schemeClr>
-    </dgm:fillClrLst>
-    <dgm:linClrLst meth="repeat">
-      <a:schemeClr val="lt1"/>
-    </dgm:linClrLst>
-    <dgm:effectClrLst/>
-    <dgm:txLinClrLst/>
-    <dgm:txFillClrLst/>
-    <dgm:txEffectClrLst/>
-  </dgm:styleLbl>
-  <dgm:styleLbl name="node2">
-    <dgm:fillClrLst meth="repeat">
-      <a:schemeClr val="accent1"/>
-    </dgm:fillClrLst>
-    <dgm:linClrLst meth="repeat">
-      <a:schemeClr val="lt1"/>
-    </dgm:linClrLst>
-    <dgm:effectClrLst/>
-    <dgm:txLinClrLst/>
-    <dgm:txFillClrLst/>
-    <dgm:txEffectClrLst/>
-  </dgm:styleLbl>
-  <dgm:styleLbl name="node3">
-    <dgm:fillClrLst meth="repeat">
-      <a:schemeClr val="accent1"/>
-    </dgm:fillClrLst>
-    <dgm:linClrLst meth="repeat">
-      <a:schemeClr val="lt1"/>
-    </dgm:linClrLst>
-    <dgm:effectClrLst/>
-    <dgm:txLinClrLst/>
-    <dgm:txFillClrLst/>
-    <dgm:txEffectClrLst/>
-  </dgm:styleLbl>
-  <dgm:styleLbl name="node4">
-    <dgm:fillClrLst meth="repeat">
-      <a:schemeClr val="accent1"/>
-    </dgm:fillClrLst>
-    <dgm:linClrLst meth="repeat">
-      <a:schemeClr val="lt1"/>
-    </dgm:linClrLst>
-    <dgm:effectClrLst/>
-    <dgm:txLinClrLst/>
-    <dgm:txFillClrLst/>
-    <dgm:txEffectClrLst/>
-  </dgm:styleLbl>
-  <dgm:styleLbl name="fgImgPlace1">
-    <dgm:fillClrLst meth="repeat">
-      <a:schemeClr val="accent1">
-        <a:tint val="50000"/>
-      </a:schemeClr>
-    </dgm:fillClrLst>
-    <dgm:linClrLst meth="repeat">
-      <a:schemeClr val="lt1"/>
-    </dgm:linClrLst>
-    <dgm:effectClrLst/>
-    <dgm:txLinClrLst/>
-    <dgm:txFillClrLst meth="repeat">
-      <a:schemeClr val="lt1"/>
-    </dgm:txFillClrLst>
-    <dgm:txEffectClrLst/>
-  </dgm:styleLbl>
-  <dgm:styleLbl name="alignImgPlace1">
-    <dgm:fillClrLst meth="repeat">
-      <a:schemeClr val="accent1">
-        <a:tint val="50000"/>
-      </a:schemeClr>
-    </dgm:fillClrLst>
-    <dgm:linClrLst meth="repeat">
-      <a:schemeClr val="lt1"/>
-    </dgm:linClrLst>
-    <dgm:effectClrLst/>
-    <dgm:txLinClrLst/>
-    <dgm:txFillClrLst meth="repeat">
-      <a:schemeClr val="lt1"/>
-    </dgm:txFillClrLst>
-    <dgm:txEffectClrLst/>
-  </dgm:styleLbl>
-  <dgm:styleLbl name="bgImgPlace1">
-    <dgm:fillClrLst meth="repeat">
-      <a:schemeClr val="accent1">
-        <a:tint val="50000"/>
-      </a:schemeClr>
-    </dgm:fillClrLst>
-    <dgm:linClrLst meth="repeat">
-      <a:schemeClr val="lt1"/>
-    </dgm:linClrLst>
-    <dgm:effectClrLst/>
-    <dgm:txLinClrLst/>
-    <dgm:txFillClrLst meth="repeat">
-      <a:schemeClr val="lt1"/>
-    </dgm:txFillClrLst>
-    <dgm:txEffectClrLst/>
-  </dgm:styleLbl>
-  <dgm:styleLbl name="sibTrans2D1">
-    <dgm:fillClrLst meth="repeat">
-      <a:schemeClr val="accent1">
-        <a:tint val="60000"/>
-      </a:schemeClr>
-    </dgm:fillClrLst>
-    <dgm:linClrLst meth="repeat">
-      <a:schemeClr val="accent1">
-        <a:tint val="60000"/>
-      </a:schemeClr>
-    </dgm:linClrLst>
-    <dgm:effectClrLst/>
-    <dgm:txLinClrLst/>
-    <dgm:txFillClrLst/>
-    <dgm:txEffectClrLst/>
-  </dgm:styleLbl>
-  <dgm:styleLbl name="fgSibTrans2D1">
-    <dgm:fillClrLst meth="repeat">
-      <a:schemeClr val="accent1">
-        <a:tint val="60000"/>
-      </a:schemeClr>
-    </dgm:fillClrLst>
-    <dgm:linClrLst meth="repeat">
-      <a:schemeClr val="accent1">
-        <a:tint val="60000"/>
-      </a:schemeClr>
-    </dgm:linClrLst>
-    <dgm:effectClrLst/>
-    <dgm:txLinClrLst/>
-    <dgm:txFillClrLst/>
-    <dgm:txEffectClrLst/>
-  </dgm:styleLbl>
-  <dgm:styleLbl name="bgSibTrans2D1">
-    <dgm:fillClrLst meth="repeat">
-      <a:schemeClr val="accent1">
-        <a:tint val="60000"/>
-      </a:schemeClr>
-    </dgm:fillClrLst>
-    <dgm:linClrLst meth="repeat">
-      <a:schemeClr val="accent1">
-        <a:tint val="60000"/>
-      </a:schemeClr>
-    </dgm:linClrLst>
-    <dgm:effectClrLst/>
-    <dgm:txLinClrLst/>
-    <dgm:txFillClrLst/>
-    <dgm:txEffectClrLst/>
-  </dgm:styleLbl>
-  <dgm:styleLbl name="sibTrans1D1">
-    <dgm:fillClrLst meth="repeat">
-      <a:schemeClr val="accent1"/>
-    </dgm:fillClrLst>
-    <dgm:linClrLst meth="repeat">
-      <a:schemeClr val="accent1"/>
-    </dgm:linClrLst>
-    <dgm:effectClrLst/>
-    <dgm:txLinClrLst/>
-    <dgm:txFillClrLst meth="repeat">
-      <a:schemeClr val="tx1"/>
-    </dgm:txFillClrLst>
-    <dgm:txEffectClrLst/>
-  </dgm:styleLbl>
-  <dgm:styleLbl name="callout">
-    <dgm:fillClrLst meth="repeat">
-      <a:schemeClr val="accent1"/>
-    </dgm:fillClrLst>
-    <dgm:linClrLst meth="repeat">
-      <a:schemeClr val="accent1">
-        <a:tint val="50000"/>
-      </a:schemeClr>
-    </dgm:linClrLst>
-    <dgm:effectClrLst/>
-    <dgm:txLinClrLst/>
-    <dgm:txFillClrLst meth="repeat">
-      <a:schemeClr val="tx1"/>
-    </dgm:txFillClrLst>
-    <dgm:txEffectClrLst/>
-  </dgm:styleLbl>
-  <dgm:styleLbl name="asst0">
-    <dgm:fillClrLst meth="repeat">
-      <a:schemeClr val="accent1"/>
-    </dgm:fillClrLst>
-    <dgm:linClrLst meth="repeat">
-      <a:schemeClr val="lt1"/>
-    </dgm:linClrLst>
-    <dgm:effectClrLst/>
-    <dgm:txLinClrLst/>
-    <dgm:txFillClrLst/>
-    <dgm:txEffectClrLst/>
-  </dgm:styleLbl>
-  <dgm:styleLbl name="asst1">
-    <dgm:fillClrLst meth="repeat">
-      <a:schemeClr val="accent1"/>
-    </dgm:fillClrLst>
-    <dgm:linClrLst meth="repeat">
-      <a:schemeClr val="lt1"/>
-    </dgm:linClrLst>
-    <dgm:effectClrLst/>
-    <dgm:txLinClrLst/>
-    <dgm:txFillClrLst/>
-    <dgm:txEffectClrLst/>
-  </dgm:styleLbl>
-  <dgm:styleLbl name="asst2">
-    <dgm:fillClrLst meth="repeat">
-      <a:schemeClr val="accent1"/>
-    </dgm:fillClrLst>
-    <dgm:linClrLst meth="repeat">
-      <a:schemeClr val="lt1"/>
-    </dgm:linClrLst>
-    <dgm:effectClrLst/>
-    <dgm:txLinClrLst/>
-    <dgm:txFillClrLst/>
-    <dgm:txEffectClrLst/>
-  </dgm:styleLbl>
-  <dgm:styleLbl name="asst3">
-    <dgm:fillClrLst meth="repeat">
-      <a:schemeClr val="accent1"/>
-    </dgm:fillClrLst>
-    <dgm:linClrLst meth="repeat">
-      <a:schemeClr val="lt1"/>
-    </dgm:linClrLst>
-    <dgm:effectClrLst/>
-    <dgm:txLinClrLst/>
-    <dgm:txFillClrLst/>
-    <dgm:txEffectClrLst/>
-  </dgm:styleLbl>
-  <dgm:styleLbl name="asst4">
-    <dgm:fillClrLst meth="repeat">
-      <a:schemeClr val="accent1"/>
-    </dgm:fillClrLst>
-    <dgm:linClrLst meth="repeat">
-      <a:schemeClr val="lt1"/>
-    </dgm:linClrLst>
-    <dgm:effectClrLst/>
-    <dgm:txLinClrLst/>
-    <dgm:txFillClrLst/>
-    <dgm:txEffectClrLst/>
-  </dgm:styleLbl>
-  <dgm:styleLbl name="parChTrans2D1">
-    <dgm:fillClrLst meth="repeat">
-      <a:schemeClr val="accent1">
-        <a:tint val="60000"/>
-      </a:schemeClr>
-    </dgm:fillClrLst>
-    <dgm:linClrLst meth="repeat">
-      <a:schemeClr val="accent1">
-        <a:tint val="60000"/>
-      </a:schemeClr>
-    </dgm:linClrLst>
-    <dgm:effectClrLst/>
-    <dgm:txLinClrLst/>
-    <dgm:txFillClrLst meth="repeat">
-      <a:schemeClr val="lt1"/>
-    </dgm:txFillClrLst>
-    <dgm:txEffectClrLst/>
-  </dgm:styleLbl>
-  <dgm:styleLbl name="parChTrans2D2">
-    <dgm:fillClrLst meth="repeat">
-      <a:schemeClr val="accent1"/>
-    </dgm:fillClrLst>
-    <dgm:linClrLst meth="repeat">
-      <a:schemeClr val="accent1"/>
-    </dgm:linClrLst>
-    <dgm:effectClrLst/>
-    <dgm:txLinClrLst/>
-    <dgm:txFillClrLst meth="repeat">
-      <a:schemeClr val="lt1"/>
-    </dgm:txFillClrLst>
-    <dgm:txEffectClrLst/>
-  </dgm:styleLbl>
-  <dgm:styleLbl name="parChTrans2D3">
-    <dgm:fillClrLst meth="repeat">
-      <a:schemeClr val="accent1"/>
-    </dgm:fillClrLst>
-    <dgm:linClrLst meth="repeat">
-      <a:schemeClr val="accent1"/>
-    </dgm:linClrLst>
-    <dgm:effectClrLst/>
-    <dgm:txLinClrLst/>
-    <dgm:txFillClrLst meth="repeat">
-      <a:schemeClr val="lt1"/>
-    </dgm:txFillClrLst>
-    <dgm:txEffectClrLst/>
-  </dgm:styleLbl>
-  <dgm:styleLbl name="parChTrans2D4">
-    <dgm:fillClrLst meth="repeat">
-      <a:schemeClr val="accent1"/>
-    </dgm:fillClrLst>
-    <dgm:linClrLst meth="repeat">
-      <a:schemeClr val="accent1"/>
-    </dgm:linClrLst>
-    <dgm:effectClrLst/>
-    <dgm:txLinClrLst/>
-    <dgm:txFillClrLst meth="repeat">
-      <a:schemeClr val="lt1"/>
-    </dgm:txFillClrLst>
-    <dgm:txEffectClrLst/>
-  </dgm:styleLbl>
-  <dgm:styleLbl name="parChTrans1D1">
-    <dgm:fillClrLst meth="repeat">
-      <a:schemeClr val="accent1"/>
-    </dgm:fillClrLst>
-    <dgm:linClrLst meth="repeat">
-      <a:schemeClr val="accent1">
-        <a:shade val="60000"/>
-      </a:schemeClr>
-    </dgm:linClrLst>
-    <dgm:effectClrLst/>
-    <dgm:txLinClrLst/>
-    <dgm:txFillClrLst meth="repeat">
-      <a:schemeClr val="tx1"/>
-    </dgm:txFillClrLst>
-    <dgm:txEffectClrLst/>
-  </dgm:styleLbl>
-  <dgm:styleLbl name="parChTrans1D2">
-    <dgm:fillClrLst meth="repeat">
-      <a:schemeClr val="accent1"/>
-    </dgm:fillClrLst>
-    <dgm:linClrLst meth="repeat">
-      <a:schemeClr val="accent1">
-        <a:shade val="60000"/>
-      </a:schemeClr>
-    </dgm:linClrLst>
-    <dgm:effectClrLst/>
-    <dgm:txLinClrLst/>
-    <dgm:txFillClrLst meth="repeat">
-      <a:schemeClr val="tx1"/>
-    </dgm:txFillClrLst>
-    <dgm:txEffectClrLst/>
-  </dgm:styleLbl>
-  <dgm:styleLbl name="parChTrans1D3">
-    <dgm:fillClrLst meth="repeat">
-      <a:schemeClr val="accent1"/>
-    </dgm:fillClrLst>
-    <dgm:linClrLst meth="repeat">
-      <a:schemeClr val="accent1">
-        <a:shade val="80000"/>
-      </a:schemeClr>
-    </dgm:linClrLst>
-    <dgm:effectClrLst/>
-    <dgm:txLinClrLst/>
-    <dgm:txFillClrLst meth="repeat">
-      <a:schemeClr val="tx1"/>
-    </dgm:txFillClrLst>
-    <dgm:txEffectClrLst/>
-  </dgm:styleLbl>
-  <dgm:styleLbl name="parChTrans1D4">
-    <dgm:fillClrLst meth="repeat">
-      <a:schemeClr val="accent1"/>
-    </dgm:fillClrLst>
-    <dgm:linClrLst meth="repeat">
-      <a:schemeClr val="accent1">
-        <a:shade val="80000"/>
-      </a:schemeClr>
-    </dgm:linClrLst>
-    <dgm:effectClrLst/>
-    <dgm:txLinClrLst/>
-    <dgm:txFillClrLst meth="repeat">
-      <a:schemeClr val="tx1"/>
-    </dgm:txFillClrLst>
-    <dgm:txEffectClrLst/>
-  </dgm:styleLbl>
-  <dgm:styleLbl name="fgAcc1">
-    <dgm:fillClrLst meth="repeat">
-      <a:schemeClr val="lt1">
-        <a:alpha val="90000"/>
-      </a:schemeClr>
-    </dgm:fillClrLst>
-    <dgm:linClrLst meth="repeat">
-      <a:schemeClr val="accent1"/>
-    </dgm:linClrLst>
-    <dgm:effectClrLst/>
-    <dgm:txLinClrLst/>
-    <dgm:txFillClrLst meth="repeat">
-      <a:schemeClr val="dk1"/>
-    </dgm:txFillClrLst>
-    <dgm:txEffectClrLst/>
-  </dgm:styleLbl>
-  <dgm:styleLbl name="conFgAcc1">
-    <dgm:fillClrLst meth="repeat">
-      <a:schemeClr val="lt1">
-        <a:alpha val="90000"/>
-      </a:schemeClr>
-    </dgm:fillClrLst>
-    <dgm:linClrLst meth="repeat">
-      <a:schemeClr val="accent1"/>
-    </dgm:linClrLst>
-    <dgm:effectClrLst/>
-    <dgm:txLinClrLst/>
-    <dgm:txFillClrLst meth="repeat">
-      <a:schemeClr val="dk1"/>
-    </dgm:txFillClrLst>
-    <dgm:txEffectClrLst/>
-  </dgm:styleLbl>
-  <dgm:styleLbl name="alignAcc1">
-    <dgm:fillClrLst meth="repeat">
-      <a:schemeClr val="lt1">
-        <a:alpha val="90000"/>
-      </a:schemeClr>
-    </dgm:fillClrLst>
-    <dgm:linClrLst meth="repeat">
-      <a:schemeClr val="accent1"/>
-    </dgm:linClrLst>
-    <dgm:effectClrLst/>
-    <dgm:txLinClrLst/>
-    <dgm:txFillClrLst meth="repeat">
-      <a:schemeClr val="dk1"/>
-    </dgm:txFillClrLst>
-    <dgm:txEffectClrLst/>
-  </dgm:styleLbl>
-  <dgm:styleLbl name="trAlignAcc1">
-    <dgm:fillClrLst meth="repeat">
-      <a:schemeClr val="lt1">
-        <a:alpha val="40000"/>
-      </a:schemeClr>
-    </dgm:fillClrLst>
-    <dgm:linClrLst meth="repeat">
-      <a:schemeClr val="accent1"/>
-    </dgm:linClrLst>
-    <dgm:effectClrLst/>
-    <dgm:txLinClrLst/>
-    <dgm:txFillClrLst meth="repeat">
-      <a:schemeClr val="dk1"/>
-    </dgm:txFillClrLst>
-    <dgm:txEffectClrLst/>
-  </dgm:styleLbl>
-  <dgm:styleLbl name="bgAcc1">
-    <dgm:fillClrLst meth="repeat">
-      <a:schemeClr val="lt1">
-        <a:alpha val="90000"/>
-      </a:schemeClr>
-    </dgm:fillClrLst>
-    <dgm:linClrLst meth="repeat">
-      <a:schemeClr val="accent1"/>
-    </dgm:linClrLst>
-    <dgm:effectClrLst/>
-    <dgm:txLinClrLst/>
-    <dgm:txFillClrLst meth="repeat">
-      <a:schemeClr val="dk1"/>
-    </dgm:txFillClrLst>
-    <dgm:txEffectClrLst/>
-  </dgm:styleLbl>
-  <dgm:styleLbl name="solidFgAcc1">
-    <dgm:fillClrLst meth="repeat">
-      <a:schemeClr val="lt1"/>
-    </dgm:fillClrLst>
-    <dgm:linClrLst meth="repeat">
-      <a:schemeClr val="accent1"/>
-    </dgm:linClrLst>
-    <dgm:effectClrLst/>
-    <dgm:txLinClrLst/>
-    <dgm:txFillClrLst meth="repeat">
-      <a:schemeClr val="dk1"/>
-    </dgm:txFillClrLst>
-    <dgm:txEffectClrLst/>
-  </dgm:styleLbl>
-  <dgm:styleLbl name="solidAlignAcc1">
-    <dgm:fillClrLst meth="repeat">
-      <a:schemeClr val="lt1"/>
-    </dgm:fillClrLst>
-    <dgm:linClrLst meth="repeat">
-      <a:schemeClr val="accent1"/>
-    </dgm:linClrLst>
-    <dgm:effectClrLst/>
-    <dgm:txLinClrLst/>
-    <dgm:txFillClrLst meth="repeat">
-      <a:schemeClr val="dk1"/>
-    </dgm:txFillClrLst>
-    <dgm:txEffectClrLst/>
-  </dgm:styleLbl>
-  <dgm:styleLbl name="solidBgAcc1">
-    <dgm:fillClrLst meth="repeat">
-      <a:schemeClr val="lt1"/>
-    </dgm:fillClrLst>
-    <dgm:linClrLst meth="repeat">
-      <a:schemeClr val="accent1"/>
-    </dgm:linClrLst>
-    <dgm:effectClrLst/>
-    <dgm:txLinClrLst/>
-    <dgm:txFillClrLst meth="repeat">
-      <a:schemeClr val="dk1"/>
-    </dgm:txFillClrLst>
-    <dgm:txEffectClrLst/>
-  </dgm:styleLbl>
-  <dgm:styleLbl name="fgAccFollowNode1">
-    <dgm:fillClrLst meth="repeat">
-      <a:schemeClr val="accent1">
-        <a:alpha val="90000"/>
-        <a:tint val="40000"/>
-      </a:schemeClr>
-    </dgm:fillClrLst>
-    <dgm:linClrLst meth="repeat">
-      <a:schemeClr val="accent1">
-        <a:alpha val="90000"/>
-        <a:tint val="40000"/>
-      </a:schemeClr>
-    </dgm:linClrLst>
-    <dgm:effectClrLst/>
-    <dgm:txLinClrLst/>
-    <dgm:txFillClrLst meth="repeat">
-      <a:schemeClr val="dk1"/>
-    </dgm:txFillClrLst>
-    <dgm:txEffectClrLst/>
-  </dgm:styleLbl>
-  <dgm:styleLbl name="alignAccFollowNode1">
-    <dgm:fillClrLst meth="repeat">
-      <a:schemeClr val="accent1">
-        <a:alpha val="90000"/>
-        <a:tint val="40000"/>
-      </a:schemeClr>
-    </dgm:fillClrLst>
-    <dgm:linClrLst meth="repeat">
-      <a:schemeClr val="accent1">
-        <a:alpha val="90000"/>
-        <a:tint val="40000"/>
-      </a:schemeClr>
-    </dgm:linClrLst>
-    <dgm:effectClrLst/>
-    <dgm:txLinClrLst/>
-    <dgm:txFillClrLst meth="repeat">
-      <a:schemeClr val="dk1"/>
-    </dgm:txFillClrLst>
-    <dgm:txEffectClrLst/>
-  </dgm:styleLbl>
-  <dgm:styleLbl name="bgAccFollowNode1">
-    <dgm:fillClrLst meth="repeat">
-      <a:schemeClr val="accent1">
-        <a:alpha val="90000"/>
-        <a:tint val="40000"/>
-      </a:schemeClr>
-    </dgm:fillClrLst>
-    <dgm:linClrLst meth="repeat">
-      <a:schemeClr val="accent1">
-        <a:alpha val="90000"/>
-        <a:tint val="40000"/>
-      </a:schemeClr>
-    </dgm:linClrLst>
-    <dgm:effectClrLst/>
-    <dgm:txLinClrLst/>
-    <dgm:txFillClrLst meth="repeat">
-      <a:schemeClr val="dk1"/>
-    </dgm:txFillClrLst>
-    <dgm:txEffectClrLst/>
-  </dgm:styleLbl>
-  <dgm:styleLbl name="fgAcc0">
-    <dgm:fillClrLst meth="repeat">
-      <a:schemeClr val="lt1">
-        <a:alpha val="90000"/>
-      </a:schemeClr>
-    </dgm:fillClrLst>
-    <dgm:linClrLst meth="repeat">
-      <a:schemeClr val="accent1"/>
-    </dgm:linClrLst>
-    <dgm:effectClrLst/>
-    <dgm:txLinClrLst/>
-    <dgm:txFillClrLst meth="repeat">
-      <a:schemeClr val="dk1"/>
-    </dgm:txFillClrLst>
-    <dgm:txEffectClrLst/>
-  </dgm:styleLbl>
-  <dgm:styleLbl name="fgAcc2">
-    <dgm:fillClrLst meth="repeat">
-      <a:schemeClr val="lt1">
-        <a:alpha val="90000"/>
-      </a:schemeClr>
-    </dgm:fillClrLst>
-    <dgm:linClrLst meth="repeat">
-      <a:schemeClr val="accent1"/>
-    </dgm:linClrLst>
-    <dgm:effectClrLst/>
-    <dgm:txLinClrLst/>
-    <dgm:txFillClrLst meth="repeat">
-      <a:schemeClr val="dk1"/>
-    </dgm:txFillClrLst>
-    <dgm:txEffectClrLst/>
-  </dgm:styleLbl>
-  <dgm:styleLbl name="fgAcc3">
-    <dgm:fillClrLst meth="repeat">
-      <a:schemeClr val="lt1">
-        <a:alpha val="90000"/>
-      </a:schemeClr>
-    </dgm:fillClrLst>
-    <dgm:linClrLst meth="repeat">
-      <a:schemeClr val="accent1"/>
-    </dgm:linClrLst>
-    <dgm:effectClrLst/>
-    <dgm:txLinClrLst/>
-    <dgm:txFillClrLst meth="repeat">
-      <a:schemeClr val="dk1"/>
-    </dgm:txFillClrLst>
-    <dgm:txEffectClrLst/>
-  </dgm:styleLbl>
-  <dgm:styleLbl name="fgAcc4">
-    <dgm:fillClrLst meth="repeat">
-      <a:schemeClr val="lt1">
-        <a:alpha val="90000"/>
-      </a:schemeClr>
-    </dgm:fillClrLst>
-    <dgm:linClrLst meth="repeat">
-      <a:schemeClr val="accent1"/>
-    </dgm:linClrLst>
-    <dgm:effectClrLst/>
-    <dgm:txLinClrLst/>
-    <dgm:txFillClrLst meth="repeat">
-      <a:schemeClr val="dk1"/>
-    </dgm:txFillClrLst>
-    <dgm:txEffectClrLst/>
-  </dgm:styleLbl>
-  <dgm:styleLbl name="bgShp">
-    <dgm:fillClrLst meth="repeat">
-      <a:schemeClr val="accent1">
-        <a:tint val="40000"/>
-      </a:schemeClr>
-    </dgm:fillClrLst>
-    <dgm:linClrLst meth="repeat">
-      <a:schemeClr val="accent1"/>
-    </dgm:linClrLst>
-    <dgm:effectClrLst/>
-    <dgm:txLinClrLst/>
-    <dgm:txFillClrLst meth="repeat">
-      <a:schemeClr val="dk1"/>
-    </dgm:txFillClrLst>
-    <dgm:txEffectClrLst/>
-  </dgm:styleLbl>
-  <dgm:styleLbl name="dkBgShp">
-    <dgm:fillClrLst meth="repeat">
-      <a:schemeClr val="accent1">
-        <a:shade val="80000"/>
-      </a:schemeClr>
-    </dgm:fillClrLst>
-    <dgm:linClrLst meth="repeat">
-      <a:schemeClr val="accent1"/>
-    </dgm:linClrLst>
-    <dgm:effectClrLst/>
-    <dgm:txLinClrLst/>
-    <dgm:txFillClrLst meth="repeat">
-      <a:schemeClr val="lt1"/>
-    </dgm:txFillClrLst>
-    <dgm:txEffectClrLst/>
-  </dgm:styleLbl>
-  <dgm:styleLbl name="trBgShp">
-    <dgm:fillClrLst meth="repeat">
-      <a:schemeClr val="accent1">
-        <a:tint val="50000"/>
-        <a:alpha val="40000"/>
-      </a:schemeClr>
-    </dgm:fillClrLst>
-    <dgm:linClrLst meth="repeat">
-      <a:schemeClr val="accent1"/>
-    </dgm:linClrLst>
-    <dgm:effectClrLst/>
-    <dgm:txLinClrLst/>
-    <dgm:txFillClrLst meth="repeat">
-      <a:schemeClr val="lt1"/>
-    </dgm:txFillClrLst>
-    <dgm:txEffectClrLst/>
-  </dgm:styleLbl>
-  <dgm:styleLbl name="fgShp">
-    <dgm:fillClrLst meth="repeat">
-      <a:schemeClr val="accent1">
-        <a:tint val="60000"/>
-      </a:schemeClr>
-    </dgm:fillClrLst>
-    <dgm:linClrLst meth="repeat">
-      <a:schemeClr val="lt1"/>
-    </dgm:linClrLst>
-    <dgm:effectClrLst/>
-    <dgm:txLinClrLst/>
-    <dgm:txFillClrLst meth="repeat">
-      <a:schemeClr val="dk1"/>
-    </dgm:txFillClrLst>
-    <dgm:txEffectClrLst/>
-  </dgm:styleLbl>
-  <dgm:styleLbl name="revTx">
-    <dgm:fillClrLst meth="repeat">
-      <a:schemeClr val="lt1">
-        <a:alpha val="0"/>
-      </a:schemeClr>
-    </dgm:fillClrLst>
-    <dgm:linClrLst meth="repeat">
-      <a:schemeClr val="dk1">
-        <a:alpha val="0"/>
-      </a:schemeClr>
-    </dgm:linClrLst>
-    <dgm:effectClrLst/>
-    <dgm:txLinClrLst/>
-    <dgm:txFillClrLst meth="repeat">
-      <a:schemeClr val="tx1"/>
-    </dgm:txFillClrLst>
-    <dgm:txEffectClrLst/>
-  </dgm:styleLbl>
-</dgm:colorsDef>
-</file>
-
 <file path=ppt/diagrams/data1.xml><?xml version="1.0" encoding="utf-8"?>
-<dgm:dataModel xmlns:dgm="http://schemas.openxmlformats.org/drawingml/2006/diagram" xmlns:a="http://schemas.openxmlformats.org/drawingml/2006/main">
-  <dgm:ptLst>
-    <dgm:pt modelId="{3F019B12-9F5E-4570-B9D0-3B5071B62F6B}" type="doc">
-      <dgm:prSet loTypeId="urn:microsoft.com/office/officeart/2018/5/layout/IconCircleLabelList" loCatId="icon" qsTypeId="urn:microsoft.com/office/officeart/2005/8/quickstyle/simple4" qsCatId="simple" csTypeId="urn:microsoft.com/office/officeart/2018/5/colors/Iconchunking_neutralbg_accent1_2" csCatId="accent1" phldr="1"/>
-      <dgm:spPr/>
-      <dgm:t>
-        <a:bodyPr/>
-        <a:lstStyle/>
-        <a:p>
-          <a:endParaRPr lang="en-US"/>
-        </a:p>
-      </dgm:t>
-    </dgm:pt>
-    <dgm:pt modelId="{7EA5074C-C107-40E7-9697-F71670FC7E3B}">
-      <dgm:prSet/>
-      <dgm:spPr/>
-      <dgm:t>
-        <a:bodyPr/>
-        <a:lstStyle/>
-        <a:p>
-          <a:pPr>
-            <a:defRPr cap="all"/>
-          </a:pPr>
-          <a:r>
-            <a:rPr lang="de-DE" dirty="0"/>
-            <a:t>Time Tracking</a:t>
-          </a:r>
-          <a:endParaRPr lang="en-US" dirty="0"/>
-        </a:p>
-      </dgm:t>
-    </dgm:pt>
-    <dgm:pt modelId="{8E23B66A-F414-4665-A956-F9B56AD979F6}" type="parTrans" cxnId="{8C8CA2A3-AA7C-4FF9-9668-B29E25BCFF35}">
-      <dgm:prSet/>
-      <dgm:spPr/>
-      <dgm:t>
-        <a:bodyPr/>
-        <a:lstStyle/>
-        <a:p>
-          <a:endParaRPr lang="en-US"/>
-        </a:p>
-      </dgm:t>
-    </dgm:pt>
-    <dgm:pt modelId="{FB566729-3738-4334-B509-1285A545E64F}" type="sibTrans" cxnId="{8C8CA2A3-AA7C-4FF9-9668-B29E25BCFF35}">
-      <dgm:prSet/>
-      <dgm:spPr/>
-      <dgm:t>
-        <a:bodyPr/>
-        <a:lstStyle/>
-        <a:p>
-          <a:endParaRPr lang="en-US"/>
-        </a:p>
-      </dgm:t>
-    </dgm:pt>
-    <dgm:pt modelId="{45F131D6-165A-47C1-8B64-6BE502DCC6C1}">
-      <dgm:prSet/>
-      <dgm:spPr/>
-      <dgm:t>
-        <a:bodyPr/>
-        <a:lstStyle/>
-        <a:p>
-          <a:pPr>
-            <a:defRPr cap="all"/>
-          </a:pPr>
-          <a:r>
-            <a:rPr lang="de-DE" dirty="0"/>
-            <a:t>User kann Aktivitäten anlegen </a:t>
-          </a:r>
-          <a:endParaRPr lang="en-US" dirty="0"/>
-        </a:p>
-      </dgm:t>
-    </dgm:pt>
-    <dgm:pt modelId="{B214A365-F846-4FDA-99A3-B3BB7C234EC7}" type="parTrans" cxnId="{EEEAA2EB-9DB1-45C3-A22E-FA9B78E76DAD}">
-      <dgm:prSet/>
-      <dgm:spPr/>
-      <dgm:t>
-        <a:bodyPr/>
-        <a:lstStyle/>
-        <a:p>
-          <a:endParaRPr lang="en-US"/>
-        </a:p>
-      </dgm:t>
-    </dgm:pt>
-    <dgm:pt modelId="{5FCB5A66-C6E4-4C05-91E4-0821ADE62349}" type="sibTrans" cxnId="{EEEAA2EB-9DB1-45C3-A22E-FA9B78E76DAD}">
-      <dgm:prSet/>
-      <dgm:spPr/>
-      <dgm:t>
-        <a:bodyPr/>
-        <a:lstStyle/>
-        <a:p>
-          <a:endParaRPr lang="en-US"/>
-        </a:p>
-      </dgm:t>
-    </dgm:pt>
-    <dgm:pt modelId="{BF1582B0-CA58-45FB-8895-B0556AD6FD61}">
-      <dgm:prSet/>
-      <dgm:spPr/>
-      <dgm:t>
-        <a:bodyPr/>
-        <a:lstStyle/>
-        <a:p>
-          <a:pPr>
-            <a:defRPr cap="all"/>
-          </a:pPr>
-          <a:r>
-            <a:rPr lang="de-DE" dirty="0"/>
-            <a:t>Tracking für verschiedene Aktivitäten </a:t>
-          </a:r>
-          <a:endParaRPr lang="en-US" dirty="0"/>
-        </a:p>
-      </dgm:t>
-    </dgm:pt>
-    <dgm:pt modelId="{F3533192-891B-4459-B23D-693CB56D47CD}" type="parTrans" cxnId="{87A84934-E1DA-418B-8C50-8EA9BB0F25DC}">
-      <dgm:prSet/>
-      <dgm:spPr/>
-      <dgm:t>
-        <a:bodyPr/>
-        <a:lstStyle/>
-        <a:p>
-          <a:endParaRPr lang="en-US"/>
-        </a:p>
-      </dgm:t>
-    </dgm:pt>
-    <dgm:pt modelId="{8ECDAB7D-E526-434B-919C-22A153A925DC}" type="sibTrans" cxnId="{87A84934-E1DA-418B-8C50-8EA9BB0F25DC}">
-      <dgm:prSet/>
-      <dgm:spPr/>
-      <dgm:t>
-        <a:bodyPr/>
-        <a:lstStyle/>
-        <a:p>
-          <a:endParaRPr lang="en-US"/>
-        </a:p>
-      </dgm:t>
-    </dgm:pt>
-    <dgm:pt modelId="{BDE06C0E-606A-4342-9FCE-534240985EBE}">
-      <dgm:prSet/>
-      <dgm:spPr/>
-      <dgm:t>
-        <a:bodyPr/>
-        <a:lstStyle/>
-        <a:p>
-          <a:pPr>
-            <a:defRPr cap="all"/>
-          </a:pPr>
-          <a:r>
-            <a:rPr lang="de-DE" dirty="0"/>
-            <a:t>Abruf VON Statistiken </a:t>
-          </a:r>
-          <a:endParaRPr lang="en-US" dirty="0"/>
-        </a:p>
-      </dgm:t>
-    </dgm:pt>
-    <dgm:pt modelId="{31CB19C9-A0C3-4CF6-BC15-B125E6FB45C6}" type="parTrans" cxnId="{DFA2412F-F99F-47C9-9F8C-304A774BE9E2}">
-      <dgm:prSet/>
-      <dgm:spPr/>
-      <dgm:t>
-        <a:bodyPr/>
-        <a:lstStyle/>
-        <a:p>
-          <a:endParaRPr lang="en-US"/>
-        </a:p>
-      </dgm:t>
-    </dgm:pt>
-    <dgm:pt modelId="{ED250C35-E2D6-427F-AD16-08614803BE4A}" type="sibTrans" cxnId="{DFA2412F-F99F-47C9-9F8C-304A774BE9E2}">
-      <dgm:prSet/>
-      <dgm:spPr/>
-      <dgm:t>
-        <a:bodyPr/>
-        <a:lstStyle/>
-        <a:p>
-          <a:endParaRPr lang="en-US"/>
-        </a:p>
-      </dgm:t>
-    </dgm:pt>
-    <dgm:pt modelId="{F1C37EE6-861A-4762-A900-20289FACC2D7}" type="pres">
-      <dgm:prSet presAssocID="{3F019B12-9F5E-4570-B9D0-3B5071B62F6B}" presName="root" presStyleCnt="0">
-        <dgm:presLayoutVars>
-          <dgm:dir/>
-          <dgm:resizeHandles val="exact"/>
-        </dgm:presLayoutVars>
-      </dgm:prSet>
-      <dgm:spPr/>
-    </dgm:pt>
-    <dgm:pt modelId="{217A877E-7DA3-48C6-912C-A177536B2885}" type="pres">
-      <dgm:prSet presAssocID="{7EA5074C-C107-40E7-9697-F71670FC7E3B}" presName="compNode" presStyleCnt="0"/>
-      <dgm:spPr/>
-    </dgm:pt>
-    <dgm:pt modelId="{A4F7318B-E3C7-4498-8912-EC709F155D54}" type="pres">
-      <dgm:prSet presAssocID="{7EA5074C-C107-40E7-9697-F71670FC7E3B}" presName="iconBgRect" presStyleLbl="bgShp" presStyleIdx="0" presStyleCnt="4"/>
-      <dgm:spPr/>
-    </dgm:pt>
-    <dgm:pt modelId="{95CA6E9E-7EDE-4806-98CA-28CD8D7DBF72}" type="pres">
-      <dgm:prSet presAssocID="{7EA5074C-C107-40E7-9697-F71670FC7E3B}" presName="iconRect" presStyleLbl="node1" presStyleIdx="0" presStyleCnt="4"/>
-      <dgm:spPr>
-        <a:blipFill>
-          <a:blip xmlns:r="http://schemas.openxmlformats.org/officeDocument/2006/relationships" r:embed="rId1">
-            <a:extLst>
-              <a:ext uri="{28A0092B-C50C-407E-A947-70E740481C1C}">
-                <a14:useLocalDpi xmlns:a14="http://schemas.microsoft.com/office/drawing/2010/main" val="0"/>
-              </a:ext>
-              <a:ext uri="{96DAC541-7B7A-43D3-8B79-37D633B846F1}">
-                <asvg:svgBlip xmlns:asvg="http://schemas.microsoft.com/office/drawing/2016/SVG/main" r:embed="rId2"/>
-              </a:ext>
-            </a:extLst>
-          </a:blip>
-          <a:stretch>
-            <a:fillRect/>
-          </a:stretch>
-        </a:blipFill>
-        <a:ln>
-          <a:noFill/>
-        </a:ln>
-      </dgm:spPr>
-      <dgm:extLst>
-        <a:ext uri="{E40237B7-FDA0-4F09-8148-C483321AD2D9}">
-          <dgm14:cNvPr xmlns:dgm14="http://schemas.microsoft.com/office/drawing/2010/diagram" id="0" name="" descr="Stopwatch"/>
-        </a:ext>
-      </dgm:extLst>
-    </dgm:pt>
-    <dgm:pt modelId="{E6DA1610-0FCE-4F22-951A-2AFD2D71FE67}" type="pres">
-      <dgm:prSet presAssocID="{7EA5074C-C107-40E7-9697-F71670FC7E3B}" presName="spaceRect" presStyleCnt="0"/>
-      <dgm:spPr/>
-    </dgm:pt>
-    <dgm:pt modelId="{4CAAD304-E137-4561-A144-9C06ACEE05B7}" type="pres">
-      <dgm:prSet presAssocID="{7EA5074C-C107-40E7-9697-F71670FC7E3B}" presName="textRect" presStyleLbl="revTx" presStyleIdx="0" presStyleCnt="4">
-        <dgm:presLayoutVars>
-          <dgm:chMax val="1"/>
-          <dgm:chPref val="1"/>
-        </dgm:presLayoutVars>
-      </dgm:prSet>
-      <dgm:spPr/>
-    </dgm:pt>
-    <dgm:pt modelId="{27F29D03-C8E3-478B-92C5-29E13D4183C8}" type="pres">
-      <dgm:prSet presAssocID="{FB566729-3738-4334-B509-1285A545E64F}" presName="sibTrans" presStyleCnt="0"/>
-      <dgm:spPr/>
-    </dgm:pt>
-    <dgm:pt modelId="{3F2F61B1-FF5C-48A9-B71B-726951425C75}" type="pres">
-      <dgm:prSet presAssocID="{45F131D6-165A-47C1-8B64-6BE502DCC6C1}" presName="compNode" presStyleCnt="0"/>
-      <dgm:spPr/>
-    </dgm:pt>
-    <dgm:pt modelId="{C1702059-58C0-4D24-8AB5-40DC01A39618}" type="pres">
-      <dgm:prSet presAssocID="{45F131D6-165A-47C1-8B64-6BE502DCC6C1}" presName="iconBgRect" presStyleLbl="bgShp" presStyleIdx="1" presStyleCnt="4"/>
-      <dgm:spPr/>
-    </dgm:pt>
-    <dgm:pt modelId="{8647B72A-BE02-4E9F-BE8B-A0670CEBFC4A}" type="pres">
-      <dgm:prSet presAssocID="{45F131D6-165A-47C1-8B64-6BE502DCC6C1}" presName="iconRect" presStyleLbl="node1" presStyleIdx="1" presStyleCnt="4"/>
-      <dgm:spPr>
-        <a:blipFill>
-          <a:blip xmlns:r="http://schemas.openxmlformats.org/officeDocument/2006/relationships" r:embed="rId3">
-            <a:extLst>
-              <a:ext uri="{28A0092B-C50C-407E-A947-70E740481C1C}">
-                <a14:useLocalDpi xmlns:a14="http://schemas.microsoft.com/office/drawing/2010/main" val="0"/>
-              </a:ext>
-              <a:ext uri="{96DAC541-7B7A-43D3-8B79-37D633B846F1}">
-                <asvg:svgBlip xmlns:asvg="http://schemas.microsoft.com/office/drawing/2016/SVG/main" r:embed="rId4"/>
-              </a:ext>
-            </a:extLst>
-          </a:blip>
-          <a:stretch>
-            <a:fillRect/>
-          </a:stretch>
-        </a:blipFill>
-        <a:ln>
-          <a:noFill/>
-        </a:ln>
-      </dgm:spPr>
-      <dgm:extLst>
-        <a:ext uri="{E40237B7-FDA0-4F09-8148-C483321AD2D9}">
-          <dgm14:cNvPr xmlns:dgm14="http://schemas.microsoft.com/office/drawing/2010/diagram" id="0" name="" descr="User"/>
-        </a:ext>
-      </dgm:extLst>
-    </dgm:pt>
-    <dgm:pt modelId="{49C75D01-4B89-42CC-B7B3-42550084B8A5}" type="pres">
-      <dgm:prSet presAssocID="{45F131D6-165A-47C1-8B64-6BE502DCC6C1}" presName="spaceRect" presStyleCnt="0"/>
-      <dgm:spPr/>
-    </dgm:pt>
-    <dgm:pt modelId="{F18BB89A-D40E-4117-87B0-26FBA9C771EB}" type="pres">
-      <dgm:prSet presAssocID="{45F131D6-165A-47C1-8B64-6BE502DCC6C1}" presName="textRect" presStyleLbl="revTx" presStyleIdx="1" presStyleCnt="4">
-        <dgm:presLayoutVars>
-          <dgm:chMax val="1"/>
-          <dgm:chPref val="1"/>
-        </dgm:presLayoutVars>
-      </dgm:prSet>
-      <dgm:spPr/>
-    </dgm:pt>
-    <dgm:pt modelId="{70D0C99F-0F89-4075-8F53-49BBE6AC7373}" type="pres">
-      <dgm:prSet presAssocID="{5FCB5A66-C6E4-4C05-91E4-0821ADE62349}" presName="sibTrans" presStyleCnt="0"/>
-      <dgm:spPr/>
-    </dgm:pt>
-    <dgm:pt modelId="{05BA2769-993F-4C15-B637-F6A9655476A5}" type="pres">
-      <dgm:prSet presAssocID="{BF1582B0-CA58-45FB-8895-B0556AD6FD61}" presName="compNode" presStyleCnt="0"/>
-      <dgm:spPr/>
-    </dgm:pt>
-    <dgm:pt modelId="{6CB255A9-88E3-4E5A-A83C-2E3229982013}" type="pres">
-      <dgm:prSet presAssocID="{BF1582B0-CA58-45FB-8895-B0556AD6FD61}" presName="iconBgRect" presStyleLbl="bgShp" presStyleIdx="2" presStyleCnt="4"/>
-      <dgm:spPr/>
-    </dgm:pt>
-    <dgm:pt modelId="{3CF3A619-8B0F-4AE0-8330-59C1A029F61D}" type="pres">
-      <dgm:prSet presAssocID="{BF1582B0-CA58-45FB-8895-B0556AD6FD61}" presName="iconRect" presStyleLbl="node1" presStyleIdx="2" presStyleCnt="4"/>
-      <dgm:spPr>
-        <a:blipFill>
-          <a:blip xmlns:r="http://schemas.openxmlformats.org/officeDocument/2006/relationships" r:embed="rId5">
-            <a:extLst>
-              <a:ext uri="{28A0092B-C50C-407E-A947-70E740481C1C}">
-                <a14:useLocalDpi xmlns:a14="http://schemas.microsoft.com/office/drawing/2010/main" val="0"/>
-              </a:ext>
-              <a:ext uri="{96DAC541-7B7A-43D3-8B79-37D633B846F1}">
-                <asvg:svgBlip xmlns:asvg="http://schemas.microsoft.com/office/drawing/2016/SVG/main" r:embed="rId6"/>
-              </a:ext>
-            </a:extLst>
-          </a:blip>
-          <a:stretch>
-            <a:fillRect/>
-          </a:stretch>
-        </a:blipFill>
-        <a:ln>
-          <a:noFill/>
-        </a:ln>
-      </dgm:spPr>
-      <dgm:extLst>
-        <a:ext uri="{E40237B7-FDA0-4F09-8148-C483321AD2D9}">
-          <dgm14:cNvPr xmlns:dgm14="http://schemas.microsoft.com/office/drawing/2010/diagram" id="0" name="" descr="Checklist"/>
-        </a:ext>
-      </dgm:extLst>
-    </dgm:pt>
-    <dgm:pt modelId="{0A0F0A1C-9B1E-4CE9-AE46-61A8DBBBF4B0}" type="pres">
-      <dgm:prSet presAssocID="{BF1582B0-CA58-45FB-8895-B0556AD6FD61}" presName="spaceRect" presStyleCnt="0"/>
-      <dgm:spPr/>
-    </dgm:pt>
-    <dgm:pt modelId="{B82E842B-6552-445E-B387-D8EC90D0F593}" type="pres">
-      <dgm:prSet presAssocID="{BF1582B0-CA58-45FB-8895-B0556AD6FD61}" presName="textRect" presStyleLbl="revTx" presStyleIdx="2" presStyleCnt="4">
-        <dgm:presLayoutVars>
-          <dgm:chMax val="1"/>
-          <dgm:chPref val="1"/>
-        </dgm:presLayoutVars>
-      </dgm:prSet>
-      <dgm:spPr/>
-    </dgm:pt>
-    <dgm:pt modelId="{F8272E07-F263-4F4A-9A49-817176EF5CA5}" type="pres">
-      <dgm:prSet presAssocID="{8ECDAB7D-E526-434B-919C-22A153A925DC}" presName="sibTrans" presStyleCnt="0"/>
-      <dgm:spPr/>
-    </dgm:pt>
-    <dgm:pt modelId="{0B1DBC60-4A4F-4FB3-9521-3BFF9E474198}" type="pres">
-      <dgm:prSet presAssocID="{BDE06C0E-606A-4342-9FCE-534240985EBE}" presName="compNode" presStyleCnt="0"/>
-      <dgm:spPr/>
-    </dgm:pt>
-    <dgm:pt modelId="{BE674657-1D73-4AD3-848A-390E6818FB2E}" type="pres">
-      <dgm:prSet presAssocID="{BDE06C0E-606A-4342-9FCE-534240985EBE}" presName="iconBgRect" presStyleLbl="bgShp" presStyleIdx="3" presStyleCnt="4"/>
-      <dgm:spPr/>
-    </dgm:pt>
-    <dgm:pt modelId="{0BD63C40-BEA5-4445-9537-D499804A3787}" type="pres">
-      <dgm:prSet presAssocID="{BDE06C0E-606A-4342-9FCE-534240985EBE}" presName="iconRect" presStyleLbl="node1" presStyleIdx="3" presStyleCnt="4"/>
-      <dgm:spPr>
-        <a:blipFill>
-          <a:blip xmlns:r="http://schemas.openxmlformats.org/officeDocument/2006/relationships" r:embed="rId7">
-            <a:extLst>
-              <a:ext uri="{28A0092B-C50C-407E-A947-70E740481C1C}">
-                <a14:useLocalDpi xmlns:a14="http://schemas.microsoft.com/office/drawing/2010/main" val="0"/>
-              </a:ext>
-              <a:ext uri="{96DAC541-7B7A-43D3-8B79-37D633B846F1}">
-                <asvg:svgBlip xmlns:asvg="http://schemas.microsoft.com/office/drawing/2016/SVG/main" r:embed="rId8"/>
-              </a:ext>
-            </a:extLst>
-          </a:blip>
-          <a:stretch>
-            <a:fillRect/>
-          </a:stretch>
-        </a:blipFill>
-        <a:ln>
-          <a:noFill/>
-        </a:ln>
-      </dgm:spPr>
-      <dgm:extLst>
-        <a:ext uri="{E40237B7-FDA0-4F09-8148-C483321AD2D9}">
-          <dgm14:cNvPr xmlns:dgm14="http://schemas.microsoft.com/office/drawing/2010/diagram" id="0" name="" descr="Bar chart"/>
-        </a:ext>
-      </dgm:extLst>
-    </dgm:pt>
-    <dgm:pt modelId="{FDAA5357-DE55-48F2-AA7C-F64A2F3EAF0E}" type="pres">
-      <dgm:prSet presAssocID="{BDE06C0E-606A-4342-9FCE-534240985EBE}" presName="spaceRect" presStyleCnt="0"/>
-      <dgm:spPr/>
-    </dgm:pt>
-    <dgm:pt modelId="{25F48370-2AC3-492A-A8AE-99D654087064}" type="pres">
-      <dgm:prSet presAssocID="{BDE06C0E-606A-4342-9FCE-534240985EBE}" presName="textRect" presStyleLbl="revTx" presStyleIdx="3" presStyleCnt="4">
-        <dgm:presLayoutVars>
-          <dgm:chMax val="1"/>
-          <dgm:chPref val="1"/>
-        </dgm:presLayoutVars>
-      </dgm:prSet>
-      <dgm:spPr/>
-    </dgm:pt>
-  </dgm:ptLst>
-  <dgm:cxnLst>
-    <dgm:cxn modelId="{9477190D-43DA-4A84-B9D9-F56BCDD48388}" type="presOf" srcId="{7EA5074C-C107-40E7-9697-F71670FC7E3B}" destId="{4CAAD304-E137-4561-A144-9C06ACEE05B7}" srcOrd="0" destOrd="0" presId="urn:microsoft.com/office/officeart/2018/5/layout/IconCircleLabelList"/>
-    <dgm:cxn modelId="{200D211A-2C6C-4C67-A7B8-1E7E6198C097}" type="presOf" srcId="{BF1582B0-CA58-45FB-8895-B0556AD6FD61}" destId="{B82E842B-6552-445E-B387-D8EC90D0F593}" srcOrd="0" destOrd="0" presId="urn:microsoft.com/office/officeart/2018/5/layout/IconCircleLabelList"/>
-    <dgm:cxn modelId="{DFA2412F-F99F-47C9-9F8C-304A774BE9E2}" srcId="{3F019B12-9F5E-4570-B9D0-3B5071B62F6B}" destId="{BDE06C0E-606A-4342-9FCE-534240985EBE}" srcOrd="3" destOrd="0" parTransId="{31CB19C9-A0C3-4CF6-BC15-B125E6FB45C6}" sibTransId="{ED250C35-E2D6-427F-AD16-08614803BE4A}"/>
-    <dgm:cxn modelId="{87A84934-E1DA-418B-8C50-8EA9BB0F25DC}" srcId="{3F019B12-9F5E-4570-B9D0-3B5071B62F6B}" destId="{BF1582B0-CA58-45FB-8895-B0556AD6FD61}" srcOrd="2" destOrd="0" parTransId="{F3533192-891B-4459-B23D-693CB56D47CD}" sibTransId="{8ECDAB7D-E526-434B-919C-22A153A925DC}"/>
-    <dgm:cxn modelId="{A128323F-C60D-4E38-A8FD-99AD0800887C}" type="presOf" srcId="{BDE06C0E-606A-4342-9FCE-534240985EBE}" destId="{25F48370-2AC3-492A-A8AE-99D654087064}" srcOrd="0" destOrd="0" presId="urn:microsoft.com/office/officeart/2018/5/layout/IconCircleLabelList"/>
-    <dgm:cxn modelId="{9AD68A64-D0E4-466D-AECB-FA273802670A}" type="presOf" srcId="{3F019B12-9F5E-4570-B9D0-3B5071B62F6B}" destId="{F1C37EE6-861A-4762-A900-20289FACC2D7}" srcOrd="0" destOrd="0" presId="urn:microsoft.com/office/officeart/2018/5/layout/IconCircleLabelList"/>
-    <dgm:cxn modelId="{8C8CA2A3-AA7C-4FF9-9668-B29E25BCFF35}" srcId="{3F019B12-9F5E-4570-B9D0-3B5071B62F6B}" destId="{7EA5074C-C107-40E7-9697-F71670FC7E3B}" srcOrd="0" destOrd="0" parTransId="{8E23B66A-F414-4665-A956-F9B56AD979F6}" sibTransId="{FB566729-3738-4334-B509-1285A545E64F}"/>
-    <dgm:cxn modelId="{BC99EADB-0810-480F-8229-0E0BE25E71A6}" type="presOf" srcId="{45F131D6-165A-47C1-8B64-6BE502DCC6C1}" destId="{F18BB89A-D40E-4117-87B0-26FBA9C771EB}" srcOrd="0" destOrd="0" presId="urn:microsoft.com/office/officeart/2018/5/layout/IconCircleLabelList"/>
-    <dgm:cxn modelId="{EEEAA2EB-9DB1-45C3-A22E-FA9B78E76DAD}" srcId="{3F019B12-9F5E-4570-B9D0-3B5071B62F6B}" destId="{45F131D6-165A-47C1-8B64-6BE502DCC6C1}" srcOrd="1" destOrd="0" parTransId="{B214A365-F846-4FDA-99A3-B3BB7C234EC7}" sibTransId="{5FCB5A66-C6E4-4C05-91E4-0821ADE62349}"/>
-    <dgm:cxn modelId="{53884A8C-2D2A-463B-BC2B-3D5382543F8E}" type="presParOf" srcId="{F1C37EE6-861A-4762-A900-20289FACC2D7}" destId="{217A877E-7DA3-48C6-912C-A177536B2885}" srcOrd="0" destOrd="0" presId="urn:microsoft.com/office/officeart/2018/5/layout/IconCircleLabelList"/>
-    <dgm:cxn modelId="{3C95C18C-7BD8-491E-A397-DA7F16D382FE}" type="presParOf" srcId="{217A877E-7DA3-48C6-912C-A177536B2885}" destId="{A4F7318B-E3C7-4498-8912-EC709F155D54}" srcOrd="0" destOrd="0" presId="urn:microsoft.com/office/officeart/2018/5/layout/IconCircleLabelList"/>
-    <dgm:cxn modelId="{E1A4C7A7-308F-4702-86B7-719A891B3C70}" type="presParOf" srcId="{217A877E-7DA3-48C6-912C-A177536B2885}" destId="{95CA6E9E-7EDE-4806-98CA-28CD8D7DBF72}" srcOrd="1" destOrd="0" presId="urn:microsoft.com/office/officeart/2018/5/layout/IconCircleLabelList"/>
-    <dgm:cxn modelId="{01CE9A66-C5CC-42D2-8BCE-255072D73A8F}" type="presParOf" srcId="{217A877E-7DA3-48C6-912C-A177536B2885}" destId="{E6DA1610-0FCE-4F22-951A-2AFD2D71FE67}" srcOrd="2" destOrd="0" presId="urn:microsoft.com/office/officeart/2018/5/layout/IconCircleLabelList"/>
-    <dgm:cxn modelId="{C919976C-84BC-4533-BDD2-8A1B85E90F6E}" type="presParOf" srcId="{217A877E-7DA3-48C6-912C-A177536B2885}" destId="{4CAAD304-E137-4561-A144-9C06ACEE05B7}" srcOrd="3" destOrd="0" presId="urn:microsoft.com/office/officeart/2018/5/layout/IconCircleLabelList"/>
-    <dgm:cxn modelId="{ABD85E8A-31A7-44B7-B350-A6077E8F301D}" type="presParOf" srcId="{F1C37EE6-861A-4762-A900-20289FACC2D7}" destId="{27F29D03-C8E3-478B-92C5-29E13D4183C8}" srcOrd="1" destOrd="0" presId="urn:microsoft.com/office/officeart/2018/5/layout/IconCircleLabelList"/>
-    <dgm:cxn modelId="{AB72EECF-4157-4FFE-BFAF-DFB9078BC1AC}" type="presParOf" srcId="{F1C37EE6-861A-4762-A900-20289FACC2D7}" destId="{3F2F61B1-FF5C-48A9-B71B-726951425C75}" srcOrd="2" destOrd="0" presId="urn:microsoft.com/office/officeart/2018/5/layout/IconCircleLabelList"/>
-    <dgm:cxn modelId="{58FFB9C8-B266-4422-AB76-5AC2EA0E813A}" type="presParOf" srcId="{3F2F61B1-FF5C-48A9-B71B-726951425C75}" destId="{C1702059-58C0-4D24-8AB5-40DC01A39618}" srcOrd="0" destOrd="0" presId="urn:microsoft.com/office/officeart/2018/5/layout/IconCircleLabelList"/>
-    <dgm:cxn modelId="{BB505EBD-4DA9-4C31-A165-14768E8C0513}" type="presParOf" srcId="{3F2F61B1-FF5C-48A9-B71B-726951425C75}" destId="{8647B72A-BE02-4E9F-BE8B-A0670CEBFC4A}" srcOrd="1" destOrd="0" presId="urn:microsoft.com/office/officeart/2018/5/layout/IconCircleLabelList"/>
-    <dgm:cxn modelId="{175482FE-5F59-418C-ADDC-BE837FC3A3C7}" type="presParOf" srcId="{3F2F61B1-FF5C-48A9-B71B-726951425C75}" destId="{49C75D01-4B89-42CC-B7B3-42550084B8A5}" srcOrd="2" destOrd="0" presId="urn:microsoft.com/office/officeart/2018/5/layout/IconCircleLabelList"/>
-    <dgm:cxn modelId="{48F803BA-FB71-4615-AADC-1289E7F42C16}" type="presParOf" srcId="{3F2F61B1-FF5C-48A9-B71B-726951425C75}" destId="{F18BB89A-D40E-4117-87B0-26FBA9C771EB}" srcOrd="3" destOrd="0" presId="urn:microsoft.com/office/officeart/2018/5/layout/IconCircleLabelList"/>
-    <dgm:cxn modelId="{C013EEE8-9AEC-4784-9341-DCE93AEEF6CD}" type="presParOf" srcId="{F1C37EE6-861A-4762-A900-20289FACC2D7}" destId="{70D0C99F-0F89-4075-8F53-49BBE6AC7373}" srcOrd="3" destOrd="0" presId="urn:microsoft.com/office/officeart/2018/5/layout/IconCircleLabelList"/>
-    <dgm:cxn modelId="{FC6C9E0F-32A1-4EFF-B85B-294F75858847}" type="presParOf" srcId="{F1C37EE6-861A-4762-A900-20289FACC2D7}" destId="{05BA2769-993F-4C15-B637-F6A9655476A5}" srcOrd="4" destOrd="0" presId="urn:microsoft.com/office/officeart/2018/5/layout/IconCircleLabelList"/>
-    <dgm:cxn modelId="{C732042E-6735-48E4-962E-F63D47A0F2F7}" type="presParOf" srcId="{05BA2769-993F-4C15-B637-F6A9655476A5}" destId="{6CB255A9-88E3-4E5A-A83C-2E3229982013}" srcOrd="0" destOrd="0" presId="urn:microsoft.com/office/officeart/2018/5/layout/IconCircleLabelList"/>
-    <dgm:cxn modelId="{988F00D7-C029-41BD-A9B5-467A2DC4095F}" type="presParOf" srcId="{05BA2769-993F-4C15-B637-F6A9655476A5}" destId="{3CF3A619-8B0F-4AE0-8330-59C1A029F61D}" srcOrd="1" destOrd="0" presId="urn:microsoft.com/office/officeart/2018/5/layout/IconCircleLabelList"/>
-    <dgm:cxn modelId="{5A93A9A5-FAAF-4F56-8901-723DFF6877F2}" type="presParOf" srcId="{05BA2769-993F-4C15-B637-F6A9655476A5}" destId="{0A0F0A1C-9B1E-4CE9-AE46-61A8DBBBF4B0}" srcOrd="2" destOrd="0" presId="urn:microsoft.com/office/officeart/2018/5/layout/IconCircleLabelList"/>
-    <dgm:cxn modelId="{123702A4-991B-4242-B3A2-009F10AC46EE}" type="presParOf" srcId="{05BA2769-993F-4C15-B637-F6A9655476A5}" destId="{B82E842B-6552-445E-B387-D8EC90D0F593}" srcOrd="3" destOrd="0" presId="urn:microsoft.com/office/officeart/2018/5/layout/IconCircleLabelList"/>
-    <dgm:cxn modelId="{19878D4C-D4A6-428C-BA50-6A90E5A14650}" type="presParOf" srcId="{F1C37EE6-861A-4762-A900-20289FACC2D7}" destId="{F8272E07-F263-4F4A-9A49-817176EF5CA5}" srcOrd="5" destOrd="0" presId="urn:microsoft.com/office/officeart/2018/5/layout/IconCircleLabelList"/>
-    <dgm:cxn modelId="{6DEDED8F-39D6-4110-A491-654CE89C844D}" type="presParOf" srcId="{F1C37EE6-861A-4762-A900-20289FACC2D7}" destId="{0B1DBC60-4A4F-4FB3-9521-3BFF9E474198}" srcOrd="6" destOrd="0" presId="urn:microsoft.com/office/officeart/2018/5/layout/IconCircleLabelList"/>
-    <dgm:cxn modelId="{F72B9E86-D352-486D-9297-BF8017267210}" type="presParOf" srcId="{0B1DBC60-4A4F-4FB3-9521-3BFF9E474198}" destId="{BE674657-1D73-4AD3-848A-390E6818FB2E}" srcOrd="0" destOrd="0" presId="urn:microsoft.com/office/officeart/2018/5/layout/IconCircleLabelList"/>
-    <dgm:cxn modelId="{E8A48AE8-6560-4F91-90F0-2867635C07A2}" type="presParOf" srcId="{0B1DBC60-4A4F-4FB3-9521-3BFF9E474198}" destId="{0BD63C40-BEA5-4445-9537-D499804A3787}" srcOrd="1" destOrd="0" presId="urn:microsoft.com/office/officeart/2018/5/layout/IconCircleLabelList"/>
-    <dgm:cxn modelId="{FB71E399-2D95-4064-8DB9-8BD8ACABC199}" type="presParOf" srcId="{0B1DBC60-4A4F-4FB3-9521-3BFF9E474198}" destId="{FDAA5357-DE55-48F2-AA7C-F64A2F3EAF0E}" srcOrd="2" destOrd="0" presId="urn:microsoft.com/office/officeart/2018/5/layout/IconCircleLabelList"/>
-    <dgm:cxn modelId="{F544AA3A-7DCA-4C17-90F5-943B59921D27}" type="presParOf" srcId="{0B1DBC60-4A4F-4FB3-9521-3BFF9E474198}" destId="{25F48370-2AC3-492A-A8AE-99D654087064}" srcOrd="3" destOrd="0" presId="urn:microsoft.com/office/officeart/2018/5/layout/IconCircleLabelList"/>
-  </dgm:cxnLst>
-  <dgm:bg/>
-  <dgm:whole/>
-  <dgm:extLst>
-    <a:ext uri="http://schemas.microsoft.com/office/drawing/2008/diagram">
-      <dsp:dataModelExt xmlns:dsp="http://schemas.microsoft.com/office/drawing/2008/diagram" relId="rId7" minVer="http://schemas.openxmlformats.org/drawingml/2006/diagram"/>
-    </a:ext>
-  </dgm:extLst>
-</dgm:dataModel>
-</file>
-
-<file path=ppt/diagrams/data2.xml><?xml version="1.0" encoding="utf-8"?>
 <dgm:dataModel xmlns:dgm="http://schemas.openxmlformats.org/drawingml/2006/diagram" xmlns:a="http://schemas.openxmlformats.org/drawingml/2006/main">
   <dgm:ptLst>
     <dgm:pt modelId="{0032B58C-89E7-472B-B66F-D75AD0D67354}" type="doc">
@@ -4153,11 +2217,11 @@
 </dgm:dataModel>
 </file>
 
-<file path=ppt/diagrams/data3.xml><?xml version="1.0" encoding="utf-8"?>
+<file path=ppt/diagrams/data2.xml><?xml version="1.0" encoding="utf-8"?>
 <dgm:dataModel xmlns:dgm="http://schemas.openxmlformats.org/drawingml/2006/diagram" xmlns:a="http://schemas.openxmlformats.org/drawingml/2006/main">
   <dgm:ptLst>
-    <dgm:pt modelId="{DDBDB20C-B312-E943-A9EA-E66A7B9860F3}" type="doc">
-      <dgm:prSet loTypeId="urn:microsoft.com/office/officeart/2005/8/layout/lProcess2" loCatId="list" qsTypeId="urn:microsoft.com/office/officeart/2005/8/quickstyle/simple1" qsCatId="simple" csTypeId="urn:microsoft.com/office/officeart/2005/8/colors/accent1_2" csCatId="accent1"/>
+    <dgm:pt modelId="{EFD38B42-5433-034A-B593-AB2EFADCDF5F}" type="doc">
+      <dgm:prSet loTypeId="urn:microsoft.com/office/officeart/2005/8/layout/vList5" loCatId="list" qsTypeId="urn:microsoft.com/office/officeart/2005/8/quickstyle/simple1" qsCatId="simple" csTypeId="urn:microsoft.com/office/officeart/2005/8/colors/accent1_2" csCatId="accent1" phldr="1"/>
       <dgm:spPr/>
       <dgm:t>
         <a:bodyPr/>
@@ -4167,7 +2231,7 @@
         </a:p>
       </dgm:t>
     </dgm:pt>
-    <dgm:pt modelId="{5C795C24-AAB5-7245-8B50-25916C1B9A54}">
+    <dgm:pt modelId="{15ACB1C3-4C5D-C24B-AE5F-AAD657B96E27}">
       <dgm:prSet/>
       <dgm:spPr/>
       <dgm:t>
@@ -4175,13 +2239,13 @@
         <a:lstStyle/>
         <a:p>
           <a:r>
-            <a:rPr lang="de-DE" dirty="0"/>
+            <a:rPr lang="de-DE"/>
             <a:t>User Service</a:t>
           </a:r>
         </a:p>
       </dgm:t>
     </dgm:pt>
-    <dgm:pt modelId="{45A00297-78D6-0146-BBB8-9429E6B59F17}" type="parTrans" cxnId="{DD57A899-30AD-A043-A951-1BD6CB058875}">
+    <dgm:pt modelId="{E1BA47D8-D83B-BD47-9D72-CF7257BFA235}" type="parTrans" cxnId="{943CD10C-46F2-FD44-B702-43B8B0570EDB}">
       <dgm:prSet/>
       <dgm:spPr/>
       <dgm:t>
@@ -4192,7 +2256,7 @@
         </a:p>
       </dgm:t>
     </dgm:pt>
-    <dgm:pt modelId="{CC0CE3DF-19D8-9048-B7C3-9C36319176E7}" type="sibTrans" cxnId="{DD57A899-30AD-A043-A951-1BD6CB058875}">
+    <dgm:pt modelId="{844B5381-6E4A-B243-A3BE-022304EE7585}" type="sibTrans" cxnId="{943CD10C-46F2-FD44-B702-43B8B0570EDB}">
       <dgm:prSet/>
       <dgm:spPr/>
       <dgm:t>
@@ -4203,7 +2267,7 @@
         </a:p>
       </dgm:t>
     </dgm:pt>
-    <dgm:pt modelId="{C2B144F1-5292-7447-8B3F-A27C6BF2BF8B}">
+    <dgm:pt modelId="{715E683D-8382-454D-8A9F-AA8F0312A20C}">
       <dgm:prSet/>
       <dgm:spPr/>
       <dgm:t>
@@ -4211,13 +2275,13 @@
         <a:lstStyle/>
         <a:p>
           <a:r>
-            <a:rPr lang="de-DE"/>
-            <a:t>Registrierung</a:t>
+            <a:rPr lang="de-DE" dirty="0"/>
+            <a:t> Registrierung</a:t>
           </a:r>
         </a:p>
       </dgm:t>
     </dgm:pt>
-    <dgm:pt modelId="{1D735FA1-6305-804B-8824-1645E5771EB4}" type="parTrans" cxnId="{265D702E-D5BB-8447-90DF-69779EB1D2B0}">
+    <dgm:pt modelId="{DBD6622A-EA4A-AB4F-8F1A-08BE2224E875}" type="parTrans" cxnId="{33AE29B3-8938-A543-B413-38B40F25FCA0}">
       <dgm:prSet/>
       <dgm:spPr/>
       <dgm:t>
@@ -4228,7 +2292,7 @@
         </a:p>
       </dgm:t>
     </dgm:pt>
-    <dgm:pt modelId="{3C36FD5C-612E-3B44-A41A-47901023063A}" type="sibTrans" cxnId="{265D702E-D5BB-8447-90DF-69779EB1D2B0}">
+    <dgm:pt modelId="{E5790832-F7FC-374E-925C-E889C3B55888}" type="sibTrans" cxnId="{33AE29B3-8938-A543-B413-38B40F25FCA0}">
       <dgm:prSet/>
       <dgm:spPr/>
       <dgm:t>
@@ -4239,7 +2303,7 @@
         </a:p>
       </dgm:t>
     </dgm:pt>
-    <dgm:pt modelId="{89E5F015-FA48-0E46-B040-B83C9242A777}">
+    <dgm:pt modelId="{6E92BEAD-1236-C34D-BBD6-E32C1A6BA63A}">
       <dgm:prSet/>
       <dgm:spPr/>
       <dgm:t>
@@ -4247,13 +2311,13 @@
         <a:lstStyle/>
         <a:p>
           <a:r>
-            <a:rPr lang="de-DE"/>
-            <a:t>Login</a:t>
+            <a:rPr lang="de-DE" dirty="0"/>
+            <a:t> Login</a:t>
           </a:r>
         </a:p>
       </dgm:t>
     </dgm:pt>
-    <dgm:pt modelId="{C1E2CC91-3359-0F4A-8A5E-4B0C11E291BE}" type="parTrans" cxnId="{9ED53466-1049-5C40-878E-5707CD3C1EA0}">
+    <dgm:pt modelId="{464A31F1-9392-6C49-AD75-11E3BE3C12CE}" type="parTrans" cxnId="{768815CE-A86D-4B4C-B75C-099104210DDC}">
       <dgm:prSet/>
       <dgm:spPr/>
       <dgm:t>
@@ -4264,7 +2328,7 @@
         </a:p>
       </dgm:t>
     </dgm:pt>
-    <dgm:pt modelId="{5EAE3A5C-F6D2-E14C-BE5F-4E8625FA4BAD}" type="sibTrans" cxnId="{9ED53466-1049-5C40-878E-5707CD3C1EA0}">
+    <dgm:pt modelId="{2CFFF209-0C0E-AC43-B4DC-0EF69D61B4E7}" type="sibTrans" cxnId="{768815CE-A86D-4B4C-B75C-099104210DDC}">
       <dgm:prSet/>
       <dgm:spPr/>
       <dgm:t>
@@ -4275,7 +2339,7 @@
         </a:p>
       </dgm:t>
     </dgm:pt>
-    <dgm:pt modelId="{B25A7A3E-680B-6B42-AFC3-8A98516397AC}">
+    <dgm:pt modelId="{125BF41B-E0CA-644C-9BE9-69CAE1D88182}">
       <dgm:prSet/>
       <dgm:spPr/>
       <dgm:t>
@@ -4289,7 +2353,7 @@
         </a:p>
       </dgm:t>
     </dgm:pt>
-    <dgm:pt modelId="{4BA6629B-E262-684A-9850-B5085EAC6C33}" type="parTrans" cxnId="{3B2830FA-A15F-7945-99AA-9F14721067A1}">
+    <dgm:pt modelId="{61E4804E-CA80-FC47-994F-71FC17C7EE03}" type="parTrans" cxnId="{A6236DEB-876E-0C48-A218-098D83ED61F0}">
       <dgm:prSet/>
       <dgm:spPr/>
       <dgm:t>
@@ -4300,7 +2364,7 @@
         </a:p>
       </dgm:t>
     </dgm:pt>
-    <dgm:pt modelId="{CEB4983B-BAF8-5E40-9AD5-FE5A4F6B9F53}" type="sibTrans" cxnId="{3B2830FA-A15F-7945-99AA-9F14721067A1}">
+    <dgm:pt modelId="{12196085-2CF0-4346-8DF7-59C91E338836}" type="sibTrans" cxnId="{A6236DEB-876E-0C48-A218-098D83ED61F0}">
       <dgm:prSet/>
       <dgm:spPr/>
       <dgm:t>
@@ -4311,7 +2375,7 @@
         </a:p>
       </dgm:t>
     </dgm:pt>
-    <dgm:pt modelId="{5012FA4E-5F80-9146-AC87-62A6795C719E}">
+    <dgm:pt modelId="{71CDF269-A3A9-A34A-A43B-416C5F20A2C4}">
       <dgm:prSet/>
       <dgm:spPr/>
       <dgm:t>
@@ -4319,13 +2383,13 @@
         <a:lstStyle/>
         <a:p>
           <a:r>
-            <a:rPr lang="de-DE"/>
-            <a:t>Anlegen/Abruf von Aktivitäten </a:t>
+            <a:rPr lang="de-DE" dirty="0"/>
+            <a:t> Anlegen/Abruf von Aktivitäten </a:t>
           </a:r>
         </a:p>
       </dgm:t>
     </dgm:pt>
-    <dgm:pt modelId="{DD7966DC-1A64-A04E-88FE-D594C257BEF6}" type="parTrans" cxnId="{A759BC28-043F-3649-872A-7A79038E4AD6}">
+    <dgm:pt modelId="{1CB45C75-DD12-D14B-B48B-A9FA7F8C5606}" type="parTrans" cxnId="{D4DE00EE-9B79-BA42-A5F7-BB743D6F4802}">
       <dgm:prSet/>
       <dgm:spPr/>
       <dgm:t>
@@ -4336,7 +2400,7 @@
         </a:p>
       </dgm:t>
     </dgm:pt>
-    <dgm:pt modelId="{7A5AF41F-BAC8-EF4F-84D8-B6A7DC632130}" type="sibTrans" cxnId="{A759BC28-043F-3649-872A-7A79038E4AD6}">
+    <dgm:pt modelId="{D0C92FA5-DDBF-E442-B0CA-279CCAEDC2DA}" type="sibTrans" cxnId="{D4DE00EE-9B79-BA42-A5F7-BB743D6F4802}">
       <dgm:prSet/>
       <dgm:spPr/>
       <dgm:t>
@@ -4347,7 +2411,7 @@
         </a:p>
       </dgm:t>
     </dgm:pt>
-    <dgm:pt modelId="{BF534BD7-CA72-A845-83F3-318C09913AFC}">
+    <dgm:pt modelId="{D7F04550-F44D-DD47-A274-0ED5BA1D3897}">
       <dgm:prSet/>
       <dgm:spPr/>
       <dgm:t>
@@ -4355,13 +2419,13 @@
         <a:lstStyle/>
         <a:p>
           <a:r>
-            <a:rPr lang="de-DE"/>
-            <a:t>Anlegen/Abruf von Records </a:t>
+            <a:rPr lang="de-DE" dirty="0"/>
+            <a:t> Anlegen/Abruf von Records </a:t>
           </a:r>
         </a:p>
       </dgm:t>
     </dgm:pt>
-    <dgm:pt modelId="{13A708B7-5E4E-C148-9BBC-6B010D7D2395}" type="parTrans" cxnId="{1E5ABDFA-CC6E-2A48-BBFA-EA96D40B1329}">
+    <dgm:pt modelId="{959F07DA-0857-F549-8C3C-A98E4C6D9439}" type="parTrans" cxnId="{07AAB7BD-EFFC-604A-9384-C8163766C043}">
       <dgm:prSet/>
       <dgm:spPr/>
       <dgm:t>
@@ -4372,7 +2436,7 @@
         </a:p>
       </dgm:t>
     </dgm:pt>
-    <dgm:pt modelId="{65477C51-DA82-3445-B654-047DE2B42174}" type="sibTrans" cxnId="{1E5ABDFA-CC6E-2A48-BBFA-EA96D40B1329}">
+    <dgm:pt modelId="{97D5D1A3-CC71-1D49-AE5F-4AE9C3A1568F}" type="sibTrans" cxnId="{07AAB7BD-EFFC-604A-9384-C8163766C043}">
       <dgm:prSet/>
       <dgm:spPr/>
       <dgm:t>
@@ -4383,43 +2447,7 @@
         </a:p>
       </dgm:t>
     </dgm:pt>
-    <dgm:pt modelId="{74D91DD4-C9D9-9E44-8198-5ED77E2F98CC}">
-      <dgm:prSet/>
-      <dgm:spPr/>
-      <dgm:t>
-        <a:bodyPr/>
-        <a:lstStyle/>
-        <a:p>
-          <a:r>
-            <a:rPr lang="de-DE"/>
-            <a:t>Abruf von Statistiken</a:t>
-          </a:r>
-        </a:p>
-      </dgm:t>
-    </dgm:pt>
-    <dgm:pt modelId="{71142DE4-53C9-9846-A286-4E31895D462C}" type="parTrans" cxnId="{45198948-AAC8-0F4D-B7AA-DBDED73C626F}">
-      <dgm:prSet/>
-      <dgm:spPr/>
-      <dgm:t>
-        <a:bodyPr/>
-        <a:lstStyle/>
-        <a:p>
-          <a:endParaRPr lang="de-DE"/>
-        </a:p>
-      </dgm:t>
-    </dgm:pt>
-    <dgm:pt modelId="{CF1CCA1A-F633-0648-9C6D-39410C144BFB}" type="sibTrans" cxnId="{45198948-AAC8-0F4D-B7AA-DBDED73C626F}">
-      <dgm:prSet/>
-      <dgm:spPr/>
-      <dgm:t>
-        <a:bodyPr/>
-        <a:lstStyle/>
-        <a:p>
-          <a:endParaRPr lang="de-DE"/>
-        </a:p>
-      </dgm:t>
-    </dgm:pt>
-    <dgm:pt modelId="{961D0A39-219F-9648-B8AF-A7AD9599DDC5}">
+    <dgm:pt modelId="{B70790DB-FB92-484E-A2E2-5E8DBFC7F65C}">
       <dgm:prSet/>
       <dgm:spPr/>
       <dgm:t>
@@ -4433,7 +2461,7 @@
         </a:p>
       </dgm:t>
     </dgm:pt>
-    <dgm:pt modelId="{CF55D647-D56A-804C-BCD4-F328C11B0D09}" type="parTrans" cxnId="{1F5A8A68-EBEA-4B48-8B69-8B58E4152086}">
+    <dgm:pt modelId="{72F0F609-4B4D-9241-9A96-BA682EF8B19D}" type="parTrans" cxnId="{CDEEC964-8306-B444-A824-66F68983C200}">
       <dgm:prSet/>
       <dgm:spPr/>
       <dgm:t>
@@ -4444,7 +2472,7 @@
         </a:p>
       </dgm:t>
     </dgm:pt>
-    <dgm:pt modelId="{7A0CFBCD-6E6C-0D41-A31F-1C17F3F506A2}" type="sibTrans" cxnId="{1F5A8A68-EBEA-4B48-8B69-8B58E4152086}">
+    <dgm:pt modelId="{3AA538C4-232F-BF4D-9BE2-F9BF38881A96}" type="sibTrans" cxnId="{CDEEC964-8306-B444-A824-66F68983C200}">
       <dgm:prSet/>
       <dgm:spPr/>
       <dgm:t>
@@ -4455,7 +2483,7 @@
         </a:p>
       </dgm:t>
     </dgm:pt>
-    <dgm:pt modelId="{F1D32323-5ABB-A641-BEA0-0C1178E45FB7}">
+    <dgm:pt modelId="{5060DED2-B984-5F49-A742-6E7D55766190}">
       <dgm:prSet/>
       <dgm:spPr/>
       <dgm:t>
@@ -4463,13 +2491,13 @@
         <a:lstStyle/>
         <a:p>
           <a:r>
-            <a:rPr lang="de-DE"/>
-            <a:t>Aufruf von UI</a:t>
+            <a:rPr lang="de-DE" dirty="0"/>
+            <a:t> Aufruf von UI</a:t>
           </a:r>
         </a:p>
       </dgm:t>
     </dgm:pt>
-    <dgm:pt modelId="{E87E156F-E4DC-694C-8FB6-64714C047990}" type="parTrans" cxnId="{4D2BA3D3-B45D-084A-B13E-21BF1B3C3876}">
+    <dgm:pt modelId="{54210DC9-4538-A64F-A12B-2D6C0C90C056}" type="parTrans" cxnId="{C2A99699-2AF0-AA43-878C-051742CE8233}">
       <dgm:prSet/>
       <dgm:spPr/>
       <dgm:t>
@@ -4480,7 +2508,7 @@
         </a:p>
       </dgm:t>
     </dgm:pt>
-    <dgm:pt modelId="{FEADF17A-681F-9545-88C1-D3A53F2BA9DF}" type="sibTrans" cxnId="{4D2BA3D3-B45D-084A-B13E-21BF1B3C3876}">
+    <dgm:pt modelId="{DA6EC8D1-7F23-6B4A-B721-370AFE99DD88}" type="sibTrans" cxnId="{C2A99699-2AF0-AA43-878C-051742CE8233}">
       <dgm:prSet/>
       <dgm:spPr/>
       <dgm:t>
@@ -4491,220 +2519,7 @@
         </a:p>
       </dgm:t>
     </dgm:pt>
-    <dgm:pt modelId="{0EB21F4A-0A5C-9344-A9BF-28D97F9A2204}" type="pres">
-      <dgm:prSet presAssocID="{DDBDB20C-B312-E943-A9EA-E66A7B9860F3}" presName="theList" presStyleCnt="0">
-        <dgm:presLayoutVars>
-          <dgm:dir/>
-          <dgm:animLvl val="lvl"/>
-          <dgm:resizeHandles val="exact"/>
-        </dgm:presLayoutVars>
-      </dgm:prSet>
-      <dgm:spPr/>
-    </dgm:pt>
-    <dgm:pt modelId="{E9C2276C-A7CA-004C-93B6-E1F67DED225D}" type="pres">
-      <dgm:prSet presAssocID="{5C795C24-AAB5-7245-8B50-25916C1B9A54}" presName="compNode" presStyleCnt="0"/>
-      <dgm:spPr/>
-    </dgm:pt>
-    <dgm:pt modelId="{0B4EF0A5-C900-8A4C-B6B4-E27C15301FF9}" type="pres">
-      <dgm:prSet presAssocID="{5C795C24-AAB5-7245-8B50-25916C1B9A54}" presName="aNode" presStyleLbl="bgShp" presStyleIdx="0" presStyleCnt="3"/>
-      <dgm:spPr/>
-    </dgm:pt>
-    <dgm:pt modelId="{4BEB932B-0D00-DC49-AB1D-DCB83F308D0E}" type="pres">
-      <dgm:prSet presAssocID="{5C795C24-AAB5-7245-8B50-25916C1B9A54}" presName="textNode" presStyleLbl="bgShp" presStyleIdx="0" presStyleCnt="3"/>
-      <dgm:spPr/>
-    </dgm:pt>
-    <dgm:pt modelId="{C60273C5-D5D3-BA4A-A865-592BEE961E45}" type="pres">
-      <dgm:prSet presAssocID="{5C795C24-AAB5-7245-8B50-25916C1B9A54}" presName="compChildNode" presStyleCnt="0"/>
-      <dgm:spPr/>
-    </dgm:pt>
-    <dgm:pt modelId="{881CDA28-CDB6-9E4F-8167-AFB4937A596E}" type="pres">
-      <dgm:prSet presAssocID="{5C795C24-AAB5-7245-8B50-25916C1B9A54}" presName="theInnerList" presStyleCnt="0"/>
-      <dgm:spPr/>
-    </dgm:pt>
-    <dgm:pt modelId="{42EC7B99-7858-C94C-851B-74074D6CDEF2}" type="pres">
-      <dgm:prSet presAssocID="{C2B144F1-5292-7447-8B3F-A27C6BF2BF8B}" presName="childNode" presStyleLbl="node1" presStyleIdx="0" presStyleCnt="6">
-        <dgm:presLayoutVars>
-          <dgm:bulletEnabled val="1"/>
-        </dgm:presLayoutVars>
-      </dgm:prSet>
-      <dgm:spPr/>
-    </dgm:pt>
-    <dgm:pt modelId="{024750A8-DDE3-984B-A0C5-37EDD46D04D6}" type="pres">
-      <dgm:prSet presAssocID="{C2B144F1-5292-7447-8B3F-A27C6BF2BF8B}" presName="aSpace2" presStyleCnt="0"/>
-      <dgm:spPr/>
-    </dgm:pt>
-    <dgm:pt modelId="{4AEBA1DF-8349-2248-8C48-F97123E0C1E1}" type="pres">
-      <dgm:prSet presAssocID="{89E5F015-FA48-0E46-B040-B83C9242A777}" presName="childNode" presStyleLbl="node1" presStyleIdx="1" presStyleCnt="6">
-        <dgm:presLayoutVars>
-          <dgm:bulletEnabled val="1"/>
-        </dgm:presLayoutVars>
-      </dgm:prSet>
-      <dgm:spPr/>
-    </dgm:pt>
-    <dgm:pt modelId="{2DF72C85-B14E-9648-8844-6621D0F458F2}" type="pres">
-      <dgm:prSet presAssocID="{5C795C24-AAB5-7245-8B50-25916C1B9A54}" presName="aSpace" presStyleCnt="0"/>
-      <dgm:spPr/>
-    </dgm:pt>
-    <dgm:pt modelId="{47D31678-D095-9B41-BC1F-17BA45879C98}" type="pres">
-      <dgm:prSet presAssocID="{B25A7A3E-680B-6B42-AFC3-8A98516397AC}" presName="compNode" presStyleCnt="0"/>
-      <dgm:spPr/>
-    </dgm:pt>
-    <dgm:pt modelId="{A1908E4D-21F9-F548-A2E5-B3931392D1F7}" type="pres">
-      <dgm:prSet presAssocID="{B25A7A3E-680B-6B42-AFC3-8A98516397AC}" presName="aNode" presStyleLbl="bgShp" presStyleIdx="1" presStyleCnt="3"/>
-      <dgm:spPr/>
-    </dgm:pt>
-    <dgm:pt modelId="{92505560-7BB0-0D41-899D-B094588D0CCC}" type="pres">
-      <dgm:prSet presAssocID="{B25A7A3E-680B-6B42-AFC3-8A98516397AC}" presName="textNode" presStyleLbl="bgShp" presStyleIdx="1" presStyleCnt="3"/>
-      <dgm:spPr/>
-    </dgm:pt>
-    <dgm:pt modelId="{C8EDD4C0-FA64-A145-94DD-06FA9497F510}" type="pres">
-      <dgm:prSet presAssocID="{B25A7A3E-680B-6B42-AFC3-8A98516397AC}" presName="compChildNode" presStyleCnt="0"/>
-      <dgm:spPr/>
-    </dgm:pt>
-    <dgm:pt modelId="{49AABF45-1B57-5342-A1B0-934DA5D1304C}" type="pres">
-      <dgm:prSet presAssocID="{B25A7A3E-680B-6B42-AFC3-8A98516397AC}" presName="theInnerList" presStyleCnt="0"/>
-      <dgm:spPr/>
-    </dgm:pt>
-    <dgm:pt modelId="{F0BA47B3-FFA9-DF44-B05B-345D092AF2A6}" type="pres">
-      <dgm:prSet presAssocID="{5012FA4E-5F80-9146-AC87-62A6795C719E}" presName="childNode" presStyleLbl="node1" presStyleIdx="2" presStyleCnt="6">
-        <dgm:presLayoutVars>
-          <dgm:bulletEnabled val="1"/>
-        </dgm:presLayoutVars>
-      </dgm:prSet>
-      <dgm:spPr/>
-    </dgm:pt>
-    <dgm:pt modelId="{0D65AF74-E212-E645-80E0-4BD2F1CE4F75}" type="pres">
-      <dgm:prSet presAssocID="{5012FA4E-5F80-9146-AC87-62A6795C719E}" presName="aSpace2" presStyleCnt="0"/>
-      <dgm:spPr/>
-    </dgm:pt>
-    <dgm:pt modelId="{58C68383-4CCB-0B42-B358-3A2C0A0335BE}" type="pres">
-      <dgm:prSet presAssocID="{BF534BD7-CA72-A845-83F3-318C09913AFC}" presName="childNode" presStyleLbl="node1" presStyleIdx="3" presStyleCnt="6">
-        <dgm:presLayoutVars>
-          <dgm:bulletEnabled val="1"/>
-        </dgm:presLayoutVars>
-      </dgm:prSet>
-      <dgm:spPr/>
-    </dgm:pt>
-    <dgm:pt modelId="{E1F71F77-FC6A-B440-834E-72474692AB26}" type="pres">
-      <dgm:prSet presAssocID="{BF534BD7-CA72-A845-83F3-318C09913AFC}" presName="aSpace2" presStyleCnt="0"/>
-      <dgm:spPr/>
-    </dgm:pt>
-    <dgm:pt modelId="{301D1712-20A6-3843-927E-530A7D3F994E}" type="pres">
-      <dgm:prSet presAssocID="{74D91DD4-C9D9-9E44-8198-5ED77E2F98CC}" presName="childNode" presStyleLbl="node1" presStyleIdx="4" presStyleCnt="6">
-        <dgm:presLayoutVars>
-          <dgm:bulletEnabled val="1"/>
-        </dgm:presLayoutVars>
-      </dgm:prSet>
-      <dgm:spPr/>
-    </dgm:pt>
-    <dgm:pt modelId="{1E5E5630-C4E6-D546-B327-485C6A37A597}" type="pres">
-      <dgm:prSet presAssocID="{B25A7A3E-680B-6B42-AFC3-8A98516397AC}" presName="aSpace" presStyleCnt="0"/>
-      <dgm:spPr/>
-    </dgm:pt>
-    <dgm:pt modelId="{8F6520B4-B198-124B-B713-8313A515870D}" type="pres">
-      <dgm:prSet presAssocID="{961D0A39-219F-9648-B8AF-A7AD9599DDC5}" presName="compNode" presStyleCnt="0"/>
-      <dgm:spPr/>
-    </dgm:pt>
-    <dgm:pt modelId="{81AD7B9F-0931-FD40-A503-AF41ACDA26E5}" type="pres">
-      <dgm:prSet presAssocID="{961D0A39-219F-9648-B8AF-A7AD9599DDC5}" presName="aNode" presStyleLbl="bgShp" presStyleIdx="2" presStyleCnt="3"/>
-      <dgm:spPr/>
-    </dgm:pt>
-    <dgm:pt modelId="{DF72DDEF-0F54-BA4A-8269-533F9EB108B8}" type="pres">
-      <dgm:prSet presAssocID="{961D0A39-219F-9648-B8AF-A7AD9599DDC5}" presName="textNode" presStyleLbl="bgShp" presStyleIdx="2" presStyleCnt="3"/>
-      <dgm:spPr/>
-    </dgm:pt>
-    <dgm:pt modelId="{A7D06FBA-AAA6-4946-9BD2-4496879D96DA}" type="pres">
-      <dgm:prSet presAssocID="{961D0A39-219F-9648-B8AF-A7AD9599DDC5}" presName="compChildNode" presStyleCnt="0"/>
-      <dgm:spPr/>
-    </dgm:pt>
-    <dgm:pt modelId="{077C68EC-5DE7-7646-9EFF-F4F2579B4271}" type="pres">
-      <dgm:prSet presAssocID="{961D0A39-219F-9648-B8AF-A7AD9599DDC5}" presName="theInnerList" presStyleCnt="0"/>
-      <dgm:spPr/>
-    </dgm:pt>
-    <dgm:pt modelId="{ACA9F6E0-82AC-2044-9E7C-B7D52FD29402}" type="pres">
-      <dgm:prSet presAssocID="{F1D32323-5ABB-A641-BEA0-0C1178E45FB7}" presName="childNode" presStyleLbl="node1" presStyleIdx="5" presStyleCnt="6">
-        <dgm:presLayoutVars>
-          <dgm:bulletEnabled val="1"/>
-        </dgm:presLayoutVars>
-      </dgm:prSet>
-      <dgm:spPr/>
-    </dgm:pt>
-  </dgm:ptLst>
-  <dgm:cxnLst>
-    <dgm:cxn modelId="{3D6C1F16-BE60-6F4A-92BD-C7577B63D999}" type="presOf" srcId="{C2B144F1-5292-7447-8B3F-A27C6BF2BF8B}" destId="{42EC7B99-7858-C94C-851B-74074D6CDEF2}" srcOrd="0" destOrd="0" presId="urn:microsoft.com/office/officeart/2005/8/layout/lProcess2"/>
-    <dgm:cxn modelId="{A759BC28-043F-3649-872A-7A79038E4AD6}" srcId="{B25A7A3E-680B-6B42-AFC3-8A98516397AC}" destId="{5012FA4E-5F80-9146-AC87-62A6795C719E}" srcOrd="0" destOrd="0" parTransId="{DD7966DC-1A64-A04E-88FE-D594C257BEF6}" sibTransId="{7A5AF41F-BAC8-EF4F-84D8-B6A7DC632130}"/>
-    <dgm:cxn modelId="{74FA082A-20B2-4349-9C6D-D74A6FE272A9}" type="presOf" srcId="{5C795C24-AAB5-7245-8B50-25916C1B9A54}" destId="{4BEB932B-0D00-DC49-AB1D-DCB83F308D0E}" srcOrd="1" destOrd="0" presId="urn:microsoft.com/office/officeart/2005/8/layout/lProcess2"/>
-    <dgm:cxn modelId="{265D702E-D5BB-8447-90DF-69779EB1D2B0}" srcId="{5C795C24-AAB5-7245-8B50-25916C1B9A54}" destId="{C2B144F1-5292-7447-8B3F-A27C6BF2BF8B}" srcOrd="0" destOrd="0" parTransId="{1D735FA1-6305-804B-8824-1645E5771EB4}" sibTransId="{3C36FD5C-612E-3B44-A41A-47901023063A}"/>
-    <dgm:cxn modelId="{45198948-AAC8-0F4D-B7AA-DBDED73C626F}" srcId="{B25A7A3E-680B-6B42-AFC3-8A98516397AC}" destId="{74D91DD4-C9D9-9E44-8198-5ED77E2F98CC}" srcOrd="2" destOrd="0" parTransId="{71142DE4-53C9-9846-A286-4E31895D462C}" sibTransId="{CF1CCA1A-F633-0648-9C6D-39410C144BFB}"/>
-    <dgm:cxn modelId="{1E49CA54-CE76-3347-9750-DA5D60DD14EC}" type="presOf" srcId="{DDBDB20C-B312-E943-A9EA-E66A7B9860F3}" destId="{0EB21F4A-0A5C-9344-A9BF-28D97F9A2204}" srcOrd="0" destOrd="0" presId="urn:microsoft.com/office/officeart/2005/8/layout/lProcess2"/>
-    <dgm:cxn modelId="{9ED53466-1049-5C40-878E-5707CD3C1EA0}" srcId="{5C795C24-AAB5-7245-8B50-25916C1B9A54}" destId="{89E5F015-FA48-0E46-B040-B83C9242A777}" srcOrd="1" destOrd="0" parTransId="{C1E2CC91-3359-0F4A-8A5E-4B0C11E291BE}" sibTransId="{5EAE3A5C-F6D2-E14C-BE5F-4E8625FA4BAD}"/>
-    <dgm:cxn modelId="{379B9666-F76D-8349-A150-EE4247FF44D3}" type="presOf" srcId="{B25A7A3E-680B-6B42-AFC3-8A98516397AC}" destId="{92505560-7BB0-0D41-899D-B094588D0CCC}" srcOrd="1" destOrd="0" presId="urn:microsoft.com/office/officeart/2005/8/layout/lProcess2"/>
-    <dgm:cxn modelId="{1F5A8A68-EBEA-4B48-8B69-8B58E4152086}" srcId="{DDBDB20C-B312-E943-A9EA-E66A7B9860F3}" destId="{961D0A39-219F-9648-B8AF-A7AD9599DDC5}" srcOrd="2" destOrd="0" parTransId="{CF55D647-D56A-804C-BCD4-F328C11B0D09}" sibTransId="{7A0CFBCD-6E6C-0D41-A31F-1C17F3F506A2}"/>
-    <dgm:cxn modelId="{FA63CB69-2896-4443-A63B-543F29C2CFA1}" type="presOf" srcId="{B25A7A3E-680B-6B42-AFC3-8A98516397AC}" destId="{A1908E4D-21F9-F548-A2E5-B3931392D1F7}" srcOrd="0" destOrd="0" presId="urn:microsoft.com/office/officeart/2005/8/layout/lProcess2"/>
-    <dgm:cxn modelId="{C6314377-3CDA-254C-B1DF-8DACF213BEAA}" type="presOf" srcId="{5C795C24-AAB5-7245-8B50-25916C1B9A54}" destId="{0B4EF0A5-C900-8A4C-B6B4-E27C15301FF9}" srcOrd="0" destOrd="0" presId="urn:microsoft.com/office/officeart/2005/8/layout/lProcess2"/>
-    <dgm:cxn modelId="{12BE2C86-CC9A-4A46-9BE7-FC5A5DE044B8}" type="presOf" srcId="{74D91DD4-C9D9-9E44-8198-5ED77E2F98CC}" destId="{301D1712-20A6-3843-927E-530A7D3F994E}" srcOrd="0" destOrd="0" presId="urn:microsoft.com/office/officeart/2005/8/layout/lProcess2"/>
-    <dgm:cxn modelId="{DD57A899-30AD-A043-A951-1BD6CB058875}" srcId="{DDBDB20C-B312-E943-A9EA-E66A7B9860F3}" destId="{5C795C24-AAB5-7245-8B50-25916C1B9A54}" srcOrd="0" destOrd="0" parTransId="{45A00297-78D6-0146-BBB8-9429E6B59F17}" sibTransId="{CC0CE3DF-19D8-9048-B7C3-9C36319176E7}"/>
-    <dgm:cxn modelId="{AE94A7A1-28F9-BC49-BF0D-932AE1475911}" type="presOf" srcId="{961D0A39-219F-9648-B8AF-A7AD9599DDC5}" destId="{DF72DDEF-0F54-BA4A-8269-533F9EB108B8}" srcOrd="1" destOrd="0" presId="urn:microsoft.com/office/officeart/2005/8/layout/lProcess2"/>
-    <dgm:cxn modelId="{DD7FAAA4-0032-5747-A581-229FBB7CE5CA}" type="presOf" srcId="{BF534BD7-CA72-A845-83F3-318C09913AFC}" destId="{58C68383-4CCB-0B42-B358-3A2C0A0335BE}" srcOrd="0" destOrd="0" presId="urn:microsoft.com/office/officeart/2005/8/layout/lProcess2"/>
-    <dgm:cxn modelId="{0E9AB5B1-58CC-0844-83FE-36E6508A691B}" type="presOf" srcId="{F1D32323-5ABB-A641-BEA0-0C1178E45FB7}" destId="{ACA9F6E0-82AC-2044-9E7C-B7D52FD29402}" srcOrd="0" destOrd="0" presId="urn:microsoft.com/office/officeart/2005/8/layout/lProcess2"/>
-    <dgm:cxn modelId="{CB5ECAB3-368C-814B-A326-B55A8500826D}" type="presOf" srcId="{89E5F015-FA48-0E46-B040-B83C9242A777}" destId="{4AEBA1DF-8349-2248-8C48-F97123E0C1E1}" srcOrd="0" destOrd="0" presId="urn:microsoft.com/office/officeart/2005/8/layout/lProcess2"/>
-    <dgm:cxn modelId="{4D2BA3D3-B45D-084A-B13E-21BF1B3C3876}" srcId="{961D0A39-219F-9648-B8AF-A7AD9599DDC5}" destId="{F1D32323-5ABB-A641-BEA0-0C1178E45FB7}" srcOrd="0" destOrd="0" parTransId="{E87E156F-E4DC-694C-8FB6-64714C047990}" sibTransId="{FEADF17A-681F-9545-88C1-D3A53F2BA9DF}"/>
-    <dgm:cxn modelId="{C5E470E4-10A6-1841-8D17-C8FA458E1348}" type="presOf" srcId="{961D0A39-219F-9648-B8AF-A7AD9599DDC5}" destId="{81AD7B9F-0931-FD40-A503-AF41ACDA26E5}" srcOrd="0" destOrd="0" presId="urn:microsoft.com/office/officeart/2005/8/layout/lProcess2"/>
-    <dgm:cxn modelId="{3B2830FA-A15F-7945-99AA-9F14721067A1}" srcId="{DDBDB20C-B312-E943-A9EA-E66A7B9860F3}" destId="{B25A7A3E-680B-6B42-AFC3-8A98516397AC}" srcOrd="1" destOrd="0" parTransId="{4BA6629B-E262-684A-9850-B5085EAC6C33}" sibTransId="{CEB4983B-BAF8-5E40-9AD5-FE5A4F6B9F53}"/>
-    <dgm:cxn modelId="{1E5ABDFA-CC6E-2A48-BBFA-EA96D40B1329}" srcId="{B25A7A3E-680B-6B42-AFC3-8A98516397AC}" destId="{BF534BD7-CA72-A845-83F3-318C09913AFC}" srcOrd="1" destOrd="0" parTransId="{13A708B7-5E4E-C148-9BBC-6B010D7D2395}" sibTransId="{65477C51-DA82-3445-B654-047DE2B42174}"/>
-    <dgm:cxn modelId="{D9B428FC-6738-7F41-9F75-B3BD6220E92E}" type="presOf" srcId="{5012FA4E-5F80-9146-AC87-62A6795C719E}" destId="{F0BA47B3-FFA9-DF44-B05B-345D092AF2A6}" srcOrd="0" destOrd="0" presId="urn:microsoft.com/office/officeart/2005/8/layout/lProcess2"/>
-    <dgm:cxn modelId="{05A4D1F6-583D-2844-932F-D5A32B26EB7C}" type="presParOf" srcId="{0EB21F4A-0A5C-9344-A9BF-28D97F9A2204}" destId="{E9C2276C-A7CA-004C-93B6-E1F67DED225D}" srcOrd="0" destOrd="0" presId="urn:microsoft.com/office/officeart/2005/8/layout/lProcess2"/>
-    <dgm:cxn modelId="{9AA893DD-DCD9-9441-B1FB-D85C45674539}" type="presParOf" srcId="{E9C2276C-A7CA-004C-93B6-E1F67DED225D}" destId="{0B4EF0A5-C900-8A4C-B6B4-E27C15301FF9}" srcOrd="0" destOrd="0" presId="urn:microsoft.com/office/officeart/2005/8/layout/lProcess2"/>
-    <dgm:cxn modelId="{182075EF-A473-8A41-B2DA-B7139ADEC809}" type="presParOf" srcId="{E9C2276C-A7CA-004C-93B6-E1F67DED225D}" destId="{4BEB932B-0D00-DC49-AB1D-DCB83F308D0E}" srcOrd="1" destOrd="0" presId="urn:microsoft.com/office/officeart/2005/8/layout/lProcess2"/>
-    <dgm:cxn modelId="{2A824279-F7F3-194A-9DBF-E8E5508EA881}" type="presParOf" srcId="{E9C2276C-A7CA-004C-93B6-E1F67DED225D}" destId="{C60273C5-D5D3-BA4A-A865-592BEE961E45}" srcOrd="2" destOrd="0" presId="urn:microsoft.com/office/officeart/2005/8/layout/lProcess2"/>
-    <dgm:cxn modelId="{0C3878A8-6A58-D447-8411-36F7AE1E2B39}" type="presParOf" srcId="{C60273C5-D5D3-BA4A-A865-592BEE961E45}" destId="{881CDA28-CDB6-9E4F-8167-AFB4937A596E}" srcOrd="0" destOrd="0" presId="urn:microsoft.com/office/officeart/2005/8/layout/lProcess2"/>
-    <dgm:cxn modelId="{55C8ED65-06CD-1D46-94D6-BD2BDD1D9D87}" type="presParOf" srcId="{881CDA28-CDB6-9E4F-8167-AFB4937A596E}" destId="{42EC7B99-7858-C94C-851B-74074D6CDEF2}" srcOrd="0" destOrd="0" presId="urn:microsoft.com/office/officeart/2005/8/layout/lProcess2"/>
-    <dgm:cxn modelId="{444FB84C-F5D3-C246-B929-DA44CBB0CBAF}" type="presParOf" srcId="{881CDA28-CDB6-9E4F-8167-AFB4937A596E}" destId="{024750A8-DDE3-984B-A0C5-37EDD46D04D6}" srcOrd="1" destOrd="0" presId="urn:microsoft.com/office/officeart/2005/8/layout/lProcess2"/>
-    <dgm:cxn modelId="{02E60A17-4F17-5E44-A404-3BABF1BA3814}" type="presParOf" srcId="{881CDA28-CDB6-9E4F-8167-AFB4937A596E}" destId="{4AEBA1DF-8349-2248-8C48-F97123E0C1E1}" srcOrd="2" destOrd="0" presId="urn:microsoft.com/office/officeart/2005/8/layout/lProcess2"/>
-    <dgm:cxn modelId="{9EE4FA3B-1BB3-C648-9A0C-6D4E366C5E7C}" type="presParOf" srcId="{0EB21F4A-0A5C-9344-A9BF-28D97F9A2204}" destId="{2DF72C85-B14E-9648-8844-6621D0F458F2}" srcOrd="1" destOrd="0" presId="urn:microsoft.com/office/officeart/2005/8/layout/lProcess2"/>
-    <dgm:cxn modelId="{A6BF33C4-A0DF-9845-9677-877A64408CE4}" type="presParOf" srcId="{0EB21F4A-0A5C-9344-A9BF-28D97F9A2204}" destId="{47D31678-D095-9B41-BC1F-17BA45879C98}" srcOrd="2" destOrd="0" presId="urn:microsoft.com/office/officeart/2005/8/layout/lProcess2"/>
-    <dgm:cxn modelId="{0BD5BC8E-5BF0-D047-978E-EED40D5BDADA}" type="presParOf" srcId="{47D31678-D095-9B41-BC1F-17BA45879C98}" destId="{A1908E4D-21F9-F548-A2E5-B3931392D1F7}" srcOrd="0" destOrd="0" presId="urn:microsoft.com/office/officeart/2005/8/layout/lProcess2"/>
-    <dgm:cxn modelId="{43D78B60-DF21-1F43-A93D-A73A9FE0D038}" type="presParOf" srcId="{47D31678-D095-9B41-BC1F-17BA45879C98}" destId="{92505560-7BB0-0D41-899D-B094588D0CCC}" srcOrd="1" destOrd="0" presId="urn:microsoft.com/office/officeart/2005/8/layout/lProcess2"/>
-    <dgm:cxn modelId="{3E1369C0-1A4A-774D-81BE-EF2CB5193093}" type="presParOf" srcId="{47D31678-D095-9B41-BC1F-17BA45879C98}" destId="{C8EDD4C0-FA64-A145-94DD-06FA9497F510}" srcOrd="2" destOrd="0" presId="urn:microsoft.com/office/officeart/2005/8/layout/lProcess2"/>
-    <dgm:cxn modelId="{0368B3F8-93A0-0C43-874C-22F0068DF460}" type="presParOf" srcId="{C8EDD4C0-FA64-A145-94DD-06FA9497F510}" destId="{49AABF45-1B57-5342-A1B0-934DA5D1304C}" srcOrd="0" destOrd="0" presId="urn:microsoft.com/office/officeart/2005/8/layout/lProcess2"/>
-    <dgm:cxn modelId="{5C3EE8F6-1EEE-314F-A230-7EE60D150F08}" type="presParOf" srcId="{49AABF45-1B57-5342-A1B0-934DA5D1304C}" destId="{F0BA47B3-FFA9-DF44-B05B-345D092AF2A6}" srcOrd="0" destOrd="0" presId="urn:microsoft.com/office/officeart/2005/8/layout/lProcess2"/>
-    <dgm:cxn modelId="{F12FC28C-9F32-3942-8332-AF2E5CEE0387}" type="presParOf" srcId="{49AABF45-1B57-5342-A1B0-934DA5D1304C}" destId="{0D65AF74-E212-E645-80E0-4BD2F1CE4F75}" srcOrd="1" destOrd="0" presId="urn:microsoft.com/office/officeart/2005/8/layout/lProcess2"/>
-    <dgm:cxn modelId="{C06EF296-585E-F74A-BE89-2D65C5EA4BAF}" type="presParOf" srcId="{49AABF45-1B57-5342-A1B0-934DA5D1304C}" destId="{58C68383-4CCB-0B42-B358-3A2C0A0335BE}" srcOrd="2" destOrd="0" presId="urn:microsoft.com/office/officeart/2005/8/layout/lProcess2"/>
-    <dgm:cxn modelId="{AD13E669-E149-1F4A-B287-49E227724981}" type="presParOf" srcId="{49AABF45-1B57-5342-A1B0-934DA5D1304C}" destId="{E1F71F77-FC6A-B440-834E-72474692AB26}" srcOrd="3" destOrd="0" presId="urn:microsoft.com/office/officeart/2005/8/layout/lProcess2"/>
-    <dgm:cxn modelId="{BBCD7BC1-6872-9C4C-917A-2ED36A625962}" type="presParOf" srcId="{49AABF45-1B57-5342-A1B0-934DA5D1304C}" destId="{301D1712-20A6-3843-927E-530A7D3F994E}" srcOrd="4" destOrd="0" presId="urn:microsoft.com/office/officeart/2005/8/layout/lProcess2"/>
-    <dgm:cxn modelId="{72975F58-4499-FC43-A3A2-158E8EBA1A8F}" type="presParOf" srcId="{0EB21F4A-0A5C-9344-A9BF-28D97F9A2204}" destId="{1E5E5630-C4E6-D546-B327-485C6A37A597}" srcOrd="3" destOrd="0" presId="urn:microsoft.com/office/officeart/2005/8/layout/lProcess2"/>
-    <dgm:cxn modelId="{9F140D7D-FEF6-A544-BE51-CB86AA03C5A4}" type="presParOf" srcId="{0EB21F4A-0A5C-9344-A9BF-28D97F9A2204}" destId="{8F6520B4-B198-124B-B713-8313A515870D}" srcOrd="4" destOrd="0" presId="urn:microsoft.com/office/officeart/2005/8/layout/lProcess2"/>
-    <dgm:cxn modelId="{407D01F3-F3E7-0E41-ABDF-F8DFB3392487}" type="presParOf" srcId="{8F6520B4-B198-124B-B713-8313A515870D}" destId="{81AD7B9F-0931-FD40-A503-AF41ACDA26E5}" srcOrd="0" destOrd="0" presId="urn:microsoft.com/office/officeart/2005/8/layout/lProcess2"/>
-    <dgm:cxn modelId="{24874555-3F0C-6246-AB7C-C970F45C57B3}" type="presParOf" srcId="{8F6520B4-B198-124B-B713-8313A515870D}" destId="{DF72DDEF-0F54-BA4A-8269-533F9EB108B8}" srcOrd="1" destOrd="0" presId="urn:microsoft.com/office/officeart/2005/8/layout/lProcess2"/>
-    <dgm:cxn modelId="{571E6AD7-EC9E-D645-880C-C82811C3BDA2}" type="presParOf" srcId="{8F6520B4-B198-124B-B713-8313A515870D}" destId="{A7D06FBA-AAA6-4946-9BD2-4496879D96DA}" srcOrd="2" destOrd="0" presId="urn:microsoft.com/office/officeart/2005/8/layout/lProcess2"/>
-    <dgm:cxn modelId="{CBD48B4F-67FD-5B4B-A444-176FEDADFB7D}" type="presParOf" srcId="{A7D06FBA-AAA6-4946-9BD2-4496879D96DA}" destId="{077C68EC-5DE7-7646-9EFF-F4F2579B4271}" srcOrd="0" destOrd="0" presId="urn:microsoft.com/office/officeart/2005/8/layout/lProcess2"/>
-    <dgm:cxn modelId="{A64D2A49-B5BD-C74C-BB43-9DA5B638E403}" type="presParOf" srcId="{077C68EC-5DE7-7646-9EFF-F4F2579B4271}" destId="{ACA9F6E0-82AC-2044-9E7C-B7D52FD29402}" srcOrd="0" destOrd="0" presId="urn:microsoft.com/office/officeart/2005/8/layout/lProcess2"/>
-  </dgm:cxnLst>
-  <dgm:bg/>
-  <dgm:whole/>
-  <dgm:extLst>
-    <a:ext uri="http://schemas.microsoft.com/office/drawing/2008/diagram">
-      <dsp:dataModelExt xmlns:dsp="http://schemas.microsoft.com/office/drawing/2008/diagram" relId="rId6" minVer="http://schemas.openxmlformats.org/drawingml/2006/diagram"/>
-    </a:ext>
-  </dgm:extLst>
-</dgm:dataModel>
-</file>
-
-<file path=ppt/diagrams/data4.xml><?xml version="1.0" encoding="utf-8"?>
-<dgm:dataModel xmlns:dgm="http://schemas.openxmlformats.org/drawingml/2006/diagram" xmlns:a="http://schemas.openxmlformats.org/drawingml/2006/main">
-  <dgm:ptLst>
-    <dgm:pt modelId="{DDBDB20C-B312-E943-A9EA-E66A7B9860F3}" type="doc">
-      <dgm:prSet loTypeId="urn:microsoft.com/office/officeart/2005/8/layout/vList5" loCatId="list" qsTypeId="urn:microsoft.com/office/officeart/2005/8/quickstyle/simple1" qsCatId="simple" csTypeId="urn:microsoft.com/office/officeart/2005/8/colors/accent1_2" csCatId="accent1"/>
-      <dgm:spPr/>
-      <dgm:t>
-        <a:bodyPr/>
-        <a:lstStyle/>
-        <a:p>
-          <a:endParaRPr lang="de-DE"/>
-        </a:p>
-      </dgm:t>
-    </dgm:pt>
-    <dgm:pt modelId="{5C795C24-AAB5-7245-8B50-25916C1B9A54}">
+    <dgm:pt modelId="{F9303875-F033-7945-8B11-8F94D22AED85}">
       <dgm:prSet/>
       <dgm:spPr/>
       <dgm:t>
@@ -4712,13 +2527,13 @@
         <a:lstStyle/>
         <a:p>
           <a:r>
-            <a:rPr lang="de-DE" dirty="0"/>
-            <a:t>User Service</a:t>
+            <a:rPr lang="de-DE"/>
+            <a:t>Service Registry</a:t>
           </a:r>
         </a:p>
       </dgm:t>
     </dgm:pt>
-    <dgm:pt modelId="{45A00297-78D6-0146-BBB8-9429E6B59F17}" type="parTrans" cxnId="{DD57A899-30AD-A043-A951-1BD6CB058875}">
+    <dgm:pt modelId="{2EA622AB-A57D-ED4E-8794-4726B1EFEA1F}" type="parTrans" cxnId="{B23C9309-B3FC-5D4E-ADCC-5E76E48E6E5C}">
       <dgm:prSet/>
       <dgm:spPr/>
       <dgm:t>
@@ -4729,7 +2544,7 @@
         </a:p>
       </dgm:t>
     </dgm:pt>
-    <dgm:pt modelId="{CC0CE3DF-19D8-9048-B7C3-9C36319176E7}" type="sibTrans" cxnId="{DD57A899-30AD-A043-A951-1BD6CB058875}">
+    <dgm:pt modelId="{6D94E0F4-8C0A-954C-84F1-ED1D3A00BCEF}" type="sibTrans" cxnId="{B23C9309-B3FC-5D4E-ADCC-5E76E48E6E5C}">
       <dgm:prSet/>
       <dgm:spPr/>
       <dgm:t>
@@ -4740,7 +2555,7 @@
         </a:p>
       </dgm:t>
     </dgm:pt>
-    <dgm:pt modelId="{C2B144F1-5292-7447-8B3F-A27C6BF2BF8B}">
+    <dgm:pt modelId="{D2E82036-D726-9649-909F-67DC14AB160B}">
       <dgm:prSet/>
       <dgm:spPr/>
       <dgm:t>
@@ -4748,13 +2563,13 @@
         <a:lstStyle/>
         <a:p>
           <a:r>
-            <a:rPr lang="de-DE"/>
-            <a:t>Registrierung</a:t>
+            <a:rPr lang="de-DE" dirty="0"/>
+            <a:t> Hält Services vor</a:t>
           </a:r>
         </a:p>
       </dgm:t>
     </dgm:pt>
-    <dgm:pt modelId="{1D735FA1-6305-804B-8824-1645E5771EB4}" type="parTrans" cxnId="{265D702E-D5BB-8447-90DF-69779EB1D2B0}">
+    <dgm:pt modelId="{820469E0-509C-D245-8E68-76B03DC67B71}" type="parTrans" cxnId="{9D2336CB-F39A-D142-ABD8-EAE7D4DA5787}">
       <dgm:prSet/>
       <dgm:spPr/>
       <dgm:t>
@@ -4765,7 +2580,7 @@
         </a:p>
       </dgm:t>
     </dgm:pt>
-    <dgm:pt modelId="{3C36FD5C-612E-3B44-A41A-47901023063A}" type="sibTrans" cxnId="{265D702E-D5BB-8447-90DF-69779EB1D2B0}">
+    <dgm:pt modelId="{98D0D93C-58F5-4844-831E-1102B2B7527E}" type="sibTrans" cxnId="{9D2336CB-F39A-D142-ABD8-EAE7D4DA5787}">
       <dgm:prSet/>
       <dgm:spPr/>
       <dgm:t>
@@ -4776,7 +2591,7 @@
         </a:p>
       </dgm:t>
     </dgm:pt>
-    <dgm:pt modelId="{89E5F015-FA48-0E46-B040-B83C9242A777}">
+    <dgm:pt modelId="{FBEEBC57-4011-4B4D-AF5B-0CF4D3794135}">
       <dgm:prSet/>
       <dgm:spPr/>
       <dgm:t>
@@ -4785,12 +2600,12 @@
         <a:p>
           <a:r>
             <a:rPr lang="de-DE"/>
-            <a:t>Login</a:t>
+            <a:t>API Gateway</a:t>
           </a:r>
         </a:p>
       </dgm:t>
     </dgm:pt>
-    <dgm:pt modelId="{C1E2CC91-3359-0F4A-8A5E-4B0C11E291BE}" type="parTrans" cxnId="{9ED53466-1049-5C40-878E-5707CD3C1EA0}">
+    <dgm:pt modelId="{51671C07-2B88-C549-B5A6-6422E11ADD24}" type="parTrans" cxnId="{D5E33BF0-3E7C-2341-8B97-5D09C8A3210D}">
       <dgm:prSet/>
       <dgm:spPr/>
       <dgm:t>
@@ -4801,7 +2616,7 @@
         </a:p>
       </dgm:t>
     </dgm:pt>
-    <dgm:pt modelId="{5EAE3A5C-F6D2-E14C-BE5F-4E8625FA4BAD}" type="sibTrans" cxnId="{9ED53466-1049-5C40-878E-5707CD3C1EA0}">
+    <dgm:pt modelId="{8457A1A4-0EAA-6145-970F-9D8E413257D2}" type="sibTrans" cxnId="{D5E33BF0-3E7C-2341-8B97-5D09C8A3210D}">
       <dgm:prSet/>
       <dgm:spPr/>
       <dgm:t>
@@ -4812,7 +2627,7 @@
         </a:p>
       </dgm:t>
     </dgm:pt>
-    <dgm:pt modelId="{B25A7A3E-680B-6B42-AFC3-8A98516397AC}">
+    <dgm:pt modelId="{B77444C9-4897-9848-A978-2A38C8F4F2AE}">
       <dgm:prSet/>
       <dgm:spPr/>
       <dgm:t>
@@ -4821,12 +2636,12 @@
         <a:p>
           <a:r>
             <a:rPr lang="de-DE" dirty="0"/>
-            <a:t>Timing Service</a:t>
+            <a:t> Nutzt Service Registry</a:t>
           </a:r>
         </a:p>
       </dgm:t>
     </dgm:pt>
-    <dgm:pt modelId="{4BA6629B-E262-684A-9850-B5085EAC6C33}" type="parTrans" cxnId="{3B2830FA-A15F-7945-99AA-9F14721067A1}">
+    <dgm:pt modelId="{FB6069BC-6D2A-CC48-AC77-07CDF0069CD4}" type="parTrans" cxnId="{8DAFBF96-C265-6146-880F-F04AE34F3DC7}">
       <dgm:prSet/>
       <dgm:spPr/>
       <dgm:t>
@@ -4837,7 +2652,7 @@
         </a:p>
       </dgm:t>
     </dgm:pt>
-    <dgm:pt modelId="{CEB4983B-BAF8-5E40-9AD5-FE5A4F6B9F53}" type="sibTrans" cxnId="{3B2830FA-A15F-7945-99AA-9F14721067A1}">
+    <dgm:pt modelId="{1ECCA372-1DF7-0F4A-B832-28DA76506E31}" type="sibTrans" cxnId="{8DAFBF96-C265-6146-880F-F04AE34F3DC7}">
       <dgm:prSet/>
       <dgm:spPr/>
       <dgm:t>
@@ -4848,7 +2663,7 @@
         </a:p>
       </dgm:t>
     </dgm:pt>
-    <dgm:pt modelId="{5012FA4E-5F80-9146-AC87-62A6795C719E}">
+    <dgm:pt modelId="{4217D41C-F3F8-1547-BC2C-2054209F0D62}">
       <dgm:prSet/>
       <dgm:spPr/>
       <dgm:t>
@@ -4856,13 +2671,13 @@
         <a:lstStyle/>
         <a:p>
           <a:r>
-            <a:rPr lang="de-DE"/>
-            <a:t>Anlegen/Abruf von Aktivitäten </a:t>
+            <a:rPr lang="de-DE" dirty="0"/>
+            <a:t> Mapping der Request auf Services</a:t>
           </a:r>
         </a:p>
       </dgm:t>
     </dgm:pt>
-    <dgm:pt modelId="{DD7966DC-1A64-A04E-88FE-D594C257BEF6}" type="parTrans" cxnId="{A759BC28-043F-3649-872A-7A79038E4AD6}">
+    <dgm:pt modelId="{19FB8FC6-EAA4-0F4A-9855-C1526E5C0687}" type="parTrans" cxnId="{D329C3E9-A52A-0243-B14B-76578BB691F0}">
       <dgm:prSet/>
       <dgm:spPr/>
       <dgm:t>
@@ -4873,7 +2688,7 @@
         </a:p>
       </dgm:t>
     </dgm:pt>
-    <dgm:pt modelId="{7A5AF41F-BAC8-EF4F-84D8-B6A7DC632130}" type="sibTrans" cxnId="{A759BC28-043F-3649-872A-7A79038E4AD6}">
+    <dgm:pt modelId="{ACCE8C6B-1529-5646-B0F3-BE2AE53D98F6}" type="sibTrans" cxnId="{D329C3E9-A52A-0243-B14B-76578BB691F0}">
       <dgm:prSet/>
       <dgm:spPr/>
       <dgm:t>
@@ -4884,7 +2699,7 @@
         </a:p>
       </dgm:t>
     </dgm:pt>
-    <dgm:pt modelId="{BF534BD7-CA72-A845-83F3-318C09913AFC}">
+    <dgm:pt modelId="{F39D5D5C-1506-BB4A-A717-9559AA3BC36D}">
       <dgm:prSet/>
       <dgm:spPr/>
       <dgm:t>
@@ -4892,13 +2707,13 @@
         <a:lstStyle/>
         <a:p>
           <a:r>
-            <a:rPr lang="de-DE"/>
-            <a:t>Anlegen/Abruf von Records </a:t>
+            <a:rPr lang="de-DE" dirty="0"/>
+            <a:t> Abruf von Statistiken</a:t>
           </a:r>
         </a:p>
       </dgm:t>
     </dgm:pt>
-    <dgm:pt modelId="{13A708B7-5E4E-C148-9BBC-6B010D7D2395}" type="parTrans" cxnId="{1E5ABDFA-CC6E-2A48-BBFA-EA96D40B1329}">
+    <dgm:pt modelId="{1E4C0165-D8F9-CA42-AE5C-29779D9E9C59}" type="parTrans" cxnId="{5882FF05-76C6-AF44-BFC4-198412468ADA}">
       <dgm:prSet/>
       <dgm:spPr/>
       <dgm:t>
@@ -4909,7 +2724,7 @@
         </a:p>
       </dgm:t>
     </dgm:pt>
-    <dgm:pt modelId="{65477C51-DA82-3445-B654-047DE2B42174}" type="sibTrans" cxnId="{1E5ABDFA-CC6E-2A48-BBFA-EA96D40B1329}">
+    <dgm:pt modelId="{315344F5-09C9-774A-84F4-ACC233EF6960}" type="sibTrans" cxnId="{5882FF05-76C6-AF44-BFC4-198412468ADA}">
       <dgm:prSet/>
       <dgm:spPr/>
       <dgm:t>
@@ -4920,116 +2735,8 @@
         </a:p>
       </dgm:t>
     </dgm:pt>
-    <dgm:pt modelId="{74D91DD4-C9D9-9E44-8198-5ED77E2F98CC}">
-      <dgm:prSet/>
-      <dgm:spPr/>
-      <dgm:t>
-        <a:bodyPr/>
-        <a:lstStyle/>
-        <a:p>
-          <a:r>
-            <a:rPr lang="de-DE"/>
-            <a:t>Abruf von Statistiken</a:t>
-          </a:r>
-        </a:p>
-      </dgm:t>
-    </dgm:pt>
-    <dgm:pt modelId="{71142DE4-53C9-9846-A286-4E31895D462C}" type="parTrans" cxnId="{45198948-AAC8-0F4D-B7AA-DBDED73C626F}">
-      <dgm:prSet/>
-      <dgm:spPr/>
-      <dgm:t>
-        <a:bodyPr/>
-        <a:lstStyle/>
-        <a:p>
-          <a:endParaRPr lang="de-DE"/>
-        </a:p>
-      </dgm:t>
-    </dgm:pt>
-    <dgm:pt modelId="{CF1CCA1A-F633-0648-9C6D-39410C144BFB}" type="sibTrans" cxnId="{45198948-AAC8-0F4D-B7AA-DBDED73C626F}">
-      <dgm:prSet/>
-      <dgm:spPr/>
-      <dgm:t>
-        <a:bodyPr/>
-        <a:lstStyle/>
-        <a:p>
-          <a:endParaRPr lang="de-DE"/>
-        </a:p>
-      </dgm:t>
-    </dgm:pt>
-    <dgm:pt modelId="{961D0A39-219F-9648-B8AF-A7AD9599DDC5}">
-      <dgm:prSet/>
-      <dgm:spPr/>
-      <dgm:t>
-        <a:bodyPr/>
-        <a:lstStyle/>
-        <a:p>
-          <a:r>
-            <a:rPr lang="de-DE"/>
-            <a:t>Frontend Service</a:t>
-          </a:r>
-        </a:p>
-      </dgm:t>
-    </dgm:pt>
-    <dgm:pt modelId="{CF55D647-D56A-804C-BCD4-F328C11B0D09}" type="parTrans" cxnId="{1F5A8A68-EBEA-4B48-8B69-8B58E4152086}">
-      <dgm:prSet/>
-      <dgm:spPr/>
-      <dgm:t>
-        <a:bodyPr/>
-        <a:lstStyle/>
-        <a:p>
-          <a:endParaRPr lang="de-DE"/>
-        </a:p>
-      </dgm:t>
-    </dgm:pt>
-    <dgm:pt modelId="{7A0CFBCD-6E6C-0D41-A31F-1C17F3F506A2}" type="sibTrans" cxnId="{1F5A8A68-EBEA-4B48-8B69-8B58E4152086}">
-      <dgm:prSet/>
-      <dgm:spPr/>
-      <dgm:t>
-        <a:bodyPr/>
-        <a:lstStyle/>
-        <a:p>
-          <a:endParaRPr lang="de-DE"/>
-        </a:p>
-      </dgm:t>
-    </dgm:pt>
-    <dgm:pt modelId="{F1D32323-5ABB-A641-BEA0-0C1178E45FB7}">
-      <dgm:prSet/>
-      <dgm:spPr/>
-      <dgm:t>
-        <a:bodyPr/>
-        <a:lstStyle/>
-        <a:p>
-          <a:r>
-            <a:rPr lang="de-DE"/>
-            <a:t>Aufruf von UI</a:t>
-          </a:r>
-        </a:p>
-      </dgm:t>
-    </dgm:pt>
-    <dgm:pt modelId="{E87E156F-E4DC-694C-8FB6-64714C047990}" type="parTrans" cxnId="{4D2BA3D3-B45D-084A-B13E-21BF1B3C3876}">
-      <dgm:prSet/>
-      <dgm:spPr/>
-      <dgm:t>
-        <a:bodyPr/>
-        <a:lstStyle/>
-        <a:p>
-          <a:endParaRPr lang="de-DE"/>
-        </a:p>
-      </dgm:t>
-    </dgm:pt>
-    <dgm:pt modelId="{FEADF17A-681F-9545-88C1-D3A53F2BA9DF}" type="sibTrans" cxnId="{4D2BA3D3-B45D-084A-B13E-21BF1B3C3876}">
-      <dgm:prSet/>
-      <dgm:spPr/>
-      <dgm:t>
-        <a:bodyPr/>
-        <a:lstStyle/>
-        <a:p>
-          <a:endParaRPr lang="de-DE"/>
-        </a:p>
-      </dgm:t>
-    </dgm:pt>
-    <dgm:pt modelId="{2322CE1B-A26D-074C-8ADA-43017958330B}" type="pres">
-      <dgm:prSet presAssocID="{DDBDB20C-B312-E943-A9EA-E66A7B9860F3}" presName="Name0" presStyleCnt="0">
+    <dgm:pt modelId="{7E26455B-D828-D441-AE20-25725E98D133}" type="pres">
+      <dgm:prSet presAssocID="{EFD38B42-5433-034A-B593-AB2EFADCDF5F}" presName="Name0" presStyleCnt="0">
         <dgm:presLayoutVars>
           <dgm:dir/>
           <dgm:animLvl val="lvl"/>
@@ -5038,12 +2745,12 @@
       </dgm:prSet>
       <dgm:spPr/>
     </dgm:pt>
-    <dgm:pt modelId="{17C56A7B-B971-304D-B9FF-91C8480C9042}" type="pres">
-      <dgm:prSet presAssocID="{5C795C24-AAB5-7245-8B50-25916C1B9A54}" presName="linNode" presStyleCnt="0"/>
+    <dgm:pt modelId="{36FD5CAA-5CB2-F041-BF26-BACF2890A9CD}" type="pres">
+      <dgm:prSet presAssocID="{15ACB1C3-4C5D-C24B-AE5F-AAD657B96E27}" presName="linNode" presStyleCnt="0"/>
       <dgm:spPr/>
     </dgm:pt>
-    <dgm:pt modelId="{0CE4DB19-21ED-9649-850E-96E82FE07EA3}" type="pres">
-      <dgm:prSet presAssocID="{5C795C24-AAB5-7245-8B50-25916C1B9A54}" presName="parentText" presStyleLbl="node1" presStyleIdx="0" presStyleCnt="3">
+    <dgm:pt modelId="{EEF9C8F5-1F6B-D045-8AD3-80CCCCC1750F}" type="pres">
+      <dgm:prSet presAssocID="{15ACB1C3-4C5D-C24B-AE5F-AAD657B96E27}" presName="parentText" presStyleLbl="node1" presStyleIdx="0" presStyleCnt="5">
         <dgm:presLayoutVars>
           <dgm:chMax val="1"/>
           <dgm:bulletEnabled val="1"/>
@@ -5051,24 +2758,24 @@
       </dgm:prSet>
       <dgm:spPr/>
     </dgm:pt>
-    <dgm:pt modelId="{BA9B1F19-7461-794B-8DC5-6C28275AD5D1}" type="pres">
-      <dgm:prSet presAssocID="{5C795C24-AAB5-7245-8B50-25916C1B9A54}" presName="descendantText" presStyleLbl="alignAccFollowNode1" presStyleIdx="0" presStyleCnt="3">
+    <dgm:pt modelId="{A5EFF8B2-BF8D-1E4C-9311-9549DFBD6C2D}" type="pres">
+      <dgm:prSet presAssocID="{15ACB1C3-4C5D-C24B-AE5F-AAD657B96E27}" presName="descendantText" presStyleLbl="alignAccFollowNode1" presStyleIdx="0" presStyleCnt="5">
         <dgm:presLayoutVars>
           <dgm:bulletEnabled val="1"/>
         </dgm:presLayoutVars>
       </dgm:prSet>
       <dgm:spPr/>
     </dgm:pt>
-    <dgm:pt modelId="{65A1F976-62A7-2C44-9826-71C89830C8D2}" type="pres">
-      <dgm:prSet presAssocID="{CC0CE3DF-19D8-9048-B7C3-9C36319176E7}" presName="sp" presStyleCnt="0"/>
+    <dgm:pt modelId="{B6CEC37A-89E3-DC45-B556-6EABB95067A1}" type="pres">
+      <dgm:prSet presAssocID="{844B5381-6E4A-B243-A3BE-022304EE7585}" presName="sp" presStyleCnt="0"/>
       <dgm:spPr/>
     </dgm:pt>
-    <dgm:pt modelId="{E88FE250-FE14-1345-95ED-2C31CBAD8F31}" type="pres">
-      <dgm:prSet presAssocID="{B25A7A3E-680B-6B42-AFC3-8A98516397AC}" presName="linNode" presStyleCnt="0"/>
+    <dgm:pt modelId="{6E43C188-A88A-8343-96B2-A1AAA46AFB87}" type="pres">
+      <dgm:prSet presAssocID="{125BF41B-E0CA-644C-9BE9-69CAE1D88182}" presName="linNode" presStyleCnt="0"/>
       <dgm:spPr/>
     </dgm:pt>
-    <dgm:pt modelId="{6334999C-9884-E640-9C2B-BB01CEE9882B}" type="pres">
-      <dgm:prSet presAssocID="{B25A7A3E-680B-6B42-AFC3-8A98516397AC}" presName="parentText" presStyleLbl="node1" presStyleIdx="1" presStyleCnt="3">
+    <dgm:pt modelId="{866C4E00-948A-5A42-A333-6813824933CA}" type="pres">
+      <dgm:prSet presAssocID="{125BF41B-E0CA-644C-9BE9-69CAE1D88182}" presName="parentText" presStyleLbl="node1" presStyleIdx="1" presStyleCnt="5">
         <dgm:presLayoutVars>
           <dgm:chMax val="1"/>
           <dgm:bulletEnabled val="1"/>
@@ -5076,24 +2783,24 @@
       </dgm:prSet>
       <dgm:spPr/>
     </dgm:pt>
-    <dgm:pt modelId="{4337C14C-D690-1449-81EC-6671DB61FEFC}" type="pres">
-      <dgm:prSet presAssocID="{B25A7A3E-680B-6B42-AFC3-8A98516397AC}" presName="descendantText" presStyleLbl="alignAccFollowNode1" presStyleIdx="1" presStyleCnt="3">
+    <dgm:pt modelId="{B3424455-0B51-4241-88C9-15213A45B5D0}" type="pres">
+      <dgm:prSet presAssocID="{125BF41B-E0CA-644C-9BE9-69CAE1D88182}" presName="descendantText" presStyleLbl="alignAccFollowNode1" presStyleIdx="1" presStyleCnt="5">
         <dgm:presLayoutVars>
           <dgm:bulletEnabled val="1"/>
         </dgm:presLayoutVars>
       </dgm:prSet>
       <dgm:spPr/>
     </dgm:pt>
-    <dgm:pt modelId="{4C8A7410-C70B-8A4A-9E0B-C699ECAEC4B5}" type="pres">
-      <dgm:prSet presAssocID="{CEB4983B-BAF8-5E40-9AD5-FE5A4F6B9F53}" presName="sp" presStyleCnt="0"/>
+    <dgm:pt modelId="{3E2EEA2F-4127-B844-99C6-FF3CBCF32840}" type="pres">
+      <dgm:prSet presAssocID="{12196085-2CF0-4346-8DF7-59C91E338836}" presName="sp" presStyleCnt="0"/>
       <dgm:spPr/>
     </dgm:pt>
-    <dgm:pt modelId="{64DB0ED6-9E0A-8E45-BE2F-905ABCB17AA6}" type="pres">
-      <dgm:prSet presAssocID="{961D0A39-219F-9648-B8AF-A7AD9599DDC5}" presName="linNode" presStyleCnt="0"/>
+    <dgm:pt modelId="{61277A4D-0A01-E448-A163-7511A9A9DB46}" type="pres">
+      <dgm:prSet presAssocID="{B70790DB-FB92-484E-A2E2-5E8DBFC7F65C}" presName="linNode" presStyleCnt="0"/>
       <dgm:spPr/>
     </dgm:pt>
-    <dgm:pt modelId="{5A62C01C-FBD7-E546-B75C-F8483A572B3F}" type="pres">
-      <dgm:prSet presAssocID="{961D0A39-219F-9648-B8AF-A7AD9599DDC5}" presName="parentText" presStyleLbl="node1" presStyleIdx="2" presStyleCnt="3">
+    <dgm:pt modelId="{557BE872-42A6-2141-B64C-B7C1CB41B8C6}" type="pres">
+      <dgm:prSet presAssocID="{B70790DB-FB92-484E-A2E2-5E8DBFC7F65C}" presName="parentText" presStyleLbl="node1" presStyleIdx="2" presStyleCnt="5">
         <dgm:presLayoutVars>
           <dgm:chMax val="1"/>
           <dgm:bulletEnabled val="1"/>
@@ -5101,8 +2808,58 @@
       </dgm:prSet>
       <dgm:spPr/>
     </dgm:pt>
-    <dgm:pt modelId="{E47C33F2-7CEC-DD4E-AB82-D741349C9A47}" type="pres">
-      <dgm:prSet presAssocID="{961D0A39-219F-9648-B8AF-A7AD9599DDC5}" presName="descendantText" presStyleLbl="alignAccFollowNode1" presStyleIdx="2" presStyleCnt="3">
+    <dgm:pt modelId="{8A5C810F-C2E6-4A40-9679-6EB0E16FF313}" type="pres">
+      <dgm:prSet presAssocID="{B70790DB-FB92-484E-A2E2-5E8DBFC7F65C}" presName="descendantText" presStyleLbl="alignAccFollowNode1" presStyleIdx="2" presStyleCnt="5">
+        <dgm:presLayoutVars>
+          <dgm:bulletEnabled val="1"/>
+        </dgm:presLayoutVars>
+      </dgm:prSet>
+      <dgm:spPr/>
+    </dgm:pt>
+    <dgm:pt modelId="{0E83D2A2-8708-7A47-B152-8DEE1063F489}" type="pres">
+      <dgm:prSet presAssocID="{3AA538C4-232F-BF4D-9BE2-F9BF38881A96}" presName="sp" presStyleCnt="0"/>
+      <dgm:spPr/>
+    </dgm:pt>
+    <dgm:pt modelId="{EAC3C8D3-9902-2F46-9867-67DD08026123}" type="pres">
+      <dgm:prSet presAssocID="{F9303875-F033-7945-8B11-8F94D22AED85}" presName="linNode" presStyleCnt="0"/>
+      <dgm:spPr/>
+    </dgm:pt>
+    <dgm:pt modelId="{3B3228DB-8B0F-3843-8A03-A56D61D4F946}" type="pres">
+      <dgm:prSet presAssocID="{F9303875-F033-7945-8B11-8F94D22AED85}" presName="parentText" presStyleLbl="node1" presStyleIdx="3" presStyleCnt="5">
+        <dgm:presLayoutVars>
+          <dgm:chMax val="1"/>
+          <dgm:bulletEnabled val="1"/>
+        </dgm:presLayoutVars>
+      </dgm:prSet>
+      <dgm:spPr/>
+    </dgm:pt>
+    <dgm:pt modelId="{5393B8FB-CD53-DA47-9DFB-DAABA5D8CC83}" type="pres">
+      <dgm:prSet presAssocID="{F9303875-F033-7945-8B11-8F94D22AED85}" presName="descendantText" presStyleLbl="alignAccFollowNode1" presStyleIdx="3" presStyleCnt="5">
+        <dgm:presLayoutVars>
+          <dgm:bulletEnabled val="1"/>
+        </dgm:presLayoutVars>
+      </dgm:prSet>
+      <dgm:spPr/>
+    </dgm:pt>
+    <dgm:pt modelId="{907341AD-5F15-F247-9CB5-106D6054FAF5}" type="pres">
+      <dgm:prSet presAssocID="{6D94E0F4-8C0A-954C-84F1-ED1D3A00BCEF}" presName="sp" presStyleCnt="0"/>
+      <dgm:spPr/>
+    </dgm:pt>
+    <dgm:pt modelId="{6FC8406E-6F5D-F04B-83FD-3AB6414EE097}" type="pres">
+      <dgm:prSet presAssocID="{FBEEBC57-4011-4B4D-AF5B-0CF4D3794135}" presName="linNode" presStyleCnt="0"/>
+      <dgm:spPr/>
+    </dgm:pt>
+    <dgm:pt modelId="{BE48C9FE-A103-364B-B08C-3D773FDDF62B}" type="pres">
+      <dgm:prSet presAssocID="{FBEEBC57-4011-4B4D-AF5B-0CF4D3794135}" presName="parentText" presStyleLbl="node1" presStyleIdx="4" presStyleCnt="5">
+        <dgm:presLayoutVars>
+          <dgm:chMax val="1"/>
+          <dgm:bulletEnabled val="1"/>
+        </dgm:presLayoutVars>
+      </dgm:prSet>
+      <dgm:spPr/>
+    </dgm:pt>
+    <dgm:pt modelId="{3324E254-3F11-904E-9FA3-B41052290387}" type="pres">
+      <dgm:prSet presAssocID="{FBEEBC57-4011-4B4D-AF5B-0CF4D3794135}" presName="descendantText" presStyleLbl="alignAccFollowNode1" presStyleIdx="4" presStyleCnt="5">
         <dgm:presLayoutVars>
           <dgm:bulletEnabled val="1"/>
         </dgm:presLayoutVars>
@@ -5111,36 +2868,54 @@
     </dgm:pt>
   </dgm:ptLst>
   <dgm:cxnLst>
-    <dgm:cxn modelId="{47869B04-759B-2947-A677-5CFF9CFA0463}" type="presOf" srcId="{5C795C24-AAB5-7245-8B50-25916C1B9A54}" destId="{0CE4DB19-21ED-9649-850E-96E82FE07EA3}" srcOrd="0" destOrd="0" presId="urn:microsoft.com/office/officeart/2005/8/layout/vList5"/>
-    <dgm:cxn modelId="{A759BC28-043F-3649-872A-7A79038E4AD6}" srcId="{B25A7A3E-680B-6B42-AFC3-8A98516397AC}" destId="{5012FA4E-5F80-9146-AC87-62A6795C719E}" srcOrd="0" destOrd="0" parTransId="{DD7966DC-1A64-A04E-88FE-D594C257BEF6}" sibTransId="{7A5AF41F-BAC8-EF4F-84D8-B6A7DC632130}"/>
-    <dgm:cxn modelId="{265D702E-D5BB-8447-90DF-69779EB1D2B0}" srcId="{5C795C24-AAB5-7245-8B50-25916C1B9A54}" destId="{C2B144F1-5292-7447-8B3F-A27C6BF2BF8B}" srcOrd="0" destOrd="0" parTransId="{1D735FA1-6305-804B-8824-1645E5771EB4}" sibTransId="{3C36FD5C-612E-3B44-A41A-47901023063A}"/>
-    <dgm:cxn modelId="{58EE162F-D3F4-3F46-B8A4-8867C6FACF52}" type="presOf" srcId="{74D91DD4-C9D9-9E44-8198-5ED77E2F98CC}" destId="{4337C14C-D690-1449-81EC-6671DB61FEFC}" srcOrd="0" destOrd="2" presId="urn:microsoft.com/office/officeart/2005/8/layout/vList5"/>
-    <dgm:cxn modelId="{4FD5CB31-FCE0-4242-B41A-62A9767E8BFF}" type="presOf" srcId="{C2B144F1-5292-7447-8B3F-A27C6BF2BF8B}" destId="{BA9B1F19-7461-794B-8DC5-6C28275AD5D1}" srcOrd="0" destOrd="0" presId="urn:microsoft.com/office/officeart/2005/8/layout/vList5"/>
-    <dgm:cxn modelId="{4439583A-B208-7648-87BD-F2D4F86F33DE}" type="presOf" srcId="{89E5F015-FA48-0E46-B040-B83C9242A777}" destId="{BA9B1F19-7461-794B-8DC5-6C28275AD5D1}" srcOrd="0" destOrd="1" presId="urn:microsoft.com/office/officeart/2005/8/layout/vList5"/>
-    <dgm:cxn modelId="{45198948-AAC8-0F4D-B7AA-DBDED73C626F}" srcId="{B25A7A3E-680B-6B42-AFC3-8A98516397AC}" destId="{74D91DD4-C9D9-9E44-8198-5ED77E2F98CC}" srcOrd="2" destOrd="0" parTransId="{71142DE4-53C9-9846-A286-4E31895D462C}" sibTransId="{CF1CCA1A-F633-0648-9C6D-39410C144BFB}"/>
-    <dgm:cxn modelId="{411F9664-DD35-BE49-BA78-E172AA1532AD}" type="presOf" srcId="{B25A7A3E-680B-6B42-AFC3-8A98516397AC}" destId="{6334999C-9884-E640-9C2B-BB01CEE9882B}" srcOrd="0" destOrd="0" presId="urn:microsoft.com/office/officeart/2005/8/layout/vList5"/>
-    <dgm:cxn modelId="{9ED53466-1049-5C40-878E-5707CD3C1EA0}" srcId="{5C795C24-AAB5-7245-8B50-25916C1B9A54}" destId="{89E5F015-FA48-0E46-B040-B83C9242A777}" srcOrd="1" destOrd="0" parTransId="{C1E2CC91-3359-0F4A-8A5E-4B0C11E291BE}" sibTransId="{5EAE3A5C-F6D2-E14C-BE5F-4E8625FA4BAD}"/>
-    <dgm:cxn modelId="{A148F666-906F-F847-8FEB-307D8E83FB65}" type="presOf" srcId="{F1D32323-5ABB-A641-BEA0-0C1178E45FB7}" destId="{E47C33F2-7CEC-DD4E-AB82-D741349C9A47}" srcOrd="0" destOrd="0" presId="urn:microsoft.com/office/officeart/2005/8/layout/vList5"/>
-    <dgm:cxn modelId="{1F5A8A68-EBEA-4B48-8B69-8B58E4152086}" srcId="{DDBDB20C-B312-E943-A9EA-E66A7B9860F3}" destId="{961D0A39-219F-9648-B8AF-A7AD9599DDC5}" srcOrd="2" destOrd="0" parTransId="{CF55D647-D56A-804C-BCD4-F328C11B0D09}" sibTransId="{7A0CFBCD-6E6C-0D41-A31F-1C17F3F506A2}"/>
-    <dgm:cxn modelId="{43118C73-0858-A945-BD28-DD578C87A667}" type="presOf" srcId="{DDBDB20C-B312-E943-A9EA-E66A7B9860F3}" destId="{2322CE1B-A26D-074C-8ADA-43017958330B}" srcOrd="0" destOrd="0" presId="urn:microsoft.com/office/officeart/2005/8/layout/vList5"/>
-    <dgm:cxn modelId="{DD57A899-30AD-A043-A951-1BD6CB058875}" srcId="{DDBDB20C-B312-E943-A9EA-E66A7B9860F3}" destId="{5C795C24-AAB5-7245-8B50-25916C1B9A54}" srcOrd="0" destOrd="0" parTransId="{45A00297-78D6-0146-BBB8-9429E6B59F17}" sibTransId="{CC0CE3DF-19D8-9048-B7C3-9C36319176E7}"/>
-    <dgm:cxn modelId="{4D2BA3D3-B45D-084A-B13E-21BF1B3C3876}" srcId="{961D0A39-219F-9648-B8AF-A7AD9599DDC5}" destId="{F1D32323-5ABB-A641-BEA0-0C1178E45FB7}" srcOrd="0" destOrd="0" parTransId="{E87E156F-E4DC-694C-8FB6-64714C047990}" sibTransId="{FEADF17A-681F-9545-88C1-D3A53F2BA9DF}"/>
-    <dgm:cxn modelId="{3A5A03EF-987B-094B-8E40-0D21D86A1E59}" type="presOf" srcId="{BF534BD7-CA72-A845-83F3-318C09913AFC}" destId="{4337C14C-D690-1449-81EC-6671DB61FEFC}" srcOrd="0" destOrd="1" presId="urn:microsoft.com/office/officeart/2005/8/layout/vList5"/>
-    <dgm:cxn modelId="{3B2830FA-A15F-7945-99AA-9F14721067A1}" srcId="{DDBDB20C-B312-E943-A9EA-E66A7B9860F3}" destId="{B25A7A3E-680B-6B42-AFC3-8A98516397AC}" srcOrd="1" destOrd="0" parTransId="{4BA6629B-E262-684A-9850-B5085EAC6C33}" sibTransId="{CEB4983B-BAF8-5E40-9AD5-FE5A4F6B9F53}"/>
-    <dgm:cxn modelId="{D01735FA-DA08-E64E-8927-AA4C2D5EE622}" type="presOf" srcId="{961D0A39-219F-9648-B8AF-A7AD9599DDC5}" destId="{5A62C01C-FBD7-E546-B75C-F8483A572B3F}" srcOrd="0" destOrd="0" presId="urn:microsoft.com/office/officeart/2005/8/layout/vList5"/>
-    <dgm:cxn modelId="{1E5ABDFA-CC6E-2A48-BBFA-EA96D40B1329}" srcId="{B25A7A3E-680B-6B42-AFC3-8A98516397AC}" destId="{BF534BD7-CA72-A845-83F3-318C09913AFC}" srcOrd="1" destOrd="0" parTransId="{13A708B7-5E4E-C148-9BBC-6B010D7D2395}" sibTransId="{65477C51-DA82-3445-B654-047DE2B42174}"/>
-    <dgm:cxn modelId="{F78D93FC-CC34-C74E-96EC-15E77E45CEB8}" type="presOf" srcId="{5012FA4E-5F80-9146-AC87-62A6795C719E}" destId="{4337C14C-D690-1449-81EC-6671DB61FEFC}" srcOrd="0" destOrd="0" presId="urn:microsoft.com/office/officeart/2005/8/layout/vList5"/>
-    <dgm:cxn modelId="{2F84809F-A453-9A4F-847C-24CAB2CC7420}" type="presParOf" srcId="{2322CE1B-A26D-074C-8ADA-43017958330B}" destId="{17C56A7B-B971-304D-B9FF-91C8480C9042}" srcOrd="0" destOrd="0" presId="urn:microsoft.com/office/officeart/2005/8/layout/vList5"/>
-    <dgm:cxn modelId="{3EA9826A-12E2-1346-8948-BDF9E2C23BB8}" type="presParOf" srcId="{17C56A7B-B971-304D-B9FF-91C8480C9042}" destId="{0CE4DB19-21ED-9649-850E-96E82FE07EA3}" srcOrd="0" destOrd="0" presId="urn:microsoft.com/office/officeart/2005/8/layout/vList5"/>
-    <dgm:cxn modelId="{31E606E7-82AC-264A-90CB-CB81FDEB0BD4}" type="presParOf" srcId="{17C56A7B-B971-304D-B9FF-91C8480C9042}" destId="{BA9B1F19-7461-794B-8DC5-6C28275AD5D1}" srcOrd="1" destOrd="0" presId="urn:microsoft.com/office/officeart/2005/8/layout/vList5"/>
-    <dgm:cxn modelId="{6296CEFD-F13D-5B4F-A75A-175817D35302}" type="presParOf" srcId="{2322CE1B-A26D-074C-8ADA-43017958330B}" destId="{65A1F976-62A7-2C44-9826-71C89830C8D2}" srcOrd="1" destOrd="0" presId="urn:microsoft.com/office/officeart/2005/8/layout/vList5"/>
-    <dgm:cxn modelId="{858F6106-7890-C042-B1EB-D6C933501E6B}" type="presParOf" srcId="{2322CE1B-A26D-074C-8ADA-43017958330B}" destId="{E88FE250-FE14-1345-95ED-2C31CBAD8F31}" srcOrd="2" destOrd="0" presId="urn:microsoft.com/office/officeart/2005/8/layout/vList5"/>
-    <dgm:cxn modelId="{0BBEC772-6778-AD42-800F-AA7716104ED3}" type="presParOf" srcId="{E88FE250-FE14-1345-95ED-2C31CBAD8F31}" destId="{6334999C-9884-E640-9C2B-BB01CEE9882B}" srcOrd="0" destOrd="0" presId="urn:microsoft.com/office/officeart/2005/8/layout/vList5"/>
-    <dgm:cxn modelId="{745F2225-1F7C-3F40-A00F-D217EFBA22D7}" type="presParOf" srcId="{E88FE250-FE14-1345-95ED-2C31CBAD8F31}" destId="{4337C14C-D690-1449-81EC-6671DB61FEFC}" srcOrd="1" destOrd="0" presId="urn:microsoft.com/office/officeart/2005/8/layout/vList5"/>
-    <dgm:cxn modelId="{5D744B9A-D8A2-EA46-BC45-FF6D9346A94B}" type="presParOf" srcId="{2322CE1B-A26D-074C-8ADA-43017958330B}" destId="{4C8A7410-C70B-8A4A-9E0B-C699ECAEC4B5}" srcOrd="3" destOrd="0" presId="urn:microsoft.com/office/officeart/2005/8/layout/vList5"/>
-    <dgm:cxn modelId="{7BDECB07-288F-694C-94C3-7CB5C2867FBA}" type="presParOf" srcId="{2322CE1B-A26D-074C-8ADA-43017958330B}" destId="{64DB0ED6-9E0A-8E45-BE2F-905ABCB17AA6}" srcOrd="4" destOrd="0" presId="urn:microsoft.com/office/officeart/2005/8/layout/vList5"/>
-    <dgm:cxn modelId="{5603A36F-EFEF-0946-9541-FBEE7526EB28}" type="presParOf" srcId="{64DB0ED6-9E0A-8E45-BE2F-905ABCB17AA6}" destId="{5A62C01C-FBD7-E546-B75C-F8483A572B3F}" srcOrd="0" destOrd="0" presId="urn:microsoft.com/office/officeart/2005/8/layout/vList5"/>
-    <dgm:cxn modelId="{A626194E-C25C-4D4C-9584-EB7F15B89BE3}" type="presParOf" srcId="{64DB0ED6-9E0A-8E45-BE2F-905ABCB17AA6}" destId="{E47C33F2-7CEC-DD4E-AB82-D741349C9A47}" srcOrd="1" destOrd="0" presId="urn:microsoft.com/office/officeart/2005/8/layout/vList5"/>
+    <dgm:cxn modelId="{5882FF05-76C6-AF44-BFC4-198412468ADA}" srcId="{125BF41B-E0CA-644C-9BE9-69CAE1D88182}" destId="{F39D5D5C-1506-BB4A-A717-9559AA3BC36D}" srcOrd="2" destOrd="0" parTransId="{1E4C0165-D8F9-CA42-AE5C-29779D9E9C59}" sibTransId="{315344F5-09C9-774A-84F4-ACC233EF6960}"/>
+    <dgm:cxn modelId="{B23C9309-B3FC-5D4E-ADCC-5E76E48E6E5C}" srcId="{EFD38B42-5433-034A-B593-AB2EFADCDF5F}" destId="{F9303875-F033-7945-8B11-8F94D22AED85}" srcOrd="3" destOrd="0" parTransId="{2EA622AB-A57D-ED4E-8794-4726B1EFEA1F}" sibTransId="{6D94E0F4-8C0A-954C-84F1-ED1D3A00BCEF}"/>
+    <dgm:cxn modelId="{C2DE6F0B-A905-EA4E-B8A7-70B62028B552}" type="presOf" srcId="{715E683D-8382-454D-8A9F-AA8F0312A20C}" destId="{A5EFF8B2-BF8D-1E4C-9311-9549DFBD6C2D}" srcOrd="0" destOrd="0" presId="urn:microsoft.com/office/officeart/2005/8/layout/vList5"/>
+    <dgm:cxn modelId="{943CD10C-46F2-FD44-B702-43B8B0570EDB}" srcId="{EFD38B42-5433-034A-B593-AB2EFADCDF5F}" destId="{15ACB1C3-4C5D-C24B-AE5F-AAD657B96E27}" srcOrd="0" destOrd="0" parTransId="{E1BA47D8-D83B-BD47-9D72-CF7257BFA235}" sibTransId="{844B5381-6E4A-B243-A3BE-022304EE7585}"/>
+    <dgm:cxn modelId="{ABC67C21-30C1-0C42-93B6-215EF4B4E920}" type="presOf" srcId="{FBEEBC57-4011-4B4D-AF5B-0CF4D3794135}" destId="{BE48C9FE-A103-364B-B08C-3D773FDDF62B}" srcOrd="0" destOrd="0" presId="urn:microsoft.com/office/officeart/2005/8/layout/vList5"/>
+    <dgm:cxn modelId="{0EC9D325-521E-CD4C-9762-55C19387C670}" type="presOf" srcId="{B77444C9-4897-9848-A978-2A38C8F4F2AE}" destId="{3324E254-3F11-904E-9FA3-B41052290387}" srcOrd="0" destOrd="0" presId="urn:microsoft.com/office/officeart/2005/8/layout/vList5"/>
+    <dgm:cxn modelId="{848AF837-A682-664B-A0FD-CA20D7A4116F}" type="presOf" srcId="{D2E82036-D726-9649-909F-67DC14AB160B}" destId="{5393B8FB-CD53-DA47-9DFB-DAABA5D8CC83}" srcOrd="0" destOrd="0" presId="urn:microsoft.com/office/officeart/2005/8/layout/vList5"/>
+    <dgm:cxn modelId="{D2868642-E585-464A-A167-7EDF16C76BC7}" type="presOf" srcId="{EFD38B42-5433-034A-B593-AB2EFADCDF5F}" destId="{7E26455B-D828-D441-AE20-25725E98D133}" srcOrd="0" destOrd="0" presId="urn:microsoft.com/office/officeart/2005/8/layout/vList5"/>
+    <dgm:cxn modelId="{1A7BFA47-2DEC-1241-ACFB-2415783DE729}" type="presOf" srcId="{15ACB1C3-4C5D-C24B-AE5F-AAD657B96E27}" destId="{EEF9C8F5-1F6B-D045-8AD3-80CCCCC1750F}" srcOrd="0" destOrd="0" presId="urn:microsoft.com/office/officeart/2005/8/layout/vList5"/>
+    <dgm:cxn modelId="{A49EF54B-9ABE-1646-A743-E109169DF769}" type="presOf" srcId="{F39D5D5C-1506-BB4A-A717-9559AA3BC36D}" destId="{B3424455-0B51-4241-88C9-15213A45B5D0}" srcOrd="0" destOrd="2" presId="urn:microsoft.com/office/officeart/2005/8/layout/vList5"/>
+    <dgm:cxn modelId="{4EFD784F-E9B7-AB43-B83C-5F10ED0C7922}" type="presOf" srcId="{B70790DB-FB92-484E-A2E2-5E8DBFC7F65C}" destId="{557BE872-42A6-2141-B64C-B7C1CB41B8C6}" srcOrd="0" destOrd="0" presId="urn:microsoft.com/office/officeart/2005/8/layout/vList5"/>
+    <dgm:cxn modelId="{CDEEC964-8306-B444-A824-66F68983C200}" srcId="{EFD38B42-5433-034A-B593-AB2EFADCDF5F}" destId="{B70790DB-FB92-484E-A2E2-5E8DBFC7F65C}" srcOrd="2" destOrd="0" parTransId="{72F0F609-4B4D-9241-9A96-BA682EF8B19D}" sibTransId="{3AA538C4-232F-BF4D-9BE2-F9BF38881A96}"/>
+    <dgm:cxn modelId="{5985E36F-EF2E-6348-B721-B182DE5B259A}" type="presOf" srcId="{125BF41B-E0CA-644C-9BE9-69CAE1D88182}" destId="{866C4E00-948A-5A42-A333-6813824933CA}" srcOrd="0" destOrd="0" presId="urn:microsoft.com/office/officeart/2005/8/layout/vList5"/>
+    <dgm:cxn modelId="{86891B87-E483-9C4B-834C-B0112B80C30C}" type="presOf" srcId="{5060DED2-B984-5F49-A742-6E7D55766190}" destId="{8A5C810F-C2E6-4A40-9679-6EB0E16FF313}" srcOrd="0" destOrd="0" presId="urn:microsoft.com/office/officeart/2005/8/layout/vList5"/>
+    <dgm:cxn modelId="{8DAFBF96-C265-6146-880F-F04AE34F3DC7}" srcId="{FBEEBC57-4011-4B4D-AF5B-0CF4D3794135}" destId="{B77444C9-4897-9848-A978-2A38C8F4F2AE}" srcOrd="0" destOrd="0" parTransId="{FB6069BC-6D2A-CC48-AC77-07CDF0069CD4}" sibTransId="{1ECCA372-1DF7-0F4A-B832-28DA76506E31}"/>
+    <dgm:cxn modelId="{C2A99699-2AF0-AA43-878C-051742CE8233}" srcId="{B70790DB-FB92-484E-A2E2-5E8DBFC7F65C}" destId="{5060DED2-B984-5F49-A742-6E7D55766190}" srcOrd="0" destOrd="0" parTransId="{54210DC9-4538-A64F-A12B-2D6C0C90C056}" sibTransId="{DA6EC8D1-7F23-6B4A-B721-370AFE99DD88}"/>
+    <dgm:cxn modelId="{5C7798A8-B209-3640-8B03-3547FD942DBE}" type="presOf" srcId="{6E92BEAD-1236-C34D-BBD6-E32C1A6BA63A}" destId="{A5EFF8B2-BF8D-1E4C-9311-9549DFBD6C2D}" srcOrd="0" destOrd="1" presId="urn:microsoft.com/office/officeart/2005/8/layout/vList5"/>
+    <dgm:cxn modelId="{33AE29B3-8938-A543-B413-38B40F25FCA0}" srcId="{15ACB1C3-4C5D-C24B-AE5F-AAD657B96E27}" destId="{715E683D-8382-454D-8A9F-AA8F0312A20C}" srcOrd="0" destOrd="0" parTransId="{DBD6622A-EA4A-AB4F-8F1A-08BE2224E875}" sibTransId="{E5790832-F7FC-374E-925C-E889C3B55888}"/>
+    <dgm:cxn modelId="{07AAB7BD-EFFC-604A-9384-C8163766C043}" srcId="{125BF41B-E0CA-644C-9BE9-69CAE1D88182}" destId="{D7F04550-F44D-DD47-A274-0ED5BA1D3897}" srcOrd="1" destOrd="0" parTransId="{959F07DA-0857-F549-8C3C-A98E4C6D9439}" sibTransId="{97D5D1A3-CC71-1D49-AE5F-4AE9C3A1568F}"/>
+    <dgm:cxn modelId="{E137F7C4-6DB4-214B-B536-E1DF3210A968}" type="presOf" srcId="{F9303875-F033-7945-8B11-8F94D22AED85}" destId="{3B3228DB-8B0F-3843-8A03-A56D61D4F946}" srcOrd="0" destOrd="0" presId="urn:microsoft.com/office/officeart/2005/8/layout/vList5"/>
+    <dgm:cxn modelId="{9D2336CB-F39A-D142-ABD8-EAE7D4DA5787}" srcId="{F9303875-F033-7945-8B11-8F94D22AED85}" destId="{D2E82036-D726-9649-909F-67DC14AB160B}" srcOrd="0" destOrd="0" parTransId="{820469E0-509C-D245-8E68-76B03DC67B71}" sibTransId="{98D0D93C-58F5-4844-831E-1102B2B7527E}"/>
+    <dgm:cxn modelId="{768815CE-A86D-4B4C-B75C-099104210DDC}" srcId="{15ACB1C3-4C5D-C24B-AE5F-AAD657B96E27}" destId="{6E92BEAD-1236-C34D-BBD6-E32C1A6BA63A}" srcOrd="1" destOrd="0" parTransId="{464A31F1-9392-6C49-AD75-11E3BE3C12CE}" sibTransId="{2CFFF209-0C0E-AC43-B4DC-0EF69D61B4E7}"/>
+    <dgm:cxn modelId="{A8A20DD6-2468-124F-BD87-4B93E329B765}" type="presOf" srcId="{4217D41C-F3F8-1547-BC2C-2054209F0D62}" destId="{3324E254-3F11-904E-9FA3-B41052290387}" srcOrd="0" destOrd="1" presId="urn:microsoft.com/office/officeart/2005/8/layout/vList5"/>
+    <dgm:cxn modelId="{523427E3-CDAE-1D46-861C-CC4EE8C611B6}" type="presOf" srcId="{D7F04550-F44D-DD47-A274-0ED5BA1D3897}" destId="{B3424455-0B51-4241-88C9-15213A45B5D0}" srcOrd="0" destOrd="1" presId="urn:microsoft.com/office/officeart/2005/8/layout/vList5"/>
+    <dgm:cxn modelId="{D329C3E9-A52A-0243-B14B-76578BB691F0}" srcId="{FBEEBC57-4011-4B4D-AF5B-0CF4D3794135}" destId="{4217D41C-F3F8-1547-BC2C-2054209F0D62}" srcOrd="1" destOrd="0" parTransId="{19FB8FC6-EAA4-0F4A-9855-C1526E5C0687}" sibTransId="{ACCE8C6B-1529-5646-B0F3-BE2AE53D98F6}"/>
+    <dgm:cxn modelId="{A6236DEB-876E-0C48-A218-098D83ED61F0}" srcId="{EFD38B42-5433-034A-B593-AB2EFADCDF5F}" destId="{125BF41B-E0CA-644C-9BE9-69CAE1D88182}" srcOrd="1" destOrd="0" parTransId="{61E4804E-CA80-FC47-994F-71FC17C7EE03}" sibTransId="{12196085-2CF0-4346-8DF7-59C91E338836}"/>
+    <dgm:cxn modelId="{D4DE00EE-9B79-BA42-A5F7-BB743D6F4802}" srcId="{125BF41B-E0CA-644C-9BE9-69CAE1D88182}" destId="{71CDF269-A3A9-A34A-A43B-416C5F20A2C4}" srcOrd="0" destOrd="0" parTransId="{1CB45C75-DD12-D14B-B48B-A9FA7F8C5606}" sibTransId="{D0C92FA5-DDBF-E442-B0CA-279CCAEDC2DA}"/>
+    <dgm:cxn modelId="{D5E33BF0-3E7C-2341-8B97-5D09C8A3210D}" srcId="{EFD38B42-5433-034A-B593-AB2EFADCDF5F}" destId="{FBEEBC57-4011-4B4D-AF5B-0CF4D3794135}" srcOrd="4" destOrd="0" parTransId="{51671C07-2B88-C549-B5A6-6422E11ADD24}" sibTransId="{8457A1A4-0EAA-6145-970F-9D8E413257D2}"/>
+    <dgm:cxn modelId="{13BEC0FE-450D-0146-8E8F-640665479518}" type="presOf" srcId="{71CDF269-A3A9-A34A-A43B-416C5F20A2C4}" destId="{B3424455-0B51-4241-88C9-15213A45B5D0}" srcOrd="0" destOrd="0" presId="urn:microsoft.com/office/officeart/2005/8/layout/vList5"/>
+    <dgm:cxn modelId="{900F7BAB-F187-874A-B90E-56C4AE8826EA}" type="presParOf" srcId="{7E26455B-D828-D441-AE20-25725E98D133}" destId="{36FD5CAA-5CB2-F041-BF26-BACF2890A9CD}" srcOrd="0" destOrd="0" presId="urn:microsoft.com/office/officeart/2005/8/layout/vList5"/>
+    <dgm:cxn modelId="{F90B3DC3-3AEE-7C46-A1CA-816A384D39E1}" type="presParOf" srcId="{36FD5CAA-5CB2-F041-BF26-BACF2890A9CD}" destId="{EEF9C8F5-1F6B-D045-8AD3-80CCCCC1750F}" srcOrd="0" destOrd="0" presId="urn:microsoft.com/office/officeart/2005/8/layout/vList5"/>
+    <dgm:cxn modelId="{E411EDAF-D90B-6143-96C4-F142D4F23415}" type="presParOf" srcId="{36FD5CAA-5CB2-F041-BF26-BACF2890A9CD}" destId="{A5EFF8B2-BF8D-1E4C-9311-9549DFBD6C2D}" srcOrd="1" destOrd="0" presId="urn:microsoft.com/office/officeart/2005/8/layout/vList5"/>
+    <dgm:cxn modelId="{E0DF86E0-4BAC-7C44-9517-A6BCF25C313C}" type="presParOf" srcId="{7E26455B-D828-D441-AE20-25725E98D133}" destId="{B6CEC37A-89E3-DC45-B556-6EABB95067A1}" srcOrd="1" destOrd="0" presId="urn:microsoft.com/office/officeart/2005/8/layout/vList5"/>
+    <dgm:cxn modelId="{66F4353A-A476-8C40-985D-3A8170975311}" type="presParOf" srcId="{7E26455B-D828-D441-AE20-25725E98D133}" destId="{6E43C188-A88A-8343-96B2-A1AAA46AFB87}" srcOrd="2" destOrd="0" presId="urn:microsoft.com/office/officeart/2005/8/layout/vList5"/>
+    <dgm:cxn modelId="{E07D544B-AE2E-9B46-B992-3DA8C0AC8695}" type="presParOf" srcId="{6E43C188-A88A-8343-96B2-A1AAA46AFB87}" destId="{866C4E00-948A-5A42-A333-6813824933CA}" srcOrd="0" destOrd="0" presId="urn:microsoft.com/office/officeart/2005/8/layout/vList5"/>
+    <dgm:cxn modelId="{23637E1D-BCF5-6D4D-A760-72A35FD7CE0E}" type="presParOf" srcId="{6E43C188-A88A-8343-96B2-A1AAA46AFB87}" destId="{B3424455-0B51-4241-88C9-15213A45B5D0}" srcOrd="1" destOrd="0" presId="urn:microsoft.com/office/officeart/2005/8/layout/vList5"/>
+    <dgm:cxn modelId="{B34A09F8-38A3-0B42-9138-5C75DD1F9D04}" type="presParOf" srcId="{7E26455B-D828-D441-AE20-25725E98D133}" destId="{3E2EEA2F-4127-B844-99C6-FF3CBCF32840}" srcOrd="3" destOrd="0" presId="urn:microsoft.com/office/officeart/2005/8/layout/vList5"/>
+    <dgm:cxn modelId="{69F237CA-E09C-894A-8C82-9310A2D6F8A1}" type="presParOf" srcId="{7E26455B-D828-D441-AE20-25725E98D133}" destId="{61277A4D-0A01-E448-A163-7511A9A9DB46}" srcOrd="4" destOrd="0" presId="urn:microsoft.com/office/officeart/2005/8/layout/vList5"/>
+    <dgm:cxn modelId="{E8957621-B289-DF4A-A0BC-C23A347DCB0A}" type="presParOf" srcId="{61277A4D-0A01-E448-A163-7511A9A9DB46}" destId="{557BE872-42A6-2141-B64C-B7C1CB41B8C6}" srcOrd="0" destOrd="0" presId="urn:microsoft.com/office/officeart/2005/8/layout/vList5"/>
+    <dgm:cxn modelId="{6C531DCA-C25A-0B47-8527-4E0FC92E74A7}" type="presParOf" srcId="{61277A4D-0A01-E448-A163-7511A9A9DB46}" destId="{8A5C810F-C2E6-4A40-9679-6EB0E16FF313}" srcOrd="1" destOrd="0" presId="urn:microsoft.com/office/officeart/2005/8/layout/vList5"/>
+    <dgm:cxn modelId="{3CDCD9E7-A85B-754F-8B1F-1DF1766A5E18}" type="presParOf" srcId="{7E26455B-D828-D441-AE20-25725E98D133}" destId="{0E83D2A2-8708-7A47-B152-8DEE1063F489}" srcOrd="5" destOrd="0" presId="urn:microsoft.com/office/officeart/2005/8/layout/vList5"/>
+    <dgm:cxn modelId="{16F696EE-A93F-8A41-B02D-447D8B7F0B49}" type="presParOf" srcId="{7E26455B-D828-D441-AE20-25725E98D133}" destId="{EAC3C8D3-9902-2F46-9867-67DD08026123}" srcOrd="6" destOrd="0" presId="urn:microsoft.com/office/officeart/2005/8/layout/vList5"/>
+    <dgm:cxn modelId="{99D82202-BB37-EB46-A6B9-19202083B625}" type="presParOf" srcId="{EAC3C8D3-9902-2F46-9867-67DD08026123}" destId="{3B3228DB-8B0F-3843-8A03-A56D61D4F946}" srcOrd="0" destOrd="0" presId="urn:microsoft.com/office/officeart/2005/8/layout/vList5"/>
+    <dgm:cxn modelId="{CFB799AD-ED63-4A4B-993E-6FB07194D168}" type="presParOf" srcId="{EAC3C8D3-9902-2F46-9867-67DD08026123}" destId="{5393B8FB-CD53-DA47-9DFB-DAABA5D8CC83}" srcOrd="1" destOrd="0" presId="urn:microsoft.com/office/officeart/2005/8/layout/vList5"/>
+    <dgm:cxn modelId="{C6543DC4-0291-9B4E-9F47-CF6D11D43F79}" type="presParOf" srcId="{7E26455B-D828-D441-AE20-25725E98D133}" destId="{907341AD-5F15-F247-9CB5-106D6054FAF5}" srcOrd="7" destOrd="0" presId="urn:microsoft.com/office/officeart/2005/8/layout/vList5"/>
+    <dgm:cxn modelId="{7C4770D9-91FA-7845-B8C4-1A9A41385055}" type="presParOf" srcId="{7E26455B-D828-D441-AE20-25725E98D133}" destId="{6FC8406E-6F5D-F04B-83FD-3AB6414EE097}" srcOrd="8" destOrd="0" presId="urn:microsoft.com/office/officeart/2005/8/layout/vList5"/>
+    <dgm:cxn modelId="{BDC73957-DB5E-0348-8378-E53CAAF36006}" type="presParOf" srcId="{6FC8406E-6F5D-F04B-83FD-3AB6414EE097}" destId="{BE48C9FE-A103-364B-B08C-3D773FDDF62B}" srcOrd="0" destOrd="0" presId="urn:microsoft.com/office/officeart/2005/8/layout/vList5"/>
+    <dgm:cxn modelId="{40E249CD-C774-584F-8F3A-D0C7CED11C66}" type="presParOf" srcId="{6FC8406E-6F5D-F04B-83FD-3AB6414EE097}" destId="{3324E254-3F11-904E-9FA3-B41052290387}" srcOrd="1" destOrd="0" presId="urn:microsoft.com/office/officeart/2005/8/layout/vList5"/>
   </dgm:cxnLst>
   <dgm:bg/>
   <dgm:whole/>
@@ -5153,618 +2928,6 @@
 </file>
 
 <file path=ppt/diagrams/drawing1.xml><?xml version="1.0" encoding="utf-8"?>
-<dsp:drawing xmlns:dgm="http://schemas.openxmlformats.org/drawingml/2006/diagram" xmlns:dsp="http://schemas.microsoft.com/office/drawing/2008/diagram" xmlns:a="http://schemas.openxmlformats.org/drawingml/2006/main">
-  <dsp:spTree>
-    <dsp:nvGrpSpPr>
-      <dsp:cNvPr id="0" name=""/>
-      <dsp:cNvGrpSpPr/>
-    </dsp:nvGrpSpPr>
-    <dsp:grpSpPr/>
-    <dsp:sp modelId="{A4F7318B-E3C7-4498-8912-EC709F155D54}">
-      <dsp:nvSpPr>
-        <dsp:cNvPr id="0" name=""/>
-        <dsp:cNvSpPr/>
-      </dsp:nvSpPr>
-      <dsp:spPr>
-        <a:xfrm>
-          <a:off x="576965" y="1223524"/>
-          <a:ext cx="1246793" cy="1246793"/>
-        </a:xfrm>
-        <a:prstGeom prst="ellipse">
-          <a:avLst/>
-        </a:prstGeom>
-        <a:solidFill>
-          <a:schemeClr val="bg1">
-            <a:lumMod val="95000"/>
-            <a:hueOff val="0"/>
-            <a:satOff val="0"/>
-            <a:lumOff val="0"/>
-            <a:alphaOff val="0"/>
-          </a:schemeClr>
-        </a:solidFill>
-        <a:ln>
-          <a:noFill/>
-        </a:ln>
-        <a:effectLst/>
-      </dsp:spPr>
-      <dsp:style>
-        <a:lnRef idx="0">
-          <a:scrgbClr r="0" g="0" b="0"/>
-        </a:lnRef>
-        <a:fillRef idx="1">
-          <a:scrgbClr r="0" g="0" b="0"/>
-        </a:fillRef>
-        <a:effectRef idx="2">
-          <a:scrgbClr r="0" g="0" b="0"/>
-        </a:effectRef>
-        <a:fontRef idx="minor"/>
-      </dsp:style>
-    </dsp:sp>
-    <dsp:sp modelId="{95CA6E9E-7EDE-4806-98CA-28CD8D7DBF72}">
-      <dsp:nvSpPr>
-        <dsp:cNvPr id="0" name=""/>
-        <dsp:cNvSpPr/>
-      </dsp:nvSpPr>
-      <dsp:spPr>
-        <a:xfrm>
-          <a:off x="842675" y="1489234"/>
-          <a:ext cx="715373" cy="715373"/>
-        </a:xfrm>
-        <a:prstGeom prst="rect">
-          <a:avLst/>
-        </a:prstGeom>
-        <a:blipFill>
-          <a:blip xmlns:r="http://schemas.openxmlformats.org/officeDocument/2006/relationships" r:embed="rId1">
-            <a:extLst>
-              <a:ext uri="{28A0092B-C50C-407E-A947-70E740481C1C}">
-                <a14:useLocalDpi xmlns:a14="http://schemas.microsoft.com/office/drawing/2010/main" val="0"/>
-              </a:ext>
-              <a:ext uri="{96DAC541-7B7A-43D3-8B79-37D633B846F1}">
-                <asvg:svgBlip xmlns:asvg="http://schemas.microsoft.com/office/drawing/2016/SVG/main" r:embed="rId2"/>
-              </a:ext>
-            </a:extLst>
-          </a:blip>
-          <a:stretch>
-            <a:fillRect/>
-          </a:stretch>
-        </a:blipFill>
-        <a:ln>
-          <a:noFill/>
-        </a:ln>
-        <a:effectLst/>
-      </dsp:spPr>
-      <dsp:style>
-        <a:lnRef idx="0">
-          <a:scrgbClr r="0" g="0" b="0"/>
-        </a:lnRef>
-        <a:fillRef idx="3">
-          <a:scrgbClr r="0" g="0" b="0"/>
-        </a:fillRef>
-        <a:effectRef idx="2">
-          <a:scrgbClr r="0" g="0" b="0"/>
-        </a:effectRef>
-        <a:fontRef idx="minor">
-          <a:schemeClr val="lt1"/>
-        </a:fontRef>
-      </dsp:style>
-    </dsp:sp>
-    <dsp:sp modelId="{4CAAD304-E137-4561-A144-9C06ACEE05B7}">
-      <dsp:nvSpPr>
-        <dsp:cNvPr id="0" name=""/>
-        <dsp:cNvSpPr/>
-      </dsp:nvSpPr>
-      <dsp:spPr>
-        <a:xfrm>
-          <a:off x="178399" y="2858662"/>
-          <a:ext cx="2043923" cy="720000"/>
-        </a:xfrm>
-        <a:prstGeom prst="rect">
-          <a:avLst/>
-        </a:prstGeom>
-        <a:noFill/>
-        <a:ln>
-          <a:noFill/>
-        </a:ln>
-        <a:effectLst/>
-      </dsp:spPr>
-      <dsp:style>
-        <a:lnRef idx="0">
-          <a:scrgbClr r="0" g="0" b="0"/>
-        </a:lnRef>
-        <a:fillRef idx="0">
-          <a:scrgbClr r="0" g="0" b="0"/>
-        </a:fillRef>
-        <a:effectRef idx="0">
-          <a:scrgbClr r="0" g="0" b="0"/>
-        </a:effectRef>
-        <a:fontRef idx="minor"/>
-      </dsp:style>
-      <dsp:txBody>
-        <a:bodyPr spcFirstLastPara="0" vert="horz" wrap="square" lIns="0" tIns="0" rIns="0" bIns="0" numCol="1" spcCol="1270" anchor="t" anchorCtr="0">
-          <a:noAutofit/>
-        </a:bodyPr>
-        <a:lstStyle/>
-        <a:p>
-          <a:pPr marL="0" lvl="0" indent="0" algn="ctr" defTabSz="755650">
-            <a:lnSpc>
-              <a:spcPct val="90000"/>
-            </a:lnSpc>
-            <a:spcBef>
-              <a:spcPct val="0"/>
-            </a:spcBef>
-            <a:spcAft>
-              <a:spcPct val="35000"/>
-            </a:spcAft>
-            <a:buNone/>
-            <a:defRPr cap="all"/>
-          </a:pPr>
-          <a:r>
-            <a:rPr lang="de-DE" sz="1700" kern="1200" dirty="0"/>
-            <a:t>Time Tracking</a:t>
-          </a:r>
-          <a:endParaRPr lang="en-US" sz="1700" kern="1200" dirty="0"/>
-        </a:p>
-      </dsp:txBody>
-      <dsp:txXfrm>
-        <a:off x="178399" y="2858662"/>
-        <a:ext cx="2043923" cy="720000"/>
-      </dsp:txXfrm>
-    </dsp:sp>
-    <dsp:sp modelId="{C1702059-58C0-4D24-8AB5-40DC01A39618}">
-      <dsp:nvSpPr>
-        <dsp:cNvPr id="0" name=""/>
-        <dsp:cNvSpPr/>
-      </dsp:nvSpPr>
-      <dsp:spPr>
-        <a:xfrm>
-          <a:off x="2978575" y="1223524"/>
-          <a:ext cx="1246793" cy="1246793"/>
-        </a:xfrm>
-        <a:prstGeom prst="ellipse">
-          <a:avLst/>
-        </a:prstGeom>
-        <a:solidFill>
-          <a:schemeClr val="bg1">
-            <a:lumMod val="95000"/>
-            <a:hueOff val="0"/>
-            <a:satOff val="0"/>
-            <a:lumOff val="0"/>
-            <a:alphaOff val="0"/>
-          </a:schemeClr>
-        </a:solidFill>
-        <a:ln>
-          <a:noFill/>
-        </a:ln>
-        <a:effectLst/>
-      </dsp:spPr>
-      <dsp:style>
-        <a:lnRef idx="0">
-          <a:scrgbClr r="0" g="0" b="0"/>
-        </a:lnRef>
-        <a:fillRef idx="1">
-          <a:scrgbClr r="0" g="0" b="0"/>
-        </a:fillRef>
-        <a:effectRef idx="2">
-          <a:scrgbClr r="0" g="0" b="0"/>
-        </a:effectRef>
-        <a:fontRef idx="minor"/>
-      </dsp:style>
-    </dsp:sp>
-    <dsp:sp modelId="{8647B72A-BE02-4E9F-BE8B-A0670CEBFC4A}">
-      <dsp:nvSpPr>
-        <dsp:cNvPr id="0" name=""/>
-        <dsp:cNvSpPr/>
-      </dsp:nvSpPr>
-      <dsp:spPr>
-        <a:xfrm>
-          <a:off x="3244285" y="1489234"/>
-          <a:ext cx="715373" cy="715373"/>
-        </a:xfrm>
-        <a:prstGeom prst="rect">
-          <a:avLst/>
-        </a:prstGeom>
-        <a:blipFill>
-          <a:blip xmlns:r="http://schemas.openxmlformats.org/officeDocument/2006/relationships" r:embed="rId3">
-            <a:extLst>
-              <a:ext uri="{28A0092B-C50C-407E-A947-70E740481C1C}">
-                <a14:useLocalDpi xmlns:a14="http://schemas.microsoft.com/office/drawing/2010/main" val="0"/>
-              </a:ext>
-              <a:ext uri="{96DAC541-7B7A-43D3-8B79-37D633B846F1}">
-                <asvg:svgBlip xmlns:asvg="http://schemas.microsoft.com/office/drawing/2016/SVG/main" r:embed="rId4"/>
-              </a:ext>
-            </a:extLst>
-          </a:blip>
-          <a:stretch>
-            <a:fillRect/>
-          </a:stretch>
-        </a:blipFill>
-        <a:ln>
-          <a:noFill/>
-        </a:ln>
-        <a:effectLst/>
-      </dsp:spPr>
-      <dsp:style>
-        <a:lnRef idx="0">
-          <a:scrgbClr r="0" g="0" b="0"/>
-        </a:lnRef>
-        <a:fillRef idx="3">
-          <a:scrgbClr r="0" g="0" b="0"/>
-        </a:fillRef>
-        <a:effectRef idx="2">
-          <a:scrgbClr r="0" g="0" b="0"/>
-        </a:effectRef>
-        <a:fontRef idx="minor">
-          <a:schemeClr val="lt1"/>
-        </a:fontRef>
-      </dsp:style>
-    </dsp:sp>
-    <dsp:sp modelId="{F18BB89A-D40E-4117-87B0-26FBA9C771EB}">
-      <dsp:nvSpPr>
-        <dsp:cNvPr id="0" name=""/>
-        <dsp:cNvSpPr/>
-      </dsp:nvSpPr>
-      <dsp:spPr>
-        <a:xfrm>
-          <a:off x="2580010" y="2858662"/>
-          <a:ext cx="2043923" cy="720000"/>
-        </a:xfrm>
-        <a:prstGeom prst="rect">
-          <a:avLst/>
-        </a:prstGeom>
-        <a:noFill/>
-        <a:ln>
-          <a:noFill/>
-        </a:ln>
-        <a:effectLst/>
-      </dsp:spPr>
-      <dsp:style>
-        <a:lnRef idx="0">
-          <a:scrgbClr r="0" g="0" b="0"/>
-        </a:lnRef>
-        <a:fillRef idx="0">
-          <a:scrgbClr r="0" g="0" b="0"/>
-        </a:fillRef>
-        <a:effectRef idx="0">
-          <a:scrgbClr r="0" g="0" b="0"/>
-        </a:effectRef>
-        <a:fontRef idx="minor"/>
-      </dsp:style>
-      <dsp:txBody>
-        <a:bodyPr spcFirstLastPara="0" vert="horz" wrap="square" lIns="0" tIns="0" rIns="0" bIns="0" numCol="1" spcCol="1270" anchor="t" anchorCtr="0">
-          <a:noAutofit/>
-        </a:bodyPr>
-        <a:lstStyle/>
-        <a:p>
-          <a:pPr marL="0" lvl="0" indent="0" algn="ctr" defTabSz="755650">
-            <a:lnSpc>
-              <a:spcPct val="90000"/>
-            </a:lnSpc>
-            <a:spcBef>
-              <a:spcPct val="0"/>
-            </a:spcBef>
-            <a:spcAft>
-              <a:spcPct val="35000"/>
-            </a:spcAft>
-            <a:buNone/>
-            <a:defRPr cap="all"/>
-          </a:pPr>
-          <a:r>
-            <a:rPr lang="de-DE" sz="1700" kern="1200" dirty="0"/>
-            <a:t>User kann Aktivitäten anlegen </a:t>
-          </a:r>
-          <a:endParaRPr lang="en-US" sz="1700" kern="1200" dirty="0"/>
-        </a:p>
-      </dsp:txBody>
-      <dsp:txXfrm>
-        <a:off x="2580010" y="2858662"/>
-        <a:ext cx="2043923" cy="720000"/>
-      </dsp:txXfrm>
-    </dsp:sp>
-    <dsp:sp modelId="{6CB255A9-88E3-4E5A-A83C-2E3229982013}">
-      <dsp:nvSpPr>
-        <dsp:cNvPr id="0" name=""/>
-        <dsp:cNvSpPr/>
-      </dsp:nvSpPr>
-      <dsp:spPr>
-        <a:xfrm>
-          <a:off x="5380185" y="1223524"/>
-          <a:ext cx="1246793" cy="1246793"/>
-        </a:xfrm>
-        <a:prstGeom prst="ellipse">
-          <a:avLst/>
-        </a:prstGeom>
-        <a:solidFill>
-          <a:schemeClr val="bg1">
-            <a:lumMod val="95000"/>
-            <a:hueOff val="0"/>
-            <a:satOff val="0"/>
-            <a:lumOff val="0"/>
-            <a:alphaOff val="0"/>
-          </a:schemeClr>
-        </a:solidFill>
-        <a:ln>
-          <a:noFill/>
-        </a:ln>
-        <a:effectLst/>
-      </dsp:spPr>
-      <dsp:style>
-        <a:lnRef idx="0">
-          <a:scrgbClr r="0" g="0" b="0"/>
-        </a:lnRef>
-        <a:fillRef idx="1">
-          <a:scrgbClr r="0" g="0" b="0"/>
-        </a:fillRef>
-        <a:effectRef idx="2">
-          <a:scrgbClr r="0" g="0" b="0"/>
-        </a:effectRef>
-        <a:fontRef idx="minor"/>
-      </dsp:style>
-    </dsp:sp>
-    <dsp:sp modelId="{3CF3A619-8B0F-4AE0-8330-59C1A029F61D}">
-      <dsp:nvSpPr>
-        <dsp:cNvPr id="0" name=""/>
-        <dsp:cNvSpPr/>
-      </dsp:nvSpPr>
-      <dsp:spPr>
-        <a:xfrm>
-          <a:off x="5645895" y="1489234"/>
-          <a:ext cx="715373" cy="715373"/>
-        </a:xfrm>
-        <a:prstGeom prst="rect">
-          <a:avLst/>
-        </a:prstGeom>
-        <a:blipFill>
-          <a:blip xmlns:r="http://schemas.openxmlformats.org/officeDocument/2006/relationships" r:embed="rId5">
-            <a:extLst>
-              <a:ext uri="{28A0092B-C50C-407E-A947-70E740481C1C}">
-                <a14:useLocalDpi xmlns:a14="http://schemas.microsoft.com/office/drawing/2010/main" val="0"/>
-              </a:ext>
-              <a:ext uri="{96DAC541-7B7A-43D3-8B79-37D633B846F1}">
-                <asvg:svgBlip xmlns:asvg="http://schemas.microsoft.com/office/drawing/2016/SVG/main" r:embed="rId6"/>
-              </a:ext>
-            </a:extLst>
-          </a:blip>
-          <a:stretch>
-            <a:fillRect/>
-          </a:stretch>
-        </a:blipFill>
-        <a:ln>
-          <a:noFill/>
-        </a:ln>
-        <a:effectLst/>
-      </dsp:spPr>
-      <dsp:style>
-        <a:lnRef idx="0">
-          <a:scrgbClr r="0" g="0" b="0"/>
-        </a:lnRef>
-        <a:fillRef idx="3">
-          <a:scrgbClr r="0" g="0" b="0"/>
-        </a:fillRef>
-        <a:effectRef idx="2">
-          <a:scrgbClr r="0" g="0" b="0"/>
-        </a:effectRef>
-        <a:fontRef idx="minor">
-          <a:schemeClr val="lt1"/>
-        </a:fontRef>
-      </dsp:style>
-    </dsp:sp>
-    <dsp:sp modelId="{B82E842B-6552-445E-B387-D8EC90D0F593}">
-      <dsp:nvSpPr>
-        <dsp:cNvPr id="0" name=""/>
-        <dsp:cNvSpPr/>
-      </dsp:nvSpPr>
-      <dsp:spPr>
-        <a:xfrm>
-          <a:off x="4981620" y="2858662"/>
-          <a:ext cx="2043923" cy="720000"/>
-        </a:xfrm>
-        <a:prstGeom prst="rect">
-          <a:avLst/>
-        </a:prstGeom>
-        <a:noFill/>
-        <a:ln>
-          <a:noFill/>
-        </a:ln>
-        <a:effectLst/>
-      </dsp:spPr>
-      <dsp:style>
-        <a:lnRef idx="0">
-          <a:scrgbClr r="0" g="0" b="0"/>
-        </a:lnRef>
-        <a:fillRef idx="0">
-          <a:scrgbClr r="0" g="0" b="0"/>
-        </a:fillRef>
-        <a:effectRef idx="0">
-          <a:scrgbClr r="0" g="0" b="0"/>
-        </a:effectRef>
-        <a:fontRef idx="minor"/>
-      </dsp:style>
-      <dsp:txBody>
-        <a:bodyPr spcFirstLastPara="0" vert="horz" wrap="square" lIns="0" tIns="0" rIns="0" bIns="0" numCol="1" spcCol="1270" anchor="t" anchorCtr="0">
-          <a:noAutofit/>
-        </a:bodyPr>
-        <a:lstStyle/>
-        <a:p>
-          <a:pPr marL="0" lvl="0" indent="0" algn="ctr" defTabSz="755650">
-            <a:lnSpc>
-              <a:spcPct val="90000"/>
-            </a:lnSpc>
-            <a:spcBef>
-              <a:spcPct val="0"/>
-            </a:spcBef>
-            <a:spcAft>
-              <a:spcPct val="35000"/>
-            </a:spcAft>
-            <a:buNone/>
-            <a:defRPr cap="all"/>
-          </a:pPr>
-          <a:r>
-            <a:rPr lang="de-DE" sz="1700" kern="1200" dirty="0"/>
-            <a:t>Tracking für verschiedene Aktivitäten </a:t>
-          </a:r>
-          <a:endParaRPr lang="en-US" sz="1700" kern="1200" dirty="0"/>
-        </a:p>
-      </dsp:txBody>
-      <dsp:txXfrm>
-        <a:off x="4981620" y="2858662"/>
-        <a:ext cx="2043923" cy="720000"/>
-      </dsp:txXfrm>
-    </dsp:sp>
-    <dsp:sp modelId="{BE674657-1D73-4AD3-848A-390E6818FB2E}">
-      <dsp:nvSpPr>
-        <dsp:cNvPr id="0" name=""/>
-        <dsp:cNvSpPr/>
-      </dsp:nvSpPr>
-      <dsp:spPr>
-        <a:xfrm>
-          <a:off x="7781795" y="1223524"/>
-          <a:ext cx="1246793" cy="1246793"/>
-        </a:xfrm>
-        <a:prstGeom prst="ellipse">
-          <a:avLst/>
-        </a:prstGeom>
-        <a:solidFill>
-          <a:schemeClr val="bg1">
-            <a:lumMod val="95000"/>
-            <a:hueOff val="0"/>
-            <a:satOff val="0"/>
-            <a:lumOff val="0"/>
-            <a:alphaOff val="0"/>
-          </a:schemeClr>
-        </a:solidFill>
-        <a:ln>
-          <a:noFill/>
-        </a:ln>
-        <a:effectLst/>
-      </dsp:spPr>
-      <dsp:style>
-        <a:lnRef idx="0">
-          <a:scrgbClr r="0" g="0" b="0"/>
-        </a:lnRef>
-        <a:fillRef idx="1">
-          <a:scrgbClr r="0" g="0" b="0"/>
-        </a:fillRef>
-        <a:effectRef idx="2">
-          <a:scrgbClr r="0" g="0" b="0"/>
-        </a:effectRef>
-        <a:fontRef idx="minor"/>
-      </dsp:style>
-    </dsp:sp>
-    <dsp:sp modelId="{0BD63C40-BEA5-4445-9537-D499804A3787}">
-      <dsp:nvSpPr>
-        <dsp:cNvPr id="0" name=""/>
-        <dsp:cNvSpPr/>
-      </dsp:nvSpPr>
-      <dsp:spPr>
-        <a:xfrm>
-          <a:off x="8047505" y="1489234"/>
-          <a:ext cx="715373" cy="715373"/>
-        </a:xfrm>
-        <a:prstGeom prst="rect">
-          <a:avLst/>
-        </a:prstGeom>
-        <a:blipFill>
-          <a:blip xmlns:r="http://schemas.openxmlformats.org/officeDocument/2006/relationships" r:embed="rId7">
-            <a:extLst>
-              <a:ext uri="{28A0092B-C50C-407E-A947-70E740481C1C}">
-                <a14:useLocalDpi xmlns:a14="http://schemas.microsoft.com/office/drawing/2010/main" val="0"/>
-              </a:ext>
-              <a:ext uri="{96DAC541-7B7A-43D3-8B79-37D633B846F1}">
-                <asvg:svgBlip xmlns:asvg="http://schemas.microsoft.com/office/drawing/2016/SVG/main" r:embed="rId8"/>
-              </a:ext>
-            </a:extLst>
-          </a:blip>
-          <a:stretch>
-            <a:fillRect/>
-          </a:stretch>
-        </a:blipFill>
-        <a:ln>
-          <a:noFill/>
-        </a:ln>
-        <a:effectLst/>
-      </dsp:spPr>
-      <dsp:style>
-        <a:lnRef idx="0">
-          <a:scrgbClr r="0" g="0" b="0"/>
-        </a:lnRef>
-        <a:fillRef idx="3">
-          <a:scrgbClr r="0" g="0" b="0"/>
-        </a:fillRef>
-        <a:effectRef idx="2">
-          <a:scrgbClr r="0" g="0" b="0"/>
-        </a:effectRef>
-        <a:fontRef idx="minor">
-          <a:schemeClr val="lt1"/>
-        </a:fontRef>
-      </dsp:style>
-    </dsp:sp>
-    <dsp:sp modelId="{25F48370-2AC3-492A-A8AE-99D654087064}">
-      <dsp:nvSpPr>
-        <dsp:cNvPr id="0" name=""/>
-        <dsp:cNvSpPr/>
-      </dsp:nvSpPr>
-      <dsp:spPr>
-        <a:xfrm>
-          <a:off x="7383230" y="2858662"/>
-          <a:ext cx="2043923" cy="720000"/>
-        </a:xfrm>
-        <a:prstGeom prst="rect">
-          <a:avLst/>
-        </a:prstGeom>
-        <a:noFill/>
-        <a:ln>
-          <a:noFill/>
-        </a:ln>
-        <a:effectLst/>
-      </dsp:spPr>
-      <dsp:style>
-        <a:lnRef idx="0">
-          <a:scrgbClr r="0" g="0" b="0"/>
-        </a:lnRef>
-        <a:fillRef idx="0">
-          <a:scrgbClr r="0" g="0" b="0"/>
-        </a:fillRef>
-        <a:effectRef idx="0">
-          <a:scrgbClr r="0" g="0" b="0"/>
-        </a:effectRef>
-        <a:fontRef idx="minor"/>
-      </dsp:style>
-      <dsp:txBody>
-        <a:bodyPr spcFirstLastPara="0" vert="horz" wrap="square" lIns="0" tIns="0" rIns="0" bIns="0" numCol="1" spcCol="1270" anchor="t" anchorCtr="0">
-          <a:noAutofit/>
-        </a:bodyPr>
-        <a:lstStyle/>
-        <a:p>
-          <a:pPr marL="0" lvl="0" indent="0" algn="ctr" defTabSz="755650">
-            <a:lnSpc>
-              <a:spcPct val="90000"/>
-            </a:lnSpc>
-            <a:spcBef>
-              <a:spcPct val="0"/>
-            </a:spcBef>
-            <a:spcAft>
-              <a:spcPct val="35000"/>
-            </a:spcAft>
-            <a:buNone/>
-            <a:defRPr cap="all"/>
-          </a:pPr>
-          <a:r>
-            <a:rPr lang="de-DE" sz="1700" kern="1200" dirty="0"/>
-            <a:t>Abruf VON Statistiken </a:t>
-          </a:r>
-          <a:endParaRPr lang="en-US" sz="1700" kern="1200" dirty="0"/>
-        </a:p>
-      </dsp:txBody>
-      <dsp:txXfrm>
-        <a:off x="7383230" y="2858662"/>
-        <a:ext cx="2043923" cy="720000"/>
-      </dsp:txXfrm>
-    </dsp:sp>
-  </dsp:spTree>
-</dsp:drawing>
-</file>
-
-<file path=ppt/diagrams/drawing2.xml><?xml version="1.0" encoding="utf-8"?>
 <dsp:drawing xmlns:dgm="http://schemas.openxmlformats.org/drawingml/2006/diagram" xmlns:dsp="http://schemas.microsoft.com/office/drawing/2008/diagram" xmlns:a="http://schemas.openxmlformats.org/drawingml/2006/main">
   <dsp:spTree>
     <dsp:nvGrpSpPr>
@@ -6525,7 +3688,7 @@
 </dsp:drawing>
 </file>
 
-<file path=ppt/diagrams/drawing3.xml><?xml version="1.0" encoding="utf-8"?>
+<file path=ppt/diagrams/drawing2.xml><?xml version="1.0" encoding="utf-8"?>
 <dsp:drawing xmlns:dgm="http://schemas.openxmlformats.org/drawingml/2006/diagram" xmlns:dsp="http://schemas.microsoft.com/office/drawing/2008/diagram" xmlns:a="http://schemas.openxmlformats.org/drawingml/2006/main">
   <dsp:spTree>
     <dsp:nvGrpSpPr>
@@ -6533,717 +3696,15 @@
       <dsp:cNvGrpSpPr/>
     </dsp:nvGrpSpPr>
     <dsp:grpSpPr/>
-    <dsp:sp modelId="{0B4EF0A5-C900-8A4C-B6B4-E27C15301FF9}">
-      <dsp:nvSpPr>
-        <dsp:cNvPr id="0" name=""/>
-        <dsp:cNvSpPr/>
-      </dsp:nvSpPr>
-      <dsp:spPr>
-        <a:xfrm>
-          <a:off x="1283" y="0"/>
-          <a:ext cx="3337470" cy="4351338"/>
-        </a:xfrm>
-        <a:prstGeom prst="roundRect">
-          <a:avLst>
-            <a:gd name="adj" fmla="val 10000"/>
-          </a:avLst>
-        </a:prstGeom>
-        <a:solidFill>
-          <a:schemeClr val="accent1">
-            <a:tint val="40000"/>
-            <a:hueOff val="0"/>
-            <a:satOff val="0"/>
-            <a:lumOff val="0"/>
-            <a:alphaOff val="0"/>
-          </a:schemeClr>
-        </a:solidFill>
-        <a:ln>
-          <a:noFill/>
-        </a:ln>
-        <a:effectLst/>
-      </dsp:spPr>
-      <dsp:style>
-        <a:lnRef idx="0">
-          <a:scrgbClr r="0" g="0" b="0"/>
-        </a:lnRef>
-        <a:fillRef idx="1">
-          <a:scrgbClr r="0" g="0" b="0"/>
-        </a:fillRef>
-        <a:effectRef idx="0">
-          <a:scrgbClr r="0" g="0" b="0"/>
-        </a:effectRef>
-        <a:fontRef idx="minor"/>
-      </dsp:style>
-      <dsp:txBody>
-        <a:bodyPr spcFirstLastPara="0" vert="horz" wrap="square" lIns="137160" tIns="137160" rIns="137160" bIns="137160" numCol="1" spcCol="1270" anchor="ctr" anchorCtr="0">
-          <a:noAutofit/>
-        </a:bodyPr>
-        <a:lstStyle/>
-        <a:p>
-          <a:pPr marL="0" lvl="0" indent="0" algn="ctr" defTabSz="1600200">
-            <a:lnSpc>
-              <a:spcPct val="90000"/>
-            </a:lnSpc>
-            <a:spcBef>
-              <a:spcPct val="0"/>
-            </a:spcBef>
-            <a:spcAft>
-              <a:spcPct val="35000"/>
-            </a:spcAft>
-            <a:buNone/>
-          </a:pPr>
-          <a:r>
-            <a:rPr lang="de-DE" sz="3600" kern="1200" dirty="0"/>
-            <a:t>User Service</a:t>
-          </a:r>
-        </a:p>
-      </dsp:txBody>
-      <dsp:txXfrm>
-        <a:off x="1283" y="0"/>
-        <a:ext cx="3337470" cy="1305401"/>
-      </dsp:txXfrm>
-    </dsp:sp>
-    <dsp:sp modelId="{42EC7B99-7858-C94C-851B-74074D6CDEF2}">
-      <dsp:nvSpPr>
-        <dsp:cNvPr id="0" name=""/>
-        <dsp:cNvSpPr/>
-      </dsp:nvSpPr>
-      <dsp:spPr>
-        <a:xfrm>
-          <a:off x="335030" y="1306676"/>
-          <a:ext cx="2669976" cy="1311987"/>
-        </a:xfrm>
-        <a:prstGeom prst="roundRect">
-          <a:avLst>
-            <a:gd name="adj" fmla="val 10000"/>
-          </a:avLst>
-        </a:prstGeom>
-        <a:solidFill>
-          <a:schemeClr val="accent1">
-            <a:hueOff val="0"/>
-            <a:satOff val="0"/>
-            <a:lumOff val="0"/>
-            <a:alphaOff val="0"/>
-          </a:schemeClr>
-        </a:solidFill>
-        <a:ln w="12700" cap="flat" cmpd="sng" algn="ctr">
-          <a:solidFill>
-            <a:schemeClr val="lt1">
-              <a:hueOff val="0"/>
-              <a:satOff val="0"/>
-              <a:lumOff val="0"/>
-              <a:alphaOff val="0"/>
-            </a:schemeClr>
-          </a:solidFill>
-          <a:prstDash val="solid"/>
-          <a:miter lim="800000"/>
-        </a:ln>
-        <a:effectLst/>
-      </dsp:spPr>
-      <dsp:style>
-        <a:lnRef idx="2">
-          <a:scrgbClr r="0" g="0" b="0"/>
-        </a:lnRef>
-        <a:fillRef idx="1">
-          <a:scrgbClr r="0" g="0" b="0"/>
-        </a:fillRef>
-        <a:effectRef idx="0">
-          <a:scrgbClr r="0" g="0" b="0"/>
-        </a:effectRef>
-        <a:fontRef idx="minor">
-          <a:schemeClr val="lt1"/>
-        </a:fontRef>
-      </dsp:style>
-      <dsp:txBody>
-        <a:bodyPr spcFirstLastPara="0" vert="horz" wrap="square" lIns="63500" tIns="47625" rIns="63500" bIns="47625" numCol="1" spcCol="1270" anchor="ctr" anchorCtr="0">
-          <a:noAutofit/>
-        </a:bodyPr>
-        <a:lstStyle/>
-        <a:p>
-          <a:pPr marL="0" lvl="0" indent="0" algn="ctr" defTabSz="1111250">
-            <a:lnSpc>
-              <a:spcPct val="90000"/>
-            </a:lnSpc>
-            <a:spcBef>
-              <a:spcPct val="0"/>
-            </a:spcBef>
-            <a:spcAft>
-              <a:spcPct val="35000"/>
-            </a:spcAft>
-            <a:buNone/>
-          </a:pPr>
-          <a:r>
-            <a:rPr lang="de-DE" sz="2500" kern="1200"/>
-            <a:t>Registrierung</a:t>
-          </a:r>
-        </a:p>
-      </dsp:txBody>
-      <dsp:txXfrm>
-        <a:off x="373457" y="1345103"/>
-        <a:ext cx="2593122" cy="1235133"/>
-      </dsp:txXfrm>
-    </dsp:sp>
-    <dsp:sp modelId="{4AEBA1DF-8349-2248-8C48-F97123E0C1E1}">
-      <dsp:nvSpPr>
-        <dsp:cNvPr id="0" name=""/>
-        <dsp:cNvSpPr/>
-      </dsp:nvSpPr>
-      <dsp:spPr>
-        <a:xfrm>
-          <a:off x="335030" y="2820508"/>
-          <a:ext cx="2669976" cy="1311987"/>
-        </a:xfrm>
-        <a:prstGeom prst="roundRect">
-          <a:avLst>
-            <a:gd name="adj" fmla="val 10000"/>
-          </a:avLst>
-        </a:prstGeom>
-        <a:solidFill>
-          <a:schemeClr val="accent1">
-            <a:hueOff val="0"/>
-            <a:satOff val="0"/>
-            <a:lumOff val="0"/>
-            <a:alphaOff val="0"/>
-          </a:schemeClr>
-        </a:solidFill>
-        <a:ln w="12700" cap="flat" cmpd="sng" algn="ctr">
-          <a:solidFill>
-            <a:schemeClr val="lt1">
-              <a:hueOff val="0"/>
-              <a:satOff val="0"/>
-              <a:lumOff val="0"/>
-              <a:alphaOff val="0"/>
-            </a:schemeClr>
-          </a:solidFill>
-          <a:prstDash val="solid"/>
-          <a:miter lim="800000"/>
-        </a:ln>
-        <a:effectLst/>
-      </dsp:spPr>
-      <dsp:style>
-        <a:lnRef idx="2">
-          <a:scrgbClr r="0" g="0" b="0"/>
-        </a:lnRef>
-        <a:fillRef idx="1">
-          <a:scrgbClr r="0" g="0" b="0"/>
-        </a:fillRef>
-        <a:effectRef idx="0">
-          <a:scrgbClr r="0" g="0" b="0"/>
-        </a:effectRef>
-        <a:fontRef idx="minor">
-          <a:schemeClr val="lt1"/>
-        </a:fontRef>
-      </dsp:style>
-      <dsp:txBody>
-        <a:bodyPr spcFirstLastPara="0" vert="horz" wrap="square" lIns="63500" tIns="47625" rIns="63500" bIns="47625" numCol="1" spcCol="1270" anchor="ctr" anchorCtr="0">
-          <a:noAutofit/>
-        </a:bodyPr>
-        <a:lstStyle/>
-        <a:p>
-          <a:pPr marL="0" lvl="0" indent="0" algn="ctr" defTabSz="1111250">
-            <a:lnSpc>
-              <a:spcPct val="90000"/>
-            </a:lnSpc>
-            <a:spcBef>
-              <a:spcPct val="0"/>
-            </a:spcBef>
-            <a:spcAft>
-              <a:spcPct val="35000"/>
-            </a:spcAft>
-            <a:buNone/>
-          </a:pPr>
-          <a:r>
-            <a:rPr lang="de-DE" sz="2500" kern="1200"/>
-            <a:t>Login</a:t>
-          </a:r>
-        </a:p>
-      </dsp:txBody>
-      <dsp:txXfrm>
-        <a:off x="373457" y="2858935"/>
-        <a:ext cx="2593122" cy="1235133"/>
-      </dsp:txXfrm>
-    </dsp:sp>
-    <dsp:sp modelId="{A1908E4D-21F9-F548-A2E5-B3931392D1F7}">
-      <dsp:nvSpPr>
-        <dsp:cNvPr id="0" name=""/>
-        <dsp:cNvSpPr/>
-      </dsp:nvSpPr>
-      <dsp:spPr>
-        <a:xfrm>
-          <a:off x="3589064" y="0"/>
-          <a:ext cx="3337470" cy="4351338"/>
-        </a:xfrm>
-        <a:prstGeom prst="roundRect">
-          <a:avLst>
-            <a:gd name="adj" fmla="val 10000"/>
-          </a:avLst>
-        </a:prstGeom>
-        <a:solidFill>
-          <a:schemeClr val="accent1">
-            <a:tint val="40000"/>
-            <a:hueOff val="0"/>
-            <a:satOff val="0"/>
-            <a:lumOff val="0"/>
-            <a:alphaOff val="0"/>
-          </a:schemeClr>
-        </a:solidFill>
-        <a:ln>
-          <a:noFill/>
-        </a:ln>
-        <a:effectLst/>
-      </dsp:spPr>
-      <dsp:style>
-        <a:lnRef idx="0">
-          <a:scrgbClr r="0" g="0" b="0"/>
-        </a:lnRef>
-        <a:fillRef idx="1">
-          <a:scrgbClr r="0" g="0" b="0"/>
-        </a:fillRef>
-        <a:effectRef idx="0">
-          <a:scrgbClr r="0" g="0" b="0"/>
-        </a:effectRef>
-        <a:fontRef idx="minor"/>
-      </dsp:style>
-      <dsp:txBody>
-        <a:bodyPr spcFirstLastPara="0" vert="horz" wrap="square" lIns="137160" tIns="137160" rIns="137160" bIns="137160" numCol="1" spcCol="1270" anchor="ctr" anchorCtr="0">
-          <a:noAutofit/>
-        </a:bodyPr>
-        <a:lstStyle/>
-        <a:p>
-          <a:pPr marL="0" lvl="0" indent="0" algn="ctr" defTabSz="1600200">
-            <a:lnSpc>
-              <a:spcPct val="90000"/>
-            </a:lnSpc>
-            <a:spcBef>
-              <a:spcPct val="0"/>
-            </a:spcBef>
-            <a:spcAft>
-              <a:spcPct val="35000"/>
-            </a:spcAft>
-            <a:buNone/>
-          </a:pPr>
-          <a:r>
-            <a:rPr lang="de-DE" sz="3600" kern="1200"/>
-            <a:t>Timing Service</a:t>
-          </a:r>
-        </a:p>
-      </dsp:txBody>
-      <dsp:txXfrm>
-        <a:off x="3589064" y="0"/>
-        <a:ext cx="3337470" cy="1305401"/>
-      </dsp:txXfrm>
-    </dsp:sp>
-    <dsp:sp modelId="{F0BA47B3-FFA9-DF44-B05B-345D092AF2A6}">
-      <dsp:nvSpPr>
-        <dsp:cNvPr id="0" name=""/>
-        <dsp:cNvSpPr/>
-      </dsp:nvSpPr>
-      <dsp:spPr>
-        <a:xfrm>
-          <a:off x="3922811" y="1305773"/>
-          <a:ext cx="2669976" cy="854863"/>
-        </a:xfrm>
-        <a:prstGeom prst="roundRect">
-          <a:avLst>
-            <a:gd name="adj" fmla="val 10000"/>
-          </a:avLst>
-        </a:prstGeom>
-        <a:solidFill>
-          <a:schemeClr val="accent1">
-            <a:hueOff val="0"/>
-            <a:satOff val="0"/>
-            <a:lumOff val="0"/>
-            <a:alphaOff val="0"/>
-          </a:schemeClr>
-        </a:solidFill>
-        <a:ln w="12700" cap="flat" cmpd="sng" algn="ctr">
-          <a:solidFill>
-            <a:schemeClr val="lt1">
-              <a:hueOff val="0"/>
-              <a:satOff val="0"/>
-              <a:lumOff val="0"/>
-              <a:alphaOff val="0"/>
-            </a:schemeClr>
-          </a:solidFill>
-          <a:prstDash val="solid"/>
-          <a:miter lim="800000"/>
-        </a:ln>
-        <a:effectLst/>
-      </dsp:spPr>
-      <dsp:style>
-        <a:lnRef idx="2">
-          <a:scrgbClr r="0" g="0" b="0"/>
-        </a:lnRef>
-        <a:fillRef idx="1">
-          <a:scrgbClr r="0" g="0" b="0"/>
-        </a:fillRef>
-        <a:effectRef idx="0">
-          <a:scrgbClr r="0" g="0" b="0"/>
-        </a:effectRef>
-        <a:fontRef idx="minor">
-          <a:schemeClr val="lt1"/>
-        </a:fontRef>
-      </dsp:style>
-      <dsp:txBody>
-        <a:bodyPr spcFirstLastPara="0" vert="horz" wrap="square" lIns="63500" tIns="47625" rIns="63500" bIns="47625" numCol="1" spcCol="1270" anchor="ctr" anchorCtr="0">
-          <a:noAutofit/>
-        </a:bodyPr>
-        <a:lstStyle/>
-        <a:p>
-          <a:pPr marL="0" lvl="0" indent="0" algn="ctr" defTabSz="1111250">
-            <a:lnSpc>
-              <a:spcPct val="90000"/>
-            </a:lnSpc>
-            <a:spcBef>
-              <a:spcPct val="0"/>
-            </a:spcBef>
-            <a:spcAft>
-              <a:spcPct val="35000"/>
-            </a:spcAft>
-            <a:buNone/>
-          </a:pPr>
-          <a:r>
-            <a:rPr lang="de-DE" sz="2500" kern="1200"/>
-            <a:t>Anlegen/Abruf von Aktivitäten </a:t>
-          </a:r>
-        </a:p>
-      </dsp:txBody>
-      <dsp:txXfrm>
-        <a:off x="3947849" y="1330811"/>
-        <a:ext cx="2619900" cy="804787"/>
-      </dsp:txXfrm>
-    </dsp:sp>
-    <dsp:sp modelId="{58C68383-4CCB-0B42-B358-3A2C0A0335BE}">
-      <dsp:nvSpPr>
-        <dsp:cNvPr id="0" name=""/>
-        <dsp:cNvSpPr/>
-      </dsp:nvSpPr>
-      <dsp:spPr>
-        <a:xfrm>
-          <a:off x="3922811" y="2292154"/>
-          <a:ext cx="2669976" cy="854863"/>
-        </a:xfrm>
-        <a:prstGeom prst="roundRect">
-          <a:avLst>
-            <a:gd name="adj" fmla="val 10000"/>
-          </a:avLst>
-        </a:prstGeom>
-        <a:solidFill>
-          <a:schemeClr val="accent1">
-            <a:hueOff val="0"/>
-            <a:satOff val="0"/>
-            <a:lumOff val="0"/>
-            <a:alphaOff val="0"/>
-          </a:schemeClr>
-        </a:solidFill>
-        <a:ln w="12700" cap="flat" cmpd="sng" algn="ctr">
-          <a:solidFill>
-            <a:schemeClr val="lt1">
-              <a:hueOff val="0"/>
-              <a:satOff val="0"/>
-              <a:lumOff val="0"/>
-              <a:alphaOff val="0"/>
-            </a:schemeClr>
-          </a:solidFill>
-          <a:prstDash val="solid"/>
-          <a:miter lim="800000"/>
-        </a:ln>
-        <a:effectLst/>
-      </dsp:spPr>
-      <dsp:style>
-        <a:lnRef idx="2">
-          <a:scrgbClr r="0" g="0" b="0"/>
-        </a:lnRef>
-        <a:fillRef idx="1">
-          <a:scrgbClr r="0" g="0" b="0"/>
-        </a:fillRef>
-        <a:effectRef idx="0">
-          <a:scrgbClr r="0" g="0" b="0"/>
-        </a:effectRef>
-        <a:fontRef idx="minor">
-          <a:schemeClr val="lt1"/>
-        </a:fontRef>
-      </dsp:style>
-      <dsp:txBody>
-        <a:bodyPr spcFirstLastPara="0" vert="horz" wrap="square" lIns="63500" tIns="47625" rIns="63500" bIns="47625" numCol="1" spcCol="1270" anchor="ctr" anchorCtr="0">
-          <a:noAutofit/>
-        </a:bodyPr>
-        <a:lstStyle/>
-        <a:p>
-          <a:pPr marL="0" lvl="0" indent="0" algn="ctr" defTabSz="1111250">
-            <a:lnSpc>
-              <a:spcPct val="90000"/>
-            </a:lnSpc>
-            <a:spcBef>
-              <a:spcPct val="0"/>
-            </a:spcBef>
-            <a:spcAft>
-              <a:spcPct val="35000"/>
-            </a:spcAft>
-            <a:buNone/>
-          </a:pPr>
-          <a:r>
-            <a:rPr lang="de-DE" sz="2500" kern="1200"/>
-            <a:t>Anlegen/Abruf von Records </a:t>
-          </a:r>
-        </a:p>
-      </dsp:txBody>
-      <dsp:txXfrm>
-        <a:off x="3947849" y="2317192"/>
-        <a:ext cx="2619900" cy="804787"/>
-      </dsp:txXfrm>
-    </dsp:sp>
-    <dsp:sp modelId="{301D1712-20A6-3843-927E-530A7D3F994E}">
-      <dsp:nvSpPr>
-        <dsp:cNvPr id="0" name=""/>
-        <dsp:cNvSpPr/>
-      </dsp:nvSpPr>
-      <dsp:spPr>
-        <a:xfrm>
-          <a:off x="3922811" y="3278535"/>
-          <a:ext cx="2669976" cy="854863"/>
-        </a:xfrm>
-        <a:prstGeom prst="roundRect">
-          <a:avLst>
-            <a:gd name="adj" fmla="val 10000"/>
-          </a:avLst>
-        </a:prstGeom>
-        <a:solidFill>
-          <a:schemeClr val="accent1">
-            <a:hueOff val="0"/>
-            <a:satOff val="0"/>
-            <a:lumOff val="0"/>
-            <a:alphaOff val="0"/>
-          </a:schemeClr>
-        </a:solidFill>
-        <a:ln w="12700" cap="flat" cmpd="sng" algn="ctr">
-          <a:solidFill>
-            <a:schemeClr val="lt1">
-              <a:hueOff val="0"/>
-              <a:satOff val="0"/>
-              <a:lumOff val="0"/>
-              <a:alphaOff val="0"/>
-            </a:schemeClr>
-          </a:solidFill>
-          <a:prstDash val="solid"/>
-          <a:miter lim="800000"/>
-        </a:ln>
-        <a:effectLst/>
-      </dsp:spPr>
-      <dsp:style>
-        <a:lnRef idx="2">
-          <a:scrgbClr r="0" g="0" b="0"/>
-        </a:lnRef>
-        <a:fillRef idx="1">
-          <a:scrgbClr r="0" g="0" b="0"/>
-        </a:fillRef>
-        <a:effectRef idx="0">
-          <a:scrgbClr r="0" g="0" b="0"/>
-        </a:effectRef>
-        <a:fontRef idx="minor">
-          <a:schemeClr val="lt1"/>
-        </a:fontRef>
-      </dsp:style>
-      <dsp:txBody>
-        <a:bodyPr spcFirstLastPara="0" vert="horz" wrap="square" lIns="63500" tIns="47625" rIns="63500" bIns="47625" numCol="1" spcCol="1270" anchor="ctr" anchorCtr="0">
-          <a:noAutofit/>
-        </a:bodyPr>
-        <a:lstStyle/>
-        <a:p>
-          <a:pPr marL="0" lvl="0" indent="0" algn="ctr" defTabSz="1111250">
-            <a:lnSpc>
-              <a:spcPct val="90000"/>
-            </a:lnSpc>
-            <a:spcBef>
-              <a:spcPct val="0"/>
-            </a:spcBef>
-            <a:spcAft>
-              <a:spcPct val="35000"/>
-            </a:spcAft>
-            <a:buNone/>
-          </a:pPr>
-          <a:r>
-            <a:rPr lang="de-DE" sz="2500" kern="1200"/>
-            <a:t>Abruf von Statistiken</a:t>
-          </a:r>
-        </a:p>
-      </dsp:txBody>
-      <dsp:txXfrm>
-        <a:off x="3947849" y="3303573"/>
-        <a:ext cx="2619900" cy="804787"/>
-      </dsp:txXfrm>
-    </dsp:sp>
-    <dsp:sp modelId="{81AD7B9F-0931-FD40-A503-AF41ACDA26E5}">
-      <dsp:nvSpPr>
-        <dsp:cNvPr id="0" name=""/>
-        <dsp:cNvSpPr/>
-      </dsp:nvSpPr>
-      <dsp:spPr>
-        <a:xfrm>
-          <a:off x="7176845" y="0"/>
-          <a:ext cx="3337470" cy="4351338"/>
-        </a:xfrm>
-        <a:prstGeom prst="roundRect">
-          <a:avLst>
-            <a:gd name="adj" fmla="val 10000"/>
-          </a:avLst>
-        </a:prstGeom>
-        <a:solidFill>
-          <a:schemeClr val="accent1">
-            <a:tint val="40000"/>
-            <a:hueOff val="0"/>
-            <a:satOff val="0"/>
-            <a:lumOff val="0"/>
-            <a:alphaOff val="0"/>
-          </a:schemeClr>
-        </a:solidFill>
-        <a:ln>
-          <a:noFill/>
-        </a:ln>
-        <a:effectLst/>
-      </dsp:spPr>
-      <dsp:style>
-        <a:lnRef idx="0">
-          <a:scrgbClr r="0" g="0" b="0"/>
-        </a:lnRef>
-        <a:fillRef idx="1">
-          <a:scrgbClr r="0" g="0" b="0"/>
-        </a:fillRef>
-        <a:effectRef idx="0">
-          <a:scrgbClr r="0" g="0" b="0"/>
-        </a:effectRef>
-        <a:fontRef idx="minor"/>
-      </dsp:style>
-      <dsp:txBody>
-        <a:bodyPr spcFirstLastPara="0" vert="horz" wrap="square" lIns="137160" tIns="137160" rIns="137160" bIns="137160" numCol="1" spcCol="1270" anchor="ctr" anchorCtr="0">
-          <a:noAutofit/>
-        </a:bodyPr>
-        <a:lstStyle/>
-        <a:p>
-          <a:pPr marL="0" lvl="0" indent="0" algn="ctr" defTabSz="1600200">
-            <a:lnSpc>
-              <a:spcPct val="90000"/>
-            </a:lnSpc>
-            <a:spcBef>
-              <a:spcPct val="0"/>
-            </a:spcBef>
-            <a:spcAft>
-              <a:spcPct val="35000"/>
-            </a:spcAft>
-            <a:buNone/>
-          </a:pPr>
-          <a:r>
-            <a:rPr lang="de-DE" sz="3600" kern="1200"/>
-            <a:t>Frontend Service</a:t>
-          </a:r>
-        </a:p>
-      </dsp:txBody>
-      <dsp:txXfrm>
-        <a:off x="7176845" y="0"/>
-        <a:ext cx="3337470" cy="1305401"/>
-      </dsp:txXfrm>
-    </dsp:sp>
-    <dsp:sp modelId="{ACA9F6E0-82AC-2044-9E7C-B7D52FD29402}">
-      <dsp:nvSpPr>
-        <dsp:cNvPr id="0" name=""/>
-        <dsp:cNvSpPr/>
-      </dsp:nvSpPr>
-      <dsp:spPr>
-        <a:xfrm>
-          <a:off x="7510592" y="1305401"/>
-          <a:ext cx="2669976" cy="2828369"/>
-        </a:xfrm>
-        <a:prstGeom prst="roundRect">
-          <a:avLst>
-            <a:gd name="adj" fmla="val 10000"/>
-          </a:avLst>
-        </a:prstGeom>
-        <a:solidFill>
-          <a:schemeClr val="accent1">
-            <a:hueOff val="0"/>
-            <a:satOff val="0"/>
-            <a:lumOff val="0"/>
-            <a:alphaOff val="0"/>
-          </a:schemeClr>
-        </a:solidFill>
-        <a:ln w="12700" cap="flat" cmpd="sng" algn="ctr">
-          <a:solidFill>
-            <a:schemeClr val="lt1">
-              <a:hueOff val="0"/>
-              <a:satOff val="0"/>
-              <a:lumOff val="0"/>
-              <a:alphaOff val="0"/>
-            </a:schemeClr>
-          </a:solidFill>
-          <a:prstDash val="solid"/>
-          <a:miter lim="800000"/>
-        </a:ln>
-        <a:effectLst/>
-      </dsp:spPr>
-      <dsp:style>
-        <a:lnRef idx="2">
-          <a:scrgbClr r="0" g="0" b="0"/>
-        </a:lnRef>
-        <a:fillRef idx="1">
-          <a:scrgbClr r="0" g="0" b="0"/>
-        </a:fillRef>
-        <a:effectRef idx="0">
-          <a:scrgbClr r="0" g="0" b="0"/>
-        </a:effectRef>
-        <a:fontRef idx="minor">
-          <a:schemeClr val="lt1"/>
-        </a:fontRef>
-      </dsp:style>
-      <dsp:txBody>
-        <a:bodyPr spcFirstLastPara="0" vert="horz" wrap="square" lIns="63500" tIns="47625" rIns="63500" bIns="47625" numCol="1" spcCol="1270" anchor="ctr" anchorCtr="0">
-          <a:noAutofit/>
-        </a:bodyPr>
-        <a:lstStyle/>
-        <a:p>
-          <a:pPr marL="0" lvl="0" indent="0" algn="ctr" defTabSz="1111250">
-            <a:lnSpc>
-              <a:spcPct val="90000"/>
-            </a:lnSpc>
-            <a:spcBef>
-              <a:spcPct val="0"/>
-            </a:spcBef>
-            <a:spcAft>
-              <a:spcPct val="35000"/>
-            </a:spcAft>
-            <a:buNone/>
-          </a:pPr>
-          <a:r>
-            <a:rPr lang="de-DE" sz="2500" kern="1200"/>
-            <a:t>Aufruf von UI</a:t>
-          </a:r>
-        </a:p>
-      </dsp:txBody>
-      <dsp:txXfrm>
-        <a:off x="7588793" y="1383602"/>
-        <a:ext cx="2513574" cy="2671967"/>
-      </dsp:txXfrm>
-    </dsp:sp>
-  </dsp:spTree>
-</dsp:drawing>
-</file>
-
-<file path=ppt/diagrams/drawing4.xml><?xml version="1.0" encoding="utf-8"?>
-<dsp:drawing xmlns:dgm="http://schemas.openxmlformats.org/drawingml/2006/diagram" xmlns:dsp="http://schemas.microsoft.com/office/drawing/2008/diagram" xmlns:a="http://schemas.openxmlformats.org/drawingml/2006/main">
-  <dsp:spTree>
-    <dsp:nvGrpSpPr>
-      <dsp:cNvPr id="0" name=""/>
-      <dsp:cNvGrpSpPr/>
-    </dsp:nvGrpSpPr>
-    <dsp:grpSpPr/>
-    <dsp:sp modelId="{BA9B1F19-7461-794B-8DC5-6C28275AD5D1}">
+    <dsp:sp modelId="{A5EFF8B2-BF8D-1E4C-9311-9549DFBD6C2D}">
       <dsp:nvSpPr>
         <dsp:cNvPr id="0" name=""/>
         <dsp:cNvSpPr/>
       </dsp:nvSpPr>
       <dsp:spPr>
         <a:xfrm rot="5400000">
-          <a:off x="6589693" y="-2661723"/>
-          <a:ext cx="1121829" cy="6729984"/>
+          <a:off x="3820260" y="-1519340"/>
+          <a:ext cx="709257" cy="3929307"/>
         </a:xfrm>
         <a:prstGeom prst="round2SameRect">
           <a:avLst/>
@@ -7287,12 +3748,12 @@
         <a:fontRef idx="minor"/>
       </dsp:style>
       <dsp:txBody>
-        <a:bodyPr spcFirstLastPara="0" vert="horz" wrap="square" lIns="76200" tIns="38100" rIns="76200" bIns="38100" numCol="1" spcCol="1270" anchor="ctr" anchorCtr="0">
+        <a:bodyPr spcFirstLastPara="0" vert="horz" wrap="square" lIns="45720" tIns="22860" rIns="45720" bIns="22860" numCol="1" spcCol="1270" anchor="ctr" anchorCtr="0">
           <a:noAutofit/>
         </a:bodyPr>
         <a:lstStyle/>
         <a:p>
-          <a:pPr marL="228600" lvl="1" indent="-228600" algn="l" defTabSz="889000">
+          <a:pPr marL="114300" lvl="1" indent="-114300" algn="l" defTabSz="533400">
             <a:lnSpc>
               <a:spcPct val="90000"/>
             </a:lnSpc>
@@ -7305,12 +3766,12 @@
             <a:buChar char="•"/>
           </a:pPr>
           <a:r>
-            <a:rPr lang="de-DE" sz="2000" kern="1200"/>
-            <a:t>Registrierung</a:t>
+            <a:rPr lang="de-DE" sz="1200" kern="1200" dirty="0"/>
+            <a:t> Registrierung</a:t>
           </a:r>
         </a:p>
         <a:p>
-          <a:pPr marL="228600" lvl="1" indent="-228600" algn="l" defTabSz="889000">
+          <a:pPr marL="114300" lvl="1" indent="-114300" algn="l" defTabSz="533400">
             <a:lnSpc>
               <a:spcPct val="90000"/>
             </a:lnSpc>
@@ -7323,25 +3784,25 @@
             <a:buChar char="•"/>
           </a:pPr>
           <a:r>
-            <a:rPr lang="de-DE" sz="2000" kern="1200"/>
-            <a:t>Login</a:t>
+            <a:rPr lang="de-DE" sz="1200" kern="1200" dirty="0"/>
+            <a:t> Login</a:t>
           </a:r>
         </a:p>
       </dsp:txBody>
       <dsp:txXfrm rot="-5400000">
-        <a:off x="3785616" y="197117"/>
-        <a:ext cx="6675221" cy="1012303"/>
+        <a:off x="2210236" y="125307"/>
+        <a:ext cx="3894684" cy="640011"/>
       </dsp:txXfrm>
     </dsp:sp>
-    <dsp:sp modelId="{0CE4DB19-21ED-9649-850E-96E82FE07EA3}">
+    <dsp:sp modelId="{EEF9C8F5-1F6B-D045-8AD3-80CCCCC1750F}">
       <dsp:nvSpPr>
         <dsp:cNvPr id="0" name=""/>
         <dsp:cNvSpPr/>
       </dsp:nvSpPr>
       <dsp:spPr>
         <a:xfrm>
-          <a:off x="0" y="2124"/>
-          <a:ext cx="3785616" cy="1402286"/>
+          <a:off x="0" y="2027"/>
+          <a:ext cx="2210235" cy="886571"/>
         </a:xfrm>
         <a:prstGeom prst="roundRect">
           <a:avLst/>
@@ -7383,12 +3844,12 @@
         </a:fontRef>
       </dsp:style>
       <dsp:txBody>
-        <a:bodyPr spcFirstLastPara="0" vert="horz" wrap="square" lIns="148590" tIns="74295" rIns="148590" bIns="74295" numCol="1" spcCol="1270" anchor="ctr" anchorCtr="0">
+        <a:bodyPr spcFirstLastPara="0" vert="horz" wrap="square" lIns="95250" tIns="47625" rIns="95250" bIns="47625" numCol="1" spcCol="1270" anchor="ctr" anchorCtr="0">
           <a:noAutofit/>
         </a:bodyPr>
         <a:lstStyle/>
         <a:p>
-          <a:pPr marL="0" lvl="0" indent="0" algn="ctr" defTabSz="1733550">
+          <a:pPr marL="0" lvl="0" indent="0" algn="ctr" defTabSz="1111250">
             <a:lnSpc>
               <a:spcPct val="90000"/>
             </a:lnSpc>
@@ -7401,25 +3862,25 @@
             <a:buNone/>
           </a:pPr>
           <a:r>
-            <a:rPr lang="de-DE" sz="3900" kern="1200" dirty="0"/>
+            <a:rPr lang="de-DE" sz="2500" kern="1200"/>
             <a:t>User Service</a:t>
           </a:r>
         </a:p>
       </dsp:txBody>
       <dsp:txXfrm>
-        <a:off x="68454" y="70578"/>
-        <a:ext cx="3648708" cy="1265378"/>
+        <a:off x="43279" y="45306"/>
+        <a:ext cx="2123677" cy="800013"/>
       </dsp:txXfrm>
     </dsp:sp>
-    <dsp:sp modelId="{4337C14C-D690-1449-81EC-6671DB61FEFC}">
+    <dsp:sp modelId="{B3424455-0B51-4241-88C9-15213A45B5D0}">
       <dsp:nvSpPr>
         <dsp:cNvPr id="0" name=""/>
         <dsp:cNvSpPr/>
       </dsp:nvSpPr>
       <dsp:spPr>
         <a:xfrm rot="5400000">
-          <a:off x="6589693" y="-1189323"/>
-          <a:ext cx="1121829" cy="6729984"/>
+          <a:off x="3820260" y="-588439"/>
+          <a:ext cx="709257" cy="3929307"/>
         </a:xfrm>
         <a:prstGeom prst="round2SameRect">
           <a:avLst/>
@@ -7463,12 +3924,12 @@
         <a:fontRef idx="minor"/>
       </dsp:style>
       <dsp:txBody>
-        <a:bodyPr spcFirstLastPara="0" vert="horz" wrap="square" lIns="76200" tIns="38100" rIns="76200" bIns="38100" numCol="1" spcCol="1270" anchor="ctr" anchorCtr="0">
+        <a:bodyPr spcFirstLastPara="0" vert="horz" wrap="square" lIns="45720" tIns="22860" rIns="45720" bIns="22860" numCol="1" spcCol="1270" anchor="ctr" anchorCtr="0">
           <a:noAutofit/>
         </a:bodyPr>
         <a:lstStyle/>
         <a:p>
-          <a:pPr marL="228600" lvl="1" indent="-228600" algn="l" defTabSz="889000">
+          <a:pPr marL="114300" lvl="1" indent="-114300" algn="l" defTabSz="533400">
             <a:lnSpc>
               <a:spcPct val="90000"/>
             </a:lnSpc>
@@ -7481,12 +3942,12 @@
             <a:buChar char="•"/>
           </a:pPr>
           <a:r>
-            <a:rPr lang="de-DE" sz="2000" kern="1200"/>
-            <a:t>Anlegen/Abruf von Aktivitäten </a:t>
+            <a:rPr lang="de-DE" sz="1200" kern="1200" dirty="0"/>
+            <a:t> Anlegen/Abruf von Aktivitäten </a:t>
           </a:r>
         </a:p>
         <a:p>
-          <a:pPr marL="228600" lvl="1" indent="-228600" algn="l" defTabSz="889000">
+          <a:pPr marL="114300" lvl="1" indent="-114300" algn="l" defTabSz="533400">
             <a:lnSpc>
               <a:spcPct val="90000"/>
             </a:lnSpc>
@@ -7499,12 +3960,12 @@
             <a:buChar char="•"/>
           </a:pPr>
           <a:r>
-            <a:rPr lang="de-DE" sz="2000" kern="1200"/>
-            <a:t>Anlegen/Abruf von Records </a:t>
+            <a:rPr lang="de-DE" sz="1200" kern="1200" dirty="0"/>
+            <a:t> Anlegen/Abruf von Records </a:t>
           </a:r>
         </a:p>
         <a:p>
-          <a:pPr marL="228600" lvl="1" indent="-228600" algn="l" defTabSz="889000">
+          <a:pPr marL="114300" lvl="1" indent="-114300" algn="l" defTabSz="533400">
             <a:lnSpc>
               <a:spcPct val="90000"/>
             </a:lnSpc>
@@ -7517,25 +3978,25 @@
             <a:buChar char="•"/>
           </a:pPr>
           <a:r>
-            <a:rPr lang="de-DE" sz="2000" kern="1200"/>
-            <a:t>Abruf von Statistiken</a:t>
+            <a:rPr lang="de-DE" sz="1200" kern="1200" dirty="0"/>
+            <a:t> Abruf von Statistiken</a:t>
           </a:r>
         </a:p>
       </dsp:txBody>
       <dsp:txXfrm rot="-5400000">
-        <a:off x="3785616" y="1669517"/>
-        <a:ext cx="6675221" cy="1012303"/>
+        <a:off x="2210236" y="1056208"/>
+        <a:ext cx="3894684" cy="640011"/>
       </dsp:txXfrm>
     </dsp:sp>
-    <dsp:sp modelId="{6334999C-9884-E640-9C2B-BB01CEE9882B}">
+    <dsp:sp modelId="{866C4E00-948A-5A42-A333-6813824933CA}">
       <dsp:nvSpPr>
         <dsp:cNvPr id="0" name=""/>
         <dsp:cNvSpPr/>
       </dsp:nvSpPr>
       <dsp:spPr>
         <a:xfrm>
-          <a:off x="0" y="1474525"/>
-          <a:ext cx="3785616" cy="1402286"/>
+          <a:off x="0" y="932927"/>
+          <a:ext cx="2210235" cy="886571"/>
         </a:xfrm>
         <a:prstGeom prst="roundRect">
           <a:avLst/>
@@ -7577,12 +4038,12 @@
         </a:fontRef>
       </dsp:style>
       <dsp:txBody>
-        <a:bodyPr spcFirstLastPara="0" vert="horz" wrap="square" lIns="148590" tIns="74295" rIns="148590" bIns="74295" numCol="1" spcCol="1270" anchor="ctr" anchorCtr="0">
+        <a:bodyPr spcFirstLastPara="0" vert="horz" wrap="square" lIns="95250" tIns="47625" rIns="95250" bIns="47625" numCol="1" spcCol="1270" anchor="ctr" anchorCtr="0">
           <a:noAutofit/>
         </a:bodyPr>
         <a:lstStyle/>
         <a:p>
-          <a:pPr marL="0" lvl="0" indent="0" algn="ctr" defTabSz="1733550">
+          <a:pPr marL="0" lvl="0" indent="0" algn="ctr" defTabSz="1111250">
             <a:lnSpc>
               <a:spcPct val="90000"/>
             </a:lnSpc>
@@ -7595,25 +4056,25 @@
             <a:buNone/>
           </a:pPr>
           <a:r>
-            <a:rPr lang="de-DE" sz="3900" kern="1200" dirty="0"/>
+            <a:rPr lang="de-DE" sz="2500" kern="1200"/>
             <a:t>Timing Service</a:t>
           </a:r>
         </a:p>
       </dsp:txBody>
       <dsp:txXfrm>
-        <a:off x="68454" y="1542979"/>
-        <a:ext cx="3648708" cy="1265378"/>
+        <a:off x="43279" y="976206"/>
+        <a:ext cx="2123677" cy="800013"/>
       </dsp:txXfrm>
     </dsp:sp>
-    <dsp:sp modelId="{E47C33F2-7CEC-DD4E-AB82-D741349C9A47}">
+    <dsp:sp modelId="{8A5C810F-C2E6-4A40-9679-6EB0E16FF313}">
       <dsp:nvSpPr>
         <dsp:cNvPr id="0" name=""/>
         <dsp:cNvSpPr/>
       </dsp:nvSpPr>
       <dsp:spPr>
         <a:xfrm rot="5400000">
-          <a:off x="6589693" y="283077"/>
-          <a:ext cx="1121829" cy="6729984"/>
+          <a:off x="3820260" y="342460"/>
+          <a:ext cx="709257" cy="3929307"/>
         </a:xfrm>
         <a:prstGeom prst="round2SameRect">
           <a:avLst/>
@@ -7657,12 +4118,12 @@
         <a:fontRef idx="minor"/>
       </dsp:style>
       <dsp:txBody>
-        <a:bodyPr spcFirstLastPara="0" vert="horz" wrap="square" lIns="76200" tIns="38100" rIns="76200" bIns="38100" numCol="1" spcCol="1270" anchor="ctr" anchorCtr="0">
+        <a:bodyPr spcFirstLastPara="0" vert="horz" wrap="square" lIns="45720" tIns="22860" rIns="45720" bIns="22860" numCol="1" spcCol="1270" anchor="ctr" anchorCtr="0">
           <a:noAutofit/>
         </a:bodyPr>
         <a:lstStyle/>
         <a:p>
-          <a:pPr marL="228600" lvl="1" indent="-228600" algn="l" defTabSz="889000">
+          <a:pPr marL="114300" lvl="1" indent="-114300" algn="l" defTabSz="533400">
             <a:lnSpc>
               <a:spcPct val="90000"/>
             </a:lnSpc>
@@ -7675,25 +4136,25 @@
             <a:buChar char="•"/>
           </a:pPr>
           <a:r>
-            <a:rPr lang="de-DE" sz="2000" kern="1200"/>
-            <a:t>Aufruf von UI</a:t>
+            <a:rPr lang="de-DE" sz="1200" kern="1200" dirty="0"/>
+            <a:t> Aufruf von UI</a:t>
           </a:r>
         </a:p>
       </dsp:txBody>
       <dsp:txXfrm rot="-5400000">
-        <a:off x="3785616" y="3141918"/>
-        <a:ext cx="6675221" cy="1012303"/>
+        <a:off x="2210236" y="1987108"/>
+        <a:ext cx="3894684" cy="640011"/>
       </dsp:txXfrm>
     </dsp:sp>
-    <dsp:sp modelId="{5A62C01C-FBD7-E546-B75C-F8483A572B3F}">
+    <dsp:sp modelId="{557BE872-42A6-2141-B64C-B7C1CB41B8C6}">
       <dsp:nvSpPr>
         <dsp:cNvPr id="0" name=""/>
         <dsp:cNvSpPr/>
       </dsp:nvSpPr>
       <dsp:spPr>
         <a:xfrm>
-          <a:off x="0" y="2946926"/>
-          <a:ext cx="3785616" cy="1402286"/>
+          <a:off x="0" y="1863828"/>
+          <a:ext cx="2210235" cy="886571"/>
         </a:xfrm>
         <a:prstGeom prst="roundRect">
           <a:avLst/>
@@ -7735,12 +4196,12 @@
         </a:fontRef>
       </dsp:style>
       <dsp:txBody>
-        <a:bodyPr spcFirstLastPara="0" vert="horz" wrap="square" lIns="148590" tIns="74295" rIns="148590" bIns="74295" numCol="1" spcCol="1270" anchor="ctr" anchorCtr="0">
+        <a:bodyPr spcFirstLastPara="0" vert="horz" wrap="square" lIns="95250" tIns="47625" rIns="95250" bIns="47625" numCol="1" spcCol="1270" anchor="ctr" anchorCtr="0">
           <a:noAutofit/>
         </a:bodyPr>
         <a:lstStyle/>
         <a:p>
-          <a:pPr marL="0" lvl="0" indent="0" algn="ctr" defTabSz="1733550">
+          <a:pPr marL="0" lvl="0" indent="0" algn="ctr" defTabSz="1111250">
             <a:lnSpc>
               <a:spcPct val="90000"/>
             </a:lnSpc>
@@ -7753,14 +4214,348 @@
             <a:buNone/>
           </a:pPr>
           <a:r>
-            <a:rPr lang="de-DE" sz="3900" kern="1200"/>
+            <a:rPr lang="de-DE" sz="2500" kern="1200"/>
             <a:t>Frontend Service</a:t>
           </a:r>
         </a:p>
       </dsp:txBody>
       <dsp:txXfrm>
-        <a:off x="68454" y="3015380"/>
-        <a:ext cx="3648708" cy="1265378"/>
+        <a:off x="43279" y="1907107"/>
+        <a:ext cx="2123677" cy="800013"/>
+      </dsp:txXfrm>
+    </dsp:sp>
+    <dsp:sp modelId="{5393B8FB-CD53-DA47-9DFB-DAABA5D8CC83}">
+      <dsp:nvSpPr>
+        <dsp:cNvPr id="0" name=""/>
+        <dsp:cNvSpPr/>
+      </dsp:nvSpPr>
+      <dsp:spPr>
+        <a:xfrm rot="5400000">
+          <a:off x="3820260" y="1273360"/>
+          <a:ext cx="709257" cy="3929307"/>
+        </a:xfrm>
+        <a:prstGeom prst="round2SameRect">
+          <a:avLst/>
+        </a:prstGeom>
+        <a:solidFill>
+          <a:schemeClr val="accent1">
+            <a:alpha val="90000"/>
+            <a:tint val="40000"/>
+            <a:hueOff val="0"/>
+            <a:satOff val="0"/>
+            <a:lumOff val="0"/>
+            <a:alphaOff val="0"/>
+          </a:schemeClr>
+        </a:solidFill>
+        <a:ln w="12700" cap="flat" cmpd="sng" algn="ctr">
+          <a:solidFill>
+            <a:schemeClr val="accent1">
+              <a:alpha val="90000"/>
+              <a:tint val="40000"/>
+              <a:hueOff val="0"/>
+              <a:satOff val="0"/>
+              <a:lumOff val="0"/>
+              <a:alphaOff val="0"/>
+            </a:schemeClr>
+          </a:solidFill>
+          <a:prstDash val="solid"/>
+          <a:miter lim="800000"/>
+        </a:ln>
+        <a:effectLst/>
+      </dsp:spPr>
+      <dsp:style>
+        <a:lnRef idx="2">
+          <a:scrgbClr r="0" g="0" b="0"/>
+        </a:lnRef>
+        <a:fillRef idx="1">
+          <a:scrgbClr r="0" g="0" b="0"/>
+        </a:fillRef>
+        <a:effectRef idx="0">
+          <a:scrgbClr r="0" g="0" b="0"/>
+        </a:effectRef>
+        <a:fontRef idx="minor"/>
+      </dsp:style>
+      <dsp:txBody>
+        <a:bodyPr spcFirstLastPara="0" vert="horz" wrap="square" lIns="45720" tIns="22860" rIns="45720" bIns="22860" numCol="1" spcCol="1270" anchor="ctr" anchorCtr="0">
+          <a:noAutofit/>
+        </a:bodyPr>
+        <a:lstStyle/>
+        <a:p>
+          <a:pPr marL="114300" lvl="1" indent="-114300" algn="l" defTabSz="533400">
+            <a:lnSpc>
+              <a:spcPct val="90000"/>
+            </a:lnSpc>
+            <a:spcBef>
+              <a:spcPct val="0"/>
+            </a:spcBef>
+            <a:spcAft>
+              <a:spcPct val="15000"/>
+            </a:spcAft>
+            <a:buChar char="•"/>
+          </a:pPr>
+          <a:r>
+            <a:rPr lang="de-DE" sz="1200" kern="1200" dirty="0"/>
+            <a:t> Hält Services vor</a:t>
+          </a:r>
+        </a:p>
+      </dsp:txBody>
+      <dsp:txXfrm rot="-5400000">
+        <a:off x="2210236" y="2918008"/>
+        <a:ext cx="3894684" cy="640011"/>
+      </dsp:txXfrm>
+    </dsp:sp>
+    <dsp:sp modelId="{3B3228DB-8B0F-3843-8A03-A56D61D4F946}">
+      <dsp:nvSpPr>
+        <dsp:cNvPr id="0" name=""/>
+        <dsp:cNvSpPr/>
+      </dsp:nvSpPr>
+      <dsp:spPr>
+        <a:xfrm>
+          <a:off x="0" y="2794728"/>
+          <a:ext cx="2210235" cy="886571"/>
+        </a:xfrm>
+        <a:prstGeom prst="roundRect">
+          <a:avLst/>
+        </a:prstGeom>
+        <a:solidFill>
+          <a:schemeClr val="accent1">
+            <a:hueOff val="0"/>
+            <a:satOff val="0"/>
+            <a:lumOff val="0"/>
+            <a:alphaOff val="0"/>
+          </a:schemeClr>
+        </a:solidFill>
+        <a:ln w="12700" cap="flat" cmpd="sng" algn="ctr">
+          <a:solidFill>
+            <a:schemeClr val="lt1">
+              <a:hueOff val="0"/>
+              <a:satOff val="0"/>
+              <a:lumOff val="0"/>
+              <a:alphaOff val="0"/>
+            </a:schemeClr>
+          </a:solidFill>
+          <a:prstDash val="solid"/>
+          <a:miter lim="800000"/>
+        </a:ln>
+        <a:effectLst/>
+      </dsp:spPr>
+      <dsp:style>
+        <a:lnRef idx="2">
+          <a:scrgbClr r="0" g="0" b="0"/>
+        </a:lnRef>
+        <a:fillRef idx="1">
+          <a:scrgbClr r="0" g="0" b="0"/>
+        </a:fillRef>
+        <a:effectRef idx="0">
+          <a:scrgbClr r="0" g="0" b="0"/>
+        </a:effectRef>
+        <a:fontRef idx="minor">
+          <a:schemeClr val="lt1"/>
+        </a:fontRef>
+      </dsp:style>
+      <dsp:txBody>
+        <a:bodyPr spcFirstLastPara="0" vert="horz" wrap="square" lIns="95250" tIns="47625" rIns="95250" bIns="47625" numCol="1" spcCol="1270" anchor="ctr" anchorCtr="0">
+          <a:noAutofit/>
+        </a:bodyPr>
+        <a:lstStyle/>
+        <a:p>
+          <a:pPr marL="0" lvl="0" indent="0" algn="ctr" defTabSz="1111250">
+            <a:lnSpc>
+              <a:spcPct val="90000"/>
+            </a:lnSpc>
+            <a:spcBef>
+              <a:spcPct val="0"/>
+            </a:spcBef>
+            <a:spcAft>
+              <a:spcPct val="35000"/>
+            </a:spcAft>
+            <a:buNone/>
+          </a:pPr>
+          <a:r>
+            <a:rPr lang="de-DE" sz="2500" kern="1200"/>
+            <a:t>Service Registry</a:t>
+          </a:r>
+        </a:p>
+      </dsp:txBody>
+      <dsp:txXfrm>
+        <a:off x="43279" y="2838007"/>
+        <a:ext cx="2123677" cy="800013"/>
+      </dsp:txXfrm>
+    </dsp:sp>
+    <dsp:sp modelId="{3324E254-3F11-904E-9FA3-B41052290387}">
+      <dsp:nvSpPr>
+        <dsp:cNvPr id="0" name=""/>
+        <dsp:cNvSpPr/>
+      </dsp:nvSpPr>
+      <dsp:spPr>
+        <a:xfrm rot="5400000">
+          <a:off x="3820260" y="2204260"/>
+          <a:ext cx="709257" cy="3929307"/>
+        </a:xfrm>
+        <a:prstGeom prst="round2SameRect">
+          <a:avLst/>
+        </a:prstGeom>
+        <a:solidFill>
+          <a:schemeClr val="accent1">
+            <a:alpha val="90000"/>
+            <a:tint val="40000"/>
+            <a:hueOff val="0"/>
+            <a:satOff val="0"/>
+            <a:lumOff val="0"/>
+            <a:alphaOff val="0"/>
+          </a:schemeClr>
+        </a:solidFill>
+        <a:ln w="12700" cap="flat" cmpd="sng" algn="ctr">
+          <a:solidFill>
+            <a:schemeClr val="accent1">
+              <a:alpha val="90000"/>
+              <a:tint val="40000"/>
+              <a:hueOff val="0"/>
+              <a:satOff val="0"/>
+              <a:lumOff val="0"/>
+              <a:alphaOff val="0"/>
+            </a:schemeClr>
+          </a:solidFill>
+          <a:prstDash val="solid"/>
+          <a:miter lim="800000"/>
+        </a:ln>
+        <a:effectLst/>
+      </dsp:spPr>
+      <dsp:style>
+        <a:lnRef idx="2">
+          <a:scrgbClr r="0" g="0" b="0"/>
+        </a:lnRef>
+        <a:fillRef idx="1">
+          <a:scrgbClr r="0" g="0" b="0"/>
+        </a:fillRef>
+        <a:effectRef idx="0">
+          <a:scrgbClr r="0" g="0" b="0"/>
+        </a:effectRef>
+        <a:fontRef idx="minor"/>
+      </dsp:style>
+      <dsp:txBody>
+        <a:bodyPr spcFirstLastPara="0" vert="horz" wrap="square" lIns="45720" tIns="22860" rIns="45720" bIns="22860" numCol="1" spcCol="1270" anchor="ctr" anchorCtr="0">
+          <a:noAutofit/>
+        </a:bodyPr>
+        <a:lstStyle/>
+        <a:p>
+          <a:pPr marL="114300" lvl="1" indent="-114300" algn="l" defTabSz="533400">
+            <a:lnSpc>
+              <a:spcPct val="90000"/>
+            </a:lnSpc>
+            <a:spcBef>
+              <a:spcPct val="0"/>
+            </a:spcBef>
+            <a:spcAft>
+              <a:spcPct val="15000"/>
+            </a:spcAft>
+            <a:buChar char="•"/>
+          </a:pPr>
+          <a:r>
+            <a:rPr lang="de-DE" sz="1200" kern="1200" dirty="0"/>
+            <a:t> Nutzt Service Registry</a:t>
+          </a:r>
+        </a:p>
+        <a:p>
+          <a:pPr marL="114300" lvl="1" indent="-114300" algn="l" defTabSz="533400">
+            <a:lnSpc>
+              <a:spcPct val="90000"/>
+            </a:lnSpc>
+            <a:spcBef>
+              <a:spcPct val="0"/>
+            </a:spcBef>
+            <a:spcAft>
+              <a:spcPct val="15000"/>
+            </a:spcAft>
+            <a:buChar char="•"/>
+          </a:pPr>
+          <a:r>
+            <a:rPr lang="de-DE" sz="1200" kern="1200" dirty="0"/>
+            <a:t> Mapping der Request auf Services</a:t>
+          </a:r>
+        </a:p>
+      </dsp:txBody>
+      <dsp:txXfrm rot="-5400000">
+        <a:off x="2210236" y="3848908"/>
+        <a:ext cx="3894684" cy="640011"/>
+      </dsp:txXfrm>
+    </dsp:sp>
+    <dsp:sp modelId="{BE48C9FE-A103-364B-B08C-3D773FDDF62B}">
+      <dsp:nvSpPr>
+        <dsp:cNvPr id="0" name=""/>
+        <dsp:cNvSpPr/>
+      </dsp:nvSpPr>
+      <dsp:spPr>
+        <a:xfrm>
+          <a:off x="0" y="3725628"/>
+          <a:ext cx="2210235" cy="886571"/>
+        </a:xfrm>
+        <a:prstGeom prst="roundRect">
+          <a:avLst/>
+        </a:prstGeom>
+        <a:solidFill>
+          <a:schemeClr val="accent1">
+            <a:hueOff val="0"/>
+            <a:satOff val="0"/>
+            <a:lumOff val="0"/>
+            <a:alphaOff val="0"/>
+          </a:schemeClr>
+        </a:solidFill>
+        <a:ln w="12700" cap="flat" cmpd="sng" algn="ctr">
+          <a:solidFill>
+            <a:schemeClr val="lt1">
+              <a:hueOff val="0"/>
+              <a:satOff val="0"/>
+              <a:lumOff val="0"/>
+              <a:alphaOff val="0"/>
+            </a:schemeClr>
+          </a:solidFill>
+          <a:prstDash val="solid"/>
+          <a:miter lim="800000"/>
+        </a:ln>
+        <a:effectLst/>
+      </dsp:spPr>
+      <dsp:style>
+        <a:lnRef idx="2">
+          <a:scrgbClr r="0" g="0" b="0"/>
+        </a:lnRef>
+        <a:fillRef idx="1">
+          <a:scrgbClr r="0" g="0" b="0"/>
+        </a:fillRef>
+        <a:effectRef idx="0">
+          <a:scrgbClr r="0" g="0" b="0"/>
+        </a:effectRef>
+        <a:fontRef idx="minor">
+          <a:schemeClr val="lt1"/>
+        </a:fontRef>
+      </dsp:style>
+      <dsp:txBody>
+        <a:bodyPr spcFirstLastPara="0" vert="horz" wrap="square" lIns="95250" tIns="47625" rIns="95250" bIns="47625" numCol="1" spcCol="1270" anchor="ctr" anchorCtr="0">
+          <a:noAutofit/>
+        </a:bodyPr>
+        <a:lstStyle/>
+        <a:p>
+          <a:pPr marL="0" lvl="0" indent="0" algn="ctr" defTabSz="1111250">
+            <a:lnSpc>
+              <a:spcPct val="90000"/>
+            </a:lnSpc>
+            <a:spcBef>
+              <a:spcPct val="0"/>
+            </a:spcBef>
+            <a:spcAft>
+              <a:spcPct val="35000"/>
+            </a:spcAft>
+            <a:buNone/>
+          </a:pPr>
+          <a:r>
+            <a:rPr lang="de-DE" sz="2500" kern="1200"/>
+            <a:t>API Gateway</a:t>
+          </a:r>
+        </a:p>
+      </dsp:txBody>
+      <dsp:txXfrm>
+        <a:off x="43279" y="3768907"/>
+        <a:ext cx="2123677" cy="800013"/>
       </dsp:txXfrm>
     </dsp:sp>
   </dsp:spTree>
@@ -7768,221 +4563,6 @@
 </file>
 
 <file path=ppt/diagrams/layout1.xml><?xml version="1.0" encoding="utf-8"?>
-<dgm:layoutDef xmlns:dgm="http://schemas.openxmlformats.org/drawingml/2006/diagram" xmlns:a="http://schemas.openxmlformats.org/drawingml/2006/main" uniqueId="urn:microsoft.com/office/officeart/2018/5/layout/IconCircleLabelList">
-  <dgm:title val="Icon Circle Label List"/>
-  <dgm:desc val="Use to show non-sequential or grouped chunks of information accompanied by a related visuals. Works best with icons or small pictures with short text captions."/>
-  <dgm:catLst>
-    <dgm:cat type="icon" pri="500"/>
-  </dgm:catLst>
-  <dgm:sampData useDef="1">
-    <dgm:dataModel>
-      <dgm:ptLst/>
-      <dgm:bg/>
-      <dgm:whole/>
-    </dgm:dataModel>
-  </dgm:sampData>
-  <dgm:styleData useDef="1">
-    <dgm:dataModel>
-      <dgm:ptLst/>
-      <dgm:bg/>
-      <dgm:whole/>
-    </dgm:dataModel>
-  </dgm:styleData>
-  <dgm:clrData useDef="1">
-    <dgm:dataModel>
-      <dgm:ptLst/>
-      <dgm:bg/>
-      <dgm:whole/>
-    </dgm:dataModel>
-  </dgm:clrData>
-  <dgm:layoutNode name="root">
-    <dgm:varLst>
-      <dgm:dir/>
-      <dgm:resizeHandles val="exact"/>
-    </dgm:varLst>
-    <dgm:choose name="Name0">
-      <dgm:if name="Name1" axis="self" func="var" arg="dir" op="equ" val="norm">
-        <dgm:alg type="snake">
-          <dgm:param type="grDir" val="tL"/>
-          <dgm:param type="flowDir" val="row"/>
-          <dgm:param type="contDir" val="sameDir"/>
-          <dgm:param type="off" val="ctr"/>
-          <dgm:param type="vertAlign" val="mid"/>
-          <dgm:param type="horzAlign" val="ctr"/>
-        </dgm:alg>
-      </dgm:if>
-      <dgm:else name="Name2">
-        <dgm:alg type="snake">
-          <dgm:param type="grDir" val="tR"/>
-          <dgm:param type="flowDir" val="row"/>
-          <dgm:param type="contDir" val="sameDir"/>
-          <dgm:param type="off" val="ctr"/>
-          <dgm:param type="vertAlign" val="mid"/>
-          <dgm:param type="horzAlign" val="ctr"/>
-        </dgm:alg>
-      </dgm:else>
-    </dgm:choose>
-    <dgm:shape xmlns:r="http://schemas.openxmlformats.org/officeDocument/2006/relationships" r:blip="">
-      <dgm:adjLst/>
-    </dgm:shape>
-    <dgm:presOf/>
-    <dgm:choose name="Name3">
-      <dgm:if name="Name4" axis="ch" ptType="node" func="cnt" op="lte" val="2">
-        <dgm:constrLst>
-          <dgm:constr type="h" for="ch" forName="compNode" refType="h" fact="0.4"/>
-          <dgm:constr type="w" for="ch" forName="compNode" val="100"/>
-          <dgm:constr type="w" for="ch" forName="sibTrans" refType="w" refFor="ch" refForName="compNode" fact="0.175"/>
-          <dgm:constr type="sp" refType="w" refFor="ch" refForName="compNode" op="equ" fact="0.25"/>
-          <dgm:constr type="primFontSz" for="des" ptType="node" op="equ" val="44"/>
-          <dgm:constr type="h" for="des" forName="compNode" op="equ"/>
-          <dgm:constr type="h" for="des" forName="textRect" op="equ"/>
-        </dgm:constrLst>
-      </dgm:if>
-      <dgm:if name="Name5" axis="ch" ptType="node" func="cnt" op="lte" val="3">
-        <dgm:constrLst>
-          <dgm:constr type="h" for="ch" forName="compNode" refType="h" fact="0.4"/>
-          <dgm:constr type="w" for="ch" forName="compNode" val="100"/>
-          <dgm:constr type="w" for="ch" forName="sibTrans" refType="w" refFor="ch" refForName="compNode" fact="0.175"/>
-          <dgm:constr type="sp" refType="w" refFor="ch" refForName="compNode" op="equ" fact="0.25"/>
-          <dgm:constr type="primFontSz" for="des" ptType="node" op="equ" val="40"/>
-          <dgm:constr type="h" for="des" forName="compNode" op="equ"/>
-          <dgm:constr type="h" for="des" forName="textRect" op="equ"/>
-        </dgm:constrLst>
-      </dgm:if>
-      <dgm:if name="Name6" axis="ch" ptType="node" func="cnt" op="lte" val="4">
-        <dgm:constrLst>
-          <dgm:constr type="h" for="ch" forName="compNode" refType="h" fact="0.4"/>
-          <dgm:constr type="w" for="ch" forName="compNode" refType="w"/>
-          <dgm:constr type="w" for="ch" forName="sibTrans" refType="w" refFor="ch" refForName="compNode" fact="0.175"/>
-          <dgm:constr type="sp" refType="w" refFor="ch" refForName="compNode" op="equ" fact="0.25"/>
-          <dgm:constr type="primFontSz" for="des" ptType="node" op="equ" val="32"/>
-          <dgm:constr type="h" for="des" forName="compNode" op="equ"/>
-          <dgm:constr type="h" for="des" forName="textRect" op="equ"/>
-        </dgm:constrLst>
-      </dgm:if>
-      <dgm:else name="Name7">
-        <dgm:constrLst>
-          <dgm:constr type="h" for="ch" forName="compNode" refType="h" fact="0.4"/>
-          <dgm:constr type="w" for="ch" forName="compNode" refType="w"/>
-          <dgm:constr type="w" for="ch" forName="sibTrans" refType="w" refFor="ch" refForName="compNode" fact="0.175"/>
-          <dgm:constr type="sp" refType="w" refFor="ch" refForName="compNode" op="equ" fact="0.25"/>
-          <dgm:constr type="primFontSz" for="des" ptType="node" op="equ" val="24"/>
-          <dgm:constr type="h" for="des" forName="compNode" op="equ"/>
-          <dgm:constr type="h" for="des" forName="textRect" op="equ"/>
-        </dgm:constrLst>
-      </dgm:else>
-    </dgm:choose>
-    <dgm:ruleLst>
-      <dgm:rule type="w" for="ch" forName="compNode" val="50" fact="NaN" max="NaN"/>
-    </dgm:ruleLst>
-    <dgm:forEach name="Name8" axis="ch" ptType="node">
-      <dgm:layoutNode name="compNode">
-        <dgm:alg type="composite"/>
-        <dgm:shape xmlns:r="http://schemas.openxmlformats.org/officeDocument/2006/relationships" r:blip="">
-          <dgm:adjLst/>
-        </dgm:shape>
-        <dgm:presOf axis="self"/>
-        <dgm:constrLst>
-          <dgm:constr type="w" for="ch" forName="iconBgRect" refType="w" fact="0.61"/>
-          <dgm:constr type="h" for="ch" forName="iconBgRect" refType="w" refFor="ch" refForName="iconBgRect"/>
-          <dgm:constr type="t" for="ch" forName="iconBgRect"/>
-          <dgm:constr type="ctrX" for="ch" forName="iconBgRect" refType="w" fact="0.5"/>
-          <dgm:constr type="w" for="ch" forName="iconRect" refType="w" fact="0.35"/>
-          <dgm:constr type="h" for="ch" forName="iconRect" refType="w" refFor="ch" refForName="iconRect"/>
-          <dgm:constr type="ctrX" for="ch" forName="iconRect" refType="ctrX" refFor="ch" refForName="iconBgRect"/>
-          <dgm:constr type="ctrY" for="ch" forName="iconRect" refType="ctrY" refFor="ch" refForName="iconBgRect"/>
-          <dgm:constr type="h" for="ch" forName="spaceRect" refType="w" fact="0.19"/>
-          <dgm:constr type="w" for="ch" forName="spaceRect" refType="w"/>
-          <dgm:constr type="l" for="ch" forName="spaceRect"/>
-          <dgm:constr type="t" for="ch" forName="spaceRect" refType="b" refFor="ch" refForName="iconBgRect"/>
-          <dgm:constr type="h" for="ch" forName="textRect" val="20"/>
-          <dgm:constr type="w" for="ch" forName="textRect" refType="w"/>
-          <dgm:constr type="l" for="ch" forName="textRect"/>
-          <dgm:constr type="t" for="ch" forName="textRect" refType="b" refFor="ch" refForName="spaceRect"/>
-        </dgm:constrLst>
-        <dgm:ruleLst>
-          <dgm:rule type="h" val="INF" fact="NaN" max="NaN"/>
-        </dgm:ruleLst>
-        <dgm:layoutNode name="iconBgRect" styleLbl="bgShp">
-          <dgm:alg type="sp"/>
-          <dgm:shape xmlns:r="http://schemas.openxmlformats.org/officeDocument/2006/relationships" type="ellipse" r:blip="">
-            <dgm:adjLst/>
-          </dgm:shape>
-          <dgm:presOf/>
-          <dgm:constrLst/>
-          <dgm:ruleLst/>
-        </dgm:layoutNode>
-        <dgm:layoutNode name="iconRect" styleLbl="node1">
-          <dgm:alg type="sp"/>
-          <dgm:shape xmlns:r="http://schemas.openxmlformats.org/officeDocument/2006/relationships" type="rect" r:blip="" blipPhldr="1">
-            <dgm:adjLst/>
-          </dgm:shape>
-          <dgm:presOf/>
-          <dgm:constrLst/>
-          <dgm:ruleLst/>
-        </dgm:layoutNode>
-        <dgm:layoutNode name="spaceRect">
-          <dgm:alg type="sp"/>
-          <dgm:shape xmlns:r="http://schemas.openxmlformats.org/officeDocument/2006/relationships" r:blip="">
-            <dgm:adjLst/>
-          </dgm:shape>
-          <dgm:presOf/>
-          <dgm:constrLst/>
-          <dgm:ruleLst/>
-        </dgm:layoutNode>
-        <dgm:layoutNode name="textRect" styleLbl="revTx">
-          <dgm:varLst>
-            <dgm:chMax val="1"/>
-            <dgm:chPref val="1"/>
-          </dgm:varLst>
-          <dgm:alg type="tx">
-            <dgm:param type="txAnchorVert" val="t"/>
-          </dgm:alg>
-          <dgm:shape xmlns:r="http://schemas.openxmlformats.org/officeDocument/2006/relationships" type="rect" r:blip="">
-            <dgm:adjLst/>
-          </dgm:shape>
-          <dgm:presOf axis="self" ptType="node"/>
-          <dgm:constrLst>
-            <dgm:constr type="lMarg"/>
-            <dgm:constr type="rMarg"/>
-            <dgm:constr type="tMarg"/>
-            <dgm:constr type="bMarg"/>
-          </dgm:constrLst>
-          <dgm:ruleLst>
-            <dgm:rule type="primFontSz" val="11" fact="NaN" max="NaN"/>
-            <dgm:rule type="h" val="INF" fact="NaN" max="NaN"/>
-          </dgm:ruleLst>
-        </dgm:layoutNode>
-      </dgm:layoutNode>
-      <dgm:forEach name="Name9" axis="followSib" ptType="sibTrans" cnt="1">
-        <dgm:layoutNode name="sibTrans">
-          <dgm:alg type="sp"/>
-          <dgm:shape xmlns:r="http://schemas.openxmlformats.org/officeDocument/2006/relationships" r:blip="">
-            <dgm:adjLst/>
-          </dgm:shape>
-          <dgm:presOf axis="self"/>
-          <dgm:constrLst/>
-          <dgm:ruleLst/>
-        </dgm:layoutNode>
-      </dgm:forEach>
-    </dgm:forEach>
-  </dgm:layoutNode>
-  <dgm:extLst>
-    <a:ext uri="{68A01E43-0DF5-4B5B-8FA6-DAF915123BFB}">
-      <dgm1612:lstStyle xmlns:dgm1612="http://schemas.microsoft.com/office/drawing/2016/12/diagram">
-        <a:lvl1pPr>
-          <a:lnSpc>
-            <a:spcPct val="100000"/>
-          </a:lnSpc>
-          <a:defRPr cap="all"/>
-        </a:lvl1pPr>
-      </dgm1612:lstStyle>
-    </a:ext>
-  </dgm:extLst>
-</dgm:layoutDef>
-</file>
-
-<file path=ppt/diagrams/layout2.xml><?xml version="1.0" encoding="utf-8"?>
 <dgm:layoutDef xmlns:dgm="http://schemas.openxmlformats.org/drawingml/2006/diagram" xmlns:a="http://schemas.openxmlformats.org/drawingml/2006/main" uniqueId="urn:microsoft.com/office/officeart/2018/2/layout/IconVerticalSolidList">
   <dgm:title val="Icon Vertical Solid List"/>
   <dgm:desc val="Use to show a series of visuals from top to bottom with Level 1 or Level 1 and Level 2 text grouped in a shape. Works best with icons or small pictures with lengthier descriptions."/>
@@ -8276,234 +4856,7 @@
 </dgm:layoutDef>
 </file>
 
-<file path=ppt/diagrams/layout3.xml><?xml version="1.0" encoding="utf-8"?>
-<dgm:layoutDef xmlns:dgm="http://schemas.openxmlformats.org/drawingml/2006/diagram" xmlns:a="http://schemas.openxmlformats.org/drawingml/2006/main" uniqueId="urn:microsoft.com/office/officeart/2005/8/layout/lProcess2">
-  <dgm:title val=""/>
-  <dgm:desc val=""/>
-  <dgm:catLst>
-    <dgm:cat type="list" pri="10000"/>
-    <dgm:cat type="relationship" pri="13000"/>
-  </dgm:catLst>
-  <dgm:sampData>
-    <dgm:dataModel>
-      <dgm:ptLst>
-        <dgm:pt modelId="0" type="doc"/>
-        <dgm:pt modelId="1">
-          <dgm:prSet phldr="1"/>
-        </dgm:pt>
-        <dgm:pt modelId="11">
-          <dgm:prSet phldr="1"/>
-        </dgm:pt>
-        <dgm:pt modelId="12">
-          <dgm:prSet phldr="1"/>
-        </dgm:pt>
-        <dgm:pt modelId="2">
-          <dgm:prSet phldr="1"/>
-        </dgm:pt>
-        <dgm:pt modelId="21">
-          <dgm:prSet phldr="1"/>
-        </dgm:pt>
-        <dgm:pt modelId="22">
-          <dgm:prSet phldr="1"/>
-        </dgm:pt>
-        <dgm:pt modelId="3">
-          <dgm:prSet phldr="1"/>
-        </dgm:pt>
-        <dgm:pt modelId="31">
-          <dgm:prSet phldr="1"/>
-        </dgm:pt>
-        <dgm:pt modelId="32">
-          <dgm:prSet phldr="1"/>
-        </dgm:pt>
-      </dgm:ptLst>
-      <dgm:cxnLst>
-        <dgm:cxn modelId="4" srcId="0" destId="1" srcOrd="0" destOrd="0"/>
-        <dgm:cxn modelId="5" srcId="0" destId="2" srcOrd="1" destOrd="0"/>
-        <dgm:cxn modelId="13" srcId="1" destId="11" srcOrd="0" destOrd="0"/>
-        <dgm:cxn modelId="14" srcId="1" destId="12" srcOrd="0" destOrd="0"/>
-        <dgm:cxn modelId="23" srcId="2" destId="21" srcOrd="0" destOrd="0"/>
-        <dgm:cxn modelId="24" srcId="2" destId="22" srcOrd="0" destOrd="0"/>
-        <dgm:cxn modelId="33" srcId="3" destId="31" srcOrd="0" destOrd="0"/>
-        <dgm:cxn modelId="34" srcId="3" destId="32" srcOrd="0" destOrd="0"/>
-      </dgm:cxnLst>
-      <dgm:bg/>
-      <dgm:whole/>
-    </dgm:dataModel>
-  </dgm:sampData>
-  <dgm:styleData useDef="1">
-    <dgm:dataModel>
-      <dgm:ptLst/>
-      <dgm:bg/>
-      <dgm:whole/>
-    </dgm:dataModel>
-  </dgm:styleData>
-  <dgm:clrData useDef="1">
-    <dgm:dataModel>
-      <dgm:ptLst/>
-      <dgm:bg/>
-      <dgm:whole/>
-    </dgm:dataModel>
-  </dgm:clrData>
-  <dgm:layoutNode name="theList">
-    <dgm:varLst>
-      <dgm:dir/>
-      <dgm:animLvl val="lvl"/>
-      <dgm:resizeHandles val="exact"/>
-    </dgm:varLst>
-    <dgm:choose name="Name0">
-      <dgm:if name="Name1" func="var" arg="dir" op="equ" val="norm">
-        <dgm:alg type="lin"/>
-      </dgm:if>
-      <dgm:else name="Name2">
-        <dgm:alg type="lin">
-          <dgm:param type="linDir" val="fromR"/>
-        </dgm:alg>
-      </dgm:else>
-    </dgm:choose>
-    <dgm:shape xmlns:r="http://schemas.openxmlformats.org/officeDocument/2006/relationships" r:blip="">
-      <dgm:adjLst/>
-    </dgm:shape>
-    <dgm:presOf/>
-    <dgm:constrLst>
-      <dgm:constr type="w" for="ch" forName="compNode" refType="w"/>
-      <dgm:constr type="h" for="ch" forName="compNode" refType="h"/>
-      <dgm:constr type="w" for="ch" forName="aSpace" refType="w" fact="0.075"/>
-      <dgm:constr type="h" for="des" forName="aSpace2" refType="h" fact="0.1"/>
-      <dgm:constr type="primFontSz" for="des" forName="textNode" op="equ"/>
-      <dgm:constr type="primFontSz" for="des" forName="childNode" op="equ"/>
-    </dgm:constrLst>
-    <dgm:ruleLst/>
-    <dgm:forEach name="aNodeForEach" axis="ch" ptType="node">
-      <dgm:layoutNode name="compNode">
-        <dgm:alg type="composite"/>
-        <dgm:shape xmlns:r="http://schemas.openxmlformats.org/officeDocument/2006/relationships" r:blip="">
-          <dgm:adjLst/>
-        </dgm:shape>
-        <dgm:presOf/>
-        <dgm:constrLst>
-          <dgm:constr type="w" for="ch" forName="aNode" refType="w"/>
-          <dgm:constr type="h" for="ch" forName="aNode" refType="h"/>
-          <dgm:constr type="w" for="ch" forName="textNode" refType="w"/>
-          <dgm:constr type="h" for="ch" forName="textNode" refType="h" fact="0.3"/>
-          <dgm:constr type="ctrX" for="ch" forName="textNode" refType="w" fact="0.5"/>
-          <dgm:constr type="w" for="ch" forName="compChildNode" refType="w" fact="0.8"/>
-          <dgm:constr type="h" for="ch" forName="compChildNode" refType="h" fact="0.65"/>
-          <dgm:constr type="t" for="ch" forName="compChildNode" refType="h" fact="0.3"/>
-          <dgm:constr type="ctrX" for="ch" forName="compChildNode" refType="w" fact="0.5"/>
-        </dgm:constrLst>
-        <dgm:ruleLst/>
-        <dgm:layoutNode name="aNode" styleLbl="bgShp">
-          <dgm:alg type="sp"/>
-          <dgm:shape xmlns:r="http://schemas.openxmlformats.org/officeDocument/2006/relationships" type="roundRect" r:blip="">
-            <dgm:adjLst>
-              <dgm:adj idx="1" val="0.1"/>
-            </dgm:adjLst>
-          </dgm:shape>
-          <dgm:presOf axis="self"/>
-          <dgm:constrLst/>
-          <dgm:ruleLst/>
-        </dgm:layoutNode>
-        <dgm:layoutNode name="textNode" styleLbl="bgShp">
-          <dgm:alg type="tx"/>
-          <dgm:shape xmlns:r="http://schemas.openxmlformats.org/officeDocument/2006/relationships" type="rect" r:blip="" hideGeom="1">
-            <dgm:adjLst>
-              <dgm:adj idx="1" val="0.1"/>
-            </dgm:adjLst>
-          </dgm:shape>
-          <dgm:presOf axis="self"/>
-          <dgm:constrLst>
-            <dgm:constr type="primFontSz" val="65"/>
-            <dgm:constr type="lMarg" refType="primFontSz" fact="0.3"/>
-            <dgm:constr type="rMarg" refType="primFontSz" fact="0.3"/>
-            <dgm:constr type="tMarg" refType="primFontSz" fact="0.3"/>
-            <dgm:constr type="bMarg" refType="primFontSz" fact="0.3"/>
-          </dgm:constrLst>
-          <dgm:ruleLst>
-            <dgm:rule type="primFontSz" val="5" fact="NaN" max="NaN"/>
-          </dgm:ruleLst>
-        </dgm:layoutNode>
-        <dgm:layoutNode name="compChildNode">
-          <dgm:alg type="composite"/>
-          <dgm:shape xmlns:r="http://schemas.openxmlformats.org/officeDocument/2006/relationships" r:blip="">
-            <dgm:adjLst/>
-          </dgm:shape>
-          <dgm:presOf/>
-          <dgm:constrLst>
-            <dgm:constr type="w" for="des" forName="childNode" refType="w"/>
-            <dgm:constr type="h" for="des" forName="childNode" refType="h"/>
-          </dgm:constrLst>
-          <dgm:ruleLst/>
-          <dgm:layoutNode name="theInnerList">
-            <dgm:alg type="lin">
-              <dgm:param type="linDir" val="fromT"/>
-            </dgm:alg>
-            <dgm:shape xmlns:r="http://schemas.openxmlformats.org/officeDocument/2006/relationships" r:blip="">
-              <dgm:adjLst/>
-            </dgm:shape>
-            <dgm:presOf/>
-            <dgm:constrLst/>
-            <dgm:ruleLst/>
-            <dgm:forEach name="childNodeForEach" axis="ch" ptType="node">
-              <dgm:layoutNode name="childNode" styleLbl="node1">
-                <dgm:varLst>
-                  <dgm:bulletEnabled val="1"/>
-                </dgm:varLst>
-                <dgm:alg type="tx"/>
-                <dgm:shape xmlns:r="http://schemas.openxmlformats.org/officeDocument/2006/relationships" type="roundRect" r:blip="">
-                  <dgm:adjLst>
-                    <dgm:adj idx="1" val="0.1"/>
-                  </dgm:adjLst>
-                </dgm:shape>
-                <dgm:presOf axis="desOrSelf" ptType="node"/>
-                <dgm:constrLst>
-                  <dgm:constr type="primFontSz" val="65"/>
-                  <dgm:constr type="tMarg" refType="primFontSz" fact="0.15"/>
-                  <dgm:constr type="bMarg" refType="primFontSz" fact="0.15"/>
-                  <dgm:constr type="lMarg" refType="primFontSz" fact="0.2"/>
-                  <dgm:constr type="rMarg" refType="primFontSz" fact="0.2"/>
-                </dgm:constrLst>
-                <dgm:ruleLst>
-                  <dgm:rule type="primFontSz" val="5" fact="NaN" max="NaN"/>
-                </dgm:ruleLst>
-              </dgm:layoutNode>
-              <dgm:choose name="Name3">
-                <dgm:if name="Name4" axis="self" ptType="node" func="revPos" op="equ" val="1"/>
-                <dgm:else name="Name5">
-                  <dgm:layoutNode name="aSpace2">
-                    <dgm:alg type="sp"/>
-                    <dgm:shape xmlns:r="http://schemas.openxmlformats.org/officeDocument/2006/relationships" r:blip="">
-                      <dgm:adjLst/>
-                    </dgm:shape>
-                    <dgm:presOf/>
-                    <dgm:constrLst/>
-                    <dgm:ruleLst/>
-                  </dgm:layoutNode>
-                </dgm:else>
-              </dgm:choose>
-            </dgm:forEach>
-          </dgm:layoutNode>
-        </dgm:layoutNode>
-      </dgm:layoutNode>
-      <dgm:choose name="Name6">
-        <dgm:if name="Name7" axis="self" ptType="node" func="revPos" op="equ" val="1"/>
-        <dgm:else name="Name8">
-          <dgm:layoutNode name="aSpace">
-            <dgm:alg type="sp"/>
-            <dgm:shape xmlns:r="http://schemas.openxmlformats.org/officeDocument/2006/relationships" r:blip="">
-              <dgm:adjLst/>
-            </dgm:shape>
-            <dgm:presOf/>
-            <dgm:constrLst/>
-            <dgm:ruleLst/>
-          </dgm:layoutNode>
-        </dgm:else>
-      </dgm:choose>
-    </dgm:forEach>
-  </dgm:layoutNode>
-</dgm:layoutDef>
-</file>
-
-<file path=ppt/diagrams/layout4.xml><?xml version="1.0" encoding="utf-8"?>
+<file path=ppt/diagrams/layout2.xml><?xml version="1.0" encoding="utf-8"?>
 <dgm:layoutDef xmlns:dgm="http://schemas.openxmlformats.org/drawingml/2006/diagram" xmlns:a="http://schemas.openxmlformats.org/drawingml/2006/main" uniqueId="urn:microsoft.com/office/officeart/2005/8/layout/vList5">
   <dgm:title val=""/>
   <dgm:desc val=""/>
@@ -9771,2074 +6124,6 @@
 </file>
 
 <file path=ppt/diagrams/quickStyle2.xml><?xml version="1.0" encoding="utf-8"?>
-<dgm:styleDef xmlns:dgm="http://schemas.openxmlformats.org/drawingml/2006/diagram" xmlns:a="http://schemas.openxmlformats.org/drawingml/2006/main" uniqueId="urn:microsoft.com/office/officeart/2005/8/quickstyle/simple4">
-  <dgm:title val=""/>
-  <dgm:desc val=""/>
-  <dgm:catLst>
-    <dgm:cat type="simple" pri="10400"/>
-  </dgm:catLst>
-  <dgm:scene3d>
-    <a:camera prst="orthographicFront"/>
-    <a:lightRig rig="threePt" dir="t"/>
-  </dgm:scene3d>
-  <dgm:styleLbl name="node0">
-    <dgm:scene3d>
-      <a:camera prst="orthographicFront"/>
-      <a:lightRig rig="threePt" dir="t"/>
-    </dgm:scene3d>
-    <dgm:sp3d/>
-    <dgm:txPr/>
-    <dgm:style>
-      <a:lnRef idx="0">
-        <a:scrgbClr r="0" g="0" b="0"/>
-      </a:lnRef>
-      <a:fillRef idx="3">
-        <a:scrgbClr r="0" g="0" b="0"/>
-      </a:fillRef>
-      <a:effectRef idx="2">
-        <a:scrgbClr r="0" g="0" b="0"/>
-      </a:effectRef>
-      <a:fontRef idx="minor">
-        <a:schemeClr val="lt1"/>
-      </a:fontRef>
-    </dgm:style>
-  </dgm:styleLbl>
-  <dgm:styleLbl name="lnNode1">
-    <dgm:scene3d>
-      <a:camera prst="orthographicFront"/>
-      <a:lightRig rig="threePt" dir="t"/>
-    </dgm:scene3d>
-    <dgm:sp3d/>
-    <dgm:txPr/>
-    <dgm:style>
-      <a:lnRef idx="1">
-        <a:scrgbClr r="0" g="0" b="0"/>
-      </a:lnRef>
-      <a:fillRef idx="3">
-        <a:scrgbClr r="0" g="0" b="0"/>
-      </a:fillRef>
-      <a:effectRef idx="2">
-        <a:scrgbClr r="0" g="0" b="0"/>
-      </a:effectRef>
-      <a:fontRef idx="minor">
-        <a:schemeClr val="lt1"/>
-      </a:fontRef>
-    </dgm:style>
-  </dgm:styleLbl>
-  <dgm:styleLbl name="vennNode1">
-    <dgm:scene3d>
-      <a:camera prst="orthographicFront"/>
-      <a:lightRig rig="threePt" dir="t"/>
-    </dgm:scene3d>
-    <dgm:sp3d/>
-    <dgm:txPr/>
-    <dgm:style>
-      <a:lnRef idx="0">
-        <a:scrgbClr r="0" g="0" b="0"/>
-      </a:lnRef>
-      <a:fillRef idx="3">
-        <a:scrgbClr r="0" g="0" b="0"/>
-      </a:fillRef>
-      <a:effectRef idx="0">
-        <a:scrgbClr r="0" g="0" b="0"/>
-      </a:effectRef>
-      <a:fontRef idx="minor">
-        <a:schemeClr val="tx1"/>
-      </a:fontRef>
-    </dgm:style>
-  </dgm:styleLbl>
-  <dgm:styleLbl name="alignNode1">
-    <dgm:scene3d>
-      <a:camera prst="orthographicFront"/>
-      <a:lightRig rig="threePt" dir="t"/>
-    </dgm:scene3d>
-    <dgm:sp3d/>
-    <dgm:txPr/>
-    <dgm:style>
-      <a:lnRef idx="1">
-        <a:scrgbClr r="0" g="0" b="0"/>
-      </a:lnRef>
-      <a:fillRef idx="3">
-        <a:scrgbClr r="0" g="0" b="0"/>
-      </a:fillRef>
-      <a:effectRef idx="2">
-        <a:scrgbClr r="0" g="0" b="0"/>
-      </a:effectRef>
-      <a:fontRef idx="minor">
-        <a:schemeClr val="lt1"/>
-      </a:fontRef>
-    </dgm:style>
-  </dgm:styleLbl>
-  <dgm:styleLbl name="node1">
-    <dgm:scene3d>
-      <a:camera prst="orthographicFront"/>
-      <a:lightRig rig="threePt" dir="t"/>
-    </dgm:scene3d>
-    <dgm:sp3d/>
-    <dgm:txPr/>
-    <dgm:style>
-      <a:lnRef idx="0">
-        <a:scrgbClr r="0" g="0" b="0"/>
-      </a:lnRef>
-      <a:fillRef idx="3">
-        <a:scrgbClr r="0" g="0" b="0"/>
-      </a:fillRef>
-      <a:effectRef idx="2">
-        <a:scrgbClr r="0" g="0" b="0"/>
-      </a:effectRef>
-      <a:fontRef idx="minor">
-        <a:schemeClr val="lt1"/>
-      </a:fontRef>
-    </dgm:style>
-  </dgm:styleLbl>
-  <dgm:styleLbl name="node2">
-    <dgm:scene3d>
-      <a:camera prst="orthographicFront"/>
-      <a:lightRig rig="threePt" dir="t"/>
-    </dgm:scene3d>
-    <dgm:sp3d/>
-    <dgm:txPr/>
-    <dgm:style>
-      <a:lnRef idx="0">
-        <a:scrgbClr r="0" g="0" b="0"/>
-      </a:lnRef>
-      <a:fillRef idx="3">
-        <a:scrgbClr r="0" g="0" b="0"/>
-      </a:fillRef>
-      <a:effectRef idx="2">
-        <a:scrgbClr r="0" g="0" b="0"/>
-      </a:effectRef>
-      <a:fontRef idx="minor">
-        <a:schemeClr val="lt1"/>
-      </a:fontRef>
-    </dgm:style>
-  </dgm:styleLbl>
-  <dgm:styleLbl name="node3">
-    <dgm:scene3d>
-      <a:camera prst="orthographicFront"/>
-      <a:lightRig rig="threePt" dir="t"/>
-    </dgm:scene3d>
-    <dgm:sp3d/>
-    <dgm:txPr/>
-    <dgm:style>
-      <a:lnRef idx="0">
-        <a:scrgbClr r="0" g="0" b="0"/>
-      </a:lnRef>
-      <a:fillRef idx="3">
-        <a:scrgbClr r="0" g="0" b="0"/>
-      </a:fillRef>
-      <a:effectRef idx="2">
-        <a:scrgbClr r="0" g="0" b="0"/>
-      </a:effectRef>
-      <a:fontRef idx="minor">
-        <a:schemeClr val="lt1"/>
-      </a:fontRef>
-    </dgm:style>
-  </dgm:styleLbl>
-  <dgm:styleLbl name="node4">
-    <dgm:scene3d>
-      <a:camera prst="orthographicFront"/>
-      <a:lightRig rig="threePt" dir="t"/>
-    </dgm:scene3d>
-    <dgm:sp3d/>
-    <dgm:txPr/>
-    <dgm:style>
-      <a:lnRef idx="0">
-        <a:scrgbClr r="0" g="0" b="0"/>
-      </a:lnRef>
-      <a:fillRef idx="3">
-        <a:scrgbClr r="0" g="0" b="0"/>
-      </a:fillRef>
-      <a:effectRef idx="2">
-        <a:scrgbClr r="0" g="0" b="0"/>
-      </a:effectRef>
-      <a:fontRef idx="minor">
-        <a:schemeClr val="lt1"/>
-      </a:fontRef>
-    </dgm:style>
-  </dgm:styleLbl>
-  <dgm:styleLbl name="fgImgPlace1">
-    <dgm:scene3d>
-      <a:camera prst="orthographicFront"/>
-      <a:lightRig rig="threePt" dir="t"/>
-    </dgm:scene3d>
-    <dgm:sp3d/>
-    <dgm:txPr/>
-    <dgm:style>
-      <a:lnRef idx="0">
-        <a:scrgbClr r="0" g="0" b="0"/>
-      </a:lnRef>
-      <a:fillRef idx="1">
-        <a:scrgbClr r="0" g="0" b="0"/>
-      </a:fillRef>
-      <a:effectRef idx="2">
-        <a:scrgbClr r="0" g="0" b="0"/>
-      </a:effectRef>
-      <a:fontRef idx="minor"/>
-    </dgm:style>
-  </dgm:styleLbl>
-  <dgm:styleLbl name="alignImgPlace1">
-    <dgm:scene3d>
-      <a:camera prst="orthographicFront"/>
-      <a:lightRig rig="threePt" dir="t"/>
-    </dgm:scene3d>
-    <dgm:sp3d/>
-    <dgm:txPr/>
-    <dgm:style>
-      <a:lnRef idx="0">
-        <a:scrgbClr r="0" g="0" b="0"/>
-      </a:lnRef>
-      <a:fillRef idx="1">
-        <a:scrgbClr r="0" g="0" b="0"/>
-      </a:fillRef>
-      <a:effectRef idx="2">
-        <a:scrgbClr r="0" g="0" b="0"/>
-      </a:effectRef>
-      <a:fontRef idx="minor"/>
-    </dgm:style>
-  </dgm:styleLbl>
-  <dgm:styleLbl name="bgImgPlace1">
-    <dgm:scene3d>
-      <a:camera prst="orthographicFront"/>
-      <a:lightRig rig="threePt" dir="t"/>
-    </dgm:scene3d>
-    <dgm:sp3d/>
-    <dgm:txPr/>
-    <dgm:style>
-      <a:lnRef idx="0">
-        <a:scrgbClr r="0" g="0" b="0"/>
-      </a:lnRef>
-      <a:fillRef idx="1">
-        <a:scrgbClr r="0" g="0" b="0"/>
-      </a:fillRef>
-      <a:effectRef idx="2">
-        <a:scrgbClr r="0" g="0" b="0"/>
-      </a:effectRef>
-      <a:fontRef idx="minor"/>
-    </dgm:style>
-  </dgm:styleLbl>
-  <dgm:styleLbl name="sibTrans2D1">
-    <dgm:scene3d>
-      <a:camera prst="orthographicFront"/>
-      <a:lightRig rig="threePt" dir="t"/>
-    </dgm:scene3d>
-    <dgm:sp3d/>
-    <dgm:txPr/>
-    <dgm:style>
-      <a:lnRef idx="0">
-        <a:scrgbClr r="0" g="0" b="0"/>
-      </a:lnRef>
-      <a:fillRef idx="3">
-        <a:scrgbClr r="0" g="0" b="0"/>
-      </a:fillRef>
-      <a:effectRef idx="2">
-        <a:scrgbClr r="0" g="0" b="0"/>
-      </a:effectRef>
-      <a:fontRef idx="minor">
-        <a:schemeClr val="lt1"/>
-      </a:fontRef>
-    </dgm:style>
-  </dgm:styleLbl>
-  <dgm:styleLbl name="fgSibTrans2D1">
-    <dgm:scene3d>
-      <a:camera prst="orthographicFront"/>
-      <a:lightRig rig="threePt" dir="t"/>
-    </dgm:scene3d>
-    <dgm:sp3d/>
-    <dgm:txPr/>
-    <dgm:style>
-      <a:lnRef idx="0">
-        <a:scrgbClr r="0" g="0" b="0"/>
-      </a:lnRef>
-      <a:fillRef idx="3">
-        <a:scrgbClr r="0" g="0" b="0"/>
-      </a:fillRef>
-      <a:effectRef idx="2">
-        <a:scrgbClr r="0" g="0" b="0"/>
-      </a:effectRef>
-      <a:fontRef idx="minor">
-        <a:schemeClr val="lt1"/>
-      </a:fontRef>
-    </dgm:style>
-  </dgm:styleLbl>
-  <dgm:styleLbl name="bgSibTrans2D1">
-    <dgm:scene3d>
-      <a:camera prst="orthographicFront"/>
-      <a:lightRig rig="threePt" dir="t"/>
-    </dgm:scene3d>
-    <dgm:sp3d/>
-    <dgm:txPr/>
-    <dgm:style>
-      <a:lnRef idx="0">
-        <a:scrgbClr r="0" g="0" b="0"/>
-      </a:lnRef>
-      <a:fillRef idx="3">
-        <a:scrgbClr r="0" g="0" b="0"/>
-      </a:fillRef>
-      <a:effectRef idx="2">
-        <a:scrgbClr r="0" g="0" b="0"/>
-      </a:effectRef>
-      <a:fontRef idx="minor">
-        <a:schemeClr val="lt1"/>
-      </a:fontRef>
-    </dgm:style>
-  </dgm:styleLbl>
-  <dgm:styleLbl name="sibTrans1D1">
-    <dgm:scene3d>
-      <a:camera prst="orthographicFront"/>
-      <a:lightRig rig="threePt" dir="t"/>
-    </dgm:scene3d>
-    <dgm:sp3d/>
-    <dgm:txPr/>
-    <dgm:style>
-      <a:lnRef idx="1">
-        <a:scrgbClr r="0" g="0" b="0"/>
-      </a:lnRef>
-      <a:fillRef idx="0">
-        <a:scrgbClr r="0" g="0" b="0"/>
-      </a:fillRef>
-      <a:effectRef idx="0">
-        <a:scrgbClr r="0" g="0" b="0"/>
-      </a:effectRef>
-      <a:fontRef idx="minor"/>
-    </dgm:style>
-  </dgm:styleLbl>
-  <dgm:styleLbl name="callout">
-    <dgm:scene3d>
-      <a:camera prst="orthographicFront"/>
-      <a:lightRig rig="threePt" dir="t"/>
-    </dgm:scene3d>
-    <dgm:sp3d/>
-    <dgm:txPr/>
-    <dgm:style>
-      <a:lnRef idx="2">
-        <a:scrgbClr r="0" g="0" b="0"/>
-      </a:lnRef>
-      <a:fillRef idx="1">
-        <a:scrgbClr r="0" g="0" b="0"/>
-      </a:fillRef>
-      <a:effectRef idx="1">
-        <a:scrgbClr r="0" g="0" b="0"/>
-      </a:effectRef>
-      <a:fontRef idx="minor"/>
-    </dgm:style>
-  </dgm:styleLbl>
-  <dgm:styleLbl name="asst0">
-    <dgm:scene3d>
-      <a:camera prst="orthographicFront"/>
-      <a:lightRig rig="threePt" dir="t"/>
-    </dgm:scene3d>
-    <dgm:sp3d/>
-    <dgm:txPr/>
-    <dgm:style>
-      <a:lnRef idx="0">
-        <a:scrgbClr r="0" g="0" b="0"/>
-      </a:lnRef>
-      <a:fillRef idx="3">
-        <a:scrgbClr r="0" g="0" b="0"/>
-      </a:fillRef>
-      <a:effectRef idx="2">
-        <a:scrgbClr r="0" g="0" b="0"/>
-      </a:effectRef>
-      <a:fontRef idx="minor">
-        <a:schemeClr val="lt1"/>
-      </a:fontRef>
-    </dgm:style>
-  </dgm:styleLbl>
-  <dgm:styleLbl name="asst1">
-    <dgm:scene3d>
-      <a:camera prst="orthographicFront"/>
-      <a:lightRig rig="threePt" dir="t"/>
-    </dgm:scene3d>
-    <dgm:sp3d/>
-    <dgm:txPr/>
-    <dgm:style>
-      <a:lnRef idx="0">
-        <a:scrgbClr r="0" g="0" b="0"/>
-      </a:lnRef>
-      <a:fillRef idx="3">
-        <a:scrgbClr r="0" g="0" b="0"/>
-      </a:fillRef>
-      <a:effectRef idx="2">
-        <a:scrgbClr r="0" g="0" b="0"/>
-      </a:effectRef>
-      <a:fontRef idx="minor">
-        <a:schemeClr val="lt1"/>
-      </a:fontRef>
-    </dgm:style>
-  </dgm:styleLbl>
-  <dgm:styleLbl name="asst2">
-    <dgm:scene3d>
-      <a:camera prst="orthographicFront"/>
-      <a:lightRig rig="threePt" dir="t"/>
-    </dgm:scene3d>
-    <dgm:sp3d/>
-    <dgm:txPr/>
-    <dgm:style>
-      <a:lnRef idx="0">
-        <a:scrgbClr r="0" g="0" b="0"/>
-      </a:lnRef>
-      <a:fillRef idx="3">
-        <a:scrgbClr r="0" g="0" b="0"/>
-      </a:fillRef>
-      <a:effectRef idx="2">
-        <a:scrgbClr r="0" g="0" b="0"/>
-      </a:effectRef>
-      <a:fontRef idx="minor">
-        <a:schemeClr val="lt1"/>
-      </a:fontRef>
-    </dgm:style>
-  </dgm:styleLbl>
-  <dgm:styleLbl name="asst3">
-    <dgm:scene3d>
-      <a:camera prst="orthographicFront"/>
-      <a:lightRig rig="threePt" dir="t"/>
-    </dgm:scene3d>
-    <dgm:sp3d/>
-    <dgm:txPr/>
-    <dgm:style>
-      <a:lnRef idx="0">
-        <a:scrgbClr r="0" g="0" b="0"/>
-      </a:lnRef>
-      <a:fillRef idx="3">
-        <a:scrgbClr r="0" g="0" b="0"/>
-      </a:fillRef>
-      <a:effectRef idx="2">
-        <a:scrgbClr r="0" g="0" b="0"/>
-      </a:effectRef>
-      <a:fontRef idx="minor">
-        <a:schemeClr val="lt1"/>
-      </a:fontRef>
-    </dgm:style>
-  </dgm:styleLbl>
-  <dgm:styleLbl name="asst4">
-    <dgm:scene3d>
-      <a:camera prst="orthographicFront"/>
-      <a:lightRig rig="threePt" dir="t"/>
-    </dgm:scene3d>
-    <dgm:sp3d/>
-    <dgm:txPr/>
-    <dgm:style>
-      <a:lnRef idx="0">
-        <a:scrgbClr r="0" g="0" b="0"/>
-      </a:lnRef>
-      <a:fillRef idx="3">
-        <a:scrgbClr r="0" g="0" b="0"/>
-      </a:fillRef>
-      <a:effectRef idx="2">
-        <a:scrgbClr r="0" g="0" b="0"/>
-      </a:effectRef>
-      <a:fontRef idx="minor">
-        <a:schemeClr val="lt1"/>
-      </a:fontRef>
-    </dgm:style>
-  </dgm:styleLbl>
-  <dgm:styleLbl name="parChTrans2D1">
-    <dgm:scene3d>
-      <a:camera prst="orthographicFront"/>
-      <a:lightRig rig="threePt" dir="t"/>
-    </dgm:scene3d>
-    <dgm:sp3d/>
-    <dgm:txPr/>
-    <dgm:style>
-      <a:lnRef idx="0">
-        <a:scrgbClr r="0" g="0" b="0"/>
-      </a:lnRef>
-      <a:fillRef idx="3">
-        <a:scrgbClr r="0" g="0" b="0"/>
-      </a:fillRef>
-      <a:effectRef idx="2">
-        <a:scrgbClr r="0" g="0" b="0"/>
-      </a:effectRef>
-      <a:fontRef idx="minor">
-        <a:schemeClr val="lt1"/>
-      </a:fontRef>
-    </dgm:style>
-  </dgm:styleLbl>
-  <dgm:styleLbl name="parChTrans2D2">
-    <dgm:scene3d>
-      <a:camera prst="orthographicFront"/>
-      <a:lightRig rig="threePt" dir="t"/>
-    </dgm:scene3d>
-    <dgm:sp3d/>
-    <dgm:txPr/>
-    <dgm:style>
-      <a:lnRef idx="0">
-        <a:scrgbClr r="0" g="0" b="0"/>
-      </a:lnRef>
-      <a:fillRef idx="3">
-        <a:scrgbClr r="0" g="0" b="0"/>
-      </a:fillRef>
-      <a:effectRef idx="2">
-        <a:scrgbClr r="0" g="0" b="0"/>
-      </a:effectRef>
-      <a:fontRef idx="minor">
-        <a:schemeClr val="lt1"/>
-      </a:fontRef>
-    </dgm:style>
-  </dgm:styleLbl>
-  <dgm:styleLbl name="parChTrans2D3">
-    <dgm:scene3d>
-      <a:camera prst="orthographicFront"/>
-      <a:lightRig rig="threePt" dir="t"/>
-    </dgm:scene3d>
-    <dgm:sp3d/>
-    <dgm:txPr/>
-    <dgm:style>
-      <a:lnRef idx="1">
-        <a:scrgbClr r="0" g="0" b="0"/>
-      </a:lnRef>
-      <a:fillRef idx="3">
-        <a:scrgbClr r="0" g="0" b="0"/>
-      </a:fillRef>
-      <a:effectRef idx="2">
-        <a:scrgbClr r="0" g="0" b="0"/>
-      </a:effectRef>
-      <a:fontRef idx="minor">
-        <a:schemeClr val="lt1"/>
-      </a:fontRef>
-    </dgm:style>
-  </dgm:styleLbl>
-  <dgm:styleLbl name="parChTrans2D4">
-    <dgm:scene3d>
-      <a:camera prst="orthographicFront"/>
-      <a:lightRig rig="threePt" dir="t"/>
-    </dgm:scene3d>
-    <dgm:sp3d/>
-    <dgm:txPr/>
-    <dgm:style>
-      <a:lnRef idx="1">
-        <a:scrgbClr r="0" g="0" b="0"/>
-      </a:lnRef>
-      <a:fillRef idx="3">
-        <a:scrgbClr r="0" g="0" b="0"/>
-      </a:fillRef>
-      <a:effectRef idx="2">
-        <a:scrgbClr r="0" g="0" b="0"/>
-      </a:effectRef>
-      <a:fontRef idx="minor">
-        <a:schemeClr val="lt1"/>
-      </a:fontRef>
-    </dgm:style>
-  </dgm:styleLbl>
-  <dgm:styleLbl name="parChTrans1D1">
-    <dgm:scene3d>
-      <a:camera prst="orthographicFront"/>
-      <a:lightRig rig="threePt" dir="t"/>
-    </dgm:scene3d>
-    <dgm:sp3d/>
-    <dgm:txPr/>
-    <dgm:style>
-      <a:lnRef idx="1">
-        <a:scrgbClr r="0" g="0" b="0"/>
-      </a:lnRef>
-      <a:fillRef idx="0">
-        <a:scrgbClr r="0" g="0" b="0"/>
-      </a:fillRef>
-      <a:effectRef idx="0">
-        <a:scrgbClr r="0" g="0" b="0"/>
-      </a:effectRef>
-      <a:fontRef idx="minor"/>
-    </dgm:style>
-  </dgm:styleLbl>
-  <dgm:styleLbl name="parChTrans1D2">
-    <dgm:scene3d>
-      <a:camera prst="orthographicFront"/>
-      <a:lightRig rig="threePt" dir="t"/>
-    </dgm:scene3d>
-    <dgm:sp3d/>
-    <dgm:txPr/>
-    <dgm:style>
-      <a:lnRef idx="1">
-        <a:scrgbClr r="0" g="0" b="0"/>
-      </a:lnRef>
-      <a:fillRef idx="0">
-        <a:scrgbClr r="0" g="0" b="0"/>
-      </a:fillRef>
-      <a:effectRef idx="0">
-        <a:scrgbClr r="0" g="0" b="0"/>
-      </a:effectRef>
-      <a:fontRef idx="minor"/>
-    </dgm:style>
-  </dgm:styleLbl>
-  <dgm:styleLbl name="parChTrans1D3">
-    <dgm:scene3d>
-      <a:camera prst="orthographicFront"/>
-      <a:lightRig rig="threePt" dir="t"/>
-    </dgm:scene3d>
-    <dgm:sp3d/>
-    <dgm:txPr/>
-    <dgm:style>
-      <a:lnRef idx="1">
-        <a:scrgbClr r="0" g="0" b="0"/>
-      </a:lnRef>
-      <a:fillRef idx="0">
-        <a:scrgbClr r="0" g="0" b="0"/>
-      </a:fillRef>
-      <a:effectRef idx="0">
-        <a:scrgbClr r="0" g="0" b="0"/>
-      </a:effectRef>
-      <a:fontRef idx="minor"/>
-    </dgm:style>
-  </dgm:styleLbl>
-  <dgm:styleLbl name="parChTrans1D4">
-    <dgm:scene3d>
-      <a:camera prst="orthographicFront"/>
-      <a:lightRig rig="threePt" dir="t"/>
-    </dgm:scene3d>
-    <dgm:sp3d/>
-    <dgm:txPr/>
-    <dgm:style>
-      <a:lnRef idx="1">
-        <a:scrgbClr r="0" g="0" b="0"/>
-      </a:lnRef>
-      <a:fillRef idx="0">
-        <a:scrgbClr r="0" g="0" b="0"/>
-      </a:fillRef>
-      <a:effectRef idx="0">
-        <a:scrgbClr r="0" g="0" b="0"/>
-      </a:effectRef>
-      <a:fontRef idx="minor"/>
-    </dgm:style>
-  </dgm:styleLbl>
-  <dgm:styleLbl name="fgAcc1">
-    <dgm:scene3d>
-      <a:camera prst="orthographicFront"/>
-      <a:lightRig rig="threePt" dir="t"/>
-    </dgm:scene3d>
-    <dgm:sp3d/>
-    <dgm:txPr/>
-    <dgm:style>
-      <a:lnRef idx="1">
-        <a:scrgbClr r="0" g="0" b="0"/>
-      </a:lnRef>
-      <a:fillRef idx="1">
-        <a:scrgbClr r="0" g="0" b="0"/>
-      </a:fillRef>
-      <a:effectRef idx="0">
-        <a:scrgbClr r="0" g="0" b="0"/>
-      </a:effectRef>
-      <a:fontRef idx="minor"/>
-    </dgm:style>
-  </dgm:styleLbl>
-  <dgm:styleLbl name="conFgAcc1">
-    <dgm:scene3d>
-      <a:camera prst="orthographicFront"/>
-      <a:lightRig rig="threePt" dir="t"/>
-    </dgm:scene3d>
-    <dgm:sp3d/>
-    <dgm:txPr/>
-    <dgm:style>
-      <a:lnRef idx="1">
-        <a:scrgbClr r="0" g="0" b="0"/>
-      </a:lnRef>
-      <a:fillRef idx="1">
-        <a:scrgbClr r="0" g="0" b="0"/>
-      </a:fillRef>
-      <a:effectRef idx="0">
-        <a:scrgbClr r="0" g="0" b="0"/>
-      </a:effectRef>
-      <a:fontRef idx="minor"/>
-    </dgm:style>
-  </dgm:styleLbl>
-  <dgm:styleLbl name="alignAcc1">
-    <dgm:scene3d>
-      <a:camera prst="orthographicFront"/>
-      <a:lightRig rig="threePt" dir="t"/>
-    </dgm:scene3d>
-    <dgm:sp3d/>
-    <dgm:txPr/>
-    <dgm:style>
-      <a:lnRef idx="1">
-        <a:scrgbClr r="0" g="0" b="0"/>
-      </a:lnRef>
-      <a:fillRef idx="1">
-        <a:scrgbClr r="0" g="0" b="0"/>
-      </a:fillRef>
-      <a:effectRef idx="0">
-        <a:scrgbClr r="0" g="0" b="0"/>
-      </a:effectRef>
-      <a:fontRef idx="minor"/>
-    </dgm:style>
-  </dgm:styleLbl>
-  <dgm:styleLbl name="trAlignAcc1">
-    <dgm:scene3d>
-      <a:camera prst="orthographicFront"/>
-      <a:lightRig rig="threePt" dir="t"/>
-    </dgm:scene3d>
-    <dgm:sp3d/>
-    <dgm:txPr/>
-    <dgm:style>
-      <a:lnRef idx="1">
-        <a:scrgbClr r="0" g="0" b="0"/>
-      </a:lnRef>
-      <a:fillRef idx="1">
-        <a:scrgbClr r="0" g="0" b="0"/>
-      </a:fillRef>
-      <a:effectRef idx="0">
-        <a:scrgbClr r="0" g="0" b="0"/>
-      </a:effectRef>
-      <a:fontRef idx="minor"/>
-    </dgm:style>
-  </dgm:styleLbl>
-  <dgm:styleLbl name="bgAcc1">
-    <dgm:scene3d>
-      <a:camera prst="orthographicFront"/>
-      <a:lightRig rig="threePt" dir="t"/>
-    </dgm:scene3d>
-    <dgm:sp3d/>
-    <dgm:txPr/>
-    <dgm:style>
-      <a:lnRef idx="1">
-        <a:scrgbClr r="0" g="0" b="0"/>
-      </a:lnRef>
-      <a:fillRef idx="1">
-        <a:scrgbClr r="0" g="0" b="0"/>
-      </a:fillRef>
-      <a:effectRef idx="0">
-        <a:scrgbClr r="0" g="0" b="0"/>
-      </a:effectRef>
-      <a:fontRef idx="minor"/>
-    </dgm:style>
-  </dgm:styleLbl>
-  <dgm:styleLbl name="solidFgAcc1">
-    <dgm:scene3d>
-      <a:camera prst="orthographicFront"/>
-      <a:lightRig rig="threePt" dir="t"/>
-    </dgm:scene3d>
-    <dgm:sp3d/>
-    <dgm:txPr/>
-    <dgm:style>
-      <a:lnRef idx="1">
-        <a:scrgbClr r="0" g="0" b="0"/>
-      </a:lnRef>
-      <a:fillRef idx="1">
-        <a:scrgbClr r="0" g="0" b="0"/>
-      </a:fillRef>
-      <a:effectRef idx="0">
-        <a:scrgbClr r="0" g="0" b="0"/>
-      </a:effectRef>
-      <a:fontRef idx="minor"/>
-    </dgm:style>
-  </dgm:styleLbl>
-  <dgm:styleLbl name="solidAlignAcc1">
-    <dgm:scene3d>
-      <a:camera prst="orthographicFront"/>
-      <a:lightRig rig="threePt" dir="t"/>
-    </dgm:scene3d>
-    <dgm:sp3d/>
-    <dgm:txPr/>
-    <dgm:style>
-      <a:lnRef idx="1">
-        <a:scrgbClr r="0" g="0" b="0"/>
-      </a:lnRef>
-      <a:fillRef idx="1">
-        <a:scrgbClr r="0" g="0" b="0"/>
-      </a:fillRef>
-      <a:effectRef idx="0">
-        <a:scrgbClr r="0" g="0" b="0"/>
-      </a:effectRef>
-      <a:fontRef idx="minor"/>
-    </dgm:style>
-  </dgm:styleLbl>
-  <dgm:styleLbl name="solidBgAcc1">
-    <dgm:scene3d>
-      <a:camera prst="orthographicFront"/>
-      <a:lightRig rig="threePt" dir="t"/>
-    </dgm:scene3d>
-    <dgm:sp3d/>
-    <dgm:txPr/>
-    <dgm:style>
-      <a:lnRef idx="1">
-        <a:scrgbClr r="0" g="0" b="0"/>
-      </a:lnRef>
-      <a:fillRef idx="1">
-        <a:scrgbClr r="0" g="0" b="0"/>
-      </a:fillRef>
-      <a:effectRef idx="0">
-        <a:scrgbClr r="0" g="0" b="0"/>
-      </a:effectRef>
-      <a:fontRef idx="minor"/>
-    </dgm:style>
-  </dgm:styleLbl>
-  <dgm:styleLbl name="fgAccFollowNode1">
-    <dgm:scene3d>
-      <a:camera prst="orthographicFront"/>
-      <a:lightRig rig="threePt" dir="t"/>
-    </dgm:scene3d>
-    <dgm:sp3d/>
-    <dgm:txPr/>
-    <dgm:style>
-      <a:lnRef idx="1">
-        <a:scrgbClr r="0" g="0" b="0"/>
-      </a:lnRef>
-      <a:fillRef idx="1">
-        <a:scrgbClr r="0" g="0" b="0"/>
-      </a:fillRef>
-      <a:effectRef idx="0">
-        <a:scrgbClr r="0" g="0" b="0"/>
-      </a:effectRef>
-      <a:fontRef idx="minor"/>
-    </dgm:style>
-  </dgm:styleLbl>
-  <dgm:styleLbl name="alignAccFollowNode1">
-    <dgm:scene3d>
-      <a:camera prst="orthographicFront"/>
-      <a:lightRig rig="threePt" dir="t"/>
-    </dgm:scene3d>
-    <dgm:sp3d/>
-    <dgm:txPr/>
-    <dgm:style>
-      <a:lnRef idx="1">
-        <a:scrgbClr r="0" g="0" b="0"/>
-      </a:lnRef>
-      <a:fillRef idx="1">
-        <a:scrgbClr r="0" g="0" b="0"/>
-      </a:fillRef>
-      <a:effectRef idx="0">
-        <a:scrgbClr r="0" g="0" b="0"/>
-      </a:effectRef>
-      <a:fontRef idx="minor"/>
-    </dgm:style>
-  </dgm:styleLbl>
-  <dgm:styleLbl name="bgAccFollowNode1">
-    <dgm:scene3d>
-      <a:camera prst="orthographicFront"/>
-      <a:lightRig rig="threePt" dir="t"/>
-    </dgm:scene3d>
-    <dgm:sp3d/>
-    <dgm:txPr/>
-    <dgm:style>
-      <a:lnRef idx="1">
-        <a:scrgbClr r="0" g="0" b="0"/>
-      </a:lnRef>
-      <a:fillRef idx="1">
-        <a:scrgbClr r="0" g="0" b="0"/>
-      </a:fillRef>
-      <a:effectRef idx="0">
-        <a:scrgbClr r="0" g="0" b="0"/>
-      </a:effectRef>
-      <a:fontRef idx="minor"/>
-    </dgm:style>
-  </dgm:styleLbl>
-  <dgm:styleLbl name="fgAcc0">
-    <dgm:scene3d>
-      <a:camera prst="orthographicFront"/>
-      <a:lightRig rig="threePt" dir="t"/>
-    </dgm:scene3d>
-    <dgm:sp3d/>
-    <dgm:txPr/>
-    <dgm:style>
-      <a:lnRef idx="1">
-        <a:scrgbClr r="0" g="0" b="0"/>
-      </a:lnRef>
-      <a:fillRef idx="1">
-        <a:scrgbClr r="0" g="0" b="0"/>
-      </a:fillRef>
-      <a:effectRef idx="0">
-        <a:scrgbClr r="0" g="0" b="0"/>
-      </a:effectRef>
-      <a:fontRef idx="minor"/>
-    </dgm:style>
-  </dgm:styleLbl>
-  <dgm:styleLbl name="fgAcc2">
-    <dgm:scene3d>
-      <a:camera prst="orthographicFront"/>
-      <a:lightRig rig="threePt" dir="t"/>
-    </dgm:scene3d>
-    <dgm:sp3d/>
-    <dgm:txPr/>
-    <dgm:style>
-      <a:lnRef idx="1">
-        <a:scrgbClr r="0" g="0" b="0"/>
-      </a:lnRef>
-      <a:fillRef idx="1">
-        <a:scrgbClr r="0" g="0" b="0"/>
-      </a:fillRef>
-      <a:effectRef idx="0">
-        <a:scrgbClr r="0" g="0" b="0"/>
-      </a:effectRef>
-      <a:fontRef idx="minor"/>
-    </dgm:style>
-  </dgm:styleLbl>
-  <dgm:styleLbl name="fgAcc3">
-    <dgm:scene3d>
-      <a:camera prst="orthographicFront"/>
-      <a:lightRig rig="threePt" dir="t"/>
-    </dgm:scene3d>
-    <dgm:sp3d/>
-    <dgm:txPr/>
-    <dgm:style>
-      <a:lnRef idx="1">
-        <a:scrgbClr r="0" g="0" b="0"/>
-      </a:lnRef>
-      <a:fillRef idx="1">
-        <a:scrgbClr r="0" g="0" b="0"/>
-      </a:fillRef>
-      <a:effectRef idx="0">
-        <a:scrgbClr r="0" g="0" b="0"/>
-      </a:effectRef>
-      <a:fontRef idx="minor"/>
-    </dgm:style>
-  </dgm:styleLbl>
-  <dgm:styleLbl name="fgAcc4">
-    <dgm:scene3d>
-      <a:camera prst="orthographicFront"/>
-      <a:lightRig rig="threePt" dir="t"/>
-    </dgm:scene3d>
-    <dgm:sp3d/>
-    <dgm:txPr/>
-    <dgm:style>
-      <a:lnRef idx="1">
-        <a:scrgbClr r="0" g="0" b="0"/>
-      </a:lnRef>
-      <a:fillRef idx="1">
-        <a:scrgbClr r="0" g="0" b="0"/>
-      </a:fillRef>
-      <a:effectRef idx="0">
-        <a:scrgbClr r="0" g="0" b="0"/>
-      </a:effectRef>
-      <a:fontRef idx="minor"/>
-    </dgm:style>
-  </dgm:styleLbl>
-  <dgm:styleLbl name="bgShp">
-    <dgm:scene3d>
-      <a:camera prst="orthographicFront"/>
-      <a:lightRig rig="threePt" dir="t"/>
-    </dgm:scene3d>
-    <dgm:sp3d/>
-    <dgm:txPr/>
-    <dgm:style>
-      <a:lnRef idx="0">
-        <a:scrgbClr r="0" g="0" b="0"/>
-      </a:lnRef>
-      <a:fillRef idx="1">
-        <a:scrgbClr r="0" g="0" b="0"/>
-      </a:fillRef>
-      <a:effectRef idx="2">
-        <a:scrgbClr r="0" g="0" b="0"/>
-      </a:effectRef>
-      <a:fontRef idx="minor"/>
-    </dgm:style>
-  </dgm:styleLbl>
-  <dgm:styleLbl name="dkBgShp">
-    <dgm:scene3d>
-      <a:camera prst="orthographicFront"/>
-      <a:lightRig rig="threePt" dir="t"/>
-    </dgm:scene3d>
-    <dgm:sp3d/>
-    <dgm:txPr/>
-    <dgm:style>
-      <a:lnRef idx="0">
-        <a:scrgbClr r="0" g="0" b="0"/>
-      </a:lnRef>
-      <a:fillRef idx="1">
-        <a:scrgbClr r="0" g="0" b="0"/>
-      </a:fillRef>
-      <a:effectRef idx="2">
-        <a:scrgbClr r="0" g="0" b="0"/>
-      </a:effectRef>
-      <a:fontRef idx="minor"/>
-    </dgm:style>
-  </dgm:styleLbl>
-  <dgm:styleLbl name="trBgShp">
-    <dgm:scene3d>
-      <a:camera prst="orthographicFront"/>
-      <a:lightRig rig="threePt" dir="t"/>
-    </dgm:scene3d>
-    <dgm:sp3d/>
-    <dgm:txPr/>
-    <dgm:style>
-      <a:lnRef idx="0">
-        <a:scrgbClr r="0" g="0" b="0"/>
-      </a:lnRef>
-      <a:fillRef idx="1">
-        <a:scrgbClr r="0" g="0" b="0"/>
-      </a:fillRef>
-      <a:effectRef idx="0">
-        <a:scrgbClr r="0" g="0" b="0"/>
-      </a:effectRef>
-      <a:fontRef idx="minor"/>
-    </dgm:style>
-  </dgm:styleLbl>
-  <dgm:styleLbl name="fgShp">
-    <dgm:scene3d>
-      <a:camera prst="orthographicFront"/>
-      <a:lightRig rig="threePt" dir="t"/>
-    </dgm:scene3d>
-    <dgm:sp3d/>
-    <dgm:txPr/>
-    <dgm:style>
-      <a:lnRef idx="0">
-        <a:scrgbClr r="0" g="0" b="0"/>
-      </a:lnRef>
-      <a:fillRef idx="3">
-        <a:scrgbClr r="0" g="0" b="0"/>
-      </a:fillRef>
-      <a:effectRef idx="2">
-        <a:scrgbClr r="0" g="0" b="0"/>
-      </a:effectRef>
-      <a:fontRef idx="minor"/>
-    </dgm:style>
-  </dgm:styleLbl>
-  <dgm:styleLbl name="revTx">
-    <dgm:scene3d>
-      <a:camera prst="orthographicFront"/>
-      <a:lightRig rig="threePt" dir="t"/>
-    </dgm:scene3d>
-    <dgm:sp3d/>
-    <dgm:txPr/>
-    <dgm:style>
-      <a:lnRef idx="0">
-        <a:scrgbClr r="0" g="0" b="0"/>
-      </a:lnRef>
-      <a:fillRef idx="0">
-        <a:scrgbClr r="0" g="0" b="0"/>
-      </a:fillRef>
-      <a:effectRef idx="0">
-        <a:scrgbClr r="0" g="0" b="0"/>
-      </a:effectRef>
-      <a:fontRef idx="minor"/>
-    </dgm:style>
-  </dgm:styleLbl>
-</dgm:styleDef>
-</file>
-
-<file path=ppt/diagrams/quickStyle3.xml><?xml version="1.0" encoding="utf-8"?>
-<dgm:styleDef xmlns:dgm="http://schemas.openxmlformats.org/drawingml/2006/diagram" xmlns:a="http://schemas.openxmlformats.org/drawingml/2006/main" uniqueId="urn:microsoft.com/office/officeart/2005/8/quickstyle/simple1">
-  <dgm:title val=""/>
-  <dgm:desc val=""/>
-  <dgm:catLst>
-    <dgm:cat type="simple" pri="10100"/>
-  </dgm:catLst>
-  <dgm:scene3d>
-    <a:camera prst="orthographicFront"/>
-    <a:lightRig rig="threePt" dir="t"/>
-  </dgm:scene3d>
-  <dgm:styleLbl name="node0">
-    <dgm:scene3d>
-      <a:camera prst="orthographicFront"/>
-      <a:lightRig rig="threePt" dir="t"/>
-    </dgm:scene3d>
-    <dgm:sp3d/>
-    <dgm:txPr/>
-    <dgm:style>
-      <a:lnRef idx="2">
-        <a:scrgbClr r="0" g="0" b="0"/>
-      </a:lnRef>
-      <a:fillRef idx="1">
-        <a:scrgbClr r="0" g="0" b="0"/>
-      </a:fillRef>
-      <a:effectRef idx="0">
-        <a:scrgbClr r="0" g="0" b="0"/>
-      </a:effectRef>
-      <a:fontRef idx="minor">
-        <a:schemeClr val="lt1"/>
-      </a:fontRef>
-    </dgm:style>
-  </dgm:styleLbl>
-  <dgm:styleLbl name="lnNode1">
-    <dgm:scene3d>
-      <a:camera prst="orthographicFront"/>
-      <a:lightRig rig="threePt" dir="t"/>
-    </dgm:scene3d>
-    <dgm:sp3d/>
-    <dgm:txPr/>
-    <dgm:style>
-      <a:lnRef idx="2">
-        <a:scrgbClr r="0" g="0" b="0"/>
-      </a:lnRef>
-      <a:fillRef idx="1">
-        <a:scrgbClr r="0" g="0" b="0"/>
-      </a:fillRef>
-      <a:effectRef idx="0">
-        <a:scrgbClr r="0" g="0" b="0"/>
-      </a:effectRef>
-      <a:fontRef idx="minor">
-        <a:schemeClr val="lt1"/>
-      </a:fontRef>
-    </dgm:style>
-  </dgm:styleLbl>
-  <dgm:styleLbl name="vennNode1">
-    <dgm:scene3d>
-      <a:camera prst="orthographicFront"/>
-      <a:lightRig rig="threePt" dir="t"/>
-    </dgm:scene3d>
-    <dgm:sp3d/>
-    <dgm:txPr/>
-    <dgm:style>
-      <a:lnRef idx="2">
-        <a:scrgbClr r="0" g="0" b="0"/>
-      </a:lnRef>
-      <a:fillRef idx="1">
-        <a:scrgbClr r="0" g="0" b="0"/>
-      </a:fillRef>
-      <a:effectRef idx="0">
-        <a:scrgbClr r="0" g="0" b="0"/>
-      </a:effectRef>
-      <a:fontRef idx="minor">
-        <a:schemeClr val="tx1"/>
-      </a:fontRef>
-    </dgm:style>
-  </dgm:styleLbl>
-  <dgm:styleLbl name="alignNode1">
-    <dgm:scene3d>
-      <a:camera prst="orthographicFront"/>
-      <a:lightRig rig="threePt" dir="t"/>
-    </dgm:scene3d>
-    <dgm:sp3d/>
-    <dgm:txPr/>
-    <dgm:style>
-      <a:lnRef idx="2">
-        <a:scrgbClr r="0" g="0" b="0"/>
-      </a:lnRef>
-      <a:fillRef idx="1">
-        <a:scrgbClr r="0" g="0" b="0"/>
-      </a:fillRef>
-      <a:effectRef idx="0">
-        <a:scrgbClr r="0" g="0" b="0"/>
-      </a:effectRef>
-      <a:fontRef idx="minor">
-        <a:schemeClr val="lt1"/>
-      </a:fontRef>
-    </dgm:style>
-  </dgm:styleLbl>
-  <dgm:styleLbl name="node1">
-    <dgm:scene3d>
-      <a:camera prst="orthographicFront"/>
-      <a:lightRig rig="threePt" dir="t"/>
-    </dgm:scene3d>
-    <dgm:sp3d/>
-    <dgm:txPr/>
-    <dgm:style>
-      <a:lnRef idx="2">
-        <a:scrgbClr r="0" g="0" b="0"/>
-      </a:lnRef>
-      <a:fillRef idx="1">
-        <a:scrgbClr r="0" g="0" b="0"/>
-      </a:fillRef>
-      <a:effectRef idx="0">
-        <a:scrgbClr r="0" g="0" b="0"/>
-      </a:effectRef>
-      <a:fontRef idx="minor">
-        <a:schemeClr val="lt1"/>
-      </a:fontRef>
-    </dgm:style>
-  </dgm:styleLbl>
-  <dgm:styleLbl name="node2">
-    <dgm:scene3d>
-      <a:camera prst="orthographicFront"/>
-      <a:lightRig rig="threePt" dir="t"/>
-    </dgm:scene3d>
-    <dgm:sp3d/>
-    <dgm:txPr/>
-    <dgm:style>
-      <a:lnRef idx="2">
-        <a:scrgbClr r="0" g="0" b="0"/>
-      </a:lnRef>
-      <a:fillRef idx="1">
-        <a:scrgbClr r="0" g="0" b="0"/>
-      </a:fillRef>
-      <a:effectRef idx="0">
-        <a:scrgbClr r="0" g="0" b="0"/>
-      </a:effectRef>
-      <a:fontRef idx="minor">
-        <a:schemeClr val="lt1"/>
-      </a:fontRef>
-    </dgm:style>
-  </dgm:styleLbl>
-  <dgm:styleLbl name="node3">
-    <dgm:scene3d>
-      <a:camera prst="orthographicFront"/>
-      <a:lightRig rig="threePt" dir="t"/>
-    </dgm:scene3d>
-    <dgm:sp3d/>
-    <dgm:txPr/>
-    <dgm:style>
-      <a:lnRef idx="2">
-        <a:scrgbClr r="0" g="0" b="0"/>
-      </a:lnRef>
-      <a:fillRef idx="1">
-        <a:scrgbClr r="0" g="0" b="0"/>
-      </a:fillRef>
-      <a:effectRef idx="0">
-        <a:scrgbClr r="0" g="0" b="0"/>
-      </a:effectRef>
-      <a:fontRef idx="minor">
-        <a:schemeClr val="lt1"/>
-      </a:fontRef>
-    </dgm:style>
-  </dgm:styleLbl>
-  <dgm:styleLbl name="node4">
-    <dgm:scene3d>
-      <a:camera prst="orthographicFront"/>
-      <a:lightRig rig="threePt" dir="t"/>
-    </dgm:scene3d>
-    <dgm:sp3d/>
-    <dgm:txPr/>
-    <dgm:style>
-      <a:lnRef idx="2">
-        <a:scrgbClr r="0" g="0" b="0"/>
-      </a:lnRef>
-      <a:fillRef idx="1">
-        <a:scrgbClr r="0" g="0" b="0"/>
-      </a:fillRef>
-      <a:effectRef idx="0">
-        <a:scrgbClr r="0" g="0" b="0"/>
-      </a:effectRef>
-      <a:fontRef idx="minor">
-        <a:schemeClr val="lt1"/>
-      </a:fontRef>
-    </dgm:style>
-  </dgm:styleLbl>
-  <dgm:styleLbl name="fgImgPlace1">
-    <dgm:scene3d>
-      <a:camera prst="orthographicFront"/>
-      <a:lightRig rig="threePt" dir="t"/>
-    </dgm:scene3d>
-    <dgm:sp3d/>
-    <dgm:txPr/>
-    <dgm:style>
-      <a:lnRef idx="2">
-        <a:scrgbClr r="0" g="0" b="0"/>
-      </a:lnRef>
-      <a:fillRef idx="1">
-        <a:scrgbClr r="0" g="0" b="0"/>
-      </a:fillRef>
-      <a:effectRef idx="0">
-        <a:scrgbClr r="0" g="0" b="0"/>
-      </a:effectRef>
-      <a:fontRef idx="minor"/>
-    </dgm:style>
-  </dgm:styleLbl>
-  <dgm:styleLbl name="alignImgPlace1">
-    <dgm:scene3d>
-      <a:camera prst="orthographicFront"/>
-      <a:lightRig rig="threePt" dir="t"/>
-    </dgm:scene3d>
-    <dgm:sp3d/>
-    <dgm:txPr/>
-    <dgm:style>
-      <a:lnRef idx="2">
-        <a:scrgbClr r="0" g="0" b="0"/>
-      </a:lnRef>
-      <a:fillRef idx="1">
-        <a:scrgbClr r="0" g="0" b="0"/>
-      </a:fillRef>
-      <a:effectRef idx="0">
-        <a:scrgbClr r="0" g="0" b="0"/>
-      </a:effectRef>
-      <a:fontRef idx="minor"/>
-    </dgm:style>
-  </dgm:styleLbl>
-  <dgm:styleLbl name="bgImgPlace1">
-    <dgm:scene3d>
-      <a:camera prst="orthographicFront"/>
-      <a:lightRig rig="threePt" dir="t"/>
-    </dgm:scene3d>
-    <dgm:sp3d/>
-    <dgm:txPr/>
-    <dgm:style>
-      <a:lnRef idx="2">
-        <a:scrgbClr r="0" g="0" b="0"/>
-      </a:lnRef>
-      <a:fillRef idx="1">
-        <a:scrgbClr r="0" g="0" b="0"/>
-      </a:fillRef>
-      <a:effectRef idx="0">
-        <a:scrgbClr r="0" g="0" b="0"/>
-      </a:effectRef>
-      <a:fontRef idx="minor"/>
-    </dgm:style>
-  </dgm:styleLbl>
-  <dgm:styleLbl name="sibTrans2D1">
-    <dgm:scene3d>
-      <a:camera prst="orthographicFront"/>
-      <a:lightRig rig="threePt" dir="t"/>
-    </dgm:scene3d>
-    <dgm:sp3d/>
-    <dgm:txPr/>
-    <dgm:style>
-      <a:lnRef idx="0">
-        <a:scrgbClr r="0" g="0" b="0"/>
-      </a:lnRef>
-      <a:fillRef idx="1">
-        <a:scrgbClr r="0" g="0" b="0"/>
-      </a:fillRef>
-      <a:effectRef idx="0">
-        <a:scrgbClr r="0" g="0" b="0"/>
-      </a:effectRef>
-      <a:fontRef idx="minor">
-        <a:schemeClr val="lt1"/>
-      </a:fontRef>
-    </dgm:style>
-  </dgm:styleLbl>
-  <dgm:styleLbl name="fgSibTrans2D1">
-    <dgm:scene3d>
-      <a:camera prst="orthographicFront"/>
-      <a:lightRig rig="threePt" dir="t"/>
-    </dgm:scene3d>
-    <dgm:sp3d/>
-    <dgm:txPr/>
-    <dgm:style>
-      <a:lnRef idx="0">
-        <a:scrgbClr r="0" g="0" b="0"/>
-      </a:lnRef>
-      <a:fillRef idx="1">
-        <a:scrgbClr r="0" g="0" b="0"/>
-      </a:fillRef>
-      <a:effectRef idx="0">
-        <a:scrgbClr r="0" g="0" b="0"/>
-      </a:effectRef>
-      <a:fontRef idx="minor">
-        <a:schemeClr val="lt1"/>
-      </a:fontRef>
-    </dgm:style>
-  </dgm:styleLbl>
-  <dgm:styleLbl name="bgSibTrans2D1">
-    <dgm:scene3d>
-      <a:camera prst="orthographicFront"/>
-      <a:lightRig rig="threePt" dir="t"/>
-    </dgm:scene3d>
-    <dgm:sp3d/>
-    <dgm:txPr/>
-    <dgm:style>
-      <a:lnRef idx="0">
-        <a:scrgbClr r="0" g="0" b="0"/>
-      </a:lnRef>
-      <a:fillRef idx="1">
-        <a:scrgbClr r="0" g="0" b="0"/>
-      </a:fillRef>
-      <a:effectRef idx="0">
-        <a:scrgbClr r="0" g="0" b="0"/>
-      </a:effectRef>
-      <a:fontRef idx="minor">
-        <a:schemeClr val="lt1"/>
-      </a:fontRef>
-    </dgm:style>
-  </dgm:styleLbl>
-  <dgm:styleLbl name="sibTrans1D1">
-    <dgm:scene3d>
-      <a:camera prst="orthographicFront"/>
-      <a:lightRig rig="threePt" dir="t"/>
-    </dgm:scene3d>
-    <dgm:sp3d/>
-    <dgm:txPr/>
-    <dgm:style>
-      <a:lnRef idx="1">
-        <a:scrgbClr r="0" g="0" b="0"/>
-      </a:lnRef>
-      <a:fillRef idx="0">
-        <a:scrgbClr r="0" g="0" b="0"/>
-      </a:fillRef>
-      <a:effectRef idx="0">
-        <a:scrgbClr r="0" g="0" b="0"/>
-      </a:effectRef>
-      <a:fontRef idx="minor"/>
-    </dgm:style>
-  </dgm:styleLbl>
-  <dgm:styleLbl name="callout">
-    <dgm:scene3d>
-      <a:camera prst="orthographicFront"/>
-      <a:lightRig rig="threePt" dir="t"/>
-    </dgm:scene3d>
-    <dgm:sp3d/>
-    <dgm:txPr/>
-    <dgm:style>
-      <a:lnRef idx="2">
-        <a:scrgbClr r="0" g="0" b="0"/>
-      </a:lnRef>
-      <a:fillRef idx="1">
-        <a:scrgbClr r="0" g="0" b="0"/>
-      </a:fillRef>
-      <a:effectRef idx="0">
-        <a:scrgbClr r="0" g="0" b="0"/>
-      </a:effectRef>
-      <a:fontRef idx="minor"/>
-    </dgm:style>
-  </dgm:styleLbl>
-  <dgm:styleLbl name="asst0">
-    <dgm:scene3d>
-      <a:camera prst="orthographicFront"/>
-      <a:lightRig rig="threePt" dir="t"/>
-    </dgm:scene3d>
-    <dgm:sp3d/>
-    <dgm:txPr/>
-    <dgm:style>
-      <a:lnRef idx="2">
-        <a:scrgbClr r="0" g="0" b="0"/>
-      </a:lnRef>
-      <a:fillRef idx="1">
-        <a:scrgbClr r="0" g="0" b="0"/>
-      </a:fillRef>
-      <a:effectRef idx="0">
-        <a:scrgbClr r="0" g="0" b="0"/>
-      </a:effectRef>
-      <a:fontRef idx="minor">
-        <a:schemeClr val="lt1"/>
-      </a:fontRef>
-    </dgm:style>
-  </dgm:styleLbl>
-  <dgm:styleLbl name="asst1">
-    <dgm:scene3d>
-      <a:camera prst="orthographicFront"/>
-      <a:lightRig rig="threePt" dir="t"/>
-    </dgm:scene3d>
-    <dgm:sp3d/>
-    <dgm:txPr/>
-    <dgm:style>
-      <a:lnRef idx="2">
-        <a:scrgbClr r="0" g="0" b="0"/>
-      </a:lnRef>
-      <a:fillRef idx="1">
-        <a:scrgbClr r="0" g="0" b="0"/>
-      </a:fillRef>
-      <a:effectRef idx="0">
-        <a:scrgbClr r="0" g="0" b="0"/>
-      </a:effectRef>
-      <a:fontRef idx="minor">
-        <a:schemeClr val="lt1"/>
-      </a:fontRef>
-    </dgm:style>
-  </dgm:styleLbl>
-  <dgm:styleLbl name="asst2">
-    <dgm:scene3d>
-      <a:camera prst="orthographicFront"/>
-      <a:lightRig rig="threePt" dir="t"/>
-    </dgm:scene3d>
-    <dgm:sp3d/>
-    <dgm:txPr/>
-    <dgm:style>
-      <a:lnRef idx="2">
-        <a:scrgbClr r="0" g="0" b="0"/>
-      </a:lnRef>
-      <a:fillRef idx="1">
-        <a:scrgbClr r="0" g="0" b="0"/>
-      </a:fillRef>
-      <a:effectRef idx="0">
-        <a:scrgbClr r="0" g="0" b="0"/>
-      </a:effectRef>
-      <a:fontRef idx="minor">
-        <a:schemeClr val="lt1"/>
-      </a:fontRef>
-    </dgm:style>
-  </dgm:styleLbl>
-  <dgm:styleLbl name="asst3">
-    <dgm:scene3d>
-      <a:camera prst="orthographicFront"/>
-      <a:lightRig rig="threePt" dir="t"/>
-    </dgm:scene3d>
-    <dgm:sp3d/>
-    <dgm:txPr/>
-    <dgm:style>
-      <a:lnRef idx="2">
-        <a:scrgbClr r="0" g="0" b="0"/>
-      </a:lnRef>
-      <a:fillRef idx="1">
-        <a:scrgbClr r="0" g="0" b="0"/>
-      </a:fillRef>
-      <a:effectRef idx="0">
-        <a:scrgbClr r="0" g="0" b="0"/>
-      </a:effectRef>
-      <a:fontRef idx="minor">
-        <a:schemeClr val="lt1"/>
-      </a:fontRef>
-    </dgm:style>
-  </dgm:styleLbl>
-  <dgm:styleLbl name="asst4">
-    <dgm:scene3d>
-      <a:camera prst="orthographicFront"/>
-      <a:lightRig rig="threePt" dir="t"/>
-    </dgm:scene3d>
-    <dgm:sp3d/>
-    <dgm:txPr/>
-    <dgm:style>
-      <a:lnRef idx="2">
-        <a:scrgbClr r="0" g="0" b="0"/>
-      </a:lnRef>
-      <a:fillRef idx="1">
-        <a:scrgbClr r="0" g="0" b="0"/>
-      </a:fillRef>
-      <a:effectRef idx="0">
-        <a:scrgbClr r="0" g="0" b="0"/>
-      </a:effectRef>
-      <a:fontRef idx="minor">
-        <a:schemeClr val="lt1"/>
-      </a:fontRef>
-    </dgm:style>
-  </dgm:styleLbl>
-  <dgm:styleLbl name="parChTrans2D1">
-    <dgm:scene3d>
-      <a:camera prst="orthographicFront"/>
-      <a:lightRig rig="threePt" dir="t"/>
-    </dgm:scene3d>
-    <dgm:sp3d/>
-    <dgm:txPr/>
-    <dgm:style>
-      <a:lnRef idx="2">
-        <a:scrgbClr r="0" g="0" b="0"/>
-      </a:lnRef>
-      <a:fillRef idx="1">
-        <a:scrgbClr r="0" g="0" b="0"/>
-      </a:fillRef>
-      <a:effectRef idx="0">
-        <a:scrgbClr r="0" g="0" b="0"/>
-      </a:effectRef>
-      <a:fontRef idx="minor">
-        <a:schemeClr val="lt1"/>
-      </a:fontRef>
-    </dgm:style>
-  </dgm:styleLbl>
-  <dgm:styleLbl name="parChTrans2D2">
-    <dgm:scene3d>
-      <a:camera prst="orthographicFront"/>
-      <a:lightRig rig="threePt" dir="t"/>
-    </dgm:scene3d>
-    <dgm:sp3d/>
-    <dgm:txPr/>
-    <dgm:style>
-      <a:lnRef idx="2">
-        <a:scrgbClr r="0" g="0" b="0"/>
-      </a:lnRef>
-      <a:fillRef idx="1">
-        <a:scrgbClr r="0" g="0" b="0"/>
-      </a:fillRef>
-      <a:effectRef idx="0">
-        <a:scrgbClr r="0" g="0" b="0"/>
-      </a:effectRef>
-      <a:fontRef idx="minor">
-        <a:schemeClr val="lt1"/>
-      </a:fontRef>
-    </dgm:style>
-  </dgm:styleLbl>
-  <dgm:styleLbl name="parChTrans2D3">
-    <dgm:scene3d>
-      <a:camera prst="orthographicFront"/>
-      <a:lightRig rig="threePt" dir="t"/>
-    </dgm:scene3d>
-    <dgm:sp3d/>
-    <dgm:txPr/>
-    <dgm:style>
-      <a:lnRef idx="2">
-        <a:scrgbClr r="0" g="0" b="0"/>
-      </a:lnRef>
-      <a:fillRef idx="1">
-        <a:scrgbClr r="0" g="0" b="0"/>
-      </a:fillRef>
-      <a:effectRef idx="0">
-        <a:scrgbClr r="0" g="0" b="0"/>
-      </a:effectRef>
-      <a:fontRef idx="minor">
-        <a:schemeClr val="lt1"/>
-      </a:fontRef>
-    </dgm:style>
-  </dgm:styleLbl>
-  <dgm:styleLbl name="parChTrans2D4">
-    <dgm:scene3d>
-      <a:camera prst="orthographicFront"/>
-      <a:lightRig rig="threePt" dir="t"/>
-    </dgm:scene3d>
-    <dgm:sp3d/>
-    <dgm:txPr/>
-    <dgm:style>
-      <a:lnRef idx="2">
-        <a:scrgbClr r="0" g="0" b="0"/>
-      </a:lnRef>
-      <a:fillRef idx="1">
-        <a:scrgbClr r="0" g="0" b="0"/>
-      </a:fillRef>
-      <a:effectRef idx="0">
-        <a:scrgbClr r="0" g="0" b="0"/>
-      </a:effectRef>
-      <a:fontRef idx="minor">
-        <a:schemeClr val="lt1"/>
-      </a:fontRef>
-    </dgm:style>
-  </dgm:styleLbl>
-  <dgm:styleLbl name="parChTrans1D1">
-    <dgm:scene3d>
-      <a:camera prst="orthographicFront"/>
-      <a:lightRig rig="threePt" dir="t"/>
-    </dgm:scene3d>
-    <dgm:sp3d/>
-    <dgm:txPr/>
-    <dgm:style>
-      <a:lnRef idx="2">
-        <a:scrgbClr r="0" g="0" b="0"/>
-      </a:lnRef>
-      <a:fillRef idx="0">
-        <a:scrgbClr r="0" g="0" b="0"/>
-      </a:fillRef>
-      <a:effectRef idx="0">
-        <a:scrgbClr r="0" g="0" b="0"/>
-      </a:effectRef>
-      <a:fontRef idx="minor"/>
-    </dgm:style>
-  </dgm:styleLbl>
-  <dgm:styleLbl name="parChTrans1D2">
-    <dgm:scene3d>
-      <a:camera prst="orthographicFront"/>
-      <a:lightRig rig="threePt" dir="t"/>
-    </dgm:scene3d>
-    <dgm:sp3d/>
-    <dgm:txPr/>
-    <dgm:style>
-      <a:lnRef idx="2">
-        <a:scrgbClr r="0" g="0" b="0"/>
-      </a:lnRef>
-      <a:fillRef idx="0">
-        <a:scrgbClr r="0" g="0" b="0"/>
-      </a:fillRef>
-      <a:effectRef idx="0">
-        <a:scrgbClr r="0" g="0" b="0"/>
-      </a:effectRef>
-      <a:fontRef idx="minor"/>
-    </dgm:style>
-  </dgm:styleLbl>
-  <dgm:styleLbl name="parChTrans1D3">
-    <dgm:scene3d>
-      <a:camera prst="orthographicFront"/>
-      <a:lightRig rig="threePt" dir="t"/>
-    </dgm:scene3d>
-    <dgm:sp3d/>
-    <dgm:txPr/>
-    <dgm:style>
-      <a:lnRef idx="2">
-        <a:scrgbClr r="0" g="0" b="0"/>
-      </a:lnRef>
-      <a:fillRef idx="0">
-        <a:scrgbClr r="0" g="0" b="0"/>
-      </a:fillRef>
-      <a:effectRef idx="0">
-        <a:scrgbClr r="0" g="0" b="0"/>
-      </a:effectRef>
-      <a:fontRef idx="minor"/>
-    </dgm:style>
-  </dgm:styleLbl>
-  <dgm:styleLbl name="parChTrans1D4">
-    <dgm:scene3d>
-      <a:camera prst="orthographicFront"/>
-      <a:lightRig rig="threePt" dir="t"/>
-    </dgm:scene3d>
-    <dgm:sp3d/>
-    <dgm:txPr/>
-    <dgm:style>
-      <a:lnRef idx="2">
-        <a:scrgbClr r="0" g="0" b="0"/>
-      </a:lnRef>
-      <a:fillRef idx="0">
-        <a:scrgbClr r="0" g="0" b="0"/>
-      </a:fillRef>
-      <a:effectRef idx="0">
-        <a:scrgbClr r="0" g="0" b="0"/>
-      </a:effectRef>
-      <a:fontRef idx="minor"/>
-    </dgm:style>
-  </dgm:styleLbl>
-  <dgm:styleLbl name="fgAcc1">
-    <dgm:scene3d>
-      <a:camera prst="orthographicFront"/>
-      <a:lightRig rig="threePt" dir="t"/>
-    </dgm:scene3d>
-    <dgm:sp3d/>
-    <dgm:txPr/>
-    <dgm:style>
-      <a:lnRef idx="2">
-        <a:scrgbClr r="0" g="0" b="0"/>
-      </a:lnRef>
-      <a:fillRef idx="1">
-        <a:scrgbClr r="0" g="0" b="0"/>
-      </a:fillRef>
-      <a:effectRef idx="0">
-        <a:scrgbClr r="0" g="0" b="0"/>
-      </a:effectRef>
-      <a:fontRef idx="minor"/>
-    </dgm:style>
-  </dgm:styleLbl>
-  <dgm:styleLbl name="conFgAcc1">
-    <dgm:scene3d>
-      <a:camera prst="orthographicFront"/>
-      <a:lightRig rig="threePt" dir="t"/>
-    </dgm:scene3d>
-    <dgm:sp3d/>
-    <dgm:txPr/>
-    <dgm:style>
-      <a:lnRef idx="2">
-        <a:scrgbClr r="0" g="0" b="0"/>
-      </a:lnRef>
-      <a:fillRef idx="1">
-        <a:scrgbClr r="0" g="0" b="0"/>
-      </a:fillRef>
-      <a:effectRef idx="0">
-        <a:scrgbClr r="0" g="0" b="0"/>
-      </a:effectRef>
-      <a:fontRef idx="minor"/>
-    </dgm:style>
-  </dgm:styleLbl>
-  <dgm:styleLbl name="alignAcc1">
-    <dgm:scene3d>
-      <a:camera prst="orthographicFront"/>
-      <a:lightRig rig="threePt" dir="t"/>
-    </dgm:scene3d>
-    <dgm:sp3d/>
-    <dgm:txPr/>
-    <dgm:style>
-      <a:lnRef idx="2">
-        <a:scrgbClr r="0" g="0" b="0"/>
-      </a:lnRef>
-      <a:fillRef idx="1">
-        <a:scrgbClr r="0" g="0" b="0"/>
-      </a:fillRef>
-      <a:effectRef idx="0">
-        <a:scrgbClr r="0" g="0" b="0"/>
-      </a:effectRef>
-      <a:fontRef idx="minor"/>
-    </dgm:style>
-  </dgm:styleLbl>
-  <dgm:styleLbl name="trAlignAcc1">
-    <dgm:scene3d>
-      <a:camera prst="orthographicFront"/>
-      <a:lightRig rig="threePt" dir="t"/>
-    </dgm:scene3d>
-    <dgm:sp3d/>
-    <dgm:txPr/>
-    <dgm:style>
-      <a:lnRef idx="1">
-        <a:scrgbClr r="0" g="0" b="0"/>
-      </a:lnRef>
-      <a:fillRef idx="1">
-        <a:scrgbClr r="0" g="0" b="0"/>
-      </a:fillRef>
-      <a:effectRef idx="0">
-        <a:scrgbClr r="0" g="0" b="0"/>
-      </a:effectRef>
-      <a:fontRef idx="minor"/>
-    </dgm:style>
-  </dgm:styleLbl>
-  <dgm:styleLbl name="bgAcc1">
-    <dgm:scene3d>
-      <a:camera prst="orthographicFront"/>
-      <a:lightRig rig="threePt" dir="t"/>
-    </dgm:scene3d>
-    <dgm:sp3d/>
-    <dgm:txPr/>
-    <dgm:style>
-      <a:lnRef idx="2">
-        <a:scrgbClr r="0" g="0" b="0"/>
-      </a:lnRef>
-      <a:fillRef idx="1">
-        <a:scrgbClr r="0" g="0" b="0"/>
-      </a:fillRef>
-      <a:effectRef idx="0">
-        <a:scrgbClr r="0" g="0" b="0"/>
-      </a:effectRef>
-      <a:fontRef idx="minor"/>
-    </dgm:style>
-  </dgm:styleLbl>
-  <dgm:styleLbl name="solidFgAcc1">
-    <dgm:scene3d>
-      <a:camera prst="orthographicFront"/>
-      <a:lightRig rig="threePt" dir="t"/>
-    </dgm:scene3d>
-    <dgm:sp3d/>
-    <dgm:txPr/>
-    <dgm:style>
-      <a:lnRef idx="2">
-        <a:scrgbClr r="0" g="0" b="0"/>
-      </a:lnRef>
-      <a:fillRef idx="1">
-        <a:scrgbClr r="0" g="0" b="0"/>
-      </a:fillRef>
-      <a:effectRef idx="0">
-        <a:scrgbClr r="0" g="0" b="0"/>
-      </a:effectRef>
-      <a:fontRef idx="minor"/>
-    </dgm:style>
-  </dgm:styleLbl>
-  <dgm:styleLbl name="solidAlignAcc1">
-    <dgm:scene3d>
-      <a:camera prst="orthographicFront"/>
-      <a:lightRig rig="threePt" dir="t"/>
-    </dgm:scene3d>
-    <dgm:sp3d/>
-    <dgm:txPr/>
-    <dgm:style>
-      <a:lnRef idx="2">
-        <a:scrgbClr r="0" g="0" b="0"/>
-      </a:lnRef>
-      <a:fillRef idx="1">
-        <a:scrgbClr r="0" g="0" b="0"/>
-      </a:fillRef>
-      <a:effectRef idx="0">
-        <a:scrgbClr r="0" g="0" b="0"/>
-      </a:effectRef>
-      <a:fontRef idx="minor"/>
-    </dgm:style>
-  </dgm:styleLbl>
-  <dgm:styleLbl name="solidBgAcc1">
-    <dgm:scene3d>
-      <a:camera prst="orthographicFront"/>
-      <a:lightRig rig="threePt" dir="t"/>
-    </dgm:scene3d>
-    <dgm:sp3d/>
-    <dgm:txPr/>
-    <dgm:style>
-      <a:lnRef idx="2">
-        <a:scrgbClr r="0" g="0" b="0"/>
-      </a:lnRef>
-      <a:fillRef idx="1">
-        <a:scrgbClr r="0" g="0" b="0"/>
-      </a:fillRef>
-      <a:effectRef idx="0">
-        <a:scrgbClr r="0" g="0" b="0"/>
-      </a:effectRef>
-      <a:fontRef idx="minor"/>
-    </dgm:style>
-  </dgm:styleLbl>
-  <dgm:styleLbl name="fgAccFollowNode1">
-    <dgm:scene3d>
-      <a:camera prst="orthographicFront"/>
-      <a:lightRig rig="threePt" dir="t"/>
-    </dgm:scene3d>
-    <dgm:sp3d/>
-    <dgm:txPr/>
-    <dgm:style>
-      <a:lnRef idx="2">
-        <a:scrgbClr r="0" g="0" b="0"/>
-      </a:lnRef>
-      <a:fillRef idx="1">
-        <a:scrgbClr r="0" g="0" b="0"/>
-      </a:fillRef>
-      <a:effectRef idx="0">
-        <a:scrgbClr r="0" g="0" b="0"/>
-      </a:effectRef>
-      <a:fontRef idx="minor"/>
-    </dgm:style>
-  </dgm:styleLbl>
-  <dgm:styleLbl name="alignAccFollowNode1">
-    <dgm:scene3d>
-      <a:camera prst="orthographicFront"/>
-      <a:lightRig rig="threePt" dir="t"/>
-    </dgm:scene3d>
-    <dgm:sp3d/>
-    <dgm:txPr/>
-    <dgm:style>
-      <a:lnRef idx="2">
-        <a:scrgbClr r="0" g="0" b="0"/>
-      </a:lnRef>
-      <a:fillRef idx="1">
-        <a:scrgbClr r="0" g="0" b="0"/>
-      </a:fillRef>
-      <a:effectRef idx="0">
-        <a:scrgbClr r="0" g="0" b="0"/>
-      </a:effectRef>
-      <a:fontRef idx="minor"/>
-    </dgm:style>
-  </dgm:styleLbl>
-  <dgm:styleLbl name="bgAccFollowNode1">
-    <dgm:scene3d>
-      <a:camera prst="orthographicFront"/>
-      <a:lightRig rig="threePt" dir="t"/>
-    </dgm:scene3d>
-    <dgm:sp3d/>
-    <dgm:txPr/>
-    <dgm:style>
-      <a:lnRef idx="2">
-        <a:scrgbClr r="0" g="0" b="0"/>
-      </a:lnRef>
-      <a:fillRef idx="1">
-        <a:scrgbClr r="0" g="0" b="0"/>
-      </a:fillRef>
-      <a:effectRef idx="0">
-        <a:scrgbClr r="0" g="0" b="0"/>
-      </a:effectRef>
-      <a:fontRef idx="minor"/>
-    </dgm:style>
-  </dgm:styleLbl>
-  <dgm:styleLbl name="fgAcc0">
-    <dgm:scene3d>
-      <a:camera prst="orthographicFront"/>
-      <a:lightRig rig="threePt" dir="t"/>
-    </dgm:scene3d>
-    <dgm:sp3d/>
-    <dgm:txPr/>
-    <dgm:style>
-      <a:lnRef idx="2">
-        <a:scrgbClr r="0" g="0" b="0"/>
-      </a:lnRef>
-      <a:fillRef idx="1">
-        <a:scrgbClr r="0" g="0" b="0"/>
-      </a:fillRef>
-      <a:effectRef idx="0">
-        <a:scrgbClr r="0" g="0" b="0"/>
-      </a:effectRef>
-      <a:fontRef idx="minor"/>
-    </dgm:style>
-  </dgm:styleLbl>
-  <dgm:styleLbl name="fgAcc2">
-    <dgm:scene3d>
-      <a:camera prst="orthographicFront"/>
-      <a:lightRig rig="threePt" dir="t"/>
-    </dgm:scene3d>
-    <dgm:sp3d/>
-    <dgm:txPr/>
-    <dgm:style>
-      <a:lnRef idx="2">
-        <a:scrgbClr r="0" g="0" b="0"/>
-      </a:lnRef>
-      <a:fillRef idx="1">
-        <a:scrgbClr r="0" g="0" b="0"/>
-      </a:fillRef>
-      <a:effectRef idx="0">
-        <a:scrgbClr r="0" g="0" b="0"/>
-      </a:effectRef>
-      <a:fontRef idx="minor"/>
-    </dgm:style>
-  </dgm:styleLbl>
-  <dgm:styleLbl name="fgAcc3">
-    <dgm:scene3d>
-      <a:camera prst="orthographicFront"/>
-      <a:lightRig rig="threePt" dir="t"/>
-    </dgm:scene3d>
-    <dgm:sp3d/>
-    <dgm:txPr/>
-    <dgm:style>
-      <a:lnRef idx="2">
-        <a:scrgbClr r="0" g="0" b="0"/>
-      </a:lnRef>
-      <a:fillRef idx="1">
-        <a:scrgbClr r="0" g="0" b="0"/>
-      </a:fillRef>
-      <a:effectRef idx="0">
-        <a:scrgbClr r="0" g="0" b="0"/>
-      </a:effectRef>
-      <a:fontRef idx="minor"/>
-    </dgm:style>
-  </dgm:styleLbl>
-  <dgm:styleLbl name="fgAcc4">
-    <dgm:scene3d>
-      <a:camera prst="orthographicFront"/>
-      <a:lightRig rig="threePt" dir="t"/>
-    </dgm:scene3d>
-    <dgm:sp3d/>
-    <dgm:txPr/>
-    <dgm:style>
-      <a:lnRef idx="2">
-        <a:scrgbClr r="0" g="0" b="0"/>
-      </a:lnRef>
-      <a:fillRef idx="1">
-        <a:scrgbClr r="0" g="0" b="0"/>
-      </a:fillRef>
-      <a:effectRef idx="0">
-        <a:scrgbClr r="0" g="0" b="0"/>
-      </a:effectRef>
-      <a:fontRef idx="minor"/>
-    </dgm:style>
-  </dgm:styleLbl>
-  <dgm:styleLbl name="bgShp">
-    <dgm:scene3d>
-      <a:camera prst="orthographicFront"/>
-      <a:lightRig rig="threePt" dir="t"/>
-    </dgm:scene3d>
-    <dgm:sp3d/>
-    <dgm:txPr/>
-    <dgm:style>
-      <a:lnRef idx="0">
-        <a:scrgbClr r="0" g="0" b="0"/>
-      </a:lnRef>
-      <a:fillRef idx="1">
-        <a:scrgbClr r="0" g="0" b="0"/>
-      </a:fillRef>
-      <a:effectRef idx="0">
-        <a:scrgbClr r="0" g="0" b="0"/>
-      </a:effectRef>
-      <a:fontRef idx="minor"/>
-    </dgm:style>
-  </dgm:styleLbl>
-  <dgm:styleLbl name="dkBgShp">
-    <dgm:scene3d>
-      <a:camera prst="orthographicFront"/>
-      <a:lightRig rig="threePt" dir="t"/>
-    </dgm:scene3d>
-    <dgm:sp3d/>
-    <dgm:txPr/>
-    <dgm:style>
-      <a:lnRef idx="0">
-        <a:scrgbClr r="0" g="0" b="0"/>
-      </a:lnRef>
-      <a:fillRef idx="1">
-        <a:scrgbClr r="0" g="0" b="0"/>
-      </a:fillRef>
-      <a:effectRef idx="0">
-        <a:scrgbClr r="0" g="0" b="0"/>
-      </a:effectRef>
-      <a:fontRef idx="minor"/>
-    </dgm:style>
-  </dgm:styleLbl>
-  <dgm:styleLbl name="trBgShp">
-    <dgm:scene3d>
-      <a:camera prst="orthographicFront"/>
-      <a:lightRig rig="threePt" dir="t"/>
-    </dgm:scene3d>
-    <dgm:sp3d/>
-    <dgm:txPr/>
-    <dgm:style>
-      <a:lnRef idx="0">
-        <a:scrgbClr r="0" g="0" b="0"/>
-      </a:lnRef>
-      <a:fillRef idx="1">
-        <a:scrgbClr r="0" g="0" b="0"/>
-      </a:fillRef>
-      <a:effectRef idx="0">
-        <a:scrgbClr r="0" g="0" b="0"/>
-      </a:effectRef>
-      <a:fontRef idx="minor"/>
-    </dgm:style>
-  </dgm:styleLbl>
-  <dgm:styleLbl name="fgShp">
-    <dgm:scene3d>
-      <a:camera prst="orthographicFront"/>
-      <a:lightRig rig="threePt" dir="t"/>
-    </dgm:scene3d>
-    <dgm:sp3d/>
-    <dgm:txPr/>
-    <dgm:style>
-      <a:lnRef idx="2">
-        <a:scrgbClr r="0" g="0" b="0"/>
-      </a:lnRef>
-      <a:fillRef idx="1">
-        <a:scrgbClr r="0" g="0" b="0"/>
-      </a:fillRef>
-      <a:effectRef idx="0">
-        <a:scrgbClr r="0" g="0" b="0"/>
-      </a:effectRef>
-      <a:fontRef idx="minor"/>
-    </dgm:style>
-  </dgm:styleLbl>
-  <dgm:styleLbl name="revTx">
-    <dgm:scene3d>
-      <a:camera prst="orthographicFront"/>
-      <a:lightRig rig="threePt" dir="t"/>
-    </dgm:scene3d>
-    <dgm:sp3d/>
-    <dgm:txPr/>
-    <dgm:style>
-      <a:lnRef idx="0">
-        <a:scrgbClr r="0" g="0" b="0"/>
-      </a:lnRef>
-      <a:fillRef idx="0">
-        <a:scrgbClr r="0" g="0" b="0"/>
-      </a:fillRef>
-      <a:effectRef idx="0">
-        <a:scrgbClr r="0" g="0" b="0"/>
-      </a:effectRef>
-      <a:fontRef idx="minor"/>
-    </dgm:style>
-  </dgm:styleLbl>
-</dgm:styleDef>
-</file>
-
-<file path=ppt/diagrams/quickStyle4.xml><?xml version="1.0" encoding="utf-8"?>
 <dgm:styleDef xmlns:dgm="http://schemas.openxmlformats.org/drawingml/2006/diagram" xmlns:a="http://schemas.openxmlformats.org/drawingml/2006/main" uniqueId="urn:microsoft.com/office/officeart/2005/8/quickstyle/simple1">
   <dgm:title val=""/>
   <dgm:desc val=""/>
@@ -12954,7 +7239,7 @@
           <a:p>
             <a:fld id="{7CE5BEBC-D66A-3D40-958A-78C6F7D28329}" type="datetimeFigureOut">
               <a:rPr lang="de-DE" smtClean="0"/>
-              <a:t>20.01.19</a:t>
+              <a:t>22.01.19</a:t>
             </a:fld>
             <a:endParaRPr lang="de-DE"/>
           </a:p>
@@ -13240,10 +7525,7 @@
           <a:bodyPr/>
           <a:lstStyle/>
           <a:p>
-            <a:r>
-              <a:rPr lang="de-DE" dirty="0"/>
-              <a:t>Statistiken: persönliche und Globale </a:t>
-            </a:r>
+            <a:endParaRPr lang="de-DE" dirty="0"/>
           </a:p>
         </p:txBody>
       </p:sp>
@@ -13264,7 +7546,7 @@
           <a:p>
             <a:fld id="{0DEF99C9-A943-A240-910A-B1D75C1F927D}" type="slidenum">
               <a:rPr lang="de-DE" smtClean="0"/>
-              <a:t>3</a:t>
+              <a:t>6</a:t>
             </a:fld>
             <a:endParaRPr lang="de-DE"/>
           </a:p>
@@ -13273,7 +7555,7 @@
     </p:spTree>
     <p:extLst>
       <p:ext uri="{BB962C8B-B14F-4D97-AF65-F5344CB8AC3E}">
-        <p14:creationId xmlns:p14="http://schemas.microsoft.com/office/powerpoint/2010/main" val="1578831701"/>
+        <p14:creationId xmlns:p14="http://schemas.microsoft.com/office/powerpoint/2010/main" val="746993498"/>
       </p:ext>
     </p:extLst>
   </p:cSld>
@@ -13348,91 +7630,7 @@
           <a:p>
             <a:fld id="{0DEF99C9-A943-A240-910A-B1D75C1F927D}" type="slidenum">
               <a:rPr lang="de-DE" smtClean="0"/>
-              <a:t>8</a:t>
-            </a:fld>
-            <a:endParaRPr lang="de-DE"/>
-          </a:p>
-        </p:txBody>
-      </p:sp>
-    </p:spTree>
-    <p:extLst>
-      <p:ext uri="{BB962C8B-B14F-4D97-AF65-F5344CB8AC3E}">
-        <p14:creationId xmlns:p14="http://schemas.microsoft.com/office/powerpoint/2010/main" val="746993498"/>
-      </p:ext>
-    </p:extLst>
-  </p:cSld>
-  <p:clrMapOvr>
-    <a:masterClrMapping/>
-  </p:clrMapOvr>
-</p:notes>
-</file>
-
-<file path=ppt/notesSlides/notesSlide3.xml><?xml version="1.0" encoding="utf-8"?>
-<p:notes xmlns:a="http://schemas.openxmlformats.org/drawingml/2006/main" xmlns:r="http://schemas.openxmlformats.org/officeDocument/2006/relationships" xmlns:p="http://schemas.openxmlformats.org/presentationml/2006/main">
-  <p:cSld>
-    <p:spTree>
-      <p:nvGrpSpPr>
-        <p:cNvPr id="1" name=""/>
-        <p:cNvGrpSpPr/>
-        <p:nvPr/>
-      </p:nvGrpSpPr>
-      <p:grpSpPr>
-        <a:xfrm>
-          <a:off x="0" y="0"/>
-          <a:ext cx="0" cy="0"/>
-          <a:chOff x="0" y="0"/>
-          <a:chExt cx="0" cy="0"/>
-        </a:xfrm>
-      </p:grpSpPr>
-      <p:sp>
-        <p:nvSpPr>
-          <p:cNvPr id="2" name="Folienbildplatzhalter 1"/>
-          <p:cNvSpPr>
-            <a:spLocks noGrp="1" noRot="1" noChangeAspect="1"/>
-          </p:cNvSpPr>
-          <p:nvPr>
-            <p:ph type="sldImg"/>
-          </p:nvPr>
-        </p:nvSpPr>
-        <p:spPr/>
-      </p:sp>
-      <p:sp>
-        <p:nvSpPr>
-          <p:cNvPr id="3" name="Notizenplatzhalter 2"/>
-          <p:cNvSpPr>
-            <a:spLocks noGrp="1"/>
-          </p:cNvSpPr>
-          <p:nvPr>
-            <p:ph type="body" idx="1"/>
-          </p:nvPr>
-        </p:nvSpPr>
-        <p:spPr/>
-        <p:txBody>
-          <a:bodyPr/>
-          <a:lstStyle/>
-          <a:p>
-            <a:endParaRPr lang="de-DE" dirty="0"/>
-          </a:p>
-        </p:txBody>
-      </p:sp>
-      <p:sp>
-        <p:nvSpPr>
-          <p:cNvPr id="4" name="Foliennummernplatzhalter 3"/>
-          <p:cNvSpPr>
-            <a:spLocks noGrp="1"/>
-          </p:cNvSpPr>
-          <p:nvPr>
-            <p:ph type="sldNum" sz="quarter" idx="5"/>
-          </p:nvPr>
-        </p:nvSpPr>
-        <p:spPr/>
-        <p:txBody>
-          <a:bodyPr/>
-          <a:lstStyle/>
-          <a:p>
-            <a:fld id="{0DEF99C9-A943-A240-910A-B1D75C1F927D}" type="slidenum">
-              <a:rPr lang="de-DE" smtClean="0"/>
-              <a:t>9</a:t>
+              <a:t>7</a:t>
             </a:fld>
             <a:endParaRPr lang="de-DE"/>
           </a:p>
@@ -13451,7 +7649,7 @@
 </p:notes>
 </file>
 
-<file path=ppt/notesSlides/notesSlide4.xml><?xml version="1.0" encoding="utf-8"?>
+<file path=ppt/notesSlides/notesSlide3.xml><?xml version="1.0" encoding="utf-8"?>
 <p:notes xmlns:a="http://schemas.openxmlformats.org/drawingml/2006/main" xmlns:r="http://schemas.openxmlformats.org/officeDocument/2006/relationships" xmlns:p="http://schemas.openxmlformats.org/presentationml/2006/main">
   <p:cSld>
     <p:spTree>
@@ -13530,7 +7728,7 @@
           <a:p>
             <a:fld id="{0DEF99C9-A943-A240-910A-B1D75C1F927D}" type="slidenum">
               <a:rPr lang="de-DE" smtClean="0"/>
-              <a:t>14</a:t>
+              <a:t>11</a:t>
             </a:fld>
             <a:endParaRPr lang="de-DE"/>
           </a:p>
@@ -13698,7 +7896,7 @@
           <a:p>
             <a:fld id="{F6F4C3C5-764B-B744-AF8A-FA81F43DC7F0}" type="datetime1">
               <a:rPr lang="de-DE" smtClean="0"/>
-              <a:t>20.01.19</a:t>
+              <a:t>22.01.19</a:t>
             </a:fld>
             <a:endParaRPr lang="en-GB"/>
           </a:p>
@@ -13876,7 +8074,7 @@
           <a:p>
             <a:fld id="{4BE354BD-6085-E840-9C4D-F86AAD7C8FE7}" type="datetime1">
               <a:rPr lang="de-DE" smtClean="0"/>
-              <a:t>20.01.19</a:t>
+              <a:t>22.01.19</a:t>
             </a:fld>
             <a:endParaRPr lang="en-GB"/>
           </a:p>
@@ -14064,7 +8262,7 @@
           <a:p>
             <a:fld id="{C95AF9F0-72A5-8C48-922A-BEE4FF7E257E}" type="datetime1">
               <a:rPr lang="de-DE" smtClean="0"/>
-              <a:t>20.01.19</a:t>
+              <a:t>22.01.19</a:t>
             </a:fld>
             <a:endParaRPr lang="en-GB"/>
           </a:p>
@@ -14242,7 +8440,7 @@
           <a:p>
             <a:fld id="{7F8D9695-AF90-6941-BE29-F53A2D77A903}" type="datetime1">
               <a:rPr lang="de-DE" smtClean="0"/>
-              <a:t>20.01.19</a:t>
+              <a:t>22.01.19</a:t>
             </a:fld>
             <a:endParaRPr lang="en-GB"/>
           </a:p>
@@ -14525,7 +8723,7 @@
           <a:p>
             <a:fld id="{DFAB2C26-5F58-E04E-B699-86D2EA1B83A7}" type="datetime1">
               <a:rPr lang="de-DE" smtClean="0"/>
-              <a:t>20.01.19</a:t>
+              <a:t>22.01.19</a:t>
             </a:fld>
             <a:endParaRPr lang="en-GB"/>
           </a:p>
@@ -14746,7 +8944,7 @@
           <a:p>
             <a:fld id="{ABC424DB-1E40-9C4B-84BE-CDF06229AA9E}" type="datetime1">
               <a:rPr lang="de-DE" smtClean="0"/>
-              <a:t>20.01.19</a:t>
+              <a:t>22.01.19</a:t>
             </a:fld>
             <a:endParaRPr lang="en-GB"/>
           </a:p>
@@ -15122,7 +9320,7 @@
           <a:p>
             <a:fld id="{5C7FBD36-A94A-8846-9DB4-221FF8B7EDF2}" type="datetime1">
               <a:rPr lang="de-DE" smtClean="0"/>
-              <a:t>20.01.19</a:t>
+              <a:t>22.01.19</a:t>
             </a:fld>
             <a:endParaRPr lang="en-GB"/>
           </a:p>
@@ -15267,7 +9465,7 @@
           <a:p>
             <a:fld id="{B873F7D2-0312-9445-8C05-81F380E2AAC3}" type="datetime1">
               <a:rPr lang="de-DE" smtClean="0"/>
-              <a:t>20.01.19</a:t>
+              <a:t>22.01.19</a:t>
             </a:fld>
             <a:endParaRPr lang="en-GB"/>
           </a:p>
@@ -15383,7 +9581,7 @@
           <a:p>
             <a:fld id="{7D6AC989-38C1-154C-88DA-083754726A07}" type="datetime1">
               <a:rPr lang="de-DE" smtClean="0"/>
-              <a:t>20.01.19</a:t>
+              <a:t>22.01.19</a:t>
             </a:fld>
             <a:endParaRPr lang="en-GB"/>
           </a:p>
@@ -15678,7 +9876,7 @@
           <a:p>
             <a:fld id="{50751A78-3AB4-1B42-B747-4E2F9FF2FD27}" type="datetime1">
               <a:rPr lang="de-DE" smtClean="0"/>
-              <a:t>20.01.19</a:t>
+              <a:t>22.01.19</a:t>
             </a:fld>
             <a:endParaRPr lang="en-GB"/>
           </a:p>
@@ -15974,7 +10172,7 @@
           <a:p>
             <a:fld id="{1D95FCBD-23F5-5B4A-8635-92B21388363B}" type="datetime1">
               <a:rPr lang="de-DE" smtClean="0"/>
-              <a:t>20.01.19</a:t>
+              <a:t>22.01.19</a:t>
             </a:fld>
             <a:endParaRPr lang="en-GB"/>
           </a:p>
@@ -16195,7 +10393,7 @@
           <a:p>
             <a:fld id="{6FF16F73-DC0C-C747-9C49-21FDFFA6D403}" type="datetime1">
               <a:rPr lang="de-DE" smtClean="0"/>
-              <a:t>20.01.19</a:t>
+              <a:t>22.01.19</a:t>
             </a:fld>
             <a:endParaRPr lang="en-GB"/>
           </a:p>
@@ -16726,826 +10924,6 @@
           <p:cNvPr id="2" name="Titel 1">
             <a:extLst>
               <a:ext uri="{FF2B5EF4-FFF2-40B4-BE49-F238E27FC236}">
-                <a16:creationId xmlns:a16="http://schemas.microsoft.com/office/drawing/2014/main" id="{E88663E7-275C-1447-AF3D-8F7EDE705D14}"/>
-              </a:ext>
-            </a:extLst>
-          </p:cNvPr>
-          <p:cNvSpPr>
-            <a:spLocks noGrp="1"/>
-          </p:cNvSpPr>
-          <p:nvPr>
-            <p:ph type="title"/>
-          </p:nvPr>
-        </p:nvSpPr>
-        <p:spPr/>
-        <p:txBody>
-          <a:bodyPr/>
-          <a:lstStyle/>
-          <a:p>
-            <a:r>
-              <a:rPr lang="de-DE" dirty="0"/>
-              <a:t>Services</a:t>
-            </a:r>
-          </a:p>
-        </p:txBody>
-      </p:sp>
-      <p:sp>
-        <p:nvSpPr>
-          <p:cNvPr id="7" name="Inhaltsplatzhalter 6">
-            <a:extLst>
-              <a:ext uri="{FF2B5EF4-FFF2-40B4-BE49-F238E27FC236}">
-                <a16:creationId xmlns:a16="http://schemas.microsoft.com/office/drawing/2014/main" id="{777CFA97-E81E-4B44-891B-5D74498CB082}"/>
-              </a:ext>
-            </a:extLst>
-          </p:cNvPr>
-          <p:cNvSpPr>
-            <a:spLocks noGrp="1"/>
-          </p:cNvSpPr>
-          <p:nvPr>
-            <p:ph sz="half" idx="1"/>
-          </p:nvPr>
-        </p:nvSpPr>
-        <p:spPr>
-          <a:xfrm>
-            <a:off x="838200" y="1825625"/>
-            <a:ext cx="3240000" cy="4351338"/>
-          </a:xfrm>
-          <a:solidFill>
-            <a:schemeClr val="bg1"/>
-          </a:solidFill>
-        </p:spPr>
-        <p:txBody>
-          <a:bodyPr>
-            <a:normAutofit/>
-          </a:bodyPr>
-          <a:lstStyle/>
-          <a:p>
-            <a:pPr marL="0" indent="0">
-              <a:buNone/>
-            </a:pPr>
-            <a:r>
-              <a:rPr lang="de-DE" dirty="0"/>
-              <a:t>User Service</a:t>
-            </a:r>
-          </a:p>
-          <a:p>
-            <a:pPr lvl="1"/>
-            <a:r>
-              <a:rPr lang="de-DE" dirty="0"/>
-              <a:t>Registrierung</a:t>
-            </a:r>
-          </a:p>
-          <a:p>
-            <a:pPr lvl="1"/>
-            <a:r>
-              <a:rPr lang="de-DE" dirty="0"/>
-              <a:t>Login</a:t>
-            </a:r>
-          </a:p>
-        </p:txBody>
-      </p:sp>
-      <p:sp>
-        <p:nvSpPr>
-          <p:cNvPr id="8" name="Inhaltsplatzhalter 7">
-            <a:extLst>
-              <a:ext uri="{FF2B5EF4-FFF2-40B4-BE49-F238E27FC236}">
-                <a16:creationId xmlns:a16="http://schemas.microsoft.com/office/drawing/2014/main" id="{4D521AA9-8A72-2B45-91D4-3E32AD85E69A}"/>
-              </a:ext>
-            </a:extLst>
-          </p:cNvPr>
-          <p:cNvSpPr>
-            <a:spLocks noGrp="1"/>
-          </p:cNvSpPr>
-          <p:nvPr>
-            <p:ph sz="half" idx="2"/>
-          </p:nvPr>
-        </p:nvSpPr>
-        <p:spPr>
-          <a:xfrm>
-            <a:off x="4476000" y="1825625"/>
-            <a:ext cx="3240000" cy="4351338"/>
-          </a:xfrm>
-        </p:spPr>
-        <p:txBody>
-          <a:bodyPr>
-            <a:normAutofit/>
-          </a:bodyPr>
-          <a:lstStyle/>
-          <a:p>
-            <a:pPr marL="0" indent="0">
-              <a:buNone/>
-            </a:pPr>
-            <a:r>
-              <a:rPr lang="de-DE" dirty="0"/>
-              <a:t>Timing Service</a:t>
-            </a:r>
-          </a:p>
-          <a:p>
-            <a:pPr lvl="1"/>
-            <a:r>
-              <a:rPr lang="de-DE" dirty="0"/>
-              <a:t>Anlegen/Abruf von Aktivitäten </a:t>
-            </a:r>
-          </a:p>
-          <a:p>
-            <a:pPr lvl="1"/>
-            <a:r>
-              <a:rPr lang="de-DE" dirty="0"/>
-              <a:t>Anlegen/Abruf von Records </a:t>
-            </a:r>
-          </a:p>
-          <a:p>
-            <a:pPr lvl="1"/>
-            <a:r>
-              <a:rPr lang="de-DE" dirty="0"/>
-              <a:t>Abruf von Statistiken</a:t>
-            </a:r>
-          </a:p>
-          <a:p>
-            <a:endParaRPr lang="de-DE" dirty="0"/>
-          </a:p>
-        </p:txBody>
-      </p:sp>
-      <p:sp>
-        <p:nvSpPr>
-          <p:cNvPr id="4" name="Datumsplatzhalter 3">
-            <a:extLst>
-              <a:ext uri="{FF2B5EF4-FFF2-40B4-BE49-F238E27FC236}">
-                <a16:creationId xmlns:a16="http://schemas.microsoft.com/office/drawing/2014/main" id="{15C61065-43AA-464F-B0DA-EDC6CF8F828A}"/>
-              </a:ext>
-            </a:extLst>
-          </p:cNvPr>
-          <p:cNvSpPr>
-            <a:spLocks noGrp="1"/>
-          </p:cNvSpPr>
-          <p:nvPr>
-            <p:ph type="dt" sz="half" idx="10"/>
-          </p:nvPr>
-        </p:nvSpPr>
-        <p:spPr/>
-        <p:txBody>
-          <a:bodyPr/>
-          <a:lstStyle/>
-          <a:p>
-            <a:fld id="{7F8D9695-AF90-6941-BE29-F53A2D77A903}" type="datetime1">
-              <a:rPr lang="de-DE" smtClean="0"/>
-              <a:t>20.01.19</a:t>
-            </a:fld>
-            <a:endParaRPr lang="en-GB" dirty="0"/>
-          </a:p>
-        </p:txBody>
-      </p:sp>
-      <p:sp>
-        <p:nvSpPr>
-          <p:cNvPr id="5" name="Fußzeilenplatzhalter 4">
-            <a:extLst>
-              <a:ext uri="{FF2B5EF4-FFF2-40B4-BE49-F238E27FC236}">
-                <a16:creationId xmlns:a16="http://schemas.microsoft.com/office/drawing/2014/main" id="{FDE6FF3A-92C1-1D47-A79E-38AD5B9F4B84}"/>
-              </a:ext>
-            </a:extLst>
-          </p:cNvPr>
-          <p:cNvSpPr>
-            <a:spLocks noGrp="1"/>
-          </p:cNvSpPr>
-          <p:nvPr>
-            <p:ph type="ftr" sz="quarter" idx="11"/>
-          </p:nvPr>
-        </p:nvSpPr>
-        <p:spPr/>
-        <p:txBody>
-          <a:bodyPr/>
-          <a:lstStyle/>
-          <a:p>
-            <a:r>
-              <a:rPr lang="en-GB"/>
-              <a:t>Sinthujan Thanabalasingam - Wieland Strauß </a:t>
-            </a:r>
-          </a:p>
-        </p:txBody>
-      </p:sp>
-      <p:sp>
-        <p:nvSpPr>
-          <p:cNvPr id="6" name="Foliennummernplatzhalter 5">
-            <a:extLst>
-              <a:ext uri="{FF2B5EF4-FFF2-40B4-BE49-F238E27FC236}">
-                <a16:creationId xmlns:a16="http://schemas.microsoft.com/office/drawing/2014/main" id="{AF1D67C9-F87A-B24F-B05E-AEF3C66B6F1F}"/>
-              </a:ext>
-            </a:extLst>
-          </p:cNvPr>
-          <p:cNvSpPr>
-            <a:spLocks noGrp="1"/>
-          </p:cNvSpPr>
-          <p:nvPr>
-            <p:ph type="sldNum" sz="quarter" idx="12"/>
-          </p:nvPr>
-        </p:nvSpPr>
-        <p:spPr/>
-        <p:txBody>
-          <a:bodyPr/>
-          <a:lstStyle/>
-          <a:p>
-            <a:fld id="{6E0A9637-9D79-3D4E-94DD-F37D6D227D38}" type="slidenum">
-              <a:rPr lang="en-GB" smtClean="0"/>
-              <a:t>10</a:t>
-            </a:fld>
-            <a:endParaRPr lang="en-GB"/>
-          </a:p>
-        </p:txBody>
-      </p:sp>
-      <p:sp>
-        <p:nvSpPr>
-          <p:cNvPr id="9" name="Inhaltsplatzhalter 7">
-            <a:extLst>
-              <a:ext uri="{FF2B5EF4-FFF2-40B4-BE49-F238E27FC236}">
-                <a16:creationId xmlns:a16="http://schemas.microsoft.com/office/drawing/2014/main" id="{BC647395-290A-A94B-8DC9-BC2BF297884C}"/>
-              </a:ext>
-            </a:extLst>
-          </p:cNvPr>
-          <p:cNvSpPr txBox="1">
-            <a:spLocks/>
-          </p:cNvSpPr>
-          <p:nvPr/>
-        </p:nvSpPr>
-        <p:spPr>
-          <a:xfrm>
-            <a:off x="8113800" y="1825625"/>
-            <a:ext cx="3240000" cy="4351338"/>
-          </a:xfrm>
-          <a:prstGeom prst="rect">
-            <a:avLst/>
-          </a:prstGeom>
-        </p:spPr>
-        <p:txBody>
-          <a:bodyPr vert="horz" lIns="91440" tIns="45720" rIns="91440" bIns="45720" rtlCol="0">
-            <a:normAutofit/>
-          </a:bodyPr>
-          <a:lstStyle>
-            <a:lvl1pPr marL="228600" indent="-228600" algn="l" defTabSz="914400" rtl="0" eaLnBrk="1" latinLnBrk="0" hangingPunct="1">
-              <a:lnSpc>
-                <a:spcPct val="90000"/>
-              </a:lnSpc>
-              <a:spcBef>
-                <a:spcPts val="1000"/>
-              </a:spcBef>
-              <a:buFont typeface="Arial" panose="020B0604020202020204" pitchFamily="34" charset="0"/>
-              <a:buChar char="•"/>
-              <a:defRPr sz="2800" kern="1200">
-                <a:solidFill>
-                  <a:schemeClr val="tx1"/>
-                </a:solidFill>
-                <a:latin typeface="+mn-lt"/>
-                <a:ea typeface="+mn-ea"/>
-                <a:cs typeface="+mn-cs"/>
-              </a:defRPr>
-            </a:lvl1pPr>
-            <a:lvl2pPr marL="685800" indent="-228600" algn="l" defTabSz="914400" rtl="0" eaLnBrk="1" latinLnBrk="0" hangingPunct="1">
-              <a:lnSpc>
-                <a:spcPct val="90000"/>
-              </a:lnSpc>
-              <a:spcBef>
-                <a:spcPts val="500"/>
-              </a:spcBef>
-              <a:buFont typeface="Arial" panose="020B0604020202020204" pitchFamily="34" charset="0"/>
-              <a:buChar char="•"/>
-              <a:defRPr sz="2400" kern="1200">
-                <a:solidFill>
-                  <a:schemeClr val="tx1"/>
-                </a:solidFill>
-                <a:latin typeface="+mn-lt"/>
-                <a:ea typeface="+mn-ea"/>
-                <a:cs typeface="+mn-cs"/>
-              </a:defRPr>
-            </a:lvl2pPr>
-            <a:lvl3pPr marL="1143000" indent="-228600" algn="l" defTabSz="914400" rtl="0" eaLnBrk="1" latinLnBrk="0" hangingPunct="1">
-              <a:lnSpc>
-                <a:spcPct val="90000"/>
-              </a:lnSpc>
-              <a:spcBef>
-                <a:spcPts val="500"/>
-              </a:spcBef>
-              <a:buFont typeface="Arial" panose="020B0604020202020204" pitchFamily="34" charset="0"/>
-              <a:buChar char="•"/>
-              <a:defRPr sz="2000" kern="1200">
-                <a:solidFill>
-                  <a:schemeClr val="tx1"/>
-                </a:solidFill>
-                <a:latin typeface="+mn-lt"/>
-                <a:ea typeface="+mn-ea"/>
-                <a:cs typeface="+mn-cs"/>
-              </a:defRPr>
-            </a:lvl3pPr>
-            <a:lvl4pPr marL="1600200" indent="-228600" algn="l" defTabSz="914400" rtl="0" eaLnBrk="1" latinLnBrk="0" hangingPunct="1">
-              <a:lnSpc>
-                <a:spcPct val="90000"/>
-              </a:lnSpc>
-              <a:spcBef>
-                <a:spcPts val="500"/>
-              </a:spcBef>
-              <a:buFont typeface="Arial" panose="020B0604020202020204" pitchFamily="34" charset="0"/>
-              <a:buChar char="•"/>
-              <a:defRPr sz="1800" kern="1200">
-                <a:solidFill>
-                  <a:schemeClr val="tx1"/>
-                </a:solidFill>
-                <a:latin typeface="+mn-lt"/>
-                <a:ea typeface="+mn-ea"/>
-                <a:cs typeface="+mn-cs"/>
-              </a:defRPr>
-            </a:lvl4pPr>
-            <a:lvl5pPr marL="2057400" indent="-228600" algn="l" defTabSz="914400" rtl="0" eaLnBrk="1" latinLnBrk="0" hangingPunct="1">
-              <a:lnSpc>
-                <a:spcPct val="90000"/>
-              </a:lnSpc>
-              <a:spcBef>
-                <a:spcPts val="500"/>
-              </a:spcBef>
-              <a:buFont typeface="Arial" panose="020B0604020202020204" pitchFamily="34" charset="0"/>
-              <a:buChar char="•"/>
-              <a:defRPr sz="1800" kern="1200">
-                <a:solidFill>
-                  <a:schemeClr val="tx1"/>
-                </a:solidFill>
-                <a:latin typeface="+mn-lt"/>
-                <a:ea typeface="+mn-ea"/>
-                <a:cs typeface="+mn-cs"/>
-              </a:defRPr>
-            </a:lvl5pPr>
-            <a:lvl6pPr marL="2514600" indent="-228600" algn="l" defTabSz="914400" rtl="0" eaLnBrk="1" latinLnBrk="0" hangingPunct="1">
-              <a:lnSpc>
-                <a:spcPct val="90000"/>
-              </a:lnSpc>
-              <a:spcBef>
-                <a:spcPts val="500"/>
-              </a:spcBef>
-              <a:buFont typeface="Arial" panose="020B0604020202020204" pitchFamily="34" charset="0"/>
-              <a:buChar char="•"/>
-              <a:defRPr sz="1800" kern="1200">
-                <a:solidFill>
-                  <a:schemeClr val="tx1"/>
-                </a:solidFill>
-                <a:latin typeface="+mn-lt"/>
-                <a:ea typeface="+mn-ea"/>
-                <a:cs typeface="+mn-cs"/>
-              </a:defRPr>
-            </a:lvl6pPr>
-            <a:lvl7pPr marL="2971800" indent="-228600" algn="l" defTabSz="914400" rtl="0" eaLnBrk="1" latinLnBrk="0" hangingPunct="1">
-              <a:lnSpc>
-                <a:spcPct val="90000"/>
-              </a:lnSpc>
-              <a:spcBef>
-                <a:spcPts val="500"/>
-              </a:spcBef>
-              <a:buFont typeface="Arial" panose="020B0604020202020204" pitchFamily="34" charset="0"/>
-              <a:buChar char="•"/>
-              <a:defRPr sz="1800" kern="1200">
-                <a:solidFill>
-                  <a:schemeClr val="tx1"/>
-                </a:solidFill>
-                <a:latin typeface="+mn-lt"/>
-                <a:ea typeface="+mn-ea"/>
-                <a:cs typeface="+mn-cs"/>
-              </a:defRPr>
-            </a:lvl7pPr>
-            <a:lvl8pPr marL="3429000" indent="-228600" algn="l" defTabSz="914400" rtl="0" eaLnBrk="1" latinLnBrk="0" hangingPunct="1">
-              <a:lnSpc>
-                <a:spcPct val="90000"/>
-              </a:lnSpc>
-              <a:spcBef>
-                <a:spcPts val="500"/>
-              </a:spcBef>
-              <a:buFont typeface="Arial" panose="020B0604020202020204" pitchFamily="34" charset="0"/>
-              <a:buChar char="•"/>
-              <a:defRPr sz="1800" kern="1200">
-                <a:solidFill>
-                  <a:schemeClr val="tx1"/>
-                </a:solidFill>
-                <a:latin typeface="+mn-lt"/>
-                <a:ea typeface="+mn-ea"/>
-                <a:cs typeface="+mn-cs"/>
-              </a:defRPr>
-            </a:lvl8pPr>
-            <a:lvl9pPr marL="3886200" indent="-228600" algn="l" defTabSz="914400" rtl="0" eaLnBrk="1" latinLnBrk="0" hangingPunct="1">
-              <a:lnSpc>
-                <a:spcPct val="90000"/>
-              </a:lnSpc>
-              <a:spcBef>
-                <a:spcPts val="500"/>
-              </a:spcBef>
-              <a:buFont typeface="Arial" panose="020B0604020202020204" pitchFamily="34" charset="0"/>
-              <a:buChar char="•"/>
-              <a:defRPr sz="1800" kern="1200">
-                <a:solidFill>
-                  <a:schemeClr val="tx1"/>
-                </a:solidFill>
-                <a:latin typeface="+mn-lt"/>
-                <a:ea typeface="+mn-ea"/>
-                <a:cs typeface="+mn-cs"/>
-              </a:defRPr>
-            </a:lvl9pPr>
-          </a:lstStyle>
-          <a:p>
-            <a:pPr marL="0" indent="0">
-              <a:buNone/>
-            </a:pPr>
-            <a:r>
-              <a:rPr lang="de-DE" dirty="0"/>
-              <a:t>Frontend Service</a:t>
-            </a:r>
-          </a:p>
-          <a:p>
-            <a:pPr lvl="1"/>
-            <a:r>
-              <a:rPr lang="de-DE" dirty="0"/>
-              <a:t>Aufruf von UI</a:t>
-            </a:r>
-          </a:p>
-        </p:txBody>
-      </p:sp>
-    </p:spTree>
-    <p:extLst>
-      <p:ext uri="{BB962C8B-B14F-4D97-AF65-F5344CB8AC3E}">
-        <p14:creationId xmlns:p14="http://schemas.microsoft.com/office/powerpoint/2010/main" val="2944058720"/>
-      </p:ext>
-    </p:extLst>
-  </p:cSld>
-  <p:clrMapOvr>
-    <a:masterClrMapping/>
-  </p:clrMapOvr>
-</p:sld>
-</file>
-
-<file path=ppt/slides/slide11.xml><?xml version="1.0" encoding="utf-8"?>
-<p:sld xmlns:a="http://schemas.openxmlformats.org/drawingml/2006/main" xmlns:r="http://schemas.openxmlformats.org/officeDocument/2006/relationships" xmlns:p="http://schemas.openxmlformats.org/presentationml/2006/main">
-  <p:cSld>
-    <p:spTree>
-      <p:nvGrpSpPr>
-        <p:cNvPr id="1" name=""/>
-        <p:cNvGrpSpPr/>
-        <p:nvPr/>
-      </p:nvGrpSpPr>
-      <p:grpSpPr>
-        <a:xfrm>
-          <a:off x="0" y="0"/>
-          <a:ext cx="0" cy="0"/>
-          <a:chOff x="0" y="0"/>
-          <a:chExt cx="0" cy="0"/>
-        </a:xfrm>
-      </p:grpSpPr>
-      <p:sp>
-        <p:nvSpPr>
-          <p:cNvPr id="2" name="Titel 1">
-            <a:extLst>
-              <a:ext uri="{FF2B5EF4-FFF2-40B4-BE49-F238E27FC236}">
-                <a16:creationId xmlns:a16="http://schemas.microsoft.com/office/drawing/2014/main" id="{0278A785-CFF1-2440-80D1-EBB913F20D93}"/>
-              </a:ext>
-            </a:extLst>
-          </p:cNvPr>
-          <p:cNvSpPr>
-            <a:spLocks noGrp="1"/>
-          </p:cNvSpPr>
-          <p:nvPr>
-            <p:ph type="title"/>
-          </p:nvPr>
-        </p:nvSpPr>
-        <p:spPr/>
-        <p:txBody>
-          <a:bodyPr/>
-          <a:lstStyle/>
-          <a:p>
-            <a:r>
-              <a:rPr lang="de-DE" dirty="0"/>
-              <a:t>Services – Alternativfolie 2</a:t>
-            </a:r>
-          </a:p>
-        </p:txBody>
-      </p:sp>
-      <p:graphicFrame>
-        <p:nvGraphicFramePr>
-          <p:cNvPr id="8" name="Inhaltsplatzhalter 7">
-            <a:extLst>
-              <a:ext uri="{FF2B5EF4-FFF2-40B4-BE49-F238E27FC236}">
-                <a16:creationId xmlns:a16="http://schemas.microsoft.com/office/drawing/2014/main" id="{E68D3062-58C0-B545-9F4E-34033C856FA3}"/>
-              </a:ext>
-            </a:extLst>
-          </p:cNvPr>
-          <p:cNvGraphicFramePr>
-            <a:graphicFrameLocks noGrp="1"/>
-          </p:cNvGraphicFramePr>
-          <p:nvPr>
-            <p:ph sz="half" idx="1"/>
-            <p:extLst>
-              <p:ext uri="{D42A27DB-BD31-4B8C-83A1-F6EECF244321}">
-                <p14:modId xmlns:p14="http://schemas.microsoft.com/office/powerpoint/2010/main" val="1908074411"/>
-              </p:ext>
-            </p:extLst>
-          </p:nvPr>
-        </p:nvGraphicFramePr>
-        <p:xfrm>
-          <a:off x="838200" y="1825625"/>
-          <a:ext cx="10515600" cy="4351338"/>
-        </p:xfrm>
-        <a:graphic>
-          <a:graphicData uri="http://schemas.openxmlformats.org/drawingml/2006/diagram">
-            <dgm:relIds xmlns:dgm="http://schemas.openxmlformats.org/drawingml/2006/diagram" xmlns:r="http://schemas.openxmlformats.org/officeDocument/2006/relationships" r:dm="rId2" r:lo="rId3" r:qs="rId4" r:cs="rId5"/>
-          </a:graphicData>
-        </a:graphic>
-      </p:graphicFrame>
-      <p:sp>
-        <p:nvSpPr>
-          <p:cNvPr id="5" name="Datumsplatzhalter 4">
-            <a:extLst>
-              <a:ext uri="{FF2B5EF4-FFF2-40B4-BE49-F238E27FC236}">
-                <a16:creationId xmlns:a16="http://schemas.microsoft.com/office/drawing/2014/main" id="{40B0CE17-47E7-0749-B8F8-AA37DFAE5EC4}"/>
-              </a:ext>
-            </a:extLst>
-          </p:cNvPr>
-          <p:cNvSpPr>
-            <a:spLocks noGrp="1"/>
-          </p:cNvSpPr>
-          <p:nvPr>
-            <p:ph type="dt" sz="half" idx="10"/>
-          </p:nvPr>
-        </p:nvSpPr>
-        <p:spPr/>
-        <p:txBody>
-          <a:bodyPr/>
-          <a:lstStyle/>
-          <a:p>
-            <a:fld id="{ABC424DB-1E40-9C4B-84BE-CDF06229AA9E}" type="datetime1">
-              <a:rPr lang="de-DE" smtClean="0"/>
-              <a:t>20.01.19</a:t>
-            </a:fld>
-            <a:endParaRPr lang="en-GB"/>
-          </a:p>
-        </p:txBody>
-      </p:sp>
-      <p:sp>
-        <p:nvSpPr>
-          <p:cNvPr id="6" name="Fußzeilenplatzhalter 5">
-            <a:extLst>
-              <a:ext uri="{FF2B5EF4-FFF2-40B4-BE49-F238E27FC236}">
-                <a16:creationId xmlns:a16="http://schemas.microsoft.com/office/drawing/2014/main" id="{F4D4392D-5727-404C-9611-0C000B728368}"/>
-              </a:ext>
-            </a:extLst>
-          </p:cNvPr>
-          <p:cNvSpPr>
-            <a:spLocks noGrp="1"/>
-          </p:cNvSpPr>
-          <p:nvPr>
-            <p:ph type="ftr" sz="quarter" idx="11"/>
-          </p:nvPr>
-        </p:nvSpPr>
-        <p:spPr/>
-        <p:txBody>
-          <a:bodyPr/>
-          <a:lstStyle/>
-          <a:p>
-            <a:r>
-              <a:rPr lang="en-GB"/>
-              <a:t>Sinthujan Thanabalasingam - Wieland Strauß </a:t>
-            </a:r>
-          </a:p>
-        </p:txBody>
-      </p:sp>
-      <p:sp>
-        <p:nvSpPr>
-          <p:cNvPr id="7" name="Foliennummernplatzhalter 6">
-            <a:extLst>
-              <a:ext uri="{FF2B5EF4-FFF2-40B4-BE49-F238E27FC236}">
-                <a16:creationId xmlns:a16="http://schemas.microsoft.com/office/drawing/2014/main" id="{66348504-ABE5-5940-81FB-3F60086B0E0B}"/>
-              </a:ext>
-            </a:extLst>
-          </p:cNvPr>
-          <p:cNvSpPr>
-            <a:spLocks noGrp="1"/>
-          </p:cNvSpPr>
-          <p:nvPr>
-            <p:ph type="sldNum" sz="quarter" idx="12"/>
-          </p:nvPr>
-        </p:nvSpPr>
-        <p:spPr/>
-        <p:txBody>
-          <a:bodyPr/>
-          <a:lstStyle/>
-          <a:p>
-            <a:fld id="{6E0A9637-9D79-3D4E-94DD-F37D6D227D38}" type="slidenum">
-              <a:rPr lang="en-GB" smtClean="0"/>
-              <a:t>11</a:t>
-            </a:fld>
-            <a:endParaRPr lang="en-GB"/>
-          </a:p>
-        </p:txBody>
-      </p:sp>
-    </p:spTree>
-    <p:extLst>
-      <p:ext uri="{BB962C8B-B14F-4D97-AF65-F5344CB8AC3E}">
-        <p14:creationId xmlns:p14="http://schemas.microsoft.com/office/powerpoint/2010/main" val="464635205"/>
-      </p:ext>
-    </p:extLst>
-  </p:cSld>
-  <p:clrMapOvr>
-    <a:masterClrMapping/>
-  </p:clrMapOvr>
-</p:sld>
-</file>
-
-<file path=ppt/slides/slide12.xml><?xml version="1.0" encoding="utf-8"?>
-<p:sld xmlns:a="http://schemas.openxmlformats.org/drawingml/2006/main" xmlns:r="http://schemas.openxmlformats.org/officeDocument/2006/relationships" xmlns:p="http://schemas.openxmlformats.org/presentationml/2006/main">
-  <p:cSld>
-    <p:spTree>
-      <p:nvGrpSpPr>
-        <p:cNvPr id="1" name=""/>
-        <p:cNvGrpSpPr/>
-        <p:nvPr/>
-      </p:nvGrpSpPr>
-      <p:grpSpPr>
-        <a:xfrm>
-          <a:off x="0" y="0"/>
-          <a:ext cx="0" cy="0"/>
-          <a:chOff x="0" y="0"/>
-          <a:chExt cx="0" cy="0"/>
-        </a:xfrm>
-      </p:grpSpPr>
-      <p:sp>
-        <p:nvSpPr>
-          <p:cNvPr id="2" name="Titel 1">
-            <a:extLst>
-              <a:ext uri="{FF2B5EF4-FFF2-40B4-BE49-F238E27FC236}">
-                <a16:creationId xmlns:a16="http://schemas.microsoft.com/office/drawing/2014/main" id="{0278A785-CFF1-2440-80D1-EBB913F20D93}"/>
-              </a:ext>
-            </a:extLst>
-          </p:cNvPr>
-          <p:cNvSpPr>
-            <a:spLocks noGrp="1"/>
-          </p:cNvSpPr>
-          <p:nvPr>
-            <p:ph type="title"/>
-          </p:nvPr>
-        </p:nvSpPr>
-        <p:spPr/>
-        <p:txBody>
-          <a:bodyPr/>
-          <a:lstStyle/>
-          <a:p>
-            <a:r>
-              <a:rPr lang="de-DE" dirty="0"/>
-              <a:t>Services – Alternativfolie 3</a:t>
-            </a:r>
-          </a:p>
-        </p:txBody>
-      </p:sp>
-      <p:graphicFrame>
-        <p:nvGraphicFramePr>
-          <p:cNvPr id="8" name="Inhaltsplatzhalter 7">
-            <a:extLst>
-              <a:ext uri="{FF2B5EF4-FFF2-40B4-BE49-F238E27FC236}">
-                <a16:creationId xmlns:a16="http://schemas.microsoft.com/office/drawing/2014/main" id="{E68D3062-58C0-B545-9F4E-34033C856FA3}"/>
-              </a:ext>
-            </a:extLst>
-          </p:cNvPr>
-          <p:cNvGraphicFramePr>
-            <a:graphicFrameLocks noGrp="1"/>
-          </p:cNvGraphicFramePr>
-          <p:nvPr>
-            <p:ph sz="half" idx="1"/>
-            <p:extLst>
-              <p:ext uri="{D42A27DB-BD31-4B8C-83A1-F6EECF244321}">
-                <p14:modId xmlns:p14="http://schemas.microsoft.com/office/powerpoint/2010/main" val="3123241101"/>
-              </p:ext>
-            </p:extLst>
-          </p:nvPr>
-        </p:nvGraphicFramePr>
-        <p:xfrm>
-          <a:off x="855955" y="1825625"/>
-          <a:ext cx="10515600" cy="4351338"/>
-        </p:xfrm>
-        <a:graphic>
-          <a:graphicData uri="http://schemas.openxmlformats.org/drawingml/2006/diagram">
-            <dgm:relIds xmlns:dgm="http://schemas.openxmlformats.org/drawingml/2006/diagram" xmlns:r="http://schemas.openxmlformats.org/officeDocument/2006/relationships" r:dm="rId2" r:lo="rId3" r:qs="rId4" r:cs="rId5"/>
-          </a:graphicData>
-        </a:graphic>
-      </p:graphicFrame>
-      <p:sp>
-        <p:nvSpPr>
-          <p:cNvPr id="5" name="Datumsplatzhalter 4">
-            <a:extLst>
-              <a:ext uri="{FF2B5EF4-FFF2-40B4-BE49-F238E27FC236}">
-                <a16:creationId xmlns:a16="http://schemas.microsoft.com/office/drawing/2014/main" id="{40B0CE17-47E7-0749-B8F8-AA37DFAE5EC4}"/>
-              </a:ext>
-            </a:extLst>
-          </p:cNvPr>
-          <p:cNvSpPr>
-            <a:spLocks noGrp="1"/>
-          </p:cNvSpPr>
-          <p:nvPr>
-            <p:ph type="dt" sz="half" idx="10"/>
-          </p:nvPr>
-        </p:nvSpPr>
-        <p:spPr/>
-        <p:txBody>
-          <a:bodyPr/>
-          <a:lstStyle/>
-          <a:p>
-            <a:fld id="{ABC424DB-1E40-9C4B-84BE-CDF06229AA9E}" type="datetime1">
-              <a:rPr lang="de-DE" smtClean="0"/>
-              <a:t>20.01.19</a:t>
-            </a:fld>
-            <a:endParaRPr lang="en-GB"/>
-          </a:p>
-        </p:txBody>
-      </p:sp>
-      <p:sp>
-        <p:nvSpPr>
-          <p:cNvPr id="6" name="Fußzeilenplatzhalter 5">
-            <a:extLst>
-              <a:ext uri="{FF2B5EF4-FFF2-40B4-BE49-F238E27FC236}">
-                <a16:creationId xmlns:a16="http://schemas.microsoft.com/office/drawing/2014/main" id="{F4D4392D-5727-404C-9611-0C000B728368}"/>
-              </a:ext>
-            </a:extLst>
-          </p:cNvPr>
-          <p:cNvSpPr>
-            <a:spLocks noGrp="1"/>
-          </p:cNvSpPr>
-          <p:nvPr>
-            <p:ph type="ftr" sz="quarter" idx="11"/>
-          </p:nvPr>
-        </p:nvSpPr>
-        <p:spPr/>
-        <p:txBody>
-          <a:bodyPr/>
-          <a:lstStyle/>
-          <a:p>
-            <a:r>
-              <a:rPr lang="en-GB"/>
-              <a:t>Sinthujan Thanabalasingam - Wieland Strauß </a:t>
-            </a:r>
-          </a:p>
-        </p:txBody>
-      </p:sp>
-      <p:sp>
-        <p:nvSpPr>
-          <p:cNvPr id="7" name="Foliennummernplatzhalter 6">
-            <a:extLst>
-              <a:ext uri="{FF2B5EF4-FFF2-40B4-BE49-F238E27FC236}">
-                <a16:creationId xmlns:a16="http://schemas.microsoft.com/office/drawing/2014/main" id="{66348504-ABE5-5940-81FB-3F60086B0E0B}"/>
-              </a:ext>
-            </a:extLst>
-          </p:cNvPr>
-          <p:cNvSpPr>
-            <a:spLocks noGrp="1"/>
-          </p:cNvSpPr>
-          <p:nvPr>
-            <p:ph type="sldNum" sz="quarter" idx="12"/>
-          </p:nvPr>
-        </p:nvSpPr>
-        <p:spPr/>
-        <p:txBody>
-          <a:bodyPr/>
-          <a:lstStyle/>
-          <a:p>
-            <a:fld id="{6E0A9637-9D79-3D4E-94DD-F37D6D227D38}" type="slidenum">
-              <a:rPr lang="en-GB" smtClean="0"/>
-              <a:t>12</a:t>
-            </a:fld>
-            <a:endParaRPr lang="en-GB"/>
-          </a:p>
-        </p:txBody>
-      </p:sp>
-    </p:spTree>
-    <p:extLst>
-      <p:ext uri="{BB962C8B-B14F-4D97-AF65-F5344CB8AC3E}">
-        <p14:creationId xmlns:p14="http://schemas.microsoft.com/office/powerpoint/2010/main" val="1265032557"/>
-      </p:ext>
-    </p:extLst>
-  </p:cSld>
-  <p:clrMapOvr>
-    <a:masterClrMapping/>
-  </p:clrMapOvr>
-</p:sld>
-</file>
-
-<file path=ppt/slides/slide13.xml><?xml version="1.0" encoding="utf-8"?>
-<p:sld xmlns:a="http://schemas.openxmlformats.org/drawingml/2006/main" xmlns:r="http://schemas.openxmlformats.org/officeDocument/2006/relationships" xmlns:p="http://schemas.openxmlformats.org/presentationml/2006/main">
-  <p:cSld>
-    <p:spTree>
-      <p:nvGrpSpPr>
-        <p:cNvPr id="1" name=""/>
-        <p:cNvGrpSpPr/>
-        <p:nvPr/>
-      </p:nvGrpSpPr>
-      <p:grpSpPr>
-        <a:xfrm>
-          <a:off x="0" y="0"/>
-          <a:ext cx="0" cy="0"/>
-          <a:chOff x="0" y="0"/>
-          <a:chExt cx="0" cy="0"/>
-        </a:xfrm>
-      </p:grpSpPr>
-      <p:sp>
-        <p:nvSpPr>
-          <p:cNvPr id="2" name="Titel 1">
-            <a:extLst>
-              <a:ext uri="{FF2B5EF4-FFF2-40B4-BE49-F238E27FC236}">
                 <a16:creationId xmlns:a16="http://schemas.microsoft.com/office/drawing/2014/main" id="{E394BBC4-1A51-2841-B7FB-3F617E6C34BA}"/>
               </a:ext>
             </a:extLst>
@@ -17679,7 +11057,7 @@
           <a:p>
             <a:r>
               <a:rPr lang="de-DE" dirty="0"/>
-              <a:t>Testabdeckung von x %</a:t>
+              <a:t>Umsetzung von TDD</a:t>
             </a:r>
           </a:p>
           <a:p>
@@ -17769,7 +11147,7 @@
           <a:p>
             <a:fld id="{7F8D9695-AF90-6941-BE29-F53A2D77A903}" type="datetime1">
               <a:rPr lang="de-DE" smtClean="0"/>
-              <a:t>20.01.19</a:t>
+              <a:t>22.01.19</a:t>
             </a:fld>
             <a:endParaRPr lang="en-GB" dirty="0"/>
           </a:p>
@@ -17836,7 +11214,7 @@
           <a:p>
             <a:fld id="{6E0A9637-9D79-3D4E-94DD-F37D6D227D38}" type="slidenum">
               <a:rPr lang="en-GB" smtClean="0"/>
-              <a:t>11</a:t>
+              <a:t>10</a:t>
             </a:fld>
             <a:endParaRPr lang="en-GB"/>
           </a:p>
@@ -17845,7 +11223,7 @@
     </p:spTree>
     <p:extLst>
       <p:ext uri="{BB962C8B-B14F-4D97-AF65-F5344CB8AC3E}">
-        <p14:creationId xmlns:p14="http://schemas.microsoft.com/office/powerpoint/2010/main" val="2247354823"/>
+        <p14:creationId xmlns:p14="http://schemas.microsoft.com/office/powerpoint/2010/main" val="636039487"/>
       </p:ext>
     </p:extLst>
   </p:cSld>
@@ -17855,7 +11233,7 @@
 </p:sld>
 </file>
 
-<file path=ppt/slides/slide14.xml><?xml version="1.0" encoding="utf-8"?>
+<file path=ppt/slides/slide11.xml><?xml version="1.0" encoding="utf-8"?>
 <p:sld xmlns:a="http://schemas.openxmlformats.org/drawingml/2006/main" xmlns:r="http://schemas.openxmlformats.org/officeDocument/2006/relationships" xmlns:p="http://schemas.openxmlformats.org/presentationml/2006/main">
   <p:cSld>
     <p:spTree>
@@ -17930,7 +11308,7 @@
           <a:p>
             <a:fld id="{C925B9A5-2C26-AE4D-B87D-FDCB7672961E}" type="datetime1">
               <a:rPr lang="de-DE" smtClean="0"/>
-              <a:t>20.01.19</a:t>
+              <a:t>22.01.19</a:t>
             </a:fld>
             <a:endParaRPr lang="en-GB" dirty="0"/>
           </a:p>
@@ -18007,7 +11385,7 @@
           <a:p>
             <a:fld id="{6E0A9637-9D79-3D4E-94DD-F37D6D227D38}" type="slidenum">
               <a:rPr lang="en-GB" smtClean="0"/>
-              <a:t>14</a:t>
+              <a:t>11</a:t>
             </a:fld>
             <a:endParaRPr lang="en-GB"/>
           </a:p>
@@ -18056,8 +11434,8 @@
         </p:nvSpPr>
         <p:spPr>
           <a:xfrm>
-            <a:off x="5230827" y="5876321"/>
-            <a:ext cx="1730345" cy="369332"/>
+            <a:off x="5450246" y="5987018"/>
+            <a:ext cx="1291507" cy="369332"/>
           </a:xfrm>
           <a:prstGeom prst="rect">
             <a:avLst/>
@@ -18071,9 +11449,10 @@
           <a:lstStyle/>
           <a:p>
             <a:r>
-              <a:rPr lang="de-DE" dirty="0"/>
-              <a:t>Link zum Projekt</a:t>
+              <a:rPr lang="de-DE" dirty="0" err="1"/>
+              <a:t>iamtrent.de</a:t>
             </a:r>
+            <a:endParaRPr lang="de-DE" dirty="0"/>
           </a:p>
         </p:txBody>
       </p:sp>
@@ -18081,175 +11460,6 @@
     <p:extLst>
       <p:ext uri="{BB962C8B-B14F-4D97-AF65-F5344CB8AC3E}">
         <p14:creationId xmlns:p14="http://schemas.microsoft.com/office/powerpoint/2010/main" val="550354295"/>
-      </p:ext>
-    </p:extLst>
-  </p:cSld>
-  <p:clrMapOvr>
-    <a:masterClrMapping/>
-  </p:clrMapOvr>
-</p:sld>
-</file>
-
-<file path=ppt/slides/slide15.xml><?xml version="1.0" encoding="utf-8"?>
-<p:sld xmlns:a="http://schemas.openxmlformats.org/drawingml/2006/main" xmlns:r="http://schemas.openxmlformats.org/officeDocument/2006/relationships" xmlns:p="http://schemas.openxmlformats.org/presentationml/2006/main">
-  <p:cSld>
-    <p:spTree>
-      <p:nvGrpSpPr>
-        <p:cNvPr id="1" name=""/>
-        <p:cNvGrpSpPr/>
-        <p:nvPr/>
-      </p:nvGrpSpPr>
-      <p:grpSpPr>
-        <a:xfrm>
-          <a:off x="0" y="0"/>
-          <a:ext cx="0" cy="0"/>
-          <a:chOff x="0" y="0"/>
-          <a:chExt cx="0" cy="0"/>
-        </a:xfrm>
-      </p:grpSpPr>
-      <p:sp>
-        <p:nvSpPr>
-          <p:cNvPr id="2" name="Titel 1">
-            <a:extLst>
-              <a:ext uri="{FF2B5EF4-FFF2-40B4-BE49-F238E27FC236}">
-                <a16:creationId xmlns:a16="http://schemas.microsoft.com/office/drawing/2014/main" id="{044310E2-8EB7-D34E-8062-97D638D3564E}"/>
-              </a:ext>
-            </a:extLst>
-          </p:cNvPr>
-          <p:cNvSpPr>
-            <a:spLocks noGrp="1"/>
-          </p:cNvSpPr>
-          <p:nvPr>
-            <p:ph type="title"/>
-          </p:nvPr>
-        </p:nvSpPr>
-        <p:spPr/>
-        <p:txBody>
-          <a:bodyPr/>
-          <a:lstStyle/>
-          <a:p>
-            <a:r>
-              <a:rPr lang="de-DE" dirty="0"/>
-              <a:t>Feedback zum Praktikum</a:t>
-            </a:r>
-          </a:p>
-        </p:txBody>
-      </p:sp>
-      <p:sp>
-        <p:nvSpPr>
-          <p:cNvPr id="3" name="Inhaltsplatzhalter 2">
-            <a:extLst>
-              <a:ext uri="{FF2B5EF4-FFF2-40B4-BE49-F238E27FC236}">
-                <a16:creationId xmlns:a16="http://schemas.microsoft.com/office/drawing/2014/main" id="{4BAF520A-76D5-DF48-80DB-BE9E409FC5C5}"/>
-              </a:ext>
-            </a:extLst>
-          </p:cNvPr>
-          <p:cNvSpPr>
-            <a:spLocks noGrp="1"/>
-          </p:cNvSpPr>
-          <p:nvPr>
-            <p:ph idx="1"/>
-          </p:nvPr>
-        </p:nvSpPr>
-        <p:spPr/>
-        <p:txBody>
-          <a:bodyPr/>
-          <a:lstStyle/>
-          <a:p>
-            <a:endParaRPr lang="de-DE" dirty="0"/>
-          </a:p>
-        </p:txBody>
-      </p:sp>
-      <p:sp>
-        <p:nvSpPr>
-          <p:cNvPr id="4" name="Datumsplatzhalter 3">
-            <a:extLst>
-              <a:ext uri="{FF2B5EF4-FFF2-40B4-BE49-F238E27FC236}">
-                <a16:creationId xmlns:a16="http://schemas.microsoft.com/office/drawing/2014/main" id="{ED844A28-1FFD-6548-92AD-9B8DB8EAE021}"/>
-              </a:ext>
-            </a:extLst>
-          </p:cNvPr>
-          <p:cNvSpPr>
-            <a:spLocks noGrp="1"/>
-          </p:cNvSpPr>
-          <p:nvPr>
-            <p:ph type="dt" sz="half" idx="10"/>
-          </p:nvPr>
-        </p:nvSpPr>
-        <p:spPr/>
-        <p:txBody>
-          <a:bodyPr/>
-          <a:lstStyle/>
-          <a:p>
-            <a:fld id="{7F8D9695-AF90-6941-BE29-F53A2D77A903}" type="datetime1">
-              <a:rPr lang="de-DE" smtClean="0"/>
-              <a:t>20.01.19</a:t>
-            </a:fld>
-            <a:endParaRPr lang="en-GB"/>
-          </a:p>
-        </p:txBody>
-      </p:sp>
-      <p:sp>
-        <p:nvSpPr>
-          <p:cNvPr id="5" name="Fußzeilenplatzhalter 4">
-            <a:extLst>
-              <a:ext uri="{FF2B5EF4-FFF2-40B4-BE49-F238E27FC236}">
-                <a16:creationId xmlns:a16="http://schemas.microsoft.com/office/drawing/2014/main" id="{CDA854E8-1BB0-C34C-9A03-AF419FC08154}"/>
-              </a:ext>
-            </a:extLst>
-          </p:cNvPr>
-          <p:cNvSpPr>
-            <a:spLocks noGrp="1"/>
-          </p:cNvSpPr>
-          <p:nvPr>
-            <p:ph type="ftr" sz="quarter" idx="11"/>
-          </p:nvPr>
-        </p:nvSpPr>
-        <p:spPr/>
-        <p:txBody>
-          <a:bodyPr/>
-          <a:lstStyle/>
-          <a:p>
-            <a:r>
-              <a:rPr lang="en-GB"/>
-              <a:t>Sinthujan Thanabalasingam - Wieland Strauß </a:t>
-            </a:r>
-          </a:p>
-        </p:txBody>
-      </p:sp>
-      <p:sp>
-        <p:nvSpPr>
-          <p:cNvPr id="6" name="Foliennummernplatzhalter 5">
-            <a:extLst>
-              <a:ext uri="{FF2B5EF4-FFF2-40B4-BE49-F238E27FC236}">
-                <a16:creationId xmlns:a16="http://schemas.microsoft.com/office/drawing/2014/main" id="{BBFFC54D-FB6F-354C-BD60-DA1A6EEAE8B3}"/>
-              </a:ext>
-            </a:extLst>
-          </p:cNvPr>
-          <p:cNvSpPr>
-            <a:spLocks noGrp="1"/>
-          </p:cNvSpPr>
-          <p:nvPr>
-            <p:ph type="sldNum" sz="quarter" idx="12"/>
-          </p:nvPr>
-        </p:nvSpPr>
-        <p:spPr/>
-        <p:txBody>
-          <a:bodyPr/>
-          <a:lstStyle/>
-          <a:p>
-            <a:fld id="{6E0A9637-9D79-3D4E-94DD-F37D6D227D38}" type="slidenum">
-              <a:rPr lang="en-GB" smtClean="0"/>
-              <a:t>15</a:t>
-            </a:fld>
-            <a:endParaRPr lang="en-GB"/>
-          </a:p>
-        </p:txBody>
-      </p:sp>
-    </p:spTree>
-    <p:extLst>
-      <p:ext uri="{BB962C8B-B14F-4D97-AF65-F5344CB8AC3E}">
-        <p14:creationId xmlns:p14="http://schemas.microsoft.com/office/powerpoint/2010/main" val="4017148758"/>
       </p:ext>
     </p:extLst>
   </p:cSld>
@@ -18416,421 +11626,6 @@
 </file>
 
 <file path=ppt/slides/slide3.xml><?xml version="1.0" encoding="utf-8"?>
-<p:sld xmlns:a="http://schemas.openxmlformats.org/drawingml/2006/main" xmlns:r="http://schemas.openxmlformats.org/officeDocument/2006/relationships" xmlns:p="http://schemas.openxmlformats.org/presentationml/2006/main" show="0">
-  <p:cSld>
-    <p:spTree>
-      <p:nvGrpSpPr>
-        <p:cNvPr id="1" name=""/>
-        <p:cNvGrpSpPr/>
-        <p:nvPr/>
-      </p:nvGrpSpPr>
-      <p:grpSpPr>
-        <a:xfrm>
-          <a:off x="0" y="0"/>
-          <a:ext cx="0" cy="0"/>
-          <a:chOff x="0" y="0"/>
-          <a:chExt cx="0" cy="0"/>
-        </a:xfrm>
-      </p:grpSpPr>
-      <p:sp>
-        <p:nvSpPr>
-          <p:cNvPr id="2" name="Titel 1">
-            <a:extLst>
-              <a:ext uri="{FF2B5EF4-FFF2-40B4-BE49-F238E27FC236}">
-                <a16:creationId xmlns:a16="http://schemas.microsoft.com/office/drawing/2014/main" id="{A4D5C0F0-AF54-0C48-B73C-F76EB56F2D16}"/>
-              </a:ext>
-            </a:extLst>
-          </p:cNvPr>
-          <p:cNvSpPr>
-            <a:spLocks noGrp="1"/>
-          </p:cNvSpPr>
-          <p:nvPr>
-            <p:ph type="title"/>
-          </p:nvPr>
-        </p:nvSpPr>
-        <p:spPr>
-          <a:xfrm>
-            <a:off x="838200" y="365125"/>
-            <a:ext cx="10515600" cy="1325563"/>
-          </a:xfrm>
-        </p:spPr>
-        <p:txBody>
-          <a:bodyPr/>
-          <a:lstStyle/>
-          <a:p>
-            <a:r>
-              <a:rPr lang="de-DE"/>
-              <a:t>Idee</a:t>
-            </a:r>
-            <a:endParaRPr lang="de-DE" dirty="0"/>
-          </a:p>
-        </p:txBody>
-      </p:sp>
-      <p:sp>
-        <p:nvSpPr>
-          <p:cNvPr id="4" name="Datumsplatzhalter 3">
-            <a:extLst>
-              <a:ext uri="{FF2B5EF4-FFF2-40B4-BE49-F238E27FC236}">
-                <a16:creationId xmlns:a16="http://schemas.microsoft.com/office/drawing/2014/main" id="{A7C6761C-E2D6-4847-A902-74149B6306EF}"/>
-              </a:ext>
-            </a:extLst>
-          </p:cNvPr>
-          <p:cNvSpPr>
-            <a:spLocks noGrp="1"/>
-          </p:cNvSpPr>
-          <p:nvPr>
-            <p:ph type="dt" sz="half" idx="10"/>
-          </p:nvPr>
-        </p:nvSpPr>
-        <p:spPr>
-          <a:xfrm>
-            <a:off x="838200" y="6356350"/>
-            <a:ext cx="2743200" cy="365125"/>
-          </a:xfrm>
-        </p:spPr>
-        <p:txBody>
-          <a:bodyPr/>
-          <a:lstStyle/>
-          <a:p>
-            <a:fld id="{380BB4C3-B55A-1B40-9D9A-5A0F64021BBF}" type="datetime1">
-              <a:rPr lang="de-DE" smtClean="0"/>
-              <a:t>20.01.19</a:t>
-            </a:fld>
-            <a:endParaRPr lang="de-DE" dirty="0"/>
-          </a:p>
-        </p:txBody>
-      </p:sp>
-      <p:sp>
-        <p:nvSpPr>
-          <p:cNvPr id="5" name="Fußzeilenplatzhalter 4">
-            <a:extLst>
-              <a:ext uri="{FF2B5EF4-FFF2-40B4-BE49-F238E27FC236}">
-                <a16:creationId xmlns:a16="http://schemas.microsoft.com/office/drawing/2014/main" id="{4EE97555-30D1-4046-8250-5482FAC96E22}"/>
-              </a:ext>
-            </a:extLst>
-          </p:cNvPr>
-          <p:cNvSpPr>
-            <a:spLocks noGrp="1"/>
-          </p:cNvSpPr>
-          <p:nvPr>
-            <p:ph type="ftr" sz="quarter" idx="11"/>
-          </p:nvPr>
-        </p:nvSpPr>
-        <p:spPr>
-          <a:xfrm>
-            <a:off x="4038600" y="6356350"/>
-            <a:ext cx="4114800" cy="365125"/>
-          </a:xfrm>
-        </p:spPr>
-        <p:txBody>
-          <a:bodyPr/>
-          <a:lstStyle/>
-          <a:p>
-            <a:r>
-              <a:rPr lang="en-GB"/>
-              <a:t>Sinthujan Thanabalasingam - Wieland Strauß </a:t>
-            </a:r>
-          </a:p>
-        </p:txBody>
-      </p:sp>
-      <p:sp>
-        <p:nvSpPr>
-          <p:cNvPr id="6" name="Foliennummernplatzhalter 5">
-            <a:extLst>
-              <a:ext uri="{FF2B5EF4-FFF2-40B4-BE49-F238E27FC236}">
-                <a16:creationId xmlns:a16="http://schemas.microsoft.com/office/drawing/2014/main" id="{DF93DD92-F7D8-9A4E-8BB3-C7C6BA82E7C3}"/>
-              </a:ext>
-            </a:extLst>
-          </p:cNvPr>
-          <p:cNvSpPr>
-            <a:spLocks noGrp="1"/>
-          </p:cNvSpPr>
-          <p:nvPr>
-            <p:ph type="sldNum" sz="quarter" idx="12"/>
-          </p:nvPr>
-        </p:nvSpPr>
-        <p:spPr>
-          <a:xfrm>
-            <a:off x="8610600" y="6356350"/>
-            <a:ext cx="2743200" cy="365125"/>
-          </a:xfrm>
-        </p:spPr>
-        <p:txBody>
-          <a:bodyPr/>
-          <a:lstStyle/>
-          <a:p>
-            <a:fld id="{6E0A9637-9D79-3D4E-94DD-F37D6D227D38}" type="slidenum">
-              <a:rPr lang="en-GB" smtClean="0"/>
-              <a:t>3</a:t>
-            </a:fld>
-            <a:endParaRPr lang="en-GB"/>
-          </a:p>
-        </p:txBody>
-      </p:sp>
-      <p:graphicFrame>
-        <p:nvGraphicFramePr>
-          <p:cNvPr id="9" name="Inhaltsplatzhalter 2">
-            <a:extLst>
-              <a:ext uri="{FF2B5EF4-FFF2-40B4-BE49-F238E27FC236}">
-                <a16:creationId xmlns:a16="http://schemas.microsoft.com/office/drawing/2014/main" id="{BFF1A6BF-60C9-F54E-9EAC-22D4CA668F97}"/>
-              </a:ext>
-            </a:extLst>
-          </p:cNvPr>
-          <p:cNvGraphicFramePr>
-            <a:graphicFrameLocks/>
-          </p:cNvGraphicFramePr>
-          <p:nvPr>
-            <p:extLst>
-              <p:ext uri="{D42A27DB-BD31-4B8C-83A1-F6EECF244321}">
-                <p14:modId xmlns:p14="http://schemas.microsoft.com/office/powerpoint/2010/main" val="2464686879"/>
-              </p:ext>
-            </p:extLst>
-          </p:nvPr>
-        </p:nvGraphicFramePr>
-        <p:xfrm>
-          <a:off x="1293223" y="1239249"/>
-          <a:ext cx="9605554" cy="4802187"/>
-        </p:xfrm>
-        <a:graphic>
-          <a:graphicData uri="http://schemas.openxmlformats.org/drawingml/2006/diagram">
-            <dgm:relIds xmlns:dgm="http://schemas.openxmlformats.org/drawingml/2006/diagram" xmlns:r="http://schemas.openxmlformats.org/officeDocument/2006/relationships" r:dm="rId3" r:lo="rId4" r:qs="rId5" r:cs="rId6"/>
-          </a:graphicData>
-        </a:graphic>
-      </p:graphicFrame>
-    </p:spTree>
-    <p:extLst>
-      <p:ext uri="{BB962C8B-B14F-4D97-AF65-F5344CB8AC3E}">
-        <p14:creationId xmlns:p14="http://schemas.microsoft.com/office/powerpoint/2010/main" val="3862864273"/>
-      </p:ext>
-    </p:extLst>
-  </p:cSld>
-  <p:clrMapOvr>
-    <a:masterClrMapping/>
-  </p:clrMapOvr>
-</p:sld>
-</file>
-
-<file path=ppt/slides/slide4.xml><?xml version="1.0" encoding="utf-8"?>
-<p:sld xmlns:a="http://schemas.openxmlformats.org/drawingml/2006/main" xmlns:r="http://schemas.openxmlformats.org/officeDocument/2006/relationships" xmlns:p="http://schemas.openxmlformats.org/presentationml/2006/main" show="0">
-  <p:cSld>
-    <p:spTree>
-      <p:nvGrpSpPr>
-        <p:cNvPr id="1" name=""/>
-        <p:cNvGrpSpPr/>
-        <p:nvPr/>
-      </p:nvGrpSpPr>
-      <p:grpSpPr>
-        <a:xfrm>
-          <a:off x="0" y="0"/>
-          <a:ext cx="0" cy="0"/>
-          <a:chOff x="0" y="0"/>
-          <a:chExt cx="0" cy="0"/>
-        </a:xfrm>
-      </p:grpSpPr>
-      <p:sp>
-        <p:nvSpPr>
-          <p:cNvPr id="2" name="Titel 1">
-            <a:extLst>
-              <a:ext uri="{FF2B5EF4-FFF2-40B4-BE49-F238E27FC236}">
-                <a16:creationId xmlns:a16="http://schemas.microsoft.com/office/drawing/2014/main" id="{4C09C96B-A994-9644-A1F8-B19ADFDB2BB7}"/>
-              </a:ext>
-            </a:extLst>
-          </p:cNvPr>
-          <p:cNvSpPr>
-            <a:spLocks noGrp="1"/>
-          </p:cNvSpPr>
-          <p:nvPr>
-            <p:ph type="title"/>
-          </p:nvPr>
-        </p:nvSpPr>
-        <p:spPr>
-          <a:xfrm>
-            <a:off x="838200" y="365125"/>
-            <a:ext cx="10515600" cy="1325563"/>
-          </a:xfrm>
-        </p:spPr>
-        <p:txBody>
-          <a:bodyPr/>
-          <a:lstStyle/>
-          <a:p>
-            <a:r>
-              <a:rPr lang="de-DE"/>
-              <a:t>Funktionen</a:t>
-            </a:r>
-            <a:endParaRPr lang="de-DE" dirty="0"/>
-          </a:p>
-        </p:txBody>
-      </p:sp>
-      <p:sp>
-        <p:nvSpPr>
-          <p:cNvPr id="3" name="Inhaltsplatzhalter 2">
-            <a:extLst>
-              <a:ext uri="{FF2B5EF4-FFF2-40B4-BE49-F238E27FC236}">
-                <a16:creationId xmlns:a16="http://schemas.microsoft.com/office/drawing/2014/main" id="{06F5B0DF-6124-484A-A39F-B3427A7419EB}"/>
-              </a:ext>
-            </a:extLst>
-          </p:cNvPr>
-          <p:cNvSpPr>
-            <a:spLocks noGrp="1"/>
-          </p:cNvSpPr>
-          <p:nvPr>
-            <p:ph idx="1"/>
-          </p:nvPr>
-        </p:nvSpPr>
-        <p:spPr/>
-        <p:txBody>
-          <a:bodyPr/>
-          <a:lstStyle/>
-          <a:p>
-            <a:r>
-              <a:rPr lang="de-DE" dirty="0"/>
-              <a:t>Registrierung/ Login </a:t>
-            </a:r>
-          </a:p>
-          <a:p>
-            <a:r>
-              <a:rPr lang="de-DE" dirty="0"/>
-              <a:t>Erstellen von Aktivitäten und Kategorien </a:t>
-            </a:r>
-          </a:p>
-          <a:p>
-            <a:r>
-              <a:rPr lang="de-DE" dirty="0"/>
-              <a:t>Aufnehmen und Speichern von Records </a:t>
-            </a:r>
-          </a:p>
-          <a:p>
-            <a:r>
-              <a:rPr lang="de-DE" dirty="0"/>
-              <a:t>Zuordnung von Tags</a:t>
-            </a:r>
-          </a:p>
-          <a:p>
-            <a:r>
-              <a:rPr lang="de-DE" dirty="0"/>
-              <a:t>Globale und persönliche Statistiken</a:t>
-            </a:r>
-          </a:p>
-          <a:p>
-            <a:endParaRPr lang="de-DE" dirty="0"/>
-          </a:p>
-        </p:txBody>
-      </p:sp>
-      <p:sp>
-        <p:nvSpPr>
-          <p:cNvPr id="4" name="Datumsplatzhalter 3">
-            <a:extLst>
-              <a:ext uri="{FF2B5EF4-FFF2-40B4-BE49-F238E27FC236}">
-                <a16:creationId xmlns:a16="http://schemas.microsoft.com/office/drawing/2014/main" id="{D0B2B581-20BE-AB4C-B0F3-64B68E24B11A}"/>
-              </a:ext>
-            </a:extLst>
-          </p:cNvPr>
-          <p:cNvSpPr>
-            <a:spLocks noGrp="1"/>
-          </p:cNvSpPr>
-          <p:nvPr>
-            <p:ph type="dt" sz="half" idx="10"/>
-          </p:nvPr>
-        </p:nvSpPr>
-        <p:spPr>
-          <a:xfrm>
-            <a:off x="838200" y="6356350"/>
-            <a:ext cx="2743200" cy="365125"/>
-          </a:xfrm>
-        </p:spPr>
-        <p:txBody>
-          <a:bodyPr/>
-          <a:lstStyle/>
-          <a:p>
-            <a:fld id="{7F8D9695-AF90-6941-BE29-F53A2D77A903}" type="datetime1">
-              <a:rPr lang="de-DE" smtClean="0"/>
-              <a:t>20.01.19</a:t>
-            </a:fld>
-            <a:endParaRPr lang="en-GB"/>
-          </a:p>
-        </p:txBody>
-      </p:sp>
-      <p:sp>
-        <p:nvSpPr>
-          <p:cNvPr id="5" name="Fußzeilenplatzhalter 4">
-            <a:extLst>
-              <a:ext uri="{FF2B5EF4-FFF2-40B4-BE49-F238E27FC236}">
-                <a16:creationId xmlns:a16="http://schemas.microsoft.com/office/drawing/2014/main" id="{FA396ABB-EFC7-0648-9EE1-E1A6AC61901C}"/>
-              </a:ext>
-            </a:extLst>
-          </p:cNvPr>
-          <p:cNvSpPr>
-            <a:spLocks noGrp="1"/>
-          </p:cNvSpPr>
-          <p:nvPr>
-            <p:ph type="ftr" sz="quarter" idx="11"/>
-          </p:nvPr>
-        </p:nvSpPr>
-        <p:spPr>
-          <a:xfrm>
-            <a:off x="4038600" y="6356350"/>
-            <a:ext cx="4114800" cy="365125"/>
-          </a:xfrm>
-        </p:spPr>
-        <p:txBody>
-          <a:bodyPr/>
-          <a:lstStyle/>
-          <a:p>
-            <a:r>
-              <a:rPr lang="en-GB"/>
-              <a:t>Sinthujan Thanabalasingam - Wieland Strauß </a:t>
-            </a:r>
-          </a:p>
-        </p:txBody>
-      </p:sp>
-      <p:sp>
-        <p:nvSpPr>
-          <p:cNvPr id="6" name="Foliennummernplatzhalter 5">
-            <a:extLst>
-              <a:ext uri="{FF2B5EF4-FFF2-40B4-BE49-F238E27FC236}">
-                <a16:creationId xmlns:a16="http://schemas.microsoft.com/office/drawing/2014/main" id="{A3F451F0-B6EC-EC48-B56D-9B4B68225968}"/>
-              </a:ext>
-            </a:extLst>
-          </p:cNvPr>
-          <p:cNvSpPr>
-            <a:spLocks noGrp="1"/>
-          </p:cNvSpPr>
-          <p:nvPr>
-            <p:ph type="sldNum" sz="quarter" idx="12"/>
-          </p:nvPr>
-        </p:nvSpPr>
-        <p:spPr>
-          <a:xfrm>
-            <a:off x="8610600" y="6356350"/>
-            <a:ext cx="2743200" cy="365125"/>
-          </a:xfrm>
-        </p:spPr>
-        <p:txBody>
-          <a:bodyPr/>
-          <a:lstStyle/>
-          <a:p>
-            <a:fld id="{6E0A9637-9D79-3D4E-94DD-F37D6D227D38}" type="slidenum">
-              <a:rPr lang="en-GB" smtClean="0"/>
-              <a:t>4</a:t>
-            </a:fld>
-            <a:endParaRPr lang="en-GB"/>
-          </a:p>
-        </p:txBody>
-      </p:sp>
-    </p:spTree>
-    <p:extLst>
-      <p:ext uri="{BB962C8B-B14F-4D97-AF65-F5344CB8AC3E}">
-        <p14:creationId xmlns:p14="http://schemas.microsoft.com/office/powerpoint/2010/main" val="3629256540"/>
-      </p:ext>
-    </p:extLst>
-  </p:cSld>
-  <p:clrMapOvr>
-    <a:masterClrMapping/>
-  </p:clrMapOvr>
-</p:sld>
-</file>
-
-<file path=ppt/slides/slide5.xml><?xml version="1.0" encoding="utf-8"?>
 <p:sld xmlns:a="http://schemas.openxmlformats.org/drawingml/2006/main" xmlns:r="http://schemas.openxmlformats.org/officeDocument/2006/relationships" xmlns:p="http://schemas.openxmlformats.org/presentationml/2006/main">
   <p:cSld>
     <p:spTree>
@@ -18909,7 +11704,7 @@
           <a:p>
             <a:fld id="{7F8D9695-AF90-6941-BE29-F53A2D77A903}" type="datetime1">
               <a:rPr lang="de-DE" smtClean="0"/>
-              <a:t>20.01.19</a:t>
+              <a:t>22.01.19</a:t>
             </a:fld>
             <a:endParaRPr lang="en-GB"/>
           </a:p>
@@ -18976,7 +11771,7 @@
           <a:p>
             <a:fld id="{6E0A9637-9D79-3D4E-94DD-F37D6D227D38}" type="slidenum">
               <a:rPr lang="en-GB" smtClean="0"/>
-              <a:t>5</a:t>
+              <a:t>3</a:t>
             </a:fld>
             <a:endParaRPr lang="en-GB"/>
           </a:p>
@@ -19025,7 +11820,7 @@
 </p:sld>
 </file>
 
-<file path=ppt/slides/slide6.xml><?xml version="1.0" encoding="utf-8"?>
+<file path=ppt/slides/slide4.xml><?xml version="1.0" encoding="utf-8"?>
 <p:sld xmlns:a="http://schemas.openxmlformats.org/drawingml/2006/main" xmlns:r="http://schemas.openxmlformats.org/officeDocument/2006/relationships" xmlns:p="http://schemas.openxmlformats.org/presentationml/2006/main">
   <p:cSld>
     <p:spTree>
@@ -19093,7 +11888,7 @@
           <a:p>
             <a:fld id="{53F32209-A9A1-964E-AE7A-74B597182930}" type="datetime1">
               <a:rPr lang="de-DE" smtClean="0"/>
-              <a:t>20.01.19</a:t>
+              <a:t>22.01.19</a:t>
             </a:fld>
             <a:endParaRPr lang="en-GB"/>
           </a:p>
@@ -19150,7 +11945,7 @@
           <a:p>
             <a:fld id="{6E0A9637-9D79-3D4E-94DD-F37D6D227D38}" type="slidenum">
               <a:rPr lang="en-GB" smtClean="0"/>
-              <a:t>6</a:t>
+              <a:t>4</a:t>
             </a:fld>
             <a:endParaRPr lang="en-GB"/>
           </a:p>
@@ -19682,7 +12477,7 @@
 </p:sld>
 </file>
 
-<file path=ppt/slides/slide7.xml><?xml version="1.0" encoding="utf-8"?>
+<file path=ppt/slides/slide5.xml><?xml version="1.0" encoding="utf-8"?>
 <p:sld xmlns:a="http://schemas.openxmlformats.org/drawingml/2006/main" xmlns:r="http://schemas.openxmlformats.org/officeDocument/2006/relationships" xmlns:p="http://schemas.openxmlformats.org/presentationml/2006/main">
   <p:cSld>
     <p:spTree>
@@ -19751,7 +12546,7 @@
           <a:p>
             <a:fld id="{7F8D9695-AF90-6941-BE29-F53A2D77A903}" type="datetime1">
               <a:rPr lang="de-DE" smtClean="0"/>
-              <a:t>20.01.19</a:t>
+              <a:t>22.01.19</a:t>
             </a:fld>
             <a:endParaRPr lang="en-GB"/>
           </a:p>
@@ -19808,7 +12603,7 @@
           <a:p>
             <a:fld id="{6E0A9637-9D79-3D4E-94DD-F37D6D227D38}" type="slidenum">
               <a:rPr lang="en-GB" smtClean="0"/>
-              <a:t>7</a:t>
+              <a:t>5</a:t>
             </a:fld>
             <a:endParaRPr lang="en-GB"/>
           </a:p>
@@ -20728,7 +13523,7 @@
 </p:sld>
 </file>
 
-<file path=ppt/slides/slide8.xml><?xml version="1.0" encoding="utf-8"?>
+<file path=ppt/slides/slide6.xml><?xml version="1.0" encoding="utf-8"?>
 <p:sld xmlns:a="http://schemas.openxmlformats.org/drawingml/2006/main" xmlns:r="http://schemas.openxmlformats.org/officeDocument/2006/relationships" xmlns:p="http://schemas.openxmlformats.org/presentationml/2006/main">
   <p:cSld>
     <p:spTree>
@@ -20807,7 +13602,7 @@
           <a:p>
             <a:fld id="{44936624-53A9-854D-924F-19118245427A}" type="datetime1">
               <a:rPr lang="de-DE" smtClean="0"/>
-              <a:t>20.01.19</a:t>
+              <a:t>22.01.19</a:t>
             </a:fld>
             <a:endParaRPr lang="en-GB"/>
           </a:p>
@@ -20874,7 +13669,7 @@
           <a:p>
             <a:fld id="{6E0A9637-9D79-3D4E-94DD-F37D6D227D38}" type="slidenum">
               <a:rPr lang="en-GB" smtClean="0"/>
-              <a:t>8</a:t>
+              <a:t>6</a:t>
             </a:fld>
             <a:endParaRPr lang="en-GB"/>
           </a:p>
@@ -20923,7 +13718,7 @@
 </p:sld>
 </file>
 
-<file path=ppt/slides/slide9.xml><?xml version="1.0" encoding="utf-8"?>
+<file path=ppt/slides/slide7.xml><?xml version="1.0" encoding="utf-8"?>
 <p:sld xmlns:a="http://schemas.openxmlformats.org/drawingml/2006/main" xmlns:r="http://schemas.openxmlformats.org/officeDocument/2006/relationships" xmlns:p="http://schemas.openxmlformats.org/presentationml/2006/main">
   <p:cSld>
     <p:spTree>
@@ -21002,7 +13797,7 @@
           <a:p>
             <a:fld id="{44936624-53A9-854D-924F-19118245427A}" type="datetime1">
               <a:rPr lang="de-DE" smtClean="0"/>
-              <a:t>20.01.19</a:t>
+              <a:t>22.01.19</a:t>
             </a:fld>
             <a:endParaRPr lang="en-GB"/>
           </a:p>
@@ -21069,7 +13864,7 @@
           <a:p>
             <a:fld id="{6E0A9637-9D79-3D4E-94DD-F37D6D227D38}" type="slidenum">
               <a:rPr lang="en-GB" smtClean="0"/>
-              <a:t>9</a:t>
+              <a:t>7</a:t>
             </a:fld>
             <a:endParaRPr lang="en-GB"/>
           </a:p>
@@ -21463,6 +14258,483 @@
     <p:extLst>
       <p:ext uri="{BB962C8B-B14F-4D97-AF65-F5344CB8AC3E}">
         <p14:creationId xmlns:p14="http://schemas.microsoft.com/office/powerpoint/2010/main" val="1369541432"/>
+      </p:ext>
+    </p:extLst>
+  </p:cSld>
+  <p:clrMapOvr>
+    <a:masterClrMapping/>
+  </p:clrMapOvr>
+</p:sld>
+</file>
+
+<file path=ppt/slides/slide8.xml><?xml version="1.0" encoding="utf-8"?>
+<p:sld xmlns:a="http://schemas.openxmlformats.org/drawingml/2006/main" xmlns:r="http://schemas.openxmlformats.org/officeDocument/2006/relationships" xmlns:p="http://schemas.openxmlformats.org/presentationml/2006/main">
+  <p:cSld>
+    <p:spTree>
+      <p:nvGrpSpPr>
+        <p:cNvPr id="1" name=""/>
+        <p:cNvGrpSpPr/>
+        <p:nvPr/>
+      </p:nvGrpSpPr>
+      <p:grpSpPr>
+        <a:xfrm>
+          <a:off x="0" y="0"/>
+          <a:ext cx="0" cy="0"/>
+          <a:chOff x="0" y="0"/>
+          <a:chExt cx="0" cy="0"/>
+        </a:xfrm>
+      </p:grpSpPr>
+      <p:sp>
+        <p:nvSpPr>
+          <p:cNvPr id="2" name="Titel 1">
+            <a:extLst>
+              <a:ext uri="{FF2B5EF4-FFF2-40B4-BE49-F238E27FC236}">
+                <a16:creationId xmlns:a16="http://schemas.microsoft.com/office/drawing/2014/main" id="{0278A785-CFF1-2440-80D1-EBB913F20D93}"/>
+              </a:ext>
+            </a:extLst>
+          </p:cNvPr>
+          <p:cNvSpPr>
+            <a:spLocks noGrp="1"/>
+          </p:cNvSpPr>
+          <p:nvPr>
+            <p:ph type="title"/>
+          </p:nvPr>
+        </p:nvSpPr>
+        <p:spPr/>
+        <p:txBody>
+          <a:bodyPr/>
+          <a:lstStyle/>
+          <a:p>
+            <a:r>
+              <a:rPr lang="de-DE" dirty="0"/>
+              <a:t>Services</a:t>
+            </a:r>
+          </a:p>
+        </p:txBody>
+      </p:sp>
+      <p:graphicFrame>
+        <p:nvGraphicFramePr>
+          <p:cNvPr id="4" name="Inhaltsplatzhalter 3">
+            <a:extLst>
+              <a:ext uri="{FF2B5EF4-FFF2-40B4-BE49-F238E27FC236}">
+                <a16:creationId xmlns:a16="http://schemas.microsoft.com/office/drawing/2014/main" id="{79051BD4-F583-2A44-AD69-F414A07D0A71}"/>
+              </a:ext>
+            </a:extLst>
+          </p:cNvPr>
+          <p:cNvGraphicFramePr>
+            <a:graphicFrameLocks noGrp="1"/>
+          </p:cNvGraphicFramePr>
+          <p:nvPr>
+            <p:ph sz="half" idx="1"/>
+            <p:extLst>
+              <p:ext uri="{D42A27DB-BD31-4B8C-83A1-F6EECF244321}">
+                <p14:modId xmlns:p14="http://schemas.microsoft.com/office/powerpoint/2010/main" val="3102760729"/>
+              </p:ext>
+            </p:extLst>
+          </p:nvPr>
+        </p:nvGraphicFramePr>
+        <p:xfrm>
+          <a:off x="3100250" y="1716405"/>
+          <a:ext cx="6139543" cy="4614228"/>
+        </p:xfrm>
+        <a:graphic>
+          <a:graphicData uri="http://schemas.openxmlformats.org/drawingml/2006/diagram">
+            <dgm:relIds xmlns:dgm="http://schemas.openxmlformats.org/drawingml/2006/diagram" xmlns:r="http://schemas.openxmlformats.org/officeDocument/2006/relationships" r:dm="rId2" r:lo="rId3" r:qs="rId4" r:cs="rId5"/>
+          </a:graphicData>
+        </a:graphic>
+      </p:graphicFrame>
+      <p:sp>
+        <p:nvSpPr>
+          <p:cNvPr id="5" name="Datumsplatzhalter 4">
+            <a:extLst>
+              <a:ext uri="{FF2B5EF4-FFF2-40B4-BE49-F238E27FC236}">
+                <a16:creationId xmlns:a16="http://schemas.microsoft.com/office/drawing/2014/main" id="{40B0CE17-47E7-0749-B8F8-AA37DFAE5EC4}"/>
+              </a:ext>
+            </a:extLst>
+          </p:cNvPr>
+          <p:cNvSpPr>
+            <a:spLocks noGrp="1"/>
+          </p:cNvSpPr>
+          <p:nvPr>
+            <p:ph type="dt" sz="half" idx="10"/>
+          </p:nvPr>
+        </p:nvSpPr>
+        <p:spPr/>
+        <p:txBody>
+          <a:bodyPr/>
+          <a:lstStyle/>
+          <a:p>
+            <a:fld id="{ABC424DB-1E40-9C4B-84BE-CDF06229AA9E}" type="datetime1">
+              <a:rPr lang="de-DE" smtClean="0"/>
+              <a:t>22.01.19</a:t>
+            </a:fld>
+            <a:endParaRPr lang="en-GB"/>
+          </a:p>
+        </p:txBody>
+      </p:sp>
+      <p:sp>
+        <p:nvSpPr>
+          <p:cNvPr id="6" name="Fußzeilenplatzhalter 5">
+            <a:extLst>
+              <a:ext uri="{FF2B5EF4-FFF2-40B4-BE49-F238E27FC236}">
+                <a16:creationId xmlns:a16="http://schemas.microsoft.com/office/drawing/2014/main" id="{F4D4392D-5727-404C-9611-0C000B728368}"/>
+              </a:ext>
+            </a:extLst>
+          </p:cNvPr>
+          <p:cNvSpPr>
+            <a:spLocks noGrp="1"/>
+          </p:cNvSpPr>
+          <p:nvPr>
+            <p:ph type="ftr" sz="quarter" idx="11"/>
+          </p:nvPr>
+        </p:nvSpPr>
+        <p:spPr/>
+        <p:txBody>
+          <a:bodyPr/>
+          <a:lstStyle/>
+          <a:p>
+            <a:r>
+              <a:rPr lang="en-GB"/>
+              <a:t>Sinthujan Thanabalasingam - Wieland Strauß </a:t>
+            </a:r>
+          </a:p>
+        </p:txBody>
+      </p:sp>
+      <p:sp>
+        <p:nvSpPr>
+          <p:cNvPr id="7" name="Foliennummernplatzhalter 6">
+            <a:extLst>
+              <a:ext uri="{FF2B5EF4-FFF2-40B4-BE49-F238E27FC236}">
+                <a16:creationId xmlns:a16="http://schemas.microsoft.com/office/drawing/2014/main" id="{66348504-ABE5-5940-81FB-3F60086B0E0B}"/>
+              </a:ext>
+            </a:extLst>
+          </p:cNvPr>
+          <p:cNvSpPr>
+            <a:spLocks noGrp="1"/>
+          </p:cNvSpPr>
+          <p:nvPr>
+            <p:ph type="sldNum" sz="quarter" idx="12"/>
+          </p:nvPr>
+        </p:nvSpPr>
+        <p:spPr/>
+        <p:txBody>
+          <a:bodyPr/>
+          <a:lstStyle/>
+          <a:p>
+            <a:fld id="{6E0A9637-9D79-3D4E-94DD-F37D6D227D38}" type="slidenum">
+              <a:rPr lang="en-GB" smtClean="0"/>
+              <a:t>8</a:t>
+            </a:fld>
+            <a:endParaRPr lang="en-GB"/>
+          </a:p>
+        </p:txBody>
+      </p:sp>
+    </p:spTree>
+    <p:extLst>
+      <p:ext uri="{BB962C8B-B14F-4D97-AF65-F5344CB8AC3E}">
+        <p14:creationId xmlns:p14="http://schemas.microsoft.com/office/powerpoint/2010/main" val="1265032557"/>
+      </p:ext>
+    </p:extLst>
+  </p:cSld>
+  <p:clrMapOvr>
+    <a:masterClrMapping/>
+  </p:clrMapOvr>
+</p:sld>
+</file>
+
+<file path=ppt/slides/slide9.xml><?xml version="1.0" encoding="utf-8"?>
+<p:sld xmlns:a="http://schemas.openxmlformats.org/drawingml/2006/main" xmlns:r="http://schemas.openxmlformats.org/officeDocument/2006/relationships" xmlns:p="http://schemas.openxmlformats.org/presentationml/2006/main">
+  <p:cSld>
+    <p:spTree>
+      <p:nvGrpSpPr>
+        <p:cNvPr id="1" name=""/>
+        <p:cNvGrpSpPr/>
+        <p:nvPr/>
+      </p:nvGrpSpPr>
+      <p:grpSpPr>
+        <a:xfrm>
+          <a:off x="0" y="0"/>
+          <a:ext cx="0" cy="0"/>
+          <a:chOff x="0" y="0"/>
+          <a:chExt cx="0" cy="0"/>
+        </a:xfrm>
+      </p:grpSpPr>
+      <p:sp>
+        <p:nvSpPr>
+          <p:cNvPr id="2" name="Titel 1">
+            <a:extLst>
+              <a:ext uri="{FF2B5EF4-FFF2-40B4-BE49-F238E27FC236}">
+                <a16:creationId xmlns:a16="http://schemas.microsoft.com/office/drawing/2014/main" id="{E394BBC4-1A51-2841-B7FB-3F617E6C34BA}"/>
+              </a:ext>
+            </a:extLst>
+          </p:cNvPr>
+          <p:cNvSpPr>
+            <a:spLocks noGrp="1"/>
+          </p:cNvSpPr>
+          <p:nvPr>
+            <p:ph type="title"/>
+          </p:nvPr>
+        </p:nvSpPr>
+        <p:spPr>
+          <a:xfrm>
+            <a:off x="838200" y="365125"/>
+            <a:ext cx="10515600" cy="1325563"/>
+          </a:xfrm>
+        </p:spPr>
+        <p:txBody>
+          <a:bodyPr/>
+          <a:lstStyle/>
+          <a:p>
+            <a:r>
+              <a:rPr lang="de-DE"/>
+              <a:t>Erreichte Ziele </a:t>
+            </a:r>
+            <a:endParaRPr lang="de-DE" dirty="0"/>
+          </a:p>
+        </p:txBody>
+      </p:sp>
+      <p:sp>
+        <p:nvSpPr>
+          <p:cNvPr id="7" name="Inhaltsplatzhalter 6">
+            <a:extLst>
+              <a:ext uri="{FF2B5EF4-FFF2-40B4-BE49-F238E27FC236}">
+                <a16:creationId xmlns:a16="http://schemas.microsoft.com/office/drawing/2014/main" id="{BE4C8EAC-3A1B-A04F-A5D8-C8BDD67395F6}"/>
+              </a:ext>
+            </a:extLst>
+          </p:cNvPr>
+          <p:cNvSpPr>
+            <a:spLocks noGrp="1"/>
+          </p:cNvSpPr>
+          <p:nvPr>
+            <p:ph sz="half" idx="1"/>
+          </p:nvPr>
+        </p:nvSpPr>
+        <p:spPr>
+          <a:xfrm>
+            <a:off x="838200" y="1825625"/>
+            <a:ext cx="5181600" cy="4351338"/>
+          </a:xfrm>
+          <a:solidFill>
+            <a:schemeClr val="bg1"/>
+          </a:solidFill>
+        </p:spPr>
+        <p:txBody>
+          <a:bodyPr>
+            <a:normAutofit fontScale="92500" lnSpcReduction="20000"/>
+          </a:bodyPr>
+          <a:lstStyle/>
+          <a:p>
+            <a:r>
+              <a:rPr lang="de-DE" dirty="0"/>
+              <a:t>Entwurf als Micro Services </a:t>
+            </a:r>
+          </a:p>
+          <a:p>
+            <a:r>
+              <a:rPr lang="de-DE" dirty="0"/>
+              <a:t>API-Design</a:t>
+            </a:r>
+          </a:p>
+          <a:p>
+            <a:r>
+              <a:rPr lang="de-DE" dirty="0"/>
+              <a:t>Frontend </a:t>
+            </a:r>
+          </a:p>
+          <a:p>
+            <a:r>
+              <a:rPr lang="de-DE" dirty="0"/>
+              <a:t>Services</a:t>
+            </a:r>
+          </a:p>
+          <a:p>
+            <a:pPr lvl="1"/>
+            <a:r>
+              <a:rPr lang="de-DE" dirty="0"/>
+              <a:t>User Service</a:t>
+            </a:r>
+          </a:p>
+          <a:p>
+            <a:pPr lvl="1"/>
+            <a:r>
+              <a:rPr lang="de-DE" dirty="0"/>
+              <a:t>Timing Service</a:t>
+            </a:r>
+          </a:p>
+          <a:p>
+            <a:pPr lvl="1"/>
+            <a:r>
+              <a:rPr lang="de-DE" dirty="0"/>
+              <a:t>Frontend Service</a:t>
+            </a:r>
+          </a:p>
+          <a:p>
+            <a:r>
+              <a:rPr lang="de-DE" dirty="0"/>
+              <a:t>Sicherheitsmechanismen </a:t>
+            </a:r>
+          </a:p>
+          <a:p>
+            <a:pPr lvl="1"/>
+            <a:r>
+              <a:rPr lang="de-DE" dirty="0"/>
+              <a:t>JSON Web Token</a:t>
+            </a:r>
+          </a:p>
+          <a:p>
+            <a:pPr lvl="1"/>
+            <a:r>
+              <a:rPr lang="de-DE" dirty="0"/>
+              <a:t>HTTPS</a:t>
+            </a:r>
+          </a:p>
+          <a:p>
+            <a:r>
+              <a:rPr lang="de-DE" dirty="0"/>
+              <a:t>Dokumentation</a:t>
+            </a:r>
+          </a:p>
+          <a:p>
+            <a:r>
+              <a:rPr lang="de-DE" dirty="0"/>
+              <a:t>Umsetzung von TDD</a:t>
+            </a:r>
+          </a:p>
+          <a:p>
+            <a:endParaRPr lang="de-DE" dirty="0"/>
+          </a:p>
+        </p:txBody>
+      </p:sp>
+      <p:sp>
+        <p:nvSpPr>
+          <p:cNvPr id="4" name="Datumsplatzhalter 3">
+            <a:extLst>
+              <a:ext uri="{FF2B5EF4-FFF2-40B4-BE49-F238E27FC236}">
+                <a16:creationId xmlns:a16="http://schemas.microsoft.com/office/drawing/2014/main" id="{2D0AB262-F844-C94B-B0D7-D810D51450C6}"/>
+              </a:ext>
+            </a:extLst>
+          </p:cNvPr>
+          <p:cNvSpPr>
+            <a:spLocks noGrp="1"/>
+          </p:cNvSpPr>
+          <p:nvPr>
+            <p:ph type="dt" sz="half" idx="10"/>
+          </p:nvPr>
+        </p:nvSpPr>
+        <p:spPr>
+          <a:xfrm>
+            <a:off x="838200" y="6356350"/>
+            <a:ext cx="2743200" cy="365125"/>
+          </a:xfrm>
+        </p:spPr>
+        <p:txBody>
+          <a:bodyPr/>
+          <a:lstStyle/>
+          <a:p>
+            <a:fld id="{7F8D9695-AF90-6941-BE29-F53A2D77A903}" type="datetime1">
+              <a:rPr lang="de-DE" smtClean="0"/>
+              <a:t>22.01.19</a:t>
+            </a:fld>
+            <a:endParaRPr lang="en-GB" dirty="0"/>
+          </a:p>
+        </p:txBody>
+      </p:sp>
+      <p:sp>
+        <p:nvSpPr>
+          <p:cNvPr id="5" name="Fußzeilenplatzhalter 4">
+            <a:extLst>
+              <a:ext uri="{FF2B5EF4-FFF2-40B4-BE49-F238E27FC236}">
+                <a16:creationId xmlns:a16="http://schemas.microsoft.com/office/drawing/2014/main" id="{C0B07D40-7F89-1746-92BD-8A4467AF482E}"/>
+              </a:ext>
+            </a:extLst>
+          </p:cNvPr>
+          <p:cNvSpPr>
+            <a:spLocks noGrp="1"/>
+          </p:cNvSpPr>
+          <p:nvPr>
+            <p:ph type="ftr" sz="quarter" idx="11"/>
+          </p:nvPr>
+        </p:nvSpPr>
+        <p:spPr>
+          <a:xfrm>
+            <a:off x="4038600" y="6356350"/>
+            <a:ext cx="4114800" cy="365125"/>
+          </a:xfrm>
+        </p:spPr>
+        <p:txBody>
+          <a:bodyPr/>
+          <a:lstStyle/>
+          <a:p>
+            <a:r>
+              <a:rPr lang="en-GB"/>
+              <a:t>Sinthujan Thanabalasingam - Wieland Strauß </a:t>
+            </a:r>
+          </a:p>
+        </p:txBody>
+      </p:sp>
+      <p:sp>
+        <p:nvSpPr>
+          <p:cNvPr id="6" name="Foliennummernplatzhalter 5">
+            <a:extLst>
+              <a:ext uri="{FF2B5EF4-FFF2-40B4-BE49-F238E27FC236}">
+                <a16:creationId xmlns:a16="http://schemas.microsoft.com/office/drawing/2014/main" id="{DA673256-8593-1D40-B418-1A1610850153}"/>
+              </a:ext>
+            </a:extLst>
+          </p:cNvPr>
+          <p:cNvSpPr>
+            <a:spLocks noGrp="1"/>
+          </p:cNvSpPr>
+          <p:nvPr>
+            <p:ph type="sldNum" sz="quarter" idx="12"/>
+          </p:nvPr>
+        </p:nvSpPr>
+        <p:spPr>
+          <a:xfrm>
+            <a:off x="8610600" y="6356350"/>
+            <a:ext cx="2743200" cy="365125"/>
+          </a:xfrm>
+        </p:spPr>
+        <p:txBody>
+          <a:bodyPr/>
+          <a:lstStyle/>
+          <a:p>
+            <a:fld id="{6E0A9637-9D79-3D4E-94DD-F37D6D227D38}" type="slidenum">
+              <a:rPr lang="en-GB" smtClean="0"/>
+              <a:t>9</a:t>
+            </a:fld>
+            <a:endParaRPr lang="en-GB"/>
+          </a:p>
+        </p:txBody>
+      </p:sp>
+      <p:sp>
+        <p:nvSpPr>
+          <p:cNvPr id="9" name="Inhaltsplatzhalter 8">
+            <a:extLst>
+              <a:ext uri="{FF2B5EF4-FFF2-40B4-BE49-F238E27FC236}">
+                <a16:creationId xmlns:a16="http://schemas.microsoft.com/office/drawing/2014/main" id="{C6D127D3-27C5-934E-9B45-DFFCBB893316}"/>
+              </a:ext>
+            </a:extLst>
+          </p:cNvPr>
+          <p:cNvSpPr>
+            <a:spLocks noGrp="1"/>
+          </p:cNvSpPr>
+          <p:nvPr>
+            <p:ph sz="half" idx="2"/>
+          </p:nvPr>
+        </p:nvSpPr>
+        <p:spPr/>
+        <p:txBody>
+          <a:bodyPr/>
+          <a:lstStyle/>
+          <a:p>
+            <a:endParaRPr lang="de-DE"/>
+          </a:p>
+        </p:txBody>
+      </p:sp>
+    </p:spTree>
+    <p:extLst>
+      <p:ext uri="{BB962C8B-B14F-4D97-AF65-F5344CB8AC3E}">
+        <p14:creationId xmlns:p14="http://schemas.microsoft.com/office/powerpoint/2010/main" val="2247354823"/>
       </p:ext>
     </p:extLst>
   </p:cSld>

--- a/orga/SCC_TimeTracker_final_presentation.pptx
+++ b/orga/SCC_TimeTracker_final_presentation.pptx
@@ -7239,7 +7239,7 @@
           <a:p>
             <a:fld id="{7CE5BEBC-D66A-3D40-958A-78C6F7D28329}" type="datetimeFigureOut">
               <a:rPr lang="de-DE" smtClean="0"/>
-              <a:t>22.01.19</a:t>
+              <a:t>29.01.19</a:t>
             </a:fld>
             <a:endParaRPr lang="de-DE"/>
           </a:p>
@@ -7896,7 +7896,7 @@
           <a:p>
             <a:fld id="{F6F4C3C5-764B-B744-AF8A-FA81F43DC7F0}" type="datetime1">
               <a:rPr lang="de-DE" smtClean="0"/>
-              <a:t>22.01.19</a:t>
+              <a:t>29.01.19</a:t>
             </a:fld>
             <a:endParaRPr lang="en-GB"/>
           </a:p>
@@ -8074,7 +8074,7 @@
           <a:p>
             <a:fld id="{4BE354BD-6085-E840-9C4D-F86AAD7C8FE7}" type="datetime1">
               <a:rPr lang="de-DE" smtClean="0"/>
-              <a:t>22.01.19</a:t>
+              <a:t>29.01.19</a:t>
             </a:fld>
             <a:endParaRPr lang="en-GB"/>
           </a:p>
@@ -8262,7 +8262,7 @@
           <a:p>
             <a:fld id="{C95AF9F0-72A5-8C48-922A-BEE4FF7E257E}" type="datetime1">
               <a:rPr lang="de-DE" smtClean="0"/>
-              <a:t>22.01.19</a:t>
+              <a:t>29.01.19</a:t>
             </a:fld>
             <a:endParaRPr lang="en-GB"/>
           </a:p>
@@ -8440,7 +8440,7 @@
           <a:p>
             <a:fld id="{7F8D9695-AF90-6941-BE29-F53A2D77A903}" type="datetime1">
               <a:rPr lang="de-DE" smtClean="0"/>
-              <a:t>22.01.19</a:t>
+              <a:t>29.01.19</a:t>
             </a:fld>
             <a:endParaRPr lang="en-GB"/>
           </a:p>
@@ -8723,7 +8723,7 @@
           <a:p>
             <a:fld id="{DFAB2C26-5F58-E04E-B699-86D2EA1B83A7}" type="datetime1">
               <a:rPr lang="de-DE" smtClean="0"/>
-              <a:t>22.01.19</a:t>
+              <a:t>29.01.19</a:t>
             </a:fld>
             <a:endParaRPr lang="en-GB"/>
           </a:p>
@@ -8944,7 +8944,7 @@
           <a:p>
             <a:fld id="{ABC424DB-1E40-9C4B-84BE-CDF06229AA9E}" type="datetime1">
               <a:rPr lang="de-DE" smtClean="0"/>
-              <a:t>22.01.19</a:t>
+              <a:t>29.01.19</a:t>
             </a:fld>
             <a:endParaRPr lang="en-GB"/>
           </a:p>
@@ -9320,7 +9320,7 @@
           <a:p>
             <a:fld id="{5C7FBD36-A94A-8846-9DB4-221FF8B7EDF2}" type="datetime1">
               <a:rPr lang="de-DE" smtClean="0"/>
-              <a:t>22.01.19</a:t>
+              <a:t>29.01.19</a:t>
             </a:fld>
             <a:endParaRPr lang="en-GB"/>
           </a:p>
@@ -9465,7 +9465,7 @@
           <a:p>
             <a:fld id="{B873F7D2-0312-9445-8C05-81F380E2AAC3}" type="datetime1">
               <a:rPr lang="de-DE" smtClean="0"/>
-              <a:t>22.01.19</a:t>
+              <a:t>29.01.19</a:t>
             </a:fld>
             <a:endParaRPr lang="en-GB"/>
           </a:p>
@@ -9581,7 +9581,7 @@
           <a:p>
             <a:fld id="{7D6AC989-38C1-154C-88DA-083754726A07}" type="datetime1">
               <a:rPr lang="de-DE" smtClean="0"/>
-              <a:t>22.01.19</a:t>
+              <a:t>29.01.19</a:t>
             </a:fld>
             <a:endParaRPr lang="en-GB"/>
           </a:p>
@@ -9876,7 +9876,7 @@
           <a:p>
             <a:fld id="{50751A78-3AB4-1B42-B747-4E2F9FF2FD27}" type="datetime1">
               <a:rPr lang="de-DE" smtClean="0"/>
-              <a:t>22.01.19</a:t>
+              <a:t>29.01.19</a:t>
             </a:fld>
             <a:endParaRPr lang="en-GB"/>
           </a:p>
@@ -10172,7 +10172,7 @@
           <a:p>
             <a:fld id="{1D95FCBD-23F5-5B4A-8635-92B21388363B}" type="datetime1">
               <a:rPr lang="de-DE" smtClean="0"/>
-              <a:t>22.01.19</a:t>
+              <a:t>29.01.19</a:t>
             </a:fld>
             <a:endParaRPr lang="en-GB"/>
           </a:p>
@@ -10393,7 +10393,7 @@
           <a:p>
             <a:fld id="{6FF16F73-DC0C-C747-9C49-21FDFFA6D403}" type="datetime1">
               <a:rPr lang="de-DE" smtClean="0"/>
-              <a:t>22.01.19</a:t>
+              <a:t>29.01.19</a:t>
             </a:fld>
             <a:endParaRPr lang="en-GB"/>
           </a:p>
@@ -11097,25 +11097,30 @@
               <a:buNone/>
             </a:pPr>
             <a:r>
-              <a:rPr lang="de-DE"/>
+              <a:rPr lang="de-DE" dirty="0"/>
               <a:t>Nicht Erreicht wurde: </a:t>
             </a:r>
           </a:p>
           <a:p>
-            <a:endParaRPr lang="de-DE"/>
+            <a:endParaRPr lang="de-DE" dirty="0"/>
           </a:p>
           <a:p>
             <a:r>
-              <a:rPr lang="de-DE"/>
+              <a:rPr lang="de-DE" dirty="0"/>
               <a:t>App </a:t>
             </a:r>
           </a:p>
           <a:p>
             <a:r>
               <a:rPr lang="de-DE"/>
+              <a:t>Globale Statistiken </a:t>
+            </a:r>
+          </a:p>
+          <a:p>
+            <a:r>
+              <a:rPr lang="de-DE" dirty="0"/>
               <a:t>Grafiken für Statistik </a:t>
             </a:r>
-            <a:endParaRPr lang="de-DE" dirty="0"/>
           </a:p>
         </p:txBody>
       </p:sp>
@@ -11147,7 +11152,7 @@
           <a:p>
             <a:fld id="{7F8D9695-AF90-6941-BE29-F53A2D77A903}" type="datetime1">
               <a:rPr lang="de-DE" smtClean="0"/>
-              <a:t>22.01.19</a:t>
+              <a:t>29.01.19</a:t>
             </a:fld>
             <a:endParaRPr lang="en-GB" dirty="0"/>
           </a:p>
@@ -11308,7 +11313,7 @@
           <a:p>
             <a:fld id="{C925B9A5-2C26-AE4D-B87D-FDCB7672961E}" type="datetime1">
               <a:rPr lang="de-DE" smtClean="0"/>
-              <a:t>22.01.19</a:t>
+              <a:t>29.01.19</a:t>
             </a:fld>
             <a:endParaRPr lang="en-GB" dirty="0"/>
           </a:p>
@@ -11704,7 +11709,7 @@
           <a:p>
             <a:fld id="{7F8D9695-AF90-6941-BE29-F53A2D77A903}" type="datetime1">
               <a:rPr lang="de-DE" smtClean="0"/>
-              <a:t>22.01.19</a:t>
+              <a:t>29.01.19</a:t>
             </a:fld>
             <a:endParaRPr lang="en-GB"/>
           </a:p>
@@ -11888,7 +11893,7 @@
           <a:p>
             <a:fld id="{53F32209-A9A1-964E-AE7A-74B597182930}" type="datetime1">
               <a:rPr lang="de-DE" smtClean="0"/>
-              <a:t>22.01.19</a:t>
+              <a:t>29.01.19</a:t>
             </a:fld>
             <a:endParaRPr lang="en-GB"/>
           </a:p>
@@ -12546,7 +12551,7 @@
           <a:p>
             <a:fld id="{7F8D9695-AF90-6941-BE29-F53A2D77A903}" type="datetime1">
               <a:rPr lang="de-DE" smtClean="0"/>
-              <a:t>22.01.19</a:t>
+              <a:t>29.01.19</a:t>
             </a:fld>
             <a:endParaRPr lang="en-GB"/>
           </a:p>
@@ -13602,7 +13607,7 @@
           <a:p>
             <a:fld id="{44936624-53A9-854D-924F-19118245427A}" type="datetime1">
               <a:rPr lang="de-DE" smtClean="0"/>
-              <a:t>22.01.19</a:t>
+              <a:t>29.01.19</a:t>
             </a:fld>
             <a:endParaRPr lang="en-GB"/>
           </a:p>
@@ -13797,7 +13802,7 @@
           <a:p>
             <a:fld id="{44936624-53A9-854D-924F-19118245427A}" type="datetime1">
               <a:rPr lang="de-DE" smtClean="0"/>
-              <a:t>22.01.19</a:t>
+              <a:t>29.01.19</a:t>
             </a:fld>
             <a:endParaRPr lang="en-GB"/>
           </a:p>
@@ -14366,7 +14371,7 @@
           <a:p>
             <a:fld id="{ABC424DB-1E40-9C4B-84BE-CDF06229AA9E}" type="datetime1">
               <a:rPr lang="de-DE" smtClean="0"/>
-              <a:t>22.01.19</a:t>
+              <a:t>29.01.19</a:t>
             </a:fld>
             <a:endParaRPr lang="en-GB"/>
           </a:p>
@@ -14633,7 +14638,7 @@
           <a:p>
             <a:fld id="{7F8D9695-AF90-6941-BE29-F53A2D77A903}" type="datetime1">
               <a:rPr lang="de-DE" smtClean="0"/>
-              <a:t>22.01.19</a:t>
+              <a:t>29.01.19</a:t>
             </a:fld>
             <a:endParaRPr lang="en-GB" dirty="0"/>
           </a:p>
